--- a/Statistical_Experimentation.pptx
+++ b/Statistical_Experimentation.pptx
@@ -21,20 +21,45 @@
     <p:sldId id="266" r:id="rId15"/>
     <p:sldId id="267" r:id="rId16"/>
     <p:sldId id="269" r:id="rId17"/>
-    <p:sldId id="270" r:id="rId18"/>
-    <p:sldId id="273" r:id="rId19"/>
-    <p:sldId id="278" r:id="rId20"/>
-    <p:sldId id="275" r:id="rId21"/>
-    <p:sldId id="268" r:id="rId22"/>
-    <p:sldId id="271" r:id="rId23"/>
-    <p:sldId id="279" r:id="rId24"/>
-    <p:sldId id="280" r:id="rId25"/>
-    <p:sldId id="281" r:id="rId26"/>
-    <p:sldId id="282" r:id="rId27"/>
-    <p:sldId id="283" r:id="rId28"/>
-    <p:sldId id="284" r:id="rId29"/>
-    <p:sldId id="285" r:id="rId30"/>
-    <p:sldId id="276" r:id="rId31"/>
+    <p:sldId id="300" r:id="rId18"/>
+    <p:sldId id="283" r:id="rId19"/>
+    <p:sldId id="302" r:id="rId20"/>
+    <p:sldId id="270" r:id="rId21"/>
+    <p:sldId id="273" r:id="rId22"/>
+    <p:sldId id="278" r:id="rId23"/>
+    <p:sldId id="275" r:id="rId24"/>
+    <p:sldId id="268" r:id="rId25"/>
+    <p:sldId id="301" r:id="rId26"/>
+    <p:sldId id="271" r:id="rId27"/>
+    <p:sldId id="279" r:id="rId28"/>
+    <p:sldId id="310" r:id="rId29"/>
+    <p:sldId id="280" r:id="rId30"/>
+    <p:sldId id="281" r:id="rId31"/>
+    <p:sldId id="285" r:id="rId32"/>
+    <p:sldId id="282" r:id="rId33"/>
+    <p:sldId id="303" r:id="rId34"/>
+    <p:sldId id="284" r:id="rId35"/>
+    <p:sldId id="289" r:id="rId36"/>
+    <p:sldId id="276" r:id="rId37"/>
+    <p:sldId id="286" r:id="rId38"/>
+    <p:sldId id="287" r:id="rId39"/>
+    <p:sldId id="288" r:id="rId40"/>
+    <p:sldId id="290" r:id="rId41"/>
+    <p:sldId id="291" r:id="rId42"/>
+    <p:sldId id="292" r:id="rId43"/>
+    <p:sldId id="293" r:id="rId44"/>
+    <p:sldId id="305" r:id="rId45"/>
+    <p:sldId id="294" r:id="rId46"/>
+    <p:sldId id="295" r:id="rId47"/>
+    <p:sldId id="296" r:id="rId48"/>
+    <p:sldId id="297" r:id="rId49"/>
+    <p:sldId id="298" r:id="rId50"/>
+    <p:sldId id="299" r:id="rId51"/>
+    <p:sldId id="304" r:id="rId52"/>
+    <p:sldId id="306" r:id="rId53"/>
+    <p:sldId id="307" r:id="rId54"/>
+    <p:sldId id="308" r:id="rId55"/>
+    <p:sldId id="309" r:id="rId56"/>
   </p:sldIdLst>
   <p:sldSz cx="12192000" cy="6858000"/>
   <p:notesSz cx="6858000" cy="9144000"/>
@@ -861,7 +886,7 @@
           <a:p>
             <a:fld id="{DD33691C-5F19-41E5-B321-0F7EE4E2A2F5}" type="datetimeFigureOut">
               <a:rPr lang="en-SG" smtClean="0"/>
-              <a:t>13/11/2022</a:t>
+              <a:t>19 Nov 2022</a:t>
             </a:fld>
             <a:endParaRPr lang="en-SG"/>
           </a:p>
@@ -1061,7 +1086,7 @@
           <a:p>
             <a:fld id="{DD33691C-5F19-41E5-B321-0F7EE4E2A2F5}" type="datetimeFigureOut">
               <a:rPr lang="en-SG" smtClean="0"/>
-              <a:t>13/11/2022</a:t>
+              <a:t>19 Nov 2022</a:t>
             </a:fld>
             <a:endParaRPr lang="en-SG"/>
           </a:p>
@@ -1271,7 +1296,7 @@
           <a:p>
             <a:fld id="{DD33691C-5F19-41E5-B321-0F7EE4E2A2F5}" type="datetimeFigureOut">
               <a:rPr lang="en-SG" smtClean="0"/>
-              <a:t>13/11/2022</a:t>
+              <a:t>19 Nov 2022</a:t>
             </a:fld>
             <a:endParaRPr lang="en-SG"/>
           </a:p>
@@ -1471,7 +1496,7 @@
           <a:p>
             <a:fld id="{DD33691C-5F19-41E5-B321-0F7EE4E2A2F5}" type="datetimeFigureOut">
               <a:rPr lang="en-SG" smtClean="0"/>
-              <a:t>13/11/2022</a:t>
+              <a:t>19 Nov 2022</a:t>
             </a:fld>
             <a:endParaRPr lang="en-SG"/>
           </a:p>
@@ -1747,7 +1772,7 @@
           <a:p>
             <a:fld id="{DD33691C-5F19-41E5-B321-0F7EE4E2A2F5}" type="datetimeFigureOut">
               <a:rPr lang="en-SG" smtClean="0"/>
-              <a:t>13/11/2022</a:t>
+              <a:t>19 Nov 2022</a:t>
             </a:fld>
             <a:endParaRPr lang="en-SG"/>
           </a:p>
@@ -2015,7 +2040,7 @@
           <a:p>
             <a:fld id="{DD33691C-5F19-41E5-B321-0F7EE4E2A2F5}" type="datetimeFigureOut">
               <a:rPr lang="en-SG" smtClean="0"/>
-              <a:t>13/11/2022</a:t>
+              <a:t>19 Nov 2022</a:t>
             </a:fld>
             <a:endParaRPr lang="en-SG"/>
           </a:p>
@@ -2430,7 +2455,7 @@
           <a:p>
             <a:fld id="{DD33691C-5F19-41E5-B321-0F7EE4E2A2F5}" type="datetimeFigureOut">
               <a:rPr lang="en-SG" smtClean="0"/>
-              <a:t>13/11/2022</a:t>
+              <a:t>19 Nov 2022</a:t>
             </a:fld>
             <a:endParaRPr lang="en-SG"/>
           </a:p>
@@ -2572,7 +2597,7 @@
           <a:p>
             <a:fld id="{DD33691C-5F19-41E5-B321-0F7EE4E2A2F5}" type="datetimeFigureOut">
               <a:rPr lang="en-SG" smtClean="0"/>
-              <a:t>13/11/2022</a:t>
+              <a:t>19 Nov 2022</a:t>
             </a:fld>
             <a:endParaRPr lang="en-SG"/>
           </a:p>
@@ -2685,7 +2710,7 @@
           <a:p>
             <a:fld id="{DD33691C-5F19-41E5-B321-0F7EE4E2A2F5}" type="datetimeFigureOut">
               <a:rPr lang="en-SG" smtClean="0"/>
-              <a:t>13/11/2022</a:t>
+              <a:t>19 Nov 2022</a:t>
             </a:fld>
             <a:endParaRPr lang="en-SG"/>
           </a:p>
@@ -2998,7 +3023,7 @@
           <a:p>
             <a:fld id="{DD33691C-5F19-41E5-B321-0F7EE4E2A2F5}" type="datetimeFigureOut">
               <a:rPr lang="en-SG" smtClean="0"/>
-              <a:t>13/11/2022</a:t>
+              <a:t>19 Nov 2022</a:t>
             </a:fld>
             <a:endParaRPr lang="en-SG"/>
           </a:p>
@@ -3287,7 +3312,7 @@
           <a:p>
             <a:fld id="{DD33691C-5F19-41E5-B321-0F7EE4E2A2F5}" type="datetimeFigureOut">
               <a:rPr lang="en-SG" smtClean="0"/>
-              <a:t>13/11/2022</a:t>
+              <a:t>19 Nov 2022</a:t>
             </a:fld>
             <a:endParaRPr lang="en-SG"/>
           </a:p>
@@ -3530,7 +3555,7 @@
           <a:p>
             <a:fld id="{DD33691C-5F19-41E5-B321-0F7EE4E2A2F5}" type="datetimeFigureOut">
               <a:rPr lang="en-SG" smtClean="0"/>
-              <a:t>13/11/2022</a:t>
+              <a:t>19 Nov 2022</a:t>
             </a:fld>
             <a:endParaRPr lang="en-SG"/>
           </a:p>
@@ -3998,9 +4023,20 @@
           <a:lstStyle/>
           <a:p>
             <a:r>
-              <a:rPr lang="en-GB" dirty="0"/>
+              <a:rPr lang="en-GB"/>
               <a:t>Statistical Experimentation</a:t>
             </a:r>
+          </a:p>
+          <a:p>
+            <a:r>
+              <a:rPr lang="en-SG" sz="1600">
+                <a:hlinkClick r:id="rId2"/>
+              </a:rPr>
+              <a:t>https://app.datacamp.com/learn/assessments?technologies=Python</a:t>
+            </a:r>
+            <a:endParaRPr lang="en-GB" sz="1600"/>
+          </a:p>
+          <a:p>
             <a:endParaRPr lang="en-SG" dirty="0"/>
           </a:p>
         </p:txBody>
@@ -4049,7 +4085,7 @@
         </p:nvGrpSpPr>
         <p:grpSpPr>
           <a:xfrm>
-            <a:off x="2882617" y="572767"/>
+            <a:off x="3335423" y="1639840"/>
             <a:ext cx="5521154" cy="3578320"/>
             <a:chOff x="886903" y="209910"/>
             <a:chExt cx="5521154" cy="3578320"/>
@@ -4270,7 +4306,7 @@
         </p:nvGrpSpPr>
         <p:grpSpPr>
           <a:xfrm>
-            <a:off x="3130249" y="435567"/>
+            <a:off x="3350382" y="1529886"/>
             <a:ext cx="5491236" cy="3798228"/>
             <a:chOff x="1533678" y="188824"/>
             <a:chExt cx="5491236" cy="3798228"/>
@@ -4501,7 +4537,7 @@
         </p:nvGrpSpPr>
         <p:grpSpPr>
           <a:xfrm>
-            <a:off x="2681060" y="255361"/>
+            <a:off x="3238157" y="846981"/>
             <a:ext cx="5715686" cy="5164038"/>
             <a:chOff x="2543175" y="219075"/>
             <a:chExt cx="5715686" cy="5164038"/>
@@ -4704,7 +4740,7 @@
         </p:nvGrpSpPr>
         <p:grpSpPr>
           <a:xfrm>
-            <a:off x="3137258" y="226502"/>
+            <a:off x="3365712" y="442519"/>
             <a:ext cx="5460576" cy="5972962"/>
             <a:chOff x="662572" y="226502"/>
             <a:chExt cx="5460576" cy="5972962"/>
@@ -4922,7 +4958,7 @@
         </p:nvGrpSpPr>
         <p:grpSpPr>
           <a:xfrm>
-            <a:off x="2746375" y="394608"/>
+            <a:off x="3045959" y="1515569"/>
             <a:ext cx="6100082" cy="3826861"/>
             <a:chOff x="1280432" y="285750"/>
             <a:chExt cx="6100082" cy="3826861"/>
@@ -5094,7 +5130,7 @@
         </p:nvGrpSpPr>
         <p:grpSpPr>
           <a:xfrm>
-            <a:off x="2724603" y="438150"/>
+            <a:off x="3114902" y="1558820"/>
             <a:ext cx="5962196" cy="3740359"/>
             <a:chOff x="1512660" y="496207"/>
             <a:chExt cx="5962196" cy="3740359"/>
@@ -5269,7 +5305,7 @@
         </p:nvGrpSpPr>
         <p:grpSpPr>
           <a:xfrm>
-            <a:off x="2645174" y="279582"/>
+            <a:off x="3102917" y="1274462"/>
             <a:ext cx="5986165" cy="4309076"/>
             <a:chOff x="1012317" y="221524"/>
             <a:chExt cx="5986165" cy="4309076"/>
@@ -5445,12 +5481,55 @@
           <a:chExt cx="0" cy="0"/>
         </a:xfrm>
       </p:grpSpPr>
+      <p:sp>
+        <p:nvSpPr>
+          <p:cNvPr id="7" name="TextBox 6">
+            <a:extLst>
+              <a:ext uri="{FF2B5EF4-FFF2-40B4-BE49-F238E27FC236}">
+                <a16:creationId xmlns:a16="http://schemas.microsoft.com/office/drawing/2014/main" id="{C384FF4D-07A4-1E45-8A55-C8BCEB2FF27C}"/>
+              </a:ext>
+            </a:extLst>
+          </p:cNvPr>
+          <p:cNvSpPr txBox="1"/>
+          <p:nvPr/>
+        </p:nvSpPr>
+        <p:spPr>
+          <a:xfrm>
+            <a:off x="2750574" y="5403591"/>
+            <a:ext cx="6769510" cy="461665"/>
+          </a:xfrm>
+          <a:prstGeom prst="rect">
+            <a:avLst/>
+          </a:prstGeom>
+          <a:solidFill>
+            <a:schemeClr val="bg1">
+              <a:lumMod val="95000"/>
+            </a:schemeClr>
+          </a:solidFill>
+        </p:spPr>
+        <p:txBody>
+          <a:bodyPr wrap="square">
+            <a:spAutoFit/>
+          </a:bodyPr>
+          <a:lstStyle/>
+          <a:p>
+            <a:r>
+              <a:rPr lang="en-SG" sz="1200" b="1"/>
+              <a:t>ttest_ind</a:t>
+            </a:r>
+            <a:r>
+              <a:rPr lang="en-SG" sz="1200"/>
+              <a:t> calculates the T-test for the means of TWO INDEPENDENT samples of scores. This is a two-sided test for the null hypothesis that 2 independent samples have identical average (expected) values</a:t>
+            </a:r>
+          </a:p>
+        </p:txBody>
+      </p:sp>
       <p:grpSp>
         <p:nvGrpSpPr>
-          <p:cNvPr id="6" name="Group 5">
+          <p:cNvPr id="11" name="Group 10">
             <a:extLst>
               <a:ext uri="{FF2B5EF4-FFF2-40B4-BE49-F238E27FC236}">
-                <a16:creationId xmlns:a16="http://schemas.microsoft.com/office/drawing/2014/main" id="{20CB4ADF-269D-42CC-5A51-C8B5F174BCFE}"/>
+                <a16:creationId xmlns:a16="http://schemas.microsoft.com/office/drawing/2014/main" id="{4AC46D49-FA5C-B746-7F50-0E7CD9B349F3}"/>
               </a:ext>
             </a:extLst>
           </p:cNvPr>
@@ -5459,10 +5538,10 @@
         </p:nvGrpSpPr>
         <p:grpSpPr>
           <a:xfrm>
-            <a:off x="2826004" y="341699"/>
-            <a:ext cx="5761926" cy="4147660"/>
-            <a:chOff x="1519718" y="225585"/>
-            <a:chExt cx="5761926" cy="4147660"/>
+            <a:off x="2552700" y="633259"/>
+            <a:ext cx="7086600" cy="4514850"/>
+            <a:chOff x="2552700" y="1171575"/>
+            <a:chExt cx="7086600" cy="4514850"/>
           </a:xfrm>
         </p:grpSpPr>
         <p:pic>
@@ -5470,7 +5549,7 @@
             <p:cNvPr id="3" name="Picture 2">
               <a:extLst>
                 <a:ext uri="{FF2B5EF4-FFF2-40B4-BE49-F238E27FC236}">
-                  <a16:creationId xmlns:a16="http://schemas.microsoft.com/office/drawing/2014/main" id="{8A9A7FEA-9793-476D-561B-1B5898DCA840}"/>
+                  <a16:creationId xmlns:a16="http://schemas.microsoft.com/office/drawing/2014/main" id="{EC096D94-6540-86A1-15C7-B44C4B78CA57}"/>
                 </a:ext>
               </a:extLst>
             </p:cNvPr>
@@ -5487,8 +5566,8 @@
           </p:blipFill>
           <p:spPr>
             <a:xfrm>
-              <a:off x="1519718" y="225585"/>
-              <a:ext cx="5761926" cy="4147660"/>
+              <a:off x="2552700" y="1171575"/>
+              <a:ext cx="7086600" cy="4514850"/>
             </a:xfrm>
             <a:prstGeom prst="rect">
               <a:avLst/>
@@ -5497,10 +5576,10 @@
         </p:pic>
         <p:sp>
           <p:nvSpPr>
-            <p:cNvPr id="5" name="TextBox 4">
+            <p:cNvPr id="8" name="TextBox 7">
               <a:extLst>
                 <a:ext uri="{FF2B5EF4-FFF2-40B4-BE49-F238E27FC236}">
-                  <a16:creationId xmlns:a16="http://schemas.microsoft.com/office/drawing/2014/main" id="{B7872787-24E2-3B29-D541-1A533F1BDC15}"/>
+                  <a16:creationId xmlns:a16="http://schemas.microsoft.com/office/drawing/2014/main" id="{81D9CDE3-A67B-D125-E443-A70B12018CC6}"/>
                 </a:ext>
               </a:extLst>
             </p:cNvPr>
@@ -5509,8 +5588,8 @@
           </p:nvSpPr>
           <p:spPr>
             <a:xfrm>
-              <a:off x="1828101" y="2215916"/>
-              <a:ext cx="4892013" cy="938719"/>
+              <a:off x="2947679" y="1992725"/>
+              <a:ext cx="6343804" cy="1615827"/>
             </a:xfrm>
             <a:prstGeom prst="rect">
               <a:avLst/>
@@ -5528,163 +5607,111 @@
             <a:lstStyle/>
             <a:p>
               <a:r>
-                <a:rPr lang="en-SG" sz="1100" b="0" i="0" dirty="0">
-                  <a:solidFill>
-                    <a:srgbClr val="24292F"/>
-                  </a:solidFill>
-                  <a:effectLst/>
-                  <a:latin typeface="Consolas" panose="020B0609020204030204" pitchFamily="49" charset="0"/>
-                </a:rPr>
-                <a:t>from </a:t>
-              </a:r>
-              <a:r>
-                <a:rPr lang="en-SG" sz="1100" b="0" i="0" dirty="0" err="1">
-                  <a:solidFill>
-                    <a:srgbClr val="24292F"/>
-                  </a:solidFill>
-                  <a:effectLst/>
-                  <a:latin typeface="Consolas" panose="020B0609020204030204" pitchFamily="49" charset="0"/>
-                </a:rPr>
-                <a:t>scipy</a:t>
-              </a:r>
-              <a:r>
-                <a:rPr lang="en-SG" sz="1100" b="0" i="0" dirty="0">
-                  <a:solidFill>
-                    <a:srgbClr val="24292F"/>
-                  </a:solidFill>
-                  <a:effectLst/>
-                  <a:latin typeface="Consolas" panose="020B0609020204030204" pitchFamily="49" charset="0"/>
-                </a:rPr>
-                <a:t> import stats</a:t>
-              </a:r>
-            </a:p>
-            <a:p>
-              <a:endParaRPr lang="en-SG" sz="1100" b="0" i="0" dirty="0">
-                <a:solidFill>
-                  <a:srgbClr val="24292F"/>
-                </a:solidFill>
-                <a:effectLst/>
+                <a:rPr lang="en-SG" sz="1100">
+                  <a:latin typeface="Consolas" panose="020B0609020204030204" pitchFamily="49" charset="0"/>
+                </a:rPr>
+                <a:t>We have decided to use the T-test in python between two datasets. What does the p-value of the following implementation of the T-test between two datasets in python signify?</a:t>
+              </a:r>
+            </a:p>
+            <a:p>
+              <a:endParaRPr lang="en-SG" sz="1100">
                 <a:latin typeface="Consolas" panose="020B0609020204030204" pitchFamily="49" charset="0"/>
               </a:endParaRPr>
             </a:p>
             <a:p>
-              <a:r>
-                <a:rPr lang="en-SG" sz="1100" b="0" i="0" dirty="0" err="1">
-                  <a:effectLst/>
-                  <a:latin typeface="Consolas" panose="020B0609020204030204" pitchFamily="49" charset="0"/>
-                </a:rPr>
-                <a:t>tstat</a:t>
-              </a:r>
-              <a:r>
-                <a:rPr lang="en-SG" sz="1100" b="0" i="0" dirty="0">
-                  <a:effectLst/>
-                  <a:latin typeface="Consolas" panose="020B0609020204030204" pitchFamily="49" charset="0"/>
-                </a:rPr>
-                <a:t>, </a:t>
-              </a:r>
-              <a:r>
-                <a:rPr lang="en-SG" sz="1100" b="0" i="0" dirty="0" err="1">
-                  <a:effectLst/>
-                  <a:latin typeface="Consolas" panose="020B0609020204030204" pitchFamily="49" charset="0"/>
-                </a:rPr>
-                <a:t>pval</a:t>
-              </a:r>
-              <a:r>
-                <a:rPr lang="en-SG" sz="1100" b="0" i="0" dirty="0">
-                  <a:effectLst/>
-                  <a:latin typeface="Consolas" panose="020B0609020204030204" pitchFamily="49" charset="0"/>
-                </a:rPr>
-                <a:t> = </a:t>
-              </a:r>
-              <a:r>
-                <a:rPr lang="en-SG" sz="1100" b="0" i="0" dirty="0" err="1">
-                  <a:solidFill>
-                    <a:srgbClr val="FF0000"/>
-                  </a:solidFill>
-                  <a:effectLst/>
-                  <a:latin typeface="Consolas" panose="020B0609020204030204" pitchFamily="49" charset="0"/>
-                </a:rPr>
-                <a:t>stats.ttest_ind</a:t>
-              </a:r>
-              <a:r>
-                <a:rPr lang="en-SG" sz="1100" b="0" i="0" dirty="0">
-                  <a:effectLst/>
-                  <a:latin typeface="Consolas" panose="020B0609020204030204" pitchFamily="49" charset="0"/>
-                </a:rPr>
-                <a:t>(</a:t>
-              </a:r>
-              <a:r>
-                <a:rPr lang="en-SG" sz="1100" b="0" i="0" dirty="0" err="1">
-                  <a:effectLst/>
-                  <a:latin typeface="Consolas" panose="020B0609020204030204" pitchFamily="49" charset="0"/>
-                </a:rPr>
-                <a:t>new_batteries</a:t>
-              </a:r>
-              <a:r>
-                <a:rPr lang="en-SG" sz="1100" b="0" i="0" dirty="0">
-                  <a:effectLst/>
-                  <a:latin typeface="Consolas" panose="020B0609020204030204" pitchFamily="49" charset="0"/>
-                </a:rPr>
-                <a:t>, </a:t>
-              </a:r>
-              <a:r>
-                <a:rPr lang="en-SG" sz="1100" b="0" i="0" dirty="0" err="1">
-                  <a:effectLst/>
-                  <a:latin typeface="Consolas" panose="020B0609020204030204" pitchFamily="49" charset="0"/>
-                </a:rPr>
-                <a:t>old_batteries</a:t>
-              </a:r>
-              <a:r>
-                <a:rPr lang="en-SG" sz="1100" b="0" i="0" dirty="0">
-                  <a:effectLst/>
-                  <a:latin typeface="Consolas" panose="020B0609020204030204" pitchFamily="49" charset="0"/>
-                </a:rPr>
-                <a:t>)</a:t>
-              </a:r>
-            </a:p>
-            <a:p>
-              <a:endParaRPr lang="en-SG" sz="1100" b="0" i="0" dirty="0">
-                <a:solidFill>
-                  <a:srgbClr val="24292F"/>
-                </a:solidFill>
-                <a:effectLst/>
+              <a:endParaRPr lang="en-SG" sz="1100">
                 <a:latin typeface="Consolas" panose="020B0609020204030204" pitchFamily="49" charset="0"/>
               </a:endParaRPr>
             </a:p>
             <a:p>
               <a:r>
-                <a:rPr lang="en-SG" sz="1100" b="0" i="0" dirty="0">
-                  <a:solidFill>
-                    <a:srgbClr val="24292F"/>
-                  </a:solidFill>
-                  <a:effectLst/>
-                  <a:latin typeface="Consolas" panose="020B0609020204030204" pitchFamily="49" charset="0"/>
-                </a:rPr>
-                <a:t>print(</a:t>
-              </a:r>
-              <a:r>
-                <a:rPr lang="en-SG" sz="1100" b="0" i="0" dirty="0" err="1">
-                  <a:solidFill>
-                    <a:srgbClr val="24292F"/>
-                  </a:solidFill>
-                  <a:effectLst/>
-                  <a:latin typeface="Consolas" panose="020B0609020204030204" pitchFamily="49" charset="0"/>
-                </a:rPr>
-                <a:t>pval</a:t>
-              </a:r>
-              <a:r>
-                <a:rPr lang="en-SG" sz="1100" b="0" i="0" dirty="0">
-                  <a:solidFill>
-                    <a:srgbClr val="24292F"/>
-                  </a:solidFill>
-                  <a:effectLst/>
-                  <a:latin typeface="Consolas" panose="020B0609020204030204" pitchFamily="49" charset="0"/>
-                </a:rPr>
-                <a:t>)</a:t>
-              </a:r>
+                <a:rPr lang="en-SG" sz="1100">
+                  <a:latin typeface="Consolas" panose="020B0609020204030204" pitchFamily="49" charset="0"/>
+                </a:rPr>
+                <a:t>from scipy.stats import ttest_ind</a:t>
+              </a:r>
+            </a:p>
+            <a:p>
+              <a:endParaRPr lang="en-SG" sz="1100">
+                <a:latin typeface="Consolas" panose="020B0609020204030204" pitchFamily="49" charset="0"/>
+              </a:endParaRPr>
+            </a:p>
+            <a:p>
+              <a:r>
+                <a:rPr lang="en-SG" sz="1100">
+                  <a:latin typeface="Consolas" panose="020B0609020204030204" pitchFamily="49" charset="0"/>
+                </a:rPr>
+                <a:t>t_stat, p = </a:t>
+              </a:r>
+              <a:r>
+                <a:rPr lang="en-SG" sz="1100" b="1">
+                  <a:latin typeface="Consolas" panose="020B0609020204030204" pitchFamily="49" charset="0"/>
+                </a:rPr>
+                <a:t>ttest_ind</a:t>
+              </a:r>
+              <a:r>
+                <a:rPr lang="en-SG" sz="1100">
+                  <a:latin typeface="Consolas" panose="020B0609020204030204" pitchFamily="49" charset="0"/>
+                </a:rPr>
+                <a:t>(data1, data2)</a:t>
+              </a:r>
+            </a:p>
+            <a:p>
               <a:endParaRPr lang="en-SG" sz="1100" dirty="0">
                 <a:latin typeface="Consolas" panose="020B0609020204030204" pitchFamily="49" charset="0"/>
               </a:endParaRPr>
+            </a:p>
+          </p:txBody>
+        </p:sp>
+        <p:sp>
+          <p:nvSpPr>
+            <p:cNvPr id="10" name="Rectangle 9">
+              <a:extLst>
+                <a:ext uri="{FF2B5EF4-FFF2-40B4-BE49-F238E27FC236}">
+                  <a16:creationId xmlns:a16="http://schemas.microsoft.com/office/drawing/2014/main" id="{C7302DFE-88DF-5EF7-C37E-3D36E08A84CD}"/>
+                </a:ext>
+              </a:extLst>
+            </p:cNvPr>
+            <p:cNvSpPr/>
+            <p:nvPr/>
+          </p:nvSpPr>
+          <p:spPr>
+            <a:xfrm>
+              <a:off x="2750574" y="4247535"/>
+              <a:ext cx="6769510" cy="427704"/>
+            </a:xfrm>
+            <a:prstGeom prst="rect">
+              <a:avLst/>
+            </a:prstGeom>
+            <a:noFill/>
+            <a:ln>
+              <a:solidFill>
+                <a:srgbClr val="FF0000"/>
+              </a:solidFill>
+            </a:ln>
+          </p:spPr>
+          <p:style>
+            <a:lnRef idx="2">
+              <a:schemeClr val="accent1">
+                <a:shade val="50000"/>
+              </a:schemeClr>
+            </a:lnRef>
+            <a:fillRef idx="1">
+              <a:schemeClr val="accent1"/>
+            </a:fillRef>
+            <a:effectRef idx="0">
+              <a:schemeClr val="accent1"/>
+            </a:effectRef>
+            <a:fontRef idx="minor">
+              <a:schemeClr val="lt1"/>
+            </a:fontRef>
+          </p:style>
+          <p:txBody>
+            <a:bodyPr rtlCol="0" anchor="ctr"/>
+            <a:lstStyle/>
+            <a:p>
+              <a:pPr algn="ctr"/>
+              <a:endParaRPr lang="en-SG"/>
             </a:p>
           </p:txBody>
         </p:sp>
@@ -5692,7 +5719,7 @@
     </p:spTree>
     <p:extLst>
       <p:ext uri="{BB962C8B-B14F-4D97-AF65-F5344CB8AC3E}">
-        <p14:creationId xmlns:p14="http://schemas.microsoft.com/office/powerpoint/2010/main" val="3159750723"/>
+        <p14:creationId xmlns:p14="http://schemas.microsoft.com/office/powerpoint/2010/main" val="2438304848"/>
       </p:ext>
     </p:extLst>
   </p:cSld>
@@ -5724,7 +5751,7 @@
           <p:cNvPr id="7" name="Group 6">
             <a:extLst>
               <a:ext uri="{FF2B5EF4-FFF2-40B4-BE49-F238E27FC236}">
-                <a16:creationId xmlns:a16="http://schemas.microsoft.com/office/drawing/2014/main" id="{B15FB934-4373-4A57-4E2D-03B22C766737}"/>
+                <a16:creationId xmlns:a16="http://schemas.microsoft.com/office/drawing/2014/main" id="{D275303D-CC97-927C-868B-F03FBAD53716}"/>
               </a:ext>
             </a:extLst>
           </p:cNvPr>
@@ -5733,10 +5760,10 @@
         </p:nvGrpSpPr>
         <p:grpSpPr>
           <a:xfrm>
-            <a:off x="2714951" y="394594"/>
-            <a:ext cx="5845815" cy="3714365"/>
-            <a:chOff x="2526265" y="336537"/>
-            <a:chExt cx="5845815" cy="3714365"/>
+            <a:off x="2714625" y="1052512"/>
+            <a:ext cx="6762750" cy="4752975"/>
+            <a:chOff x="2714625" y="1052512"/>
+            <a:chExt cx="6762750" cy="4752975"/>
           </a:xfrm>
         </p:grpSpPr>
         <p:pic>
@@ -5744,7 +5771,7 @@
             <p:cNvPr id="3" name="Picture 2">
               <a:extLst>
                 <a:ext uri="{FF2B5EF4-FFF2-40B4-BE49-F238E27FC236}">
-                  <a16:creationId xmlns:a16="http://schemas.microsoft.com/office/drawing/2014/main" id="{FAA26E75-4734-39AD-CAD1-B51103AE2B67}"/>
+                  <a16:creationId xmlns:a16="http://schemas.microsoft.com/office/drawing/2014/main" id="{E41EA737-BA79-DD67-CE9A-A6042142A2BF}"/>
                 </a:ext>
               </a:extLst>
             </p:cNvPr>
@@ -5761,8 +5788,8 @@
           </p:blipFill>
           <p:spPr>
             <a:xfrm>
-              <a:off x="2526265" y="336537"/>
-              <a:ext cx="5845815" cy="3714365"/>
+              <a:off x="2714625" y="1052512"/>
+              <a:ext cx="6762750" cy="4752975"/>
             </a:xfrm>
             <a:prstGeom prst="rect">
               <a:avLst/>
@@ -5771,10 +5798,10 @@
         </p:pic>
         <p:sp>
           <p:nvSpPr>
-            <p:cNvPr id="6" name="TextBox 5">
+            <p:cNvPr id="4" name="TextBox 3">
               <a:extLst>
                 <a:ext uri="{FF2B5EF4-FFF2-40B4-BE49-F238E27FC236}">
-                  <a16:creationId xmlns:a16="http://schemas.microsoft.com/office/drawing/2014/main" id="{7AE5F2BF-B6DB-0269-AE8D-17DFDF192E72}"/>
+                  <a16:creationId xmlns:a16="http://schemas.microsoft.com/office/drawing/2014/main" id="{9F373318-6B4D-B12F-14B5-4CEFB0281588}"/>
                 </a:ext>
               </a:extLst>
             </p:cNvPr>
@@ -5783,8 +5810,8 @@
           </p:nvSpPr>
           <p:spPr>
             <a:xfrm>
-              <a:off x="2875160" y="1896601"/>
-              <a:ext cx="4892013" cy="938719"/>
+              <a:off x="3103285" y="2735826"/>
+              <a:ext cx="4655004" cy="1107996"/>
             </a:xfrm>
             <a:prstGeom prst="rect">
               <a:avLst/>
@@ -5802,115 +5829,118 @@
             <a:lstStyle/>
             <a:p>
               <a:r>
-                <a:rPr lang="en-SG" sz="1100" dirty="0">
-                  <a:latin typeface="Consolas" panose="020B0609020204030204" pitchFamily="49" charset="0"/>
-                </a:rPr>
-                <a:t>from </a:t>
-              </a:r>
-              <a:r>
-                <a:rPr lang="en-SG" sz="1100" dirty="0" err="1">
-                  <a:latin typeface="Consolas" panose="020B0609020204030204" pitchFamily="49" charset="0"/>
-                </a:rPr>
-                <a:t>scipy</a:t>
-              </a:r>
-              <a:r>
-                <a:rPr lang="en-SG" sz="1100" dirty="0">
-                  <a:latin typeface="Consolas" panose="020B0609020204030204" pitchFamily="49" charset="0"/>
-                </a:rPr>
-                <a:t> import stats</a:t>
-              </a:r>
-            </a:p>
-            <a:p>
+                <a:rPr lang="en-SG" sz="1100">
+                  <a:latin typeface="Consolas" panose="020B0609020204030204" pitchFamily="49" charset="0"/>
+                </a:rPr>
+                <a:t>from scipy.stats import ttest_ind</a:t>
+              </a:r>
+            </a:p>
+            <a:p>
+              <a:r>
+                <a:rPr lang="en-SG" sz="1100">
+                  <a:latin typeface="Consolas" panose="020B0609020204030204" pitchFamily="49" charset="0"/>
+                </a:rPr>
+                <a:t>a = [15, 12, 7, 98]</a:t>
+              </a:r>
+            </a:p>
+            <a:p>
+              <a:r>
+                <a:rPr lang="en-SG" sz="1100">
+                  <a:latin typeface="Consolas" panose="020B0609020204030204" pitchFamily="49" charset="0"/>
+                </a:rPr>
+                <a:t>b = [2, 20, 8, 28]</a:t>
+              </a:r>
+            </a:p>
+            <a:p>
+              <a:endParaRPr lang="en-SG" sz="1100">
+                <a:latin typeface="Consolas" panose="020B0609020204030204" pitchFamily="49" charset="0"/>
+              </a:endParaRPr>
+            </a:p>
+            <a:p>
+              <a:r>
+                <a:rPr lang="en-SG" sz="1100">
+                  <a:latin typeface="Consolas" panose="020B0609020204030204" pitchFamily="49" charset="0"/>
+                </a:rPr>
+                <a:t>stat, p = </a:t>
+              </a:r>
+              <a:r>
+                <a:rPr lang="en-SG" sz="1100">
+                  <a:solidFill>
+                    <a:srgbClr val="FF0000"/>
+                  </a:solidFill>
+                  <a:latin typeface="Consolas" panose="020B0609020204030204" pitchFamily="49" charset="0"/>
+                </a:rPr>
+                <a:t>ttest_ind</a:t>
+              </a:r>
+              <a:r>
+                <a:rPr lang="en-SG" sz="1100">
+                  <a:latin typeface="Consolas" panose="020B0609020204030204" pitchFamily="49" charset="0"/>
+                </a:rPr>
+                <a:t>(a, b)</a:t>
+              </a:r>
+            </a:p>
+            <a:p>
+              <a:r>
+                <a:rPr lang="en-SG" sz="1100">
+                  <a:latin typeface="Consolas" panose="020B0609020204030204" pitchFamily="49" charset="0"/>
+                </a:rPr>
+                <a:t>print(stat,p)</a:t>
+              </a:r>
               <a:endParaRPr lang="en-SG" sz="1100" dirty="0">
                 <a:latin typeface="Consolas" panose="020B0609020204030204" pitchFamily="49" charset="0"/>
               </a:endParaRPr>
             </a:p>
-            <a:p>
-              <a:r>
-                <a:rPr lang="en-SG" sz="1100" dirty="0">
-                  <a:latin typeface="Consolas" panose="020B0609020204030204" pitchFamily="49" charset="0"/>
-                </a:rPr>
-                <a:t>test= </a:t>
-              </a:r>
-              <a:r>
-                <a:rPr lang="en-SG" sz="1100" dirty="0" err="1">
-                  <a:solidFill>
-                    <a:srgbClr val="FF0000"/>
-                  </a:solidFill>
-                  <a:latin typeface="Consolas" panose="020B0609020204030204" pitchFamily="49" charset="0"/>
-                </a:rPr>
-                <a:t>stats.ttest_ind</a:t>
-              </a:r>
-              <a:r>
-                <a:rPr lang="en-SG" sz="1100" dirty="0">
-                  <a:solidFill>
-                    <a:srgbClr val="FF0000"/>
-                  </a:solidFill>
-                  <a:latin typeface="Consolas" panose="020B0609020204030204" pitchFamily="49" charset="0"/>
-                </a:rPr>
-                <a:t>(</a:t>
-              </a:r>
-              <a:r>
-                <a:rPr lang="en-SG" sz="1100" dirty="0" err="1">
-                  <a:solidFill>
-                    <a:srgbClr val="FF0000"/>
-                  </a:solidFill>
-                  <a:latin typeface="Consolas" panose="020B0609020204030204" pitchFamily="49" charset="0"/>
-                </a:rPr>
-                <a:t>group_a</a:t>
-              </a:r>
-              <a:r>
-                <a:rPr lang="en-SG" sz="1100" dirty="0">
-                  <a:solidFill>
-                    <a:srgbClr val="FF0000"/>
-                  </a:solidFill>
-                  <a:latin typeface="Consolas" panose="020B0609020204030204" pitchFamily="49" charset="0"/>
-                </a:rPr>
-                <a:t>, </a:t>
-              </a:r>
-              <a:r>
-                <a:rPr lang="en-SG" sz="1100" dirty="0" err="1">
-                  <a:solidFill>
-                    <a:srgbClr val="FF0000"/>
-                  </a:solidFill>
-                  <a:latin typeface="Consolas" panose="020B0609020204030204" pitchFamily="49" charset="0"/>
-                </a:rPr>
-                <a:t>group_b</a:t>
-              </a:r>
-              <a:r>
-                <a:rPr lang="en-SG" sz="1100" dirty="0">
-                  <a:solidFill>
-                    <a:srgbClr val="FF0000"/>
-                  </a:solidFill>
-                  <a:latin typeface="Consolas" panose="020B0609020204030204" pitchFamily="49" charset="0"/>
-                </a:rPr>
-                <a:t>)</a:t>
-              </a:r>
-            </a:p>
-            <a:p>
-              <a:endParaRPr lang="en-SG" sz="1100" dirty="0">
-                <a:latin typeface="Consolas" panose="020B0609020204030204" pitchFamily="49" charset="0"/>
-              </a:endParaRPr>
-            </a:p>
-            <a:p>
-              <a:r>
-                <a:rPr lang="en-SG" sz="1100" dirty="0">
-                  <a:latin typeface="Consolas" panose="020B0609020204030204" pitchFamily="49" charset="0"/>
-                </a:rPr>
-                <a:t>print(</a:t>
-              </a:r>
-              <a:r>
-                <a:rPr lang="en-SG" sz="1100" dirty="0" err="1">
-                  <a:latin typeface="Consolas" panose="020B0609020204030204" pitchFamily="49" charset="0"/>
-                </a:rPr>
-                <a:t>test.pvalue.round</a:t>
-              </a:r>
-              <a:r>
-                <a:rPr lang="en-SG" sz="1100" dirty="0">
-                  <a:latin typeface="Consolas" panose="020B0609020204030204" pitchFamily="49" charset="0"/>
-                </a:rPr>
-                <a:t>(3))</a:t>
-              </a:r>
+          </p:txBody>
+        </p:sp>
+        <p:sp>
+          <p:nvSpPr>
+            <p:cNvPr id="5" name="Rectangle 4">
+              <a:extLst>
+                <a:ext uri="{FF2B5EF4-FFF2-40B4-BE49-F238E27FC236}">
+                  <a16:creationId xmlns:a16="http://schemas.microsoft.com/office/drawing/2014/main" id="{EBA8F801-8513-EDB0-6463-7D193B72CB55}"/>
+                </a:ext>
+              </a:extLst>
+            </p:cNvPr>
+            <p:cNvSpPr/>
+            <p:nvPr/>
+          </p:nvSpPr>
+          <p:spPr>
+            <a:xfrm>
+              <a:off x="3583859" y="4092678"/>
+              <a:ext cx="929148" cy="420328"/>
+            </a:xfrm>
+            <a:prstGeom prst="rect">
+              <a:avLst/>
+            </a:prstGeom>
+            <a:noFill/>
+            <a:ln>
+              <a:solidFill>
+                <a:srgbClr val="FF0000"/>
+              </a:solidFill>
+            </a:ln>
+          </p:spPr>
+          <p:style>
+            <a:lnRef idx="2">
+              <a:schemeClr val="accent1">
+                <a:shade val="50000"/>
+              </a:schemeClr>
+            </a:lnRef>
+            <a:fillRef idx="1">
+              <a:schemeClr val="accent1"/>
+            </a:fillRef>
+            <a:effectRef idx="0">
+              <a:schemeClr val="accent1"/>
+            </a:effectRef>
+            <a:fontRef idx="minor">
+              <a:schemeClr val="lt1"/>
+            </a:fontRef>
+          </p:style>
+          <p:txBody>
+            <a:bodyPr rtlCol="0" anchor="ctr"/>
+            <a:lstStyle/>
+            <a:p>
+              <a:pPr algn="ctr"/>
+              <a:endParaRPr lang="en-SG"/>
             </a:p>
           </p:txBody>
         </p:sp>
@@ -5918,7 +5948,7 @@
     </p:spTree>
     <p:extLst>
       <p:ext uri="{BB962C8B-B14F-4D97-AF65-F5344CB8AC3E}">
-        <p14:creationId xmlns:p14="http://schemas.microsoft.com/office/powerpoint/2010/main" val="1080515860"/>
+        <p14:creationId xmlns:p14="http://schemas.microsoft.com/office/powerpoint/2010/main" val="3253443680"/>
       </p:ext>
     </p:extLst>
   </p:cSld>
@@ -5947,10 +5977,10 @@
       </p:grpSpPr>
       <p:grpSp>
         <p:nvGrpSpPr>
-          <p:cNvPr id="11" name="Group 10">
+          <p:cNvPr id="8" name="Group 7">
             <a:extLst>
               <a:ext uri="{FF2B5EF4-FFF2-40B4-BE49-F238E27FC236}">
-                <a16:creationId xmlns:a16="http://schemas.microsoft.com/office/drawing/2014/main" id="{25362F91-751C-9F93-22BC-837964E81B0E}"/>
+                <a16:creationId xmlns:a16="http://schemas.microsoft.com/office/drawing/2014/main" id="{EE8EB92A-BFC6-7F17-45FE-B305A49ADFB6}"/>
               </a:ext>
             </a:extLst>
           </p:cNvPr>
@@ -5959,10 +5989,10 @@
         </p:nvGrpSpPr>
         <p:grpSpPr>
           <a:xfrm>
-            <a:off x="2678891" y="395970"/>
-            <a:ext cx="6290123" cy="3938675"/>
-            <a:chOff x="2678891" y="395970"/>
-            <a:chExt cx="6290123" cy="3938675"/>
+            <a:off x="3163144" y="1677016"/>
+            <a:ext cx="5865711" cy="3503968"/>
+            <a:chOff x="2843212" y="1485900"/>
+            <a:chExt cx="5865711" cy="3503968"/>
           </a:xfrm>
         </p:grpSpPr>
         <p:pic>
@@ -5970,7 +6000,7 @@
             <p:cNvPr id="5" name="Picture 4">
               <a:extLst>
                 <a:ext uri="{FF2B5EF4-FFF2-40B4-BE49-F238E27FC236}">
-                  <a16:creationId xmlns:a16="http://schemas.microsoft.com/office/drawing/2014/main" id="{7DE8ED06-125A-F4ED-5D92-67DEBFF27BAE}"/>
+                  <a16:creationId xmlns:a16="http://schemas.microsoft.com/office/drawing/2014/main" id="{3DD3D86B-DF3B-7FE5-ACAA-0245FF237748}"/>
                 </a:ext>
               </a:extLst>
             </p:cNvPr>
@@ -5987,8 +6017,8 @@
           </p:blipFill>
           <p:spPr>
             <a:xfrm>
-              <a:off x="2678891" y="395970"/>
-              <a:ext cx="6290123" cy="3938675"/>
+              <a:off x="2843212" y="1485900"/>
+              <a:ext cx="5865711" cy="3503968"/>
             </a:xfrm>
             <a:prstGeom prst="rect">
               <a:avLst/>
@@ -5997,10 +6027,10 @@
         </p:pic>
         <p:sp>
           <p:nvSpPr>
-            <p:cNvPr id="10" name="TextBox 9">
+            <p:cNvPr id="6" name="TextBox 5">
               <a:extLst>
                 <a:ext uri="{FF2B5EF4-FFF2-40B4-BE49-F238E27FC236}">
-                  <a16:creationId xmlns:a16="http://schemas.microsoft.com/office/drawing/2014/main" id="{ED42D83B-C697-FD2D-BEF0-CA9ED43DDC49}"/>
+                  <a16:creationId xmlns:a16="http://schemas.microsoft.com/office/drawing/2014/main" id="{FB17E65B-C4A2-3197-59BD-9A58EA9EADB5}"/>
                 </a:ext>
               </a:extLst>
             </p:cNvPr>
@@ -6009,8 +6039,8 @@
           </p:nvSpPr>
           <p:spPr>
             <a:xfrm>
-              <a:off x="3063846" y="1910461"/>
-              <a:ext cx="4892013" cy="938719"/>
+              <a:off x="3191774" y="2968245"/>
+              <a:ext cx="4655004" cy="769441"/>
             </a:xfrm>
             <a:prstGeom prst="rect">
               <a:avLst/>
@@ -6028,82 +6058,44 @@
             <a:lstStyle/>
             <a:p>
               <a:r>
-                <a:rPr lang="en-SG" sz="1100" dirty="0">
-                  <a:latin typeface="Consolas" panose="020B0609020204030204" pitchFamily="49" charset="0"/>
-                </a:rPr>
-                <a:t>import </a:t>
-              </a:r>
-              <a:r>
-                <a:rPr lang="en-SG" sz="1100" dirty="0" err="1">
-                  <a:latin typeface="Consolas" panose="020B0609020204030204" pitchFamily="49" charset="0"/>
-                </a:rPr>
-                <a:t>numpy</a:t>
-              </a:r>
-              <a:r>
-                <a:rPr lang="en-SG" sz="1100" dirty="0">
-                  <a:latin typeface="Consolas" panose="020B0609020204030204" pitchFamily="49" charset="0"/>
-                </a:rPr>
-                <a:t> as np</a:t>
-              </a:r>
-            </a:p>
-            <a:p>
-              <a:r>
-                <a:rPr lang="en-SG" sz="1100" dirty="0">
-                  <a:latin typeface="Consolas" panose="020B0609020204030204" pitchFamily="49" charset="0"/>
-                </a:rPr>
-                <a:t>from </a:t>
-              </a:r>
-              <a:r>
-                <a:rPr lang="en-SG" sz="1100" dirty="0" err="1">
-                  <a:latin typeface="Consolas" panose="020B0609020204030204" pitchFamily="49" charset="0"/>
-                </a:rPr>
-                <a:t>scipy.stats</a:t>
-              </a:r>
-              <a:r>
-                <a:rPr lang="en-SG" sz="1100" dirty="0">
-                  <a:latin typeface="Consolas" panose="020B0609020204030204" pitchFamily="49" charset="0"/>
-                </a:rPr>
-                <a:t> import norm</a:t>
+                <a:rPr lang="en-SG" sz="1100">
+                  <a:latin typeface="Consolas" panose="020B0609020204030204" pitchFamily="49" charset="0"/>
+                </a:rPr>
+                <a:t>results = stats.</a:t>
+              </a:r>
+              <a:r>
+                <a:rPr lang="en-SG" sz="1100">
+                  <a:solidFill>
+                    <a:srgbClr val="FF0000"/>
+                  </a:solidFill>
+                  <a:latin typeface="Consolas" panose="020B0609020204030204" pitchFamily="49" charset="0"/>
+                </a:rPr>
+                <a:t>ttest_ind</a:t>
+              </a:r>
+              <a:r>
+                <a:rPr lang="en-SG" sz="1100">
+                  <a:latin typeface="Consolas" panose="020B0609020204030204" pitchFamily="49" charset="0"/>
+                </a:rPr>
+                <a:t>(a, b)</a:t>
+              </a:r>
+            </a:p>
+            <a:p>
+              <a:endParaRPr lang="en-SG" sz="1100">
+                <a:latin typeface="Consolas" panose="020B0609020204030204" pitchFamily="49" charset="0"/>
+              </a:endParaRPr>
+            </a:p>
+            <a:p>
+              <a:r>
+                <a:rPr lang="en-SG" sz="1100">
+                  <a:latin typeface="Consolas" panose="020B0609020204030204" pitchFamily="49" charset="0"/>
+                </a:rPr>
+                <a:t>print(results.pvalue)</a:t>
               </a:r>
             </a:p>
             <a:p>
               <a:endParaRPr lang="en-SG" sz="1100" dirty="0">
                 <a:latin typeface="Consolas" panose="020B0609020204030204" pitchFamily="49" charset="0"/>
               </a:endParaRPr>
-            </a:p>
-            <a:p>
-              <a:r>
-                <a:rPr lang="en-SG" sz="1100" dirty="0">
-                  <a:latin typeface="Consolas" panose="020B0609020204030204" pitchFamily="49" charset="0"/>
-                </a:rPr>
-                <a:t>sample = </a:t>
-              </a:r>
-              <a:r>
-                <a:rPr lang="en-SG" sz="1100" dirty="0" err="1">
-                  <a:solidFill>
-                    <a:srgbClr val="FF0000"/>
-                  </a:solidFill>
-                  <a:latin typeface="Consolas" panose="020B0609020204030204" pitchFamily="49" charset="0"/>
-                </a:rPr>
-                <a:t>np.random.normal</a:t>
-              </a:r>
-              <a:r>
-                <a:rPr lang="en-SG" sz="1100" dirty="0">
-                  <a:solidFill>
-                    <a:srgbClr val="FF0000"/>
-                  </a:solidFill>
-                  <a:latin typeface="Consolas" panose="020B0609020204030204" pitchFamily="49" charset="0"/>
-                </a:rPr>
-                <a:t>(30, 5, 1000000)</a:t>
-              </a:r>
-            </a:p>
-            <a:p>
-              <a:r>
-                <a:rPr lang="en-SG" sz="1100" dirty="0">
-                  <a:latin typeface="Consolas" panose="020B0609020204030204" pitchFamily="49" charset="0"/>
-                </a:rPr>
-                <a:t>print(sample)</a:t>
-              </a:r>
             </a:p>
           </p:txBody>
         </p:sp>
@@ -6111,7 +6103,7 @@
     </p:spTree>
     <p:extLst>
       <p:ext uri="{BB962C8B-B14F-4D97-AF65-F5344CB8AC3E}">
-        <p14:creationId xmlns:p14="http://schemas.microsoft.com/office/powerpoint/2010/main" val="2274388188"/>
+        <p14:creationId xmlns:p14="http://schemas.microsoft.com/office/powerpoint/2010/main" val="3366565631"/>
       </p:ext>
     </p:extLst>
   </p:cSld>
@@ -6523,6 +6515,738 @@
           <p:cNvPr id="6" name="Group 5">
             <a:extLst>
               <a:ext uri="{FF2B5EF4-FFF2-40B4-BE49-F238E27FC236}">
+                <a16:creationId xmlns:a16="http://schemas.microsoft.com/office/drawing/2014/main" id="{20CB4ADF-269D-42CC-5A51-C8B5F174BCFE}"/>
+              </a:ext>
+            </a:extLst>
+          </p:cNvPr>
+          <p:cNvGrpSpPr/>
+          <p:nvPr/>
+        </p:nvGrpSpPr>
+        <p:grpSpPr>
+          <a:xfrm>
+            <a:off x="2826004" y="341699"/>
+            <a:ext cx="5761926" cy="4147660"/>
+            <a:chOff x="1519718" y="225585"/>
+            <a:chExt cx="5761926" cy="4147660"/>
+          </a:xfrm>
+        </p:grpSpPr>
+        <p:pic>
+          <p:nvPicPr>
+            <p:cNvPr id="3" name="Picture 2">
+              <a:extLst>
+                <a:ext uri="{FF2B5EF4-FFF2-40B4-BE49-F238E27FC236}">
+                  <a16:creationId xmlns:a16="http://schemas.microsoft.com/office/drawing/2014/main" id="{8A9A7FEA-9793-476D-561B-1B5898DCA840}"/>
+                </a:ext>
+              </a:extLst>
+            </p:cNvPr>
+            <p:cNvPicPr>
+              <a:picLocks noChangeAspect="1"/>
+            </p:cNvPicPr>
+            <p:nvPr/>
+          </p:nvPicPr>
+          <p:blipFill>
+            <a:blip r:embed="rId2"/>
+            <a:stretch>
+              <a:fillRect/>
+            </a:stretch>
+          </p:blipFill>
+          <p:spPr>
+            <a:xfrm>
+              <a:off x="1519718" y="225585"/>
+              <a:ext cx="5761926" cy="4147660"/>
+            </a:xfrm>
+            <a:prstGeom prst="rect">
+              <a:avLst/>
+            </a:prstGeom>
+          </p:spPr>
+        </p:pic>
+        <p:sp>
+          <p:nvSpPr>
+            <p:cNvPr id="5" name="TextBox 4">
+              <a:extLst>
+                <a:ext uri="{FF2B5EF4-FFF2-40B4-BE49-F238E27FC236}">
+                  <a16:creationId xmlns:a16="http://schemas.microsoft.com/office/drawing/2014/main" id="{B7872787-24E2-3B29-D541-1A533F1BDC15}"/>
+                </a:ext>
+              </a:extLst>
+            </p:cNvPr>
+            <p:cNvSpPr txBox="1"/>
+            <p:nvPr/>
+          </p:nvSpPr>
+          <p:spPr>
+            <a:xfrm>
+              <a:off x="1828101" y="2215916"/>
+              <a:ext cx="4892013" cy="938719"/>
+            </a:xfrm>
+            <a:prstGeom prst="rect">
+              <a:avLst/>
+            </a:prstGeom>
+            <a:solidFill>
+              <a:schemeClr val="bg1">
+                <a:lumMod val="95000"/>
+              </a:schemeClr>
+            </a:solidFill>
+          </p:spPr>
+          <p:txBody>
+            <a:bodyPr wrap="square">
+              <a:spAutoFit/>
+            </a:bodyPr>
+            <a:lstStyle/>
+            <a:p>
+              <a:r>
+                <a:rPr lang="en-SG" sz="1100" b="0" i="0" dirty="0">
+                  <a:solidFill>
+                    <a:srgbClr val="24292F"/>
+                  </a:solidFill>
+                  <a:effectLst/>
+                  <a:latin typeface="Consolas" panose="020B0609020204030204" pitchFamily="49" charset="0"/>
+                </a:rPr>
+                <a:t>from </a:t>
+              </a:r>
+              <a:r>
+                <a:rPr lang="en-SG" sz="1100" b="0" i="0" dirty="0" err="1">
+                  <a:solidFill>
+                    <a:srgbClr val="24292F"/>
+                  </a:solidFill>
+                  <a:effectLst/>
+                  <a:latin typeface="Consolas" panose="020B0609020204030204" pitchFamily="49" charset="0"/>
+                </a:rPr>
+                <a:t>scipy</a:t>
+              </a:r>
+              <a:r>
+                <a:rPr lang="en-SG" sz="1100" b="0" i="0" dirty="0">
+                  <a:solidFill>
+                    <a:srgbClr val="24292F"/>
+                  </a:solidFill>
+                  <a:effectLst/>
+                  <a:latin typeface="Consolas" panose="020B0609020204030204" pitchFamily="49" charset="0"/>
+                </a:rPr>
+                <a:t> import stats</a:t>
+              </a:r>
+            </a:p>
+            <a:p>
+              <a:endParaRPr lang="en-SG" sz="1100" b="0" i="0" dirty="0">
+                <a:solidFill>
+                  <a:srgbClr val="24292F"/>
+                </a:solidFill>
+                <a:effectLst/>
+                <a:latin typeface="Consolas" panose="020B0609020204030204" pitchFamily="49" charset="0"/>
+              </a:endParaRPr>
+            </a:p>
+            <a:p>
+              <a:r>
+                <a:rPr lang="en-SG" sz="1100" b="0" i="0" dirty="0" err="1">
+                  <a:effectLst/>
+                  <a:latin typeface="Consolas" panose="020B0609020204030204" pitchFamily="49" charset="0"/>
+                </a:rPr>
+                <a:t>tstat</a:t>
+              </a:r>
+              <a:r>
+                <a:rPr lang="en-SG" sz="1100" b="0" i="0" dirty="0">
+                  <a:effectLst/>
+                  <a:latin typeface="Consolas" panose="020B0609020204030204" pitchFamily="49" charset="0"/>
+                </a:rPr>
+                <a:t>, </a:t>
+              </a:r>
+              <a:r>
+                <a:rPr lang="en-SG" sz="1100" b="0" i="0" dirty="0" err="1">
+                  <a:effectLst/>
+                  <a:latin typeface="Consolas" panose="020B0609020204030204" pitchFamily="49" charset="0"/>
+                </a:rPr>
+                <a:t>pval</a:t>
+              </a:r>
+              <a:r>
+                <a:rPr lang="en-SG" sz="1100" b="0" i="0" dirty="0">
+                  <a:effectLst/>
+                  <a:latin typeface="Consolas" panose="020B0609020204030204" pitchFamily="49" charset="0"/>
+                </a:rPr>
+                <a:t> = </a:t>
+              </a:r>
+              <a:r>
+                <a:rPr lang="en-SG" sz="1100" b="0" i="0" dirty="0" err="1">
+                  <a:solidFill>
+                    <a:srgbClr val="FF0000"/>
+                  </a:solidFill>
+                  <a:effectLst/>
+                  <a:latin typeface="Consolas" panose="020B0609020204030204" pitchFamily="49" charset="0"/>
+                </a:rPr>
+                <a:t>stats.ttest_ind</a:t>
+              </a:r>
+              <a:r>
+                <a:rPr lang="en-SG" sz="1100" b="0" i="0" dirty="0">
+                  <a:effectLst/>
+                  <a:latin typeface="Consolas" panose="020B0609020204030204" pitchFamily="49" charset="0"/>
+                </a:rPr>
+                <a:t>(</a:t>
+              </a:r>
+              <a:r>
+                <a:rPr lang="en-SG" sz="1100" b="0" i="0" dirty="0" err="1">
+                  <a:effectLst/>
+                  <a:latin typeface="Consolas" panose="020B0609020204030204" pitchFamily="49" charset="0"/>
+                </a:rPr>
+                <a:t>new_batteries</a:t>
+              </a:r>
+              <a:r>
+                <a:rPr lang="en-SG" sz="1100" b="0" i="0" dirty="0">
+                  <a:effectLst/>
+                  <a:latin typeface="Consolas" panose="020B0609020204030204" pitchFamily="49" charset="0"/>
+                </a:rPr>
+                <a:t>, </a:t>
+              </a:r>
+              <a:r>
+                <a:rPr lang="en-SG" sz="1100" b="0" i="0" dirty="0" err="1">
+                  <a:effectLst/>
+                  <a:latin typeface="Consolas" panose="020B0609020204030204" pitchFamily="49" charset="0"/>
+                </a:rPr>
+                <a:t>old_batteries</a:t>
+              </a:r>
+              <a:r>
+                <a:rPr lang="en-SG" sz="1100" b="0" i="0" dirty="0">
+                  <a:effectLst/>
+                  <a:latin typeface="Consolas" panose="020B0609020204030204" pitchFamily="49" charset="0"/>
+                </a:rPr>
+                <a:t>)</a:t>
+              </a:r>
+            </a:p>
+            <a:p>
+              <a:endParaRPr lang="en-SG" sz="1100" b="0" i="0" dirty="0">
+                <a:solidFill>
+                  <a:srgbClr val="24292F"/>
+                </a:solidFill>
+                <a:effectLst/>
+                <a:latin typeface="Consolas" panose="020B0609020204030204" pitchFamily="49" charset="0"/>
+              </a:endParaRPr>
+            </a:p>
+            <a:p>
+              <a:r>
+                <a:rPr lang="en-SG" sz="1100" b="0" i="0" dirty="0">
+                  <a:solidFill>
+                    <a:srgbClr val="24292F"/>
+                  </a:solidFill>
+                  <a:effectLst/>
+                  <a:latin typeface="Consolas" panose="020B0609020204030204" pitchFamily="49" charset="0"/>
+                </a:rPr>
+                <a:t>print(</a:t>
+              </a:r>
+              <a:r>
+                <a:rPr lang="en-SG" sz="1100" b="0" i="0" dirty="0" err="1">
+                  <a:solidFill>
+                    <a:srgbClr val="24292F"/>
+                  </a:solidFill>
+                  <a:effectLst/>
+                  <a:latin typeface="Consolas" panose="020B0609020204030204" pitchFamily="49" charset="0"/>
+                </a:rPr>
+                <a:t>pval</a:t>
+              </a:r>
+              <a:r>
+                <a:rPr lang="en-SG" sz="1100" b="0" i="0" dirty="0">
+                  <a:solidFill>
+                    <a:srgbClr val="24292F"/>
+                  </a:solidFill>
+                  <a:effectLst/>
+                  <a:latin typeface="Consolas" panose="020B0609020204030204" pitchFamily="49" charset="0"/>
+                </a:rPr>
+                <a:t>)</a:t>
+              </a:r>
+              <a:endParaRPr lang="en-SG" sz="1100" dirty="0">
+                <a:latin typeface="Consolas" panose="020B0609020204030204" pitchFamily="49" charset="0"/>
+              </a:endParaRPr>
+            </a:p>
+          </p:txBody>
+        </p:sp>
+      </p:grpSp>
+    </p:spTree>
+    <p:extLst>
+      <p:ext uri="{BB962C8B-B14F-4D97-AF65-F5344CB8AC3E}">
+        <p14:creationId xmlns:p14="http://schemas.microsoft.com/office/powerpoint/2010/main" val="3159750723"/>
+      </p:ext>
+    </p:extLst>
+  </p:cSld>
+  <p:clrMapOvr>
+    <a:masterClrMapping/>
+  </p:clrMapOvr>
+</p:sld>
+</file>
+
+<file path=ppt/slides/slide21.xml><?xml version="1.0" encoding="utf-8"?>
+<p:sld xmlns:a="http://schemas.openxmlformats.org/drawingml/2006/main" xmlns:r="http://schemas.openxmlformats.org/officeDocument/2006/relationships" xmlns:p="http://schemas.openxmlformats.org/presentationml/2006/main">
+  <p:cSld>
+    <p:spTree>
+      <p:nvGrpSpPr>
+        <p:cNvPr id="1" name=""/>
+        <p:cNvGrpSpPr/>
+        <p:nvPr/>
+      </p:nvGrpSpPr>
+      <p:grpSpPr>
+        <a:xfrm>
+          <a:off x="0" y="0"/>
+          <a:ext cx="0" cy="0"/>
+          <a:chOff x="0" y="0"/>
+          <a:chExt cx="0" cy="0"/>
+        </a:xfrm>
+      </p:grpSpPr>
+      <p:grpSp>
+        <p:nvGrpSpPr>
+          <p:cNvPr id="7" name="Group 6">
+            <a:extLst>
+              <a:ext uri="{FF2B5EF4-FFF2-40B4-BE49-F238E27FC236}">
+                <a16:creationId xmlns:a16="http://schemas.microsoft.com/office/drawing/2014/main" id="{B15FB934-4373-4A57-4E2D-03B22C766737}"/>
+              </a:ext>
+            </a:extLst>
+          </p:cNvPr>
+          <p:cNvGrpSpPr/>
+          <p:nvPr/>
+        </p:nvGrpSpPr>
+        <p:grpSpPr>
+          <a:xfrm>
+            <a:off x="2714951" y="394594"/>
+            <a:ext cx="5845815" cy="3714365"/>
+            <a:chOff x="2526265" y="336537"/>
+            <a:chExt cx="5845815" cy="3714365"/>
+          </a:xfrm>
+        </p:grpSpPr>
+        <p:pic>
+          <p:nvPicPr>
+            <p:cNvPr id="3" name="Picture 2">
+              <a:extLst>
+                <a:ext uri="{FF2B5EF4-FFF2-40B4-BE49-F238E27FC236}">
+                  <a16:creationId xmlns:a16="http://schemas.microsoft.com/office/drawing/2014/main" id="{FAA26E75-4734-39AD-CAD1-B51103AE2B67}"/>
+                </a:ext>
+              </a:extLst>
+            </p:cNvPr>
+            <p:cNvPicPr>
+              <a:picLocks noChangeAspect="1"/>
+            </p:cNvPicPr>
+            <p:nvPr/>
+          </p:nvPicPr>
+          <p:blipFill>
+            <a:blip r:embed="rId2"/>
+            <a:stretch>
+              <a:fillRect/>
+            </a:stretch>
+          </p:blipFill>
+          <p:spPr>
+            <a:xfrm>
+              <a:off x="2526265" y="336537"/>
+              <a:ext cx="5845815" cy="3714365"/>
+            </a:xfrm>
+            <a:prstGeom prst="rect">
+              <a:avLst/>
+            </a:prstGeom>
+          </p:spPr>
+        </p:pic>
+        <p:sp>
+          <p:nvSpPr>
+            <p:cNvPr id="6" name="TextBox 5">
+              <a:extLst>
+                <a:ext uri="{FF2B5EF4-FFF2-40B4-BE49-F238E27FC236}">
+                  <a16:creationId xmlns:a16="http://schemas.microsoft.com/office/drawing/2014/main" id="{7AE5F2BF-B6DB-0269-AE8D-17DFDF192E72}"/>
+                </a:ext>
+              </a:extLst>
+            </p:cNvPr>
+            <p:cNvSpPr txBox="1"/>
+            <p:nvPr/>
+          </p:nvSpPr>
+          <p:spPr>
+            <a:xfrm>
+              <a:off x="2875160" y="1896601"/>
+              <a:ext cx="4892013" cy="938719"/>
+            </a:xfrm>
+            <a:prstGeom prst="rect">
+              <a:avLst/>
+            </a:prstGeom>
+            <a:solidFill>
+              <a:schemeClr val="bg1">
+                <a:lumMod val="95000"/>
+              </a:schemeClr>
+            </a:solidFill>
+          </p:spPr>
+          <p:txBody>
+            <a:bodyPr wrap="square">
+              <a:spAutoFit/>
+            </a:bodyPr>
+            <a:lstStyle/>
+            <a:p>
+              <a:r>
+                <a:rPr lang="en-SG" sz="1100" dirty="0">
+                  <a:latin typeface="Consolas" panose="020B0609020204030204" pitchFamily="49" charset="0"/>
+                </a:rPr>
+                <a:t>from </a:t>
+              </a:r>
+              <a:r>
+                <a:rPr lang="en-SG" sz="1100" dirty="0" err="1">
+                  <a:latin typeface="Consolas" panose="020B0609020204030204" pitchFamily="49" charset="0"/>
+                </a:rPr>
+                <a:t>scipy</a:t>
+              </a:r>
+              <a:r>
+                <a:rPr lang="en-SG" sz="1100" dirty="0">
+                  <a:latin typeface="Consolas" panose="020B0609020204030204" pitchFamily="49" charset="0"/>
+                </a:rPr>
+                <a:t> import stats</a:t>
+              </a:r>
+            </a:p>
+            <a:p>
+              <a:endParaRPr lang="en-SG" sz="1100" dirty="0">
+                <a:latin typeface="Consolas" panose="020B0609020204030204" pitchFamily="49" charset="0"/>
+              </a:endParaRPr>
+            </a:p>
+            <a:p>
+              <a:r>
+                <a:rPr lang="en-SG" sz="1100" dirty="0">
+                  <a:latin typeface="Consolas" panose="020B0609020204030204" pitchFamily="49" charset="0"/>
+                </a:rPr>
+                <a:t>test= </a:t>
+              </a:r>
+              <a:r>
+                <a:rPr lang="en-SG" sz="1100" dirty="0" err="1">
+                  <a:solidFill>
+                    <a:srgbClr val="FF0000"/>
+                  </a:solidFill>
+                  <a:latin typeface="Consolas" panose="020B0609020204030204" pitchFamily="49" charset="0"/>
+                </a:rPr>
+                <a:t>stats.ttest_ind</a:t>
+              </a:r>
+              <a:r>
+                <a:rPr lang="en-SG" sz="1100" dirty="0">
+                  <a:solidFill>
+                    <a:srgbClr val="FF0000"/>
+                  </a:solidFill>
+                  <a:latin typeface="Consolas" panose="020B0609020204030204" pitchFamily="49" charset="0"/>
+                </a:rPr>
+                <a:t>(</a:t>
+              </a:r>
+              <a:r>
+                <a:rPr lang="en-SG" sz="1100" dirty="0" err="1">
+                  <a:solidFill>
+                    <a:srgbClr val="FF0000"/>
+                  </a:solidFill>
+                  <a:latin typeface="Consolas" panose="020B0609020204030204" pitchFamily="49" charset="0"/>
+                </a:rPr>
+                <a:t>group_a</a:t>
+              </a:r>
+              <a:r>
+                <a:rPr lang="en-SG" sz="1100" dirty="0">
+                  <a:solidFill>
+                    <a:srgbClr val="FF0000"/>
+                  </a:solidFill>
+                  <a:latin typeface="Consolas" panose="020B0609020204030204" pitchFamily="49" charset="0"/>
+                </a:rPr>
+                <a:t>, </a:t>
+              </a:r>
+              <a:r>
+                <a:rPr lang="en-SG" sz="1100" dirty="0" err="1">
+                  <a:solidFill>
+                    <a:srgbClr val="FF0000"/>
+                  </a:solidFill>
+                  <a:latin typeface="Consolas" panose="020B0609020204030204" pitchFamily="49" charset="0"/>
+                </a:rPr>
+                <a:t>group_b</a:t>
+              </a:r>
+              <a:r>
+                <a:rPr lang="en-SG" sz="1100" dirty="0">
+                  <a:solidFill>
+                    <a:srgbClr val="FF0000"/>
+                  </a:solidFill>
+                  <a:latin typeface="Consolas" panose="020B0609020204030204" pitchFamily="49" charset="0"/>
+                </a:rPr>
+                <a:t>)</a:t>
+              </a:r>
+            </a:p>
+            <a:p>
+              <a:endParaRPr lang="en-SG" sz="1100" dirty="0">
+                <a:latin typeface="Consolas" panose="020B0609020204030204" pitchFamily="49" charset="0"/>
+              </a:endParaRPr>
+            </a:p>
+            <a:p>
+              <a:r>
+                <a:rPr lang="en-SG" sz="1100" dirty="0">
+                  <a:latin typeface="Consolas" panose="020B0609020204030204" pitchFamily="49" charset="0"/>
+                </a:rPr>
+                <a:t>print(</a:t>
+              </a:r>
+              <a:r>
+                <a:rPr lang="en-SG" sz="1100" dirty="0" err="1">
+                  <a:latin typeface="Consolas" panose="020B0609020204030204" pitchFamily="49" charset="0"/>
+                </a:rPr>
+                <a:t>test.pvalue.round</a:t>
+              </a:r>
+              <a:r>
+                <a:rPr lang="en-SG" sz="1100" dirty="0">
+                  <a:latin typeface="Consolas" panose="020B0609020204030204" pitchFamily="49" charset="0"/>
+                </a:rPr>
+                <a:t>(3))</a:t>
+              </a:r>
+            </a:p>
+          </p:txBody>
+        </p:sp>
+      </p:grpSp>
+      <p:sp>
+        <p:nvSpPr>
+          <p:cNvPr id="2" name="TextBox 1">
+            <a:extLst>
+              <a:ext uri="{FF2B5EF4-FFF2-40B4-BE49-F238E27FC236}">
+                <a16:creationId xmlns:a16="http://schemas.microsoft.com/office/drawing/2014/main" id="{3AD7E1BD-5A25-1E10-3C21-1654233B86D4}"/>
+              </a:ext>
+            </a:extLst>
+          </p:cNvPr>
+          <p:cNvSpPr txBox="1"/>
+          <p:nvPr/>
+        </p:nvSpPr>
+        <p:spPr>
+          <a:xfrm>
+            <a:off x="9383486" y="82715"/>
+            <a:ext cx="2722563" cy="369332"/>
+          </a:xfrm>
+          <a:prstGeom prst="rect">
+            <a:avLst/>
+          </a:prstGeom>
+          <a:solidFill>
+            <a:schemeClr val="accent2"/>
+          </a:solidFill>
+        </p:spPr>
+        <p:txBody>
+          <a:bodyPr wrap="square" rtlCol="0">
+            <a:spAutoFit/>
+          </a:bodyPr>
+          <a:lstStyle/>
+          <a:p>
+            <a:pPr algn="ctr"/>
+            <a:r>
+              <a:rPr lang="en-GB"/>
+              <a:t>HARD</a:t>
+            </a:r>
+            <a:endParaRPr lang="en-SG"/>
+          </a:p>
+        </p:txBody>
+      </p:sp>
+    </p:spTree>
+    <p:extLst>
+      <p:ext uri="{BB962C8B-B14F-4D97-AF65-F5344CB8AC3E}">
+        <p14:creationId xmlns:p14="http://schemas.microsoft.com/office/powerpoint/2010/main" val="1080515860"/>
+      </p:ext>
+    </p:extLst>
+  </p:cSld>
+  <p:clrMapOvr>
+    <a:masterClrMapping/>
+  </p:clrMapOvr>
+</p:sld>
+</file>
+
+<file path=ppt/slides/slide22.xml><?xml version="1.0" encoding="utf-8"?>
+<p:sld xmlns:a="http://schemas.openxmlformats.org/drawingml/2006/main" xmlns:r="http://schemas.openxmlformats.org/officeDocument/2006/relationships" xmlns:p="http://schemas.openxmlformats.org/presentationml/2006/main">
+  <p:cSld>
+    <p:spTree>
+      <p:nvGrpSpPr>
+        <p:cNvPr id="1" name=""/>
+        <p:cNvGrpSpPr/>
+        <p:nvPr/>
+      </p:nvGrpSpPr>
+      <p:grpSpPr>
+        <a:xfrm>
+          <a:off x="0" y="0"/>
+          <a:ext cx="0" cy="0"/>
+          <a:chOff x="0" y="0"/>
+          <a:chExt cx="0" cy="0"/>
+        </a:xfrm>
+      </p:grpSpPr>
+      <p:grpSp>
+        <p:nvGrpSpPr>
+          <p:cNvPr id="11" name="Group 10">
+            <a:extLst>
+              <a:ext uri="{FF2B5EF4-FFF2-40B4-BE49-F238E27FC236}">
+                <a16:creationId xmlns:a16="http://schemas.microsoft.com/office/drawing/2014/main" id="{25362F91-751C-9F93-22BC-837964E81B0E}"/>
+              </a:ext>
+            </a:extLst>
+          </p:cNvPr>
+          <p:cNvGrpSpPr/>
+          <p:nvPr/>
+        </p:nvGrpSpPr>
+        <p:grpSpPr>
+          <a:xfrm>
+            <a:off x="2678891" y="395970"/>
+            <a:ext cx="6290123" cy="3938675"/>
+            <a:chOff x="2678891" y="395970"/>
+            <a:chExt cx="6290123" cy="3938675"/>
+          </a:xfrm>
+        </p:grpSpPr>
+        <p:pic>
+          <p:nvPicPr>
+            <p:cNvPr id="5" name="Picture 4">
+              <a:extLst>
+                <a:ext uri="{FF2B5EF4-FFF2-40B4-BE49-F238E27FC236}">
+                  <a16:creationId xmlns:a16="http://schemas.microsoft.com/office/drawing/2014/main" id="{7DE8ED06-125A-F4ED-5D92-67DEBFF27BAE}"/>
+                </a:ext>
+              </a:extLst>
+            </p:cNvPr>
+            <p:cNvPicPr>
+              <a:picLocks noChangeAspect="1"/>
+            </p:cNvPicPr>
+            <p:nvPr/>
+          </p:nvPicPr>
+          <p:blipFill>
+            <a:blip r:embed="rId2"/>
+            <a:stretch>
+              <a:fillRect/>
+            </a:stretch>
+          </p:blipFill>
+          <p:spPr>
+            <a:xfrm>
+              <a:off x="2678891" y="395970"/>
+              <a:ext cx="6290123" cy="3938675"/>
+            </a:xfrm>
+            <a:prstGeom prst="rect">
+              <a:avLst/>
+            </a:prstGeom>
+          </p:spPr>
+        </p:pic>
+        <p:sp>
+          <p:nvSpPr>
+            <p:cNvPr id="10" name="TextBox 9">
+              <a:extLst>
+                <a:ext uri="{FF2B5EF4-FFF2-40B4-BE49-F238E27FC236}">
+                  <a16:creationId xmlns:a16="http://schemas.microsoft.com/office/drawing/2014/main" id="{ED42D83B-C697-FD2D-BEF0-CA9ED43DDC49}"/>
+                </a:ext>
+              </a:extLst>
+            </p:cNvPr>
+            <p:cNvSpPr txBox="1"/>
+            <p:nvPr/>
+          </p:nvSpPr>
+          <p:spPr>
+            <a:xfrm>
+              <a:off x="3063846" y="1910461"/>
+              <a:ext cx="4892013" cy="938719"/>
+            </a:xfrm>
+            <a:prstGeom prst="rect">
+              <a:avLst/>
+            </a:prstGeom>
+            <a:solidFill>
+              <a:schemeClr val="bg1">
+                <a:lumMod val="95000"/>
+              </a:schemeClr>
+            </a:solidFill>
+          </p:spPr>
+          <p:txBody>
+            <a:bodyPr wrap="square">
+              <a:spAutoFit/>
+            </a:bodyPr>
+            <a:lstStyle/>
+            <a:p>
+              <a:r>
+                <a:rPr lang="en-SG" sz="1100" dirty="0">
+                  <a:latin typeface="Consolas" panose="020B0609020204030204" pitchFamily="49" charset="0"/>
+                </a:rPr>
+                <a:t>import </a:t>
+              </a:r>
+              <a:r>
+                <a:rPr lang="en-SG" sz="1100" dirty="0" err="1">
+                  <a:latin typeface="Consolas" panose="020B0609020204030204" pitchFamily="49" charset="0"/>
+                </a:rPr>
+                <a:t>numpy</a:t>
+              </a:r>
+              <a:r>
+                <a:rPr lang="en-SG" sz="1100" dirty="0">
+                  <a:latin typeface="Consolas" panose="020B0609020204030204" pitchFamily="49" charset="0"/>
+                </a:rPr>
+                <a:t> as np</a:t>
+              </a:r>
+            </a:p>
+            <a:p>
+              <a:r>
+                <a:rPr lang="en-SG" sz="1100" dirty="0">
+                  <a:latin typeface="Consolas" panose="020B0609020204030204" pitchFamily="49" charset="0"/>
+                </a:rPr>
+                <a:t>from </a:t>
+              </a:r>
+              <a:r>
+                <a:rPr lang="en-SG" sz="1100" dirty="0" err="1">
+                  <a:latin typeface="Consolas" panose="020B0609020204030204" pitchFamily="49" charset="0"/>
+                </a:rPr>
+                <a:t>scipy.stats</a:t>
+              </a:r>
+              <a:r>
+                <a:rPr lang="en-SG" sz="1100" dirty="0">
+                  <a:latin typeface="Consolas" panose="020B0609020204030204" pitchFamily="49" charset="0"/>
+                </a:rPr>
+                <a:t> import norm</a:t>
+              </a:r>
+            </a:p>
+            <a:p>
+              <a:endParaRPr lang="en-SG" sz="1100" dirty="0">
+                <a:latin typeface="Consolas" panose="020B0609020204030204" pitchFamily="49" charset="0"/>
+              </a:endParaRPr>
+            </a:p>
+            <a:p>
+              <a:r>
+                <a:rPr lang="en-SG" sz="1100" dirty="0">
+                  <a:latin typeface="Consolas" panose="020B0609020204030204" pitchFamily="49" charset="0"/>
+                </a:rPr>
+                <a:t>sample = </a:t>
+              </a:r>
+              <a:r>
+                <a:rPr lang="en-SG" sz="1100" dirty="0" err="1">
+                  <a:solidFill>
+                    <a:srgbClr val="FF0000"/>
+                  </a:solidFill>
+                  <a:latin typeface="Consolas" panose="020B0609020204030204" pitchFamily="49" charset="0"/>
+                </a:rPr>
+                <a:t>np.random.normal</a:t>
+              </a:r>
+              <a:r>
+                <a:rPr lang="en-SG" sz="1100" dirty="0">
+                  <a:solidFill>
+                    <a:srgbClr val="FF0000"/>
+                  </a:solidFill>
+                  <a:latin typeface="Consolas" panose="020B0609020204030204" pitchFamily="49" charset="0"/>
+                </a:rPr>
+                <a:t>(30, 5, 1000000)</a:t>
+              </a:r>
+            </a:p>
+            <a:p>
+              <a:r>
+                <a:rPr lang="en-SG" sz="1100" dirty="0">
+                  <a:latin typeface="Consolas" panose="020B0609020204030204" pitchFamily="49" charset="0"/>
+                </a:rPr>
+                <a:t>print(sample)</a:t>
+              </a:r>
+            </a:p>
+          </p:txBody>
+        </p:sp>
+      </p:grpSp>
+    </p:spTree>
+    <p:extLst>
+      <p:ext uri="{BB962C8B-B14F-4D97-AF65-F5344CB8AC3E}">
+        <p14:creationId xmlns:p14="http://schemas.microsoft.com/office/powerpoint/2010/main" val="2274388188"/>
+      </p:ext>
+    </p:extLst>
+  </p:cSld>
+  <p:clrMapOvr>
+    <a:masterClrMapping/>
+  </p:clrMapOvr>
+</p:sld>
+</file>
+
+<file path=ppt/slides/slide23.xml><?xml version="1.0" encoding="utf-8"?>
+<p:sld xmlns:a="http://schemas.openxmlformats.org/drawingml/2006/main" xmlns:r="http://schemas.openxmlformats.org/officeDocument/2006/relationships" xmlns:p="http://schemas.openxmlformats.org/presentationml/2006/main">
+  <p:cSld>
+    <p:spTree>
+      <p:nvGrpSpPr>
+        <p:cNvPr id="1" name=""/>
+        <p:cNvGrpSpPr/>
+        <p:nvPr/>
+      </p:nvGrpSpPr>
+      <p:grpSpPr>
+        <a:xfrm>
+          <a:off x="0" y="0"/>
+          <a:ext cx="0" cy="0"/>
+          <a:chOff x="0" y="0"/>
+          <a:chExt cx="0" cy="0"/>
+        </a:xfrm>
+      </p:grpSpPr>
+      <p:grpSp>
+        <p:nvGrpSpPr>
+          <p:cNvPr id="6" name="Group 5">
+            <a:extLst>
+              <a:ext uri="{FF2B5EF4-FFF2-40B4-BE49-F238E27FC236}">
                 <a16:creationId xmlns:a16="http://schemas.microsoft.com/office/drawing/2014/main" id="{32F34DBE-208B-66D3-0144-96822A5BF461}"/>
               </a:ext>
             </a:extLst>
@@ -6710,7 +7434,7 @@
 </p:sld>
 </file>
 
-<file path=ppt/slides/slide21.xml><?xml version="1.0" encoding="utf-8"?>
+<file path=ppt/slides/slide24.xml><?xml version="1.0" encoding="utf-8"?>
 <p:sld xmlns:a="http://schemas.openxmlformats.org/drawingml/2006/main" xmlns:r="http://schemas.openxmlformats.org/officeDocument/2006/relationships" xmlns:p="http://schemas.openxmlformats.org/presentationml/2006/main">
   <p:cSld>
     <p:spTree>
@@ -6915,7 +7639,225 @@
 </p:sld>
 </file>
 
-<file path=ppt/slides/slide22.xml><?xml version="1.0" encoding="utf-8"?>
+<file path=ppt/slides/slide25.xml><?xml version="1.0" encoding="utf-8"?>
+<p:sld xmlns:a="http://schemas.openxmlformats.org/drawingml/2006/main" xmlns:r="http://schemas.openxmlformats.org/officeDocument/2006/relationships" xmlns:p="http://schemas.openxmlformats.org/presentationml/2006/main">
+  <p:cSld>
+    <p:spTree>
+      <p:nvGrpSpPr>
+        <p:cNvPr id="1" name=""/>
+        <p:cNvGrpSpPr/>
+        <p:nvPr/>
+      </p:nvGrpSpPr>
+      <p:grpSpPr>
+        <a:xfrm>
+          <a:off x="0" y="0"/>
+          <a:ext cx="0" cy="0"/>
+          <a:chOff x="0" y="0"/>
+          <a:chExt cx="0" cy="0"/>
+        </a:xfrm>
+      </p:grpSpPr>
+      <p:grpSp>
+        <p:nvGrpSpPr>
+          <p:cNvPr id="10" name="Group 9">
+            <a:extLst>
+              <a:ext uri="{FF2B5EF4-FFF2-40B4-BE49-F238E27FC236}">
+                <a16:creationId xmlns:a16="http://schemas.microsoft.com/office/drawing/2014/main" id="{D180EBFB-B428-3EAF-85A0-91CBD3F18EED}"/>
+              </a:ext>
+            </a:extLst>
+          </p:cNvPr>
+          <p:cNvGrpSpPr/>
+          <p:nvPr/>
+        </p:nvGrpSpPr>
+        <p:grpSpPr>
+          <a:xfrm>
+            <a:off x="2662237" y="1390650"/>
+            <a:ext cx="6867525" cy="4076700"/>
+            <a:chOff x="2662237" y="1390650"/>
+            <a:chExt cx="6867525" cy="4076700"/>
+          </a:xfrm>
+        </p:grpSpPr>
+        <p:pic>
+          <p:nvPicPr>
+            <p:cNvPr id="5" name="Picture 4">
+              <a:extLst>
+                <a:ext uri="{FF2B5EF4-FFF2-40B4-BE49-F238E27FC236}">
+                  <a16:creationId xmlns:a16="http://schemas.microsoft.com/office/drawing/2014/main" id="{B7A08CBC-1213-D692-222B-412E9A740BDE}"/>
+                </a:ext>
+              </a:extLst>
+            </p:cNvPr>
+            <p:cNvPicPr>
+              <a:picLocks noChangeAspect="1"/>
+            </p:cNvPicPr>
+            <p:nvPr/>
+          </p:nvPicPr>
+          <p:blipFill>
+            <a:blip r:embed="rId2"/>
+            <a:stretch>
+              <a:fillRect/>
+            </a:stretch>
+          </p:blipFill>
+          <p:spPr>
+            <a:xfrm>
+              <a:off x="2662237" y="1390650"/>
+              <a:ext cx="6867525" cy="4076700"/>
+            </a:xfrm>
+            <a:prstGeom prst="rect">
+              <a:avLst/>
+            </a:prstGeom>
+          </p:spPr>
+        </p:pic>
+        <p:sp>
+          <p:nvSpPr>
+            <p:cNvPr id="6" name="TextBox 5">
+              <a:extLst>
+                <a:ext uri="{FF2B5EF4-FFF2-40B4-BE49-F238E27FC236}">
+                  <a16:creationId xmlns:a16="http://schemas.microsoft.com/office/drawing/2014/main" id="{88ABF8FA-5697-71AD-D80F-C635EC557C91}"/>
+                </a:ext>
+              </a:extLst>
+            </p:cNvPr>
+            <p:cNvSpPr txBox="1"/>
+            <p:nvPr/>
+          </p:nvSpPr>
+          <p:spPr>
+            <a:xfrm>
+              <a:off x="3044291" y="2798640"/>
+              <a:ext cx="4655004" cy="938719"/>
+            </a:xfrm>
+            <a:prstGeom prst="rect">
+              <a:avLst/>
+            </a:prstGeom>
+            <a:solidFill>
+              <a:schemeClr val="bg1">
+                <a:lumMod val="95000"/>
+              </a:schemeClr>
+            </a:solidFill>
+          </p:spPr>
+          <p:txBody>
+            <a:bodyPr wrap="square">
+              <a:spAutoFit/>
+            </a:bodyPr>
+            <a:lstStyle/>
+            <a:p>
+              <a:r>
+                <a:rPr lang="en-SG" sz="1100">
+                  <a:latin typeface="Consolas" panose="020B0609020204030204" pitchFamily="49" charset="0"/>
+                </a:rPr>
+                <a:t>from numpy import random</a:t>
+              </a:r>
+            </a:p>
+            <a:p>
+              <a:endParaRPr lang="en-SG" sz="1100">
+                <a:latin typeface="Consolas" panose="020B0609020204030204" pitchFamily="49" charset="0"/>
+              </a:endParaRPr>
+            </a:p>
+            <a:p>
+              <a:r>
+                <a:rPr lang="en-SG" sz="1100">
+                  <a:latin typeface="Consolas" panose="020B0609020204030204" pitchFamily="49" charset="0"/>
+                </a:rPr>
+                <a:t>n, p = 10, .5 </a:t>
+              </a:r>
+            </a:p>
+            <a:p>
+              <a:r>
+                <a:rPr lang="en-SG" sz="1100">
+                  <a:latin typeface="Consolas" panose="020B0609020204030204" pitchFamily="49" charset="0"/>
+                </a:rPr>
+                <a:t>size = 1000</a:t>
+              </a:r>
+            </a:p>
+            <a:p>
+              <a:r>
+                <a:rPr lang="en-SG" sz="1100">
+                  <a:latin typeface="Consolas" panose="020B0609020204030204" pitchFamily="49" charset="0"/>
+                </a:rPr>
+                <a:t>s = random.</a:t>
+              </a:r>
+              <a:r>
+                <a:rPr lang="en-SG" sz="1100">
+                  <a:solidFill>
+                    <a:srgbClr val="FF0000"/>
+                  </a:solidFill>
+                  <a:latin typeface="Consolas" panose="020B0609020204030204" pitchFamily="49" charset="0"/>
+                </a:rPr>
+                <a:t>binomial(n, p, size)</a:t>
+              </a:r>
+              <a:endParaRPr lang="en-SG" sz="1100" dirty="0">
+                <a:solidFill>
+                  <a:srgbClr val="FF0000"/>
+                </a:solidFill>
+                <a:latin typeface="Consolas" panose="020B0609020204030204" pitchFamily="49" charset="0"/>
+              </a:endParaRPr>
+            </a:p>
+          </p:txBody>
+        </p:sp>
+        <p:sp>
+          <p:nvSpPr>
+            <p:cNvPr id="9" name="Rectangle 8">
+              <a:extLst>
+                <a:ext uri="{FF2B5EF4-FFF2-40B4-BE49-F238E27FC236}">
+                  <a16:creationId xmlns:a16="http://schemas.microsoft.com/office/drawing/2014/main" id="{FF50F913-EC96-C590-A74D-A4DB4D7FD8BE}"/>
+                </a:ext>
+              </a:extLst>
+            </p:cNvPr>
+            <p:cNvSpPr/>
+            <p:nvPr/>
+          </p:nvSpPr>
+          <p:spPr>
+            <a:xfrm>
+              <a:off x="2943271" y="4495623"/>
+              <a:ext cx="1754089" cy="386093"/>
+            </a:xfrm>
+            <a:prstGeom prst="rect">
+              <a:avLst/>
+            </a:prstGeom>
+            <a:noFill/>
+            <a:ln>
+              <a:solidFill>
+                <a:srgbClr val="FF0000"/>
+              </a:solidFill>
+            </a:ln>
+          </p:spPr>
+          <p:style>
+            <a:lnRef idx="2">
+              <a:schemeClr val="accent1">
+                <a:shade val="50000"/>
+              </a:schemeClr>
+            </a:lnRef>
+            <a:fillRef idx="1">
+              <a:schemeClr val="accent1"/>
+            </a:fillRef>
+            <a:effectRef idx="0">
+              <a:schemeClr val="accent1"/>
+            </a:effectRef>
+            <a:fontRef idx="minor">
+              <a:schemeClr val="lt1"/>
+            </a:fontRef>
+          </p:style>
+          <p:txBody>
+            <a:bodyPr rtlCol="0" anchor="ctr"/>
+            <a:lstStyle/>
+            <a:p>
+              <a:pPr algn="ctr"/>
+              <a:endParaRPr lang="en-SG"/>
+            </a:p>
+          </p:txBody>
+        </p:sp>
+      </p:grpSp>
+    </p:spTree>
+    <p:extLst>
+      <p:ext uri="{BB962C8B-B14F-4D97-AF65-F5344CB8AC3E}">
+        <p14:creationId xmlns:p14="http://schemas.microsoft.com/office/powerpoint/2010/main" val="4021630406"/>
+      </p:ext>
+    </p:extLst>
+  </p:cSld>
+  <p:clrMapOvr>
+    <a:masterClrMapping/>
+  </p:clrMapOvr>
+</p:sld>
+</file>
+
+<file path=ppt/slides/slide26.xml><?xml version="1.0" encoding="utf-8"?>
 <p:sld xmlns:a="http://schemas.openxmlformats.org/drawingml/2006/main" xmlns:r="http://schemas.openxmlformats.org/officeDocument/2006/relationships" xmlns:p="http://schemas.openxmlformats.org/presentationml/2006/main">
   <p:cSld>
     <p:spTree>
@@ -7184,126 +8126,6 @@
 </p:sld>
 </file>
 
-<file path=ppt/slides/slide23.xml><?xml version="1.0" encoding="utf-8"?>
-<p:sld xmlns:a="http://schemas.openxmlformats.org/drawingml/2006/main" xmlns:r="http://schemas.openxmlformats.org/officeDocument/2006/relationships" xmlns:p="http://schemas.openxmlformats.org/presentationml/2006/main">
-  <p:cSld>
-    <p:spTree>
-      <p:nvGrpSpPr>
-        <p:cNvPr id="1" name=""/>
-        <p:cNvGrpSpPr/>
-        <p:nvPr/>
-      </p:nvGrpSpPr>
-      <p:grpSpPr>
-        <a:xfrm>
-          <a:off x="0" y="0"/>
-          <a:ext cx="0" cy="0"/>
-          <a:chOff x="0" y="0"/>
-          <a:chExt cx="0" cy="0"/>
-        </a:xfrm>
-      </p:grpSpPr>
-    </p:spTree>
-    <p:extLst>
-      <p:ext uri="{BB962C8B-B14F-4D97-AF65-F5344CB8AC3E}">
-        <p14:creationId xmlns:p14="http://schemas.microsoft.com/office/powerpoint/2010/main" val="240901763"/>
-      </p:ext>
-    </p:extLst>
-  </p:cSld>
-  <p:clrMapOvr>
-    <a:masterClrMapping/>
-  </p:clrMapOvr>
-</p:sld>
-</file>
-
-<file path=ppt/slides/slide24.xml><?xml version="1.0" encoding="utf-8"?>
-<p:sld xmlns:a="http://schemas.openxmlformats.org/drawingml/2006/main" xmlns:r="http://schemas.openxmlformats.org/officeDocument/2006/relationships" xmlns:p="http://schemas.openxmlformats.org/presentationml/2006/main">
-  <p:cSld>
-    <p:spTree>
-      <p:nvGrpSpPr>
-        <p:cNvPr id="1" name=""/>
-        <p:cNvGrpSpPr/>
-        <p:nvPr/>
-      </p:nvGrpSpPr>
-      <p:grpSpPr>
-        <a:xfrm>
-          <a:off x="0" y="0"/>
-          <a:ext cx="0" cy="0"/>
-          <a:chOff x="0" y="0"/>
-          <a:chExt cx="0" cy="0"/>
-        </a:xfrm>
-      </p:grpSpPr>
-    </p:spTree>
-    <p:extLst>
-      <p:ext uri="{BB962C8B-B14F-4D97-AF65-F5344CB8AC3E}">
-        <p14:creationId xmlns:p14="http://schemas.microsoft.com/office/powerpoint/2010/main" val="1985569788"/>
-      </p:ext>
-    </p:extLst>
-  </p:cSld>
-  <p:clrMapOvr>
-    <a:masterClrMapping/>
-  </p:clrMapOvr>
-</p:sld>
-</file>
-
-<file path=ppt/slides/slide25.xml><?xml version="1.0" encoding="utf-8"?>
-<p:sld xmlns:a="http://schemas.openxmlformats.org/drawingml/2006/main" xmlns:r="http://schemas.openxmlformats.org/officeDocument/2006/relationships" xmlns:p="http://schemas.openxmlformats.org/presentationml/2006/main">
-  <p:cSld>
-    <p:spTree>
-      <p:nvGrpSpPr>
-        <p:cNvPr id="1" name=""/>
-        <p:cNvGrpSpPr/>
-        <p:nvPr/>
-      </p:nvGrpSpPr>
-      <p:grpSpPr>
-        <a:xfrm>
-          <a:off x="0" y="0"/>
-          <a:ext cx="0" cy="0"/>
-          <a:chOff x="0" y="0"/>
-          <a:chExt cx="0" cy="0"/>
-        </a:xfrm>
-      </p:grpSpPr>
-    </p:spTree>
-    <p:extLst>
-      <p:ext uri="{BB962C8B-B14F-4D97-AF65-F5344CB8AC3E}">
-        <p14:creationId xmlns:p14="http://schemas.microsoft.com/office/powerpoint/2010/main" val="4109367943"/>
-      </p:ext>
-    </p:extLst>
-  </p:cSld>
-  <p:clrMapOvr>
-    <a:masterClrMapping/>
-  </p:clrMapOvr>
-</p:sld>
-</file>
-
-<file path=ppt/slides/slide26.xml><?xml version="1.0" encoding="utf-8"?>
-<p:sld xmlns:a="http://schemas.openxmlformats.org/drawingml/2006/main" xmlns:r="http://schemas.openxmlformats.org/officeDocument/2006/relationships" xmlns:p="http://schemas.openxmlformats.org/presentationml/2006/main">
-  <p:cSld>
-    <p:spTree>
-      <p:nvGrpSpPr>
-        <p:cNvPr id="1" name=""/>
-        <p:cNvGrpSpPr/>
-        <p:nvPr/>
-      </p:nvGrpSpPr>
-      <p:grpSpPr>
-        <a:xfrm>
-          <a:off x="0" y="0"/>
-          <a:ext cx="0" cy="0"/>
-          <a:chOff x="0" y="0"/>
-          <a:chExt cx="0" cy="0"/>
-        </a:xfrm>
-      </p:grpSpPr>
-    </p:spTree>
-    <p:extLst>
-      <p:ext uri="{BB962C8B-B14F-4D97-AF65-F5344CB8AC3E}">
-        <p14:creationId xmlns:p14="http://schemas.microsoft.com/office/powerpoint/2010/main" val="225837580"/>
-      </p:ext>
-    </p:extLst>
-  </p:cSld>
-  <p:clrMapOvr>
-    <a:masterClrMapping/>
-  </p:clrMapOvr>
-</p:sld>
-</file>
-
 <file path=ppt/slides/slide27.xml><?xml version="1.0" encoding="utf-8"?>
 <p:sld xmlns:a="http://schemas.openxmlformats.org/drawingml/2006/main" xmlns:r="http://schemas.openxmlformats.org/officeDocument/2006/relationships" xmlns:p="http://schemas.openxmlformats.org/presentationml/2006/main">
   <p:cSld>
@@ -7321,10 +8143,198 @@
           <a:chExt cx="0" cy="0"/>
         </a:xfrm>
       </p:grpSpPr>
+      <p:grpSp>
+        <p:nvGrpSpPr>
+          <p:cNvPr id="6" name="Group 5">
+            <a:extLst>
+              <a:ext uri="{FF2B5EF4-FFF2-40B4-BE49-F238E27FC236}">
+                <a16:creationId xmlns:a16="http://schemas.microsoft.com/office/drawing/2014/main" id="{426CFB30-CC8B-E87B-213C-3E8DCD166080}"/>
+              </a:ext>
+            </a:extLst>
+          </p:cNvPr>
+          <p:cNvGrpSpPr/>
+          <p:nvPr/>
+        </p:nvGrpSpPr>
+        <p:grpSpPr>
+          <a:xfrm>
+            <a:off x="3086868" y="706260"/>
+            <a:ext cx="6018264" cy="5445480"/>
+            <a:chOff x="2543175" y="214313"/>
+            <a:chExt cx="6018264" cy="5445480"/>
+          </a:xfrm>
+        </p:grpSpPr>
+        <p:pic>
+          <p:nvPicPr>
+            <p:cNvPr id="3" name="Picture 2">
+              <a:extLst>
+                <a:ext uri="{FF2B5EF4-FFF2-40B4-BE49-F238E27FC236}">
+                  <a16:creationId xmlns:a16="http://schemas.microsoft.com/office/drawing/2014/main" id="{70B82C6D-E426-E53F-21B5-2903C5C81EEC}"/>
+                </a:ext>
+              </a:extLst>
+            </p:cNvPr>
+            <p:cNvPicPr>
+              <a:picLocks noChangeAspect="1"/>
+            </p:cNvPicPr>
+            <p:nvPr/>
+          </p:nvPicPr>
+          <p:blipFill>
+            <a:blip r:embed="rId2"/>
+            <a:stretch>
+              <a:fillRect/>
+            </a:stretch>
+          </p:blipFill>
+          <p:spPr>
+            <a:xfrm>
+              <a:off x="2543175" y="214313"/>
+              <a:ext cx="6018264" cy="5445480"/>
+            </a:xfrm>
+            <a:prstGeom prst="rect">
+              <a:avLst/>
+            </a:prstGeom>
+          </p:spPr>
+        </p:pic>
+        <p:sp>
+          <p:nvSpPr>
+            <p:cNvPr id="4" name="TextBox 3">
+              <a:extLst>
+                <a:ext uri="{FF2B5EF4-FFF2-40B4-BE49-F238E27FC236}">
+                  <a16:creationId xmlns:a16="http://schemas.microsoft.com/office/drawing/2014/main" id="{BD94439B-99FD-7842-2EDD-D747DD84FC65}"/>
+                </a:ext>
+              </a:extLst>
+            </p:cNvPr>
+            <p:cNvSpPr txBox="1"/>
+            <p:nvPr/>
+          </p:nvSpPr>
+          <p:spPr>
+            <a:xfrm>
+              <a:off x="2890684" y="3285335"/>
+              <a:ext cx="5088830" cy="1107996"/>
+            </a:xfrm>
+            <a:prstGeom prst="rect">
+              <a:avLst/>
+            </a:prstGeom>
+            <a:solidFill>
+              <a:schemeClr val="bg1">
+                <a:lumMod val="95000"/>
+              </a:schemeClr>
+            </a:solidFill>
+          </p:spPr>
+          <p:txBody>
+            <a:bodyPr wrap="square">
+              <a:spAutoFit/>
+            </a:bodyPr>
+            <a:lstStyle/>
+            <a:p>
+              <a:r>
+                <a:rPr lang="en-SG" sz="1100">
+                  <a:latin typeface="Consolas" panose="020B0609020204030204" pitchFamily="49" charset="0"/>
+                </a:rPr>
+                <a:t>import pandas as pd</a:t>
+              </a:r>
+            </a:p>
+            <a:p>
+              <a:r>
+                <a:rPr lang="en-SG" sz="1100">
+                  <a:latin typeface="Consolas" panose="020B0609020204030204" pitchFamily="49" charset="0"/>
+                </a:rPr>
+                <a:t>from scipy import stats</a:t>
+              </a:r>
+            </a:p>
+            <a:p>
+              <a:endParaRPr lang="en-SG" sz="1100">
+                <a:latin typeface="Consolas" panose="020B0609020204030204" pitchFamily="49" charset="0"/>
+              </a:endParaRPr>
+            </a:p>
+            <a:p>
+              <a:r>
+                <a:rPr lang="en-SG" sz="1100">
+                  <a:latin typeface="Consolas" panose="020B0609020204030204" pitchFamily="49" charset="0"/>
+                </a:rPr>
+                <a:t>statistic,pvalue = stats.</a:t>
+              </a:r>
+              <a:r>
+                <a:rPr lang="en-SG" sz="1100">
+                  <a:solidFill>
+                    <a:srgbClr val="FF0000"/>
+                  </a:solidFill>
+                  <a:latin typeface="Consolas" panose="020B0609020204030204" pitchFamily="49" charset="0"/>
+                </a:rPr>
+                <a:t>ttest_rel</a:t>
+              </a:r>
+              <a:r>
+                <a:rPr lang="en-SG" sz="1100">
+                  <a:latin typeface="Consolas" panose="020B0609020204030204" pitchFamily="49" charset="0"/>
+                </a:rPr>
+                <a:t>(df['City_A'], df['City_B'])</a:t>
+              </a:r>
+            </a:p>
+            <a:p>
+              <a:endParaRPr lang="en-SG" sz="1100">
+                <a:latin typeface="Consolas" panose="020B0609020204030204" pitchFamily="49" charset="0"/>
+              </a:endParaRPr>
+            </a:p>
+            <a:p>
+              <a:r>
+                <a:rPr lang="en-SG" sz="1100">
+                  <a:latin typeface="Consolas" panose="020B0609020204030204" pitchFamily="49" charset="0"/>
+                </a:rPr>
+                <a:t>print(statistic,pvalue)</a:t>
+              </a:r>
+              <a:endParaRPr lang="en-SG" sz="1100" dirty="0">
+                <a:latin typeface="Consolas" panose="020B0609020204030204" pitchFamily="49" charset="0"/>
+              </a:endParaRPr>
+            </a:p>
+          </p:txBody>
+        </p:sp>
+      </p:grpSp>
+      <p:sp>
+        <p:nvSpPr>
+          <p:cNvPr id="7" name="TextBox 6">
+            <a:extLst>
+              <a:ext uri="{FF2B5EF4-FFF2-40B4-BE49-F238E27FC236}">
+                <a16:creationId xmlns:a16="http://schemas.microsoft.com/office/drawing/2014/main" id="{8519D9B4-94E0-4100-16D8-8AF91E6DD9C1}"/>
+              </a:ext>
+            </a:extLst>
+          </p:cNvPr>
+          <p:cNvSpPr txBox="1"/>
+          <p:nvPr/>
+        </p:nvSpPr>
+        <p:spPr>
+          <a:xfrm>
+            <a:off x="9290232" y="4200475"/>
+            <a:ext cx="1335980" cy="261610"/>
+          </a:xfrm>
+          <a:prstGeom prst="rect">
+            <a:avLst/>
+          </a:prstGeom>
+          <a:solidFill>
+            <a:schemeClr val="bg1">
+              <a:lumMod val="95000"/>
+            </a:schemeClr>
+          </a:solidFill>
+        </p:spPr>
+        <p:txBody>
+          <a:bodyPr wrap="square">
+            <a:spAutoFit/>
+          </a:bodyPr>
+          <a:lstStyle/>
+          <a:p>
+            <a:r>
+              <a:rPr lang="en-SG" sz="1100">
+                <a:latin typeface="Consolas" panose="020B0609020204030204" pitchFamily="49" charset="0"/>
+              </a:rPr>
+              <a:t>related t-test</a:t>
+            </a:r>
+            <a:endParaRPr lang="en-SG" sz="1100" dirty="0">
+              <a:latin typeface="Consolas" panose="020B0609020204030204" pitchFamily="49" charset="0"/>
+            </a:endParaRPr>
+          </a:p>
+        </p:txBody>
+      </p:sp>
     </p:spTree>
     <p:extLst>
       <p:ext uri="{BB962C8B-B14F-4D97-AF65-F5344CB8AC3E}">
-        <p14:creationId xmlns:p14="http://schemas.microsoft.com/office/powerpoint/2010/main" val="3253443680"/>
+        <p14:creationId xmlns:p14="http://schemas.microsoft.com/office/powerpoint/2010/main" val="240901763"/>
       </p:ext>
     </p:extLst>
   </p:cSld>
@@ -7351,10 +8361,203 @@
           <a:chExt cx="0" cy="0"/>
         </a:xfrm>
       </p:grpSpPr>
+      <p:grpSp>
+        <p:nvGrpSpPr>
+          <p:cNvPr id="9" name="Group 8">
+            <a:extLst>
+              <a:ext uri="{FF2B5EF4-FFF2-40B4-BE49-F238E27FC236}">
+                <a16:creationId xmlns:a16="http://schemas.microsoft.com/office/drawing/2014/main" id="{5365B327-B8D4-19FF-8D83-76FC044F7246}"/>
+              </a:ext>
+            </a:extLst>
+          </p:cNvPr>
+          <p:cNvGrpSpPr/>
+          <p:nvPr/>
+        </p:nvGrpSpPr>
+        <p:grpSpPr>
+          <a:xfrm>
+            <a:off x="2743200" y="814387"/>
+            <a:ext cx="6705600" cy="5229225"/>
+            <a:chOff x="2743200" y="814387"/>
+            <a:chExt cx="6705600" cy="5229225"/>
+          </a:xfrm>
+        </p:grpSpPr>
+        <p:pic>
+          <p:nvPicPr>
+            <p:cNvPr id="5" name="Picture 4">
+              <a:extLst>
+                <a:ext uri="{FF2B5EF4-FFF2-40B4-BE49-F238E27FC236}">
+                  <a16:creationId xmlns:a16="http://schemas.microsoft.com/office/drawing/2014/main" id="{2CBD91C2-2BEE-CE57-9C03-A4E881920159}"/>
+                </a:ext>
+              </a:extLst>
+            </p:cNvPr>
+            <p:cNvPicPr>
+              <a:picLocks noChangeAspect="1"/>
+            </p:cNvPicPr>
+            <p:nvPr/>
+          </p:nvPicPr>
+          <p:blipFill>
+            <a:blip r:embed="rId2"/>
+            <a:stretch>
+              <a:fillRect/>
+            </a:stretch>
+          </p:blipFill>
+          <p:spPr>
+            <a:xfrm>
+              <a:off x="2743200" y="814387"/>
+              <a:ext cx="6705600" cy="5229225"/>
+            </a:xfrm>
+            <a:prstGeom prst="rect">
+              <a:avLst/>
+            </a:prstGeom>
+          </p:spPr>
+        </p:pic>
+        <p:sp>
+          <p:nvSpPr>
+            <p:cNvPr id="6" name="TextBox 5">
+              <a:extLst>
+                <a:ext uri="{FF2B5EF4-FFF2-40B4-BE49-F238E27FC236}">
+                  <a16:creationId xmlns:a16="http://schemas.microsoft.com/office/drawing/2014/main" id="{C71FAB5D-B43D-631A-7078-F28F5AE2D255}"/>
+                </a:ext>
+              </a:extLst>
+            </p:cNvPr>
+            <p:cNvSpPr txBox="1"/>
+            <p:nvPr/>
+          </p:nvSpPr>
+          <p:spPr>
+            <a:xfrm>
+              <a:off x="3154157" y="2465274"/>
+              <a:ext cx="5088830" cy="1107996"/>
+            </a:xfrm>
+            <a:prstGeom prst="rect">
+              <a:avLst/>
+            </a:prstGeom>
+            <a:solidFill>
+              <a:schemeClr val="bg1">
+                <a:lumMod val="95000"/>
+              </a:schemeClr>
+            </a:solidFill>
+          </p:spPr>
+          <p:txBody>
+            <a:bodyPr wrap="square">
+              <a:spAutoFit/>
+            </a:bodyPr>
+            <a:lstStyle/>
+            <a:p>
+              <a:r>
+                <a:rPr lang="en-SG" sz="1100">
+                  <a:latin typeface="Consolas" panose="020B0609020204030204" pitchFamily="49" charset="0"/>
+                </a:rPr>
+                <a:t>from scipy.stats import ttest_rel</a:t>
+              </a:r>
+            </a:p>
+            <a:p>
+              <a:endParaRPr lang="en-SG" sz="1100">
+                <a:latin typeface="Consolas" panose="020B0609020204030204" pitchFamily="49" charset="0"/>
+              </a:endParaRPr>
+            </a:p>
+            <a:p>
+              <a:r>
+                <a:rPr lang="en-SG" sz="1100">
+                  <a:latin typeface="Consolas" panose="020B0609020204030204" pitchFamily="49" charset="0"/>
+                </a:rPr>
+                <a:t>a = [15, 12, 7, 98]</a:t>
+              </a:r>
+            </a:p>
+            <a:p>
+              <a:r>
+                <a:rPr lang="en-SG" sz="1100">
+                  <a:latin typeface="Consolas" panose="020B0609020204030204" pitchFamily="49" charset="0"/>
+                </a:rPr>
+                <a:t>b = [2, 20, 8, 28]</a:t>
+              </a:r>
+            </a:p>
+            <a:p>
+              <a:r>
+                <a:rPr lang="en-SG" sz="1100">
+                  <a:latin typeface="Consolas" panose="020B0609020204030204" pitchFamily="49" charset="0"/>
+                </a:rPr>
+                <a:t>stat, p = </a:t>
+              </a:r>
+              <a:r>
+                <a:rPr lang="en-SG" sz="1100">
+                  <a:solidFill>
+                    <a:srgbClr val="FF0000"/>
+                  </a:solidFill>
+                  <a:latin typeface="Consolas" panose="020B0609020204030204" pitchFamily="49" charset="0"/>
+                </a:rPr>
+                <a:t>ttest_rel(a, b)</a:t>
+              </a:r>
+            </a:p>
+            <a:p>
+              <a:r>
+                <a:rPr lang="en-SG" sz="1100">
+                  <a:latin typeface="Consolas" panose="020B0609020204030204" pitchFamily="49" charset="0"/>
+                </a:rPr>
+                <a:t>print(stat,p)</a:t>
+              </a:r>
+              <a:endParaRPr lang="en-SG" sz="1100" dirty="0">
+                <a:latin typeface="Consolas" panose="020B0609020204030204" pitchFamily="49" charset="0"/>
+              </a:endParaRPr>
+            </a:p>
+          </p:txBody>
+        </p:sp>
+        <p:sp>
+          <p:nvSpPr>
+            <p:cNvPr id="7" name="Rectangle 6">
+              <a:extLst>
+                <a:ext uri="{FF2B5EF4-FFF2-40B4-BE49-F238E27FC236}">
+                  <a16:creationId xmlns:a16="http://schemas.microsoft.com/office/drawing/2014/main" id="{948105F4-B1A1-A7F4-BB06-9352A2281ACC}"/>
+                </a:ext>
+              </a:extLst>
+            </p:cNvPr>
+            <p:cNvSpPr/>
+            <p:nvPr/>
+          </p:nvSpPr>
+          <p:spPr>
+            <a:xfrm>
+              <a:off x="3038168" y="4328652"/>
+              <a:ext cx="1371600" cy="405580"/>
+            </a:xfrm>
+            <a:prstGeom prst="rect">
+              <a:avLst/>
+            </a:prstGeom>
+            <a:noFill/>
+            <a:ln>
+              <a:solidFill>
+                <a:srgbClr val="FF0000"/>
+              </a:solidFill>
+            </a:ln>
+          </p:spPr>
+          <p:style>
+            <a:lnRef idx="2">
+              <a:schemeClr val="accent1">
+                <a:shade val="50000"/>
+              </a:schemeClr>
+            </a:lnRef>
+            <a:fillRef idx="1">
+              <a:schemeClr val="accent1"/>
+            </a:fillRef>
+            <a:effectRef idx="0">
+              <a:schemeClr val="accent1"/>
+            </a:effectRef>
+            <a:fontRef idx="minor">
+              <a:schemeClr val="lt1"/>
+            </a:fontRef>
+          </p:style>
+          <p:txBody>
+            <a:bodyPr rtlCol="0" anchor="ctr"/>
+            <a:lstStyle/>
+            <a:p>
+              <a:pPr algn="ctr"/>
+              <a:endParaRPr lang="en-SG"/>
+            </a:p>
+          </p:txBody>
+        </p:sp>
+      </p:grpSp>
     </p:spTree>
     <p:extLst>
       <p:ext uri="{BB962C8B-B14F-4D97-AF65-F5344CB8AC3E}">
-        <p14:creationId xmlns:p14="http://schemas.microsoft.com/office/powerpoint/2010/main" val="4141808757"/>
+        <p14:creationId xmlns:p14="http://schemas.microsoft.com/office/powerpoint/2010/main" val="3344047175"/>
       </p:ext>
     </p:extLst>
   </p:cSld>
@@ -7381,10 +8584,177 @@
           <a:chExt cx="0" cy="0"/>
         </a:xfrm>
       </p:grpSpPr>
+      <p:grpSp>
+        <p:nvGrpSpPr>
+          <p:cNvPr id="9" name="Group 8">
+            <a:extLst>
+              <a:ext uri="{FF2B5EF4-FFF2-40B4-BE49-F238E27FC236}">
+                <a16:creationId xmlns:a16="http://schemas.microsoft.com/office/drawing/2014/main" id="{C9864FD0-302C-C730-584E-582849DAB51A}"/>
+              </a:ext>
+            </a:extLst>
+          </p:cNvPr>
+          <p:cNvGrpSpPr/>
+          <p:nvPr/>
+        </p:nvGrpSpPr>
+        <p:grpSpPr>
+          <a:xfrm>
+            <a:off x="2822473" y="1297244"/>
+            <a:ext cx="6188792" cy="4113937"/>
+            <a:chOff x="2822473" y="1297244"/>
+            <a:chExt cx="6188792" cy="4113937"/>
+          </a:xfrm>
+        </p:grpSpPr>
+        <p:pic>
+          <p:nvPicPr>
+            <p:cNvPr id="3" name="Picture 2">
+              <a:extLst>
+                <a:ext uri="{FF2B5EF4-FFF2-40B4-BE49-F238E27FC236}">
+                  <a16:creationId xmlns:a16="http://schemas.microsoft.com/office/drawing/2014/main" id="{DF0C0C78-5E91-3A1A-9F09-4C7C12009149}"/>
+                </a:ext>
+              </a:extLst>
+            </p:cNvPr>
+            <p:cNvPicPr>
+              <a:picLocks noChangeAspect="1"/>
+            </p:cNvPicPr>
+            <p:nvPr/>
+          </p:nvPicPr>
+          <p:blipFill>
+            <a:blip r:embed="rId2"/>
+            <a:stretch>
+              <a:fillRect/>
+            </a:stretch>
+          </p:blipFill>
+          <p:spPr>
+            <a:xfrm>
+              <a:off x="2822473" y="1297244"/>
+              <a:ext cx="6188792" cy="4113937"/>
+            </a:xfrm>
+            <a:prstGeom prst="rect">
+              <a:avLst/>
+            </a:prstGeom>
+          </p:spPr>
+        </p:pic>
+        <p:sp>
+          <p:nvSpPr>
+            <p:cNvPr id="4" name="TextBox 3">
+              <a:extLst>
+                <a:ext uri="{FF2B5EF4-FFF2-40B4-BE49-F238E27FC236}">
+                  <a16:creationId xmlns:a16="http://schemas.microsoft.com/office/drawing/2014/main" id="{1A7195BD-D025-BE42-9208-42248EE2C911}"/>
+                </a:ext>
+              </a:extLst>
+            </p:cNvPr>
+            <p:cNvSpPr txBox="1"/>
+            <p:nvPr/>
+          </p:nvSpPr>
+          <p:spPr>
+            <a:xfrm>
+              <a:off x="3023419" y="2127588"/>
+              <a:ext cx="5810865" cy="938719"/>
+            </a:xfrm>
+            <a:prstGeom prst="rect">
+              <a:avLst/>
+            </a:prstGeom>
+            <a:solidFill>
+              <a:schemeClr val="bg1">
+                <a:lumMod val="95000"/>
+              </a:schemeClr>
+            </a:solidFill>
+          </p:spPr>
+          <p:txBody>
+            <a:bodyPr wrap="square">
+              <a:spAutoFit/>
+            </a:bodyPr>
+            <a:lstStyle/>
+            <a:p>
+              <a:r>
+                <a:rPr lang="en-SG" sz="1100">
+                  <a:latin typeface="Consolas" panose="020B0609020204030204" pitchFamily="49" charset="0"/>
+                </a:rPr>
+                <a:t>According to the following Shapiro-Wilk test results:</a:t>
+              </a:r>
+            </a:p>
+            <a:p>
+              <a:endParaRPr lang="en-SG" sz="1100">
+                <a:latin typeface="Consolas" panose="020B0609020204030204" pitchFamily="49" charset="0"/>
+              </a:endParaRPr>
+            </a:p>
+            <a:p>
+              <a:endParaRPr lang="en-SG" sz="1100">
+                <a:latin typeface="Consolas" panose="020B0609020204030204" pitchFamily="49" charset="0"/>
+              </a:endParaRPr>
+            </a:p>
+            <a:p>
+              <a:r>
+                <a:rPr lang="en-SG" sz="1100">
+                  <a:latin typeface="Consolas" panose="020B0609020204030204" pitchFamily="49" charset="0"/>
+                </a:rPr>
+                <a:t>ShapiroResult(statistic=0.9844282269477844, pvalue=0.024980217218399048)</a:t>
+              </a:r>
+            </a:p>
+            <a:p>
+              <a:endParaRPr lang="en-SG" sz="1100" dirty="0">
+                <a:latin typeface="Consolas" panose="020B0609020204030204" pitchFamily="49" charset="0"/>
+              </a:endParaRPr>
+            </a:p>
+          </p:txBody>
+        </p:sp>
+        <p:sp>
+          <p:nvSpPr>
+            <p:cNvPr id="8" name="Rectangle 7">
+              <a:extLst>
+                <a:ext uri="{FF2B5EF4-FFF2-40B4-BE49-F238E27FC236}">
+                  <a16:creationId xmlns:a16="http://schemas.microsoft.com/office/drawing/2014/main" id="{AED23086-A54A-84B5-E50B-2678BF8C894A}"/>
+                </a:ext>
+              </a:extLst>
+            </p:cNvPr>
+            <p:cNvSpPr/>
+            <p:nvPr/>
+          </p:nvSpPr>
+          <p:spPr>
+            <a:xfrm>
+              <a:off x="3023419" y="4055807"/>
+              <a:ext cx="5810865" cy="405580"/>
+            </a:xfrm>
+            <a:prstGeom prst="rect">
+              <a:avLst/>
+            </a:prstGeom>
+            <a:noFill/>
+            <a:ln>
+              <a:solidFill>
+                <a:srgbClr val="FF0000"/>
+              </a:solidFill>
+            </a:ln>
+          </p:spPr>
+          <p:style>
+            <a:lnRef idx="2">
+              <a:schemeClr val="accent1">
+                <a:shade val="50000"/>
+              </a:schemeClr>
+            </a:lnRef>
+            <a:fillRef idx="1">
+              <a:schemeClr val="accent1"/>
+            </a:fillRef>
+            <a:effectRef idx="0">
+              <a:schemeClr val="accent1"/>
+            </a:effectRef>
+            <a:fontRef idx="minor">
+              <a:schemeClr val="lt1"/>
+            </a:fontRef>
+          </p:style>
+          <p:txBody>
+            <a:bodyPr rtlCol="0" anchor="ctr"/>
+            <a:lstStyle/>
+            <a:p>
+              <a:pPr algn="ctr"/>
+              <a:endParaRPr lang="en-SG"/>
+            </a:p>
+          </p:txBody>
+        </p:sp>
+      </p:grpSp>
     </p:spTree>
     <p:extLst>
       <p:ext uri="{BB962C8B-B14F-4D97-AF65-F5344CB8AC3E}">
-        <p14:creationId xmlns:p14="http://schemas.microsoft.com/office/powerpoint/2010/main" val="2211705868"/>
+        <p14:creationId xmlns:p14="http://schemas.microsoft.com/office/powerpoint/2010/main" val="1985569788"/>
       </p:ext>
     </p:extLst>
   </p:cSld>
@@ -7455,7 +8825,7 @@
         </p:nvGrpSpPr>
         <p:grpSpPr>
           <a:xfrm>
-            <a:off x="508024" y="386079"/>
+            <a:off x="645149" y="422950"/>
             <a:ext cx="5318988" cy="4055292"/>
             <a:chOff x="283053" y="219165"/>
             <a:chExt cx="5821193" cy="4588286"/>
@@ -7645,10 +9015,2049 @@
           <a:chExt cx="0" cy="0"/>
         </a:xfrm>
       </p:grpSpPr>
+      <p:grpSp>
+        <p:nvGrpSpPr>
+          <p:cNvPr id="6" name="Group 5">
+            <a:extLst>
+              <a:ext uri="{FF2B5EF4-FFF2-40B4-BE49-F238E27FC236}">
+                <a16:creationId xmlns:a16="http://schemas.microsoft.com/office/drawing/2014/main" id="{1BF29507-D1B0-A490-430E-8601710FA18B}"/>
+              </a:ext>
+            </a:extLst>
+          </p:cNvPr>
+          <p:cNvGrpSpPr/>
+          <p:nvPr/>
+        </p:nvGrpSpPr>
+        <p:grpSpPr>
+          <a:xfrm>
+            <a:off x="2543175" y="1866900"/>
+            <a:ext cx="7105650" cy="3124200"/>
+            <a:chOff x="2543175" y="1866900"/>
+            <a:chExt cx="7105650" cy="3124200"/>
+          </a:xfrm>
+        </p:grpSpPr>
+        <p:pic>
+          <p:nvPicPr>
+            <p:cNvPr id="3" name="Picture 2">
+              <a:extLst>
+                <a:ext uri="{FF2B5EF4-FFF2-40B4-BE49-F238E27FC236}">
+                  <a16:creationId xmlns:a16="http://schemas.microsoft.com/office/drawing/2014/main" id="{F2A524E5-76CE-5181-6E7A-DF9E34D86521}"/>
+                </a:ext>
+              </a:extLst>
+            </p:cNvPr>
+            <p:cNvPicPr>
+              <a:picLocks noChangeAspect="1"/>
+            </p:cNvPicPr>
+            <p:nvPr/>
+          </p:nvPicPr>
+          <p:blipFill>
+            <a:blip r:embed="rId2"/>
+            <a:stretch>
+              <a:fillRect/>
+            </a:stretch>
+          </p:blipFill>
+          <p:spPr>
+            <a:xfrm>
+              <a:off x="2543175" y="1866900"/>
+              <a:ext cx="7105650" cy="3124200"/>
+            </a:xfrm>
+            <a:prstGeom prst="rect">
+              <a:avLst/>
+            </a:prstGeom>
+          </p:spPr>
+        </p:pic>
+        <p:sp>
+          <p:nvSpPr>
+            <p:cNvPr id="4" name="TextBox 3">
+              <a:extLst>
+                <a:ext uri="{FF2B5EF4-FFF2-40B4-BE49-F238E27FC236}">
+                  <a16:creationId xmlns:a16="http://schemas.microsoft.com/office/drawing/2014/main" id="{6B53EB34-EF1C-4F1A-1711-309E34A2EF42}"/>
+                </a:ext>
+              </a:extLst>
+            </p:cNvPr>
+            <p:cNvSpPr txBox="1"/>
+            <p:nvPr/>
+          </p:nvSpPr>
+          <p:spPr>
+            <a:xfrm>
+              <a:off x="2904180" y="2501082"/>
+              <a:ext cx="6394677" cy="600164"/>
+            </a:xfrm>
+            <a:prstGeom prst="rect">
+              <a:avLst/>
+            </a:prstGeom>
+            <a:solidFill>
+              <a:schemeClr val="bg1">
+                <a:lumMod val="95000"/>
+              </a:schemeClr>
+            </a:solidFill>
+          </p:spPr>
+          <p:txBody>
+            <a:bodyPr wrap="square">
+              <a:spAutoFit/>
+            </a:bodyPr>
+            <a:lstStyle/>
+            <a:p>
+              <a:r>
+                <a:rPr lang="en-SG" sz="1100">
+                  <a:latin typeface="Consolas" panose="020B0609020204030204" pitchFamily="49" charset="0"/>
+                </a:rPr>
+                <a:t>A class has 20 students, 18 male and 2 female. We take a random sample of 10 students where each student is </a:t>
+              </a:r>
+              <a:r>
+                <a:rPr lang="en-SG" sz="1100" b="1">
+                  <a:latin typeface="Consolas" panose="020B0609020204030204" pitchFamily="49" charset="0"/>
+                </a:rPr>
+                <a:t>equally likely to be selected</a:t>
+              </a:r>
+              <a:r>
+                <a:rPr lang="en-SG" sz="1100">
+                  <a:latin typeface="Consolas" panose="020B0609020204030204" pitchFamily="49" charset="0"/>
+                </a:rPr>
+                <a:t>. What method of sampling is this?</a:t>
+              </a:r>
+              <a:endParaRPr lang="en-SG" sz="1100" dirty="0">
+                <a:latin typeface="Consolas" panose="020B0609020204030204" pitchFamily="49" charset="0"/>
+              </a:endParaRPr>
+            </a:p>
+          </p:txBody>
+        </p:sp>
+        <p:sp>
+          <p:nvSpPr>
+            <p:cNvPr id="5" name="Rectangle 4">
+              <a:extLst>
+                <a:ext uri="{FF2B5EF4-FFF2-40B4-BE49-F238E27FC236}">
+                  <a16:creationId xmlns:a16="http://schemas.microsoft.com/office/drawing/2014/main" id="{F936FF35-811E-F14E-AC9C-F3D41A09C0E7}"/>
+                </a:ext>
+              </a:extLst>
+            </p:cNvPr>
+            <p:cNvSpPr/>
+            <p:nvPr/>
+          </p:nvSpPr>
+          <p:spPr>
+            <a:xfrm>
+              <a:off x="2728451" y="3524865"/>
+              <a:ext cx="6784259" cy="442452"/>
+            </a:xfrm>
+            <a:prstGeom prst="rect">
+              <a:avLst/>
+            </a:prstGeom>
+            <a:noFill/>
+            <a:ln>
+              <a:solidFill>
+                <a:srgbClr val="FF0000"/>
+              </a:solidFill>
+            </a:ln>
+          </p:spPr>
+          <p:style>
+            <a:lnRef idx="2">
+              <a:schemeClr val="accent1">
+                <a:shade val="50000"/>
+              </a:schemeClr>
+            </a:lnRef>
+            <a:fillRef idx="1">
+              <a:schemeClr val="accent1"/>
+            </a:fillRef>
+            <a:effectRef idx="0">
+              <a:schemeClr val="accent1"/>
+            </a:effectRef>
+            <a:fontRef idx="minor">
+              <a:schemeClr val="lt1"/>
+            </a:fontRef>
+          </p:style>
+          <p:txBody>
+            <a:bodyPr rtlCol="0" anchor="ctr"/>
+            <a:lstStyle/>
+            <a:p>
+              <a:pPr algn="ctr"/>
+              <a:endParaRPr lang="en-SG"/>
+            </a:p>
+          </p:txBody>
+        </p:sp>
+      </p:grpSp>
+    </p:spTree>
+    <p:extLst>
+      <p:ext uri="{BB962C8B-B14F-4D97-AF65-F5344CB8AC3E}">
+        <p14:creationId xmlns:p14="http://schemas.microsoft.com/office/powerpoint/2010/main" val="4109367943"/>
+      </p:ext>
+    </p:extLst>
+  </p:cSld>
+  <p:clrMapOvr>
+    <a:masterClrMapping/>
+  </p:clrMapOvr>
+</p:sld>
+</file>
+
+<file path=ppt/slides/slide31.xml><?xml version="1.0" encoding="utf-8"?>
+<p:sld xmlns:a="http://schemas.openxmlformats.org/drawingml/2006/main" xmlns:r="http://schemas.openxmlformats.org/officeDocument/2006/relationships" xmlns:p="http://schemas.openxmlformats.org/presentationml/2006/main">
+  <p:cSld>
+    <p:spTree>
+      <p:nvGrpSpPr>
+        <p:cNvPr id="1" name=""/>
+        <p:cNvGrpSpPr/>
+        <p:nvPr/>
+      </p:nvGrpSpPr>
+      <p:grpSpPr>
+        <a:xfrm>
+          <a:off x="0" y="0"/>
+          <a:ext cx="0" cy="0"/>
+          <a:chOff x="0" y="0"/>
+          <a:chExt cx="0" cy="0"/>
+        </a:xfrm>
+      </p:grpSpPr>
+      <p:grpSp>
+        <p:nvGrpSpPr>
+          <p:cNvPr id="7" name="Group 6">
+            <a:extLst>
+              <a:ext uri="{FF2B5EF4-FFF2-40B4-BE49-F238E27FC236}">
+                <a16:creationId xmlns:a16="http://schemas.microsoft.com/office/drawing/2014/main" id="{F3E8E4F9-2821-8724-2D67-FAE118A0667F}"/>
+              </a:ext>
+            </a:extLst>
+          </p:cNvPr>
+          <p:cNvGrpSpPr/>
+          <p:nvPr/>
+        </p:nvGrpSpPr>
+        <p:grpSpPr>
+          <a:xfrm>
+            <a:off x="2562225" y="1890712"/>
+            <a:ext cx="7067550" cy="3076575"/>
+            <a:chOff x="2562225" y="1890712"/>
+            <a:chExt cx="7067550" cy="3076575"/>
+          </a:xfrm>
+        </p:grpSpPr>
+        <p:pic>
+          <p:nvPicPr>
+            <p:cNvPr id="3" name="Picture 2">
+              <a:extLst>
+                <a:ext uri="{FF2B5EF4-FFF2-40B4-BE49-F238E27FC236}">
+                  <a16:creationId xmlns:a16="http://schemas.microsoft.com/office/drawing/2014/main" id="{8C77EC3C-3331-DCC1-B87F-D3FB59BEDED4}"/>
+                </a:ext>
+              </a:extLst>
+            </p:cNvPr>
+            <p:cNvPicPr>
+              <a:picLocks noChangeAspect="1"/>
+            </p:cNvPicPr>
+            <p:nvPr/>
+          </p:nvPicPr>
+          <p:blipFill>
+            <a:blip r:embed="rId2"/>
+            <a:stretch>
+              <a:fillRect/>
+            </a:stretch>
+          </p:blipFill>
+          <p:spPr>
+            <a:xfrm>
+              <a:off x="2562225" y="1890712"/>
+              <a:ext cx="7067550" cy="3076575"/>
+            </a:xfrm>
+            <a:prstGeom prst="rect">
+              <a:avLst/>
+            </a:prstGeom>
+          </p:spPr>
+        </p:pic>
+        <p:sp>
+          <p:nvSpPr>
+            <p:cNvPr id="4" name="TextBox 3">
+              <a:extLst>
+                <a:ext uri="{FF2B5EF4-FFF2-40B4-BE49-F238E27FC236}">
+                  <a16:creationId xmlns:a16="http://schemas.microsoft.com/office/drawing/2014/main" id="{05A67AE0-6BA5-528A-1418-DD647D879446}"/>
+                </a:ext>
+              </a:extLst>
+            </p:cNvPr>
+            <p:cNvSpPr txBox="1"/>
+            <p:nvPr/>
+          </p:nvSpPr>
+          <p:spPr>
+            <a:xfrm>
+              <a:off x="2874685" y="2538983"/>
+              <a:ext cx="6394676" cy="600164"/>
+            </a:xfrm>
+            <a:prstGeom prst="rect">
+              <a:avLst/>
+            </a:prstGeom>
+            <a:solidFill>
+              <a:schemeClr val="bg1">
+                <a:lumMod val="95000"/>
+              </a:schemeClr>
+            </a:solidFill>
+          </p:spPr>
+          <p:txBody>
+            <a:bodyPr wrap="square">
+              <a:spAutoFit/>
+            </a:bodyPr>
+            <a:lstStyle/>
+            <a:p>
+              <a:r>
+                <a:rPr lang="en-SG" sz="1100">
+                  <a:latin typeface="Consolas" panose="020B0609020204030204" pitchFamily="49" charset="0"/>
+                </a:rPr>
+                <a:t>A class has 20 students, 18 male and 2 female. We take a random sample of 10 students by selecting 9 random male and 1 random female. What method of sampling is this?</a:t>
+              </a:r>
+              <a:endParaRPr lang="en-SG" sz="1100" dirty="0">
+                <a:latin typeface="Consolas" panose="020B0609020204030204" pitchFamily="49" charset="0"/>
+              </a:endParaRPr>
+            </a:p>
+          </p:txBody>
+        </p:sp>
+        <p:sp>
+          <p:nvSpPr>
+            <p:cNvPr id="6" name="Rectangle 5">
+              <a:extLst>
+                <a:ext uri="{FF2B5EF4-FFF2-40B4-BE49-F238E27FC236}">
+                  <a16:creationId xmlns:a16="http://schemas.microsoft.com/office/drawing/2014/main" id="{349964D2-5CC3-5359-0D25-501347719667}"/>
+                </a:ext>
+              </a:extLst>
+            </p:cNvPr>
+            <p:cNvSpPr/>
+            <p:nvPr/>
+          </p:nvSpPr>
+          <p:spPr>
+            <a:xfrm>
+              <a:off x="2703870" y="3982065"/>
+              <a:ext cx="6784259" cy="442452"/>
+            </a:xfrm>
+            <a:prstGeom prst="rect">
+              <a:avLst/>
+            </a:prstGeom>
+            <a:noFill/>
+            <a:ln>
+              <a:solidFill>
+                <a:srgbClr val="FF0000"/>
+              </a:solidFill>
+            </a:ln>
+          </p:spPr>
+          <p:style>
+            <a:lnRef idx="2">
+              <a:schemeClr val="accent1">
+                <a:shade val="50000"/>
+              </a:schemeClr>
+            </a:lnRef>
+            <a:fillRef idx="1">
+              <a:schemeClr val="accent1"/>
+            </a:fillRef>
+            <a:effectRef idx="0">
+              <a:schemeClr val="accent1"/>
+            </a:effectRef>
+            <a:fontRef idx="minor">
+              <a:schemeClr val="lt1"/>
+            </a:fontRef>
+          </p:style>
+          <p:txBody>
+            <a:bodyPr rtlCol="0" anchor="ctr"/>
+            <a:lstStyle/>
+            <a:p>
+              <a:pPr algn="ctr"/>
+              <a:endParaRPr lang="en-SG"/>
+            </a:p>
+          </p:txBody>
+        </p:sp>
+      </p:grpSp>
+    </p:spTree>
+    <p:extLst>
+      <p:ext uri="{BB962C8B-B14F-4D97-AF65-F5344CB8AC3E}">
+        <p14:creationId xmlns:p14="http://schemas.microsoft.com/office/powerpoint/2010/main" val="2211705868"/>
+      </p:ext>
+    </p:extLst>
+  </p:cSld>
+  <p:clrMapOvr>
+    <a:masterClrMapping/>
+  </p:clrMapOvr>
+</p:sld>
+</file>
+
+<file path=ppt/slides/slide32.xml><?xml version="1.0" encoding="utf-8"?>
+<p:sld xmlns:a="http://schemas.openxmlformats.org/drawingml/2006/main" xmlns:r="http://schemas.openxmlformats.org/officeDocument/2006/relationships" xmlns:p="http://schemas.openxmlformats.org/presentationml/2006/main">
+  <p:cSld>
+    <p:spTree>
+      <p:nvGrpSpPr>
+        <p:cNvPr id="1" name=""/>
+        <p:cNvGrpSpPr/>
+        <p:nvPr/>
+      </p:nvGrpSpPr>
+      <p:grpSpPr>
+        <a:xfrm>
+          <a:off x="0" y="0"/>
+          <a:ext cx="0" cy="0"/>
+          <a:chOff x="0" y="0"/>
+          <a:chExt cx="0" cy="0"/>
+        </a:xfrm>
+      </p:grpSpPr>
+      <p:grpSp>
+        <p:nvGrpSpPr>
+          <p:cNvPr id="9" name="Group 8">
+            <a:extLst>
+              <a:ext uri="{FF2B5EF4-FFF2-40B4-BE49-F238E27FC236}">
+                <a16:creationId xmlns:a16="http://schemas.microsoft.com/office/drawing/2014/main" id="{CB94C5F0-E2D7-6058-3DDD-2434514A6683}"/>
+              </a:ext>
+            </a:extLst>
+          </p:cNvPr>
+          <p:cNvGrpSpPr/>
+          <p:nvPr/>
+        </p:nvGrpSpPr>
+        <p:grpSpPr>
+          <a:xfrm>
+            <a:off x="2714625" y="1400175"/>
+            <a:ext cx="6762750" cy="4057650"/>
+            <a:chOff x="2714625" y="1400175"/>
+            <a:chExt cx="6762750" cy="4057650"/>
+          </a:xfrm>
+        </p:grpSpPr>
+        <p:pic>
+          <p:nvPicPr>
+            <p:cNvPr id="3" name="Picture 2">
+              <a:extLst>
+                <a:ext uri="{FF2B5EF4-FFF2-40B4-BE49-F238E27FC236}">
+                  <a16:creationId xmlns:a16="http://schemas.microsoft.com/office/drawing/2014/main" id="{5310C2E7-CC29-E7D5-4879-2D868C6373DC}"/>
+                </a:ext>
+              </a:extLst>
+            </p:cNvPr>
+            <p:cNvPicPr>
+              <a:picLocks noChangeAspect="1"/>
+            </p:cNvPicPr>
+            <p:nvPr/>
+          </p:nvPicPr>
+          <p:blipFill>
+            <a:blip r:embed="rId2"/>
+            <a:stretch>
+              <a:fillRect/>
+            </a:stretch>
+          </p:blipFill>
+          <p:spPr>
+            <a:xfrm>
+              <a:off x="2714625" y="1400175"/>
+              <a:ext cx="6762750" cy="4057650"/>
+            </a:xfrm>
+            <a:prstGeom prst="rect">
+              <a:avLst/>
+            </a:prstGeom>
+          </p:spPr>
+        </p:pic>
+        <p:sp>
+          <p:nvSpPr>
+            <p:cNvPr id="4" name="TextBox 3">
+              <a:extLst>
+                <a:ext uri="{FF2B5EF4-FFF2-40B4-BE49-F238E27FC236}">
+                  <a16:creationId xmlns:a16="http://schemas.microsoft.com/office/drawing/2014/main" id="{8BF8B503-1C5F-5064-1B43-6888CF1515A8}"/>
+                </a:ext>
+              </a:extLst>
+            </p:cNvPr>
+            <p:cNvSpPr txBox="1"/>
+            <p:nvPr/>
+          </p:nvSpPr>
+          <p:spPr>
+            <a:xfrm>
+              <a:off x="2906343" y="2238308"/>
+              <a:ext cx="6379314" cy="769441"/>
+            </a:xfrm>
+            <a:prstGeom prst="rect">
+              <a:avLst/>
+            </a:prstGeom>
+            <a:solidFill>
+              <a:schemeClr val="bg1">
+                <a:lumMod val="95000"/>
+              </a:schemeClr>
+            </a:solidFill>
+          </p:spPr>
+          <p:txBody>
+            <a:bodyPr wrap="square">
+              <a:spAutoFit/>
+            </a:bodyPr>
+            <a:lstStyle/>
+            <a:p>
+              <a:r>
+                <a:rPr lang="en-SG" sz="1100">
+                  <a:latin typeface="Consolas" panose="020B0609020204030204" pitchFamily="49" charset="0"/>
+                </a:rPr>
+                <a:t>What could we conclude from the following results from a </a:t>
+              </a:r>
+              <a:r>
+                <a:rPr lang="en-SG" sz="1100" b="1">
+                  <a:latin typeface="Consolas" panose="020B0609020204030204" pitchFamily="49" charset="0"/>
+                </a:rPr>
+                <a:t>Pearson's correlation</a:t>
+              </a:r>
+              <a:r>
+                <a:rPr lang="en-SG" sz="1100">
+                  <a:latin typeface="Consolas" panose="020B0609020204030204" pitchFamily="49" charset="0"/>
+                </a:rPr>
+                <a:t>: </a:t>
+              </a:r>
+            </a:p>
+            <a:p>
+              <a:endParaRPr lang="en-SG" sz="1100">
+                <a:latin typeface="Consolas" panose="020B0609020204030204" pitchFamily="49" charset="0"/>
+              </a:endParaRPr>
+            </a:p>
+            <a:p>
+              <a:r>
+                <a:rPr lang="en-SG" sz="1100">
+                  <a:latin typeface="Consolas" panose="020B0609020204030204" pitchFamily="49" charset="0"/>
+                </a:rPr>
+                <a:t>r = 0.78</a:t>
+              </a:r>
+            </a:p>
+            <a:p>
+              <a:r>
+                <a:rPr lang="en-SG" sz="1100">
+                  <a:latin typeface="Consolas" panose="020B0609020204030204" pitchFamily="49" charset="0"/>
+                </a:rPr>
+                <a:t>p-value = 0.85</a:t>
+              </a:r>
+              <a:endParaRPr lang="en-SG" sz="1100" dirty="0">
+                <a:latin typeface="Consolas" panose="020B0609020204030204" pitchFamily="49" charset="0"/>
+              </a:endParaRPr>
+            </a:p>
+          </p:txBody>
+        </p:sp>
+        <p:sp>
+          <p:nvSpPr>
+            <p:cNvPr id="6" name="Rectangle 5">
+              <a:extLst>
+                <a:ext uri="{FF2B5EF4-FFF2-40B4-BE49-F238E27FC236}">
+                  <a16:creationId xmlns:a16="http://schemas.microsoft.com/office/drawing/2014/main" id="{D2245BC2-3A56-07C9-43BE-8914D37FDAF5}"/>
+                </a:ext>
+              </a:extLst>
+            </p:cNvPr>
+            <p:cNvSpPr/>
+            <p:nvPr/>
+          </p:nvSpPr>
+          <p:spPr>
+            <a:xfrm>
+              <a:off x="2840293" y="4011561"/>
+              <a:ext cx="6511414" cy="442452"/>
+            </a:xfrm>
+            <a:prstGeom prst="rect">
+              <a:avLst/>
+            </a:prstGeom>
+            <a:noFill/>
+            <a:ln>
+              <a:solidFill>
+                <a:srgbClr val="FF0000"/>
+              </a:solidFill>
+            </a:ln>
+          </p:spPr>
+          <p:style>
+            <a:lnRef idx="2">
+              <a:schemeClr val="accent1">
+                <a:shade val="50000"/>
+              </a:schemeClr>
+            </a:lnRef>
+            <a:fillRef idx="1">
+              <a:schemeClr val="accent1"/>
+            </a:fillRef>
+            <a:effectRef idx="0">
+              <a:schemeClr val="accent1"/>
+            </a:effectRef>
+            <a:fontRef idx="minor">
+              <a:schemeClr val="lt1"/>
+            </a:fontRef>
+          </p:style>
+          <p:txBody>
+            <a:bodyPr rtlCol="0" anchor="ctr"/>
+            <a:lstStyle/>
+            <a:p>
+              <a:pPr algn="ctr"/>
+              <a:endParaRPr lang="en-SG"/>
+            </a:p>
+          </p:txBody>
+        </p:sp>
+      </p:grpSp>
+      <p:sp>
+        <p:nvSpPr>
+          <p:cNvPr id="10" name="TextBox 9">
+            <a:extLst>
+              <a:ext uri="{FF2B5EF4-FFF2-40B4-BE49-F238E27FC236}">
+                <a16:creationId xmlns:a16="http://schemas.microsoft.com/office/drawing/2014/main" id="{122F5AF6-F1CE-7178-FDEF-8ACC71D9CE33}"/>
+              </a:ext>
+            </a:extLst>
+          </p:cNvPr>
+          <p:cNvSpPr txBox="1"/>
+          <p:nvPr/>
+        </p:nvSpPr>
+        <p:spPr>
+          <a:xfrm>
+            <a:off x="9383486" y="82715"/>
+            <a:ext cx="2722563" cy="369332"/>
+          </a:xfrm>
+          <a:prstGeom prst="rect">
+            <a:avLst/>
+          </a:prstGeom>
+          <a:solidFill>
+            <a:schemeClr val="accent2"/>
+          </a:solidFill>
+        </p:spPr>
+        <p:txBody>
+          <a:bodyPr wrap="square" rtlCol="0">
+            <a:spAutoFit/>
+          </a:bodyPr>
+          <a:lstStyle/>
+          <a:p>
+            <a:pPr algn="ctr"/>
+            <a:r>
+              <a:rPr lang="en-GB"/>
+              <a:t>HARD</a:t>
+            </a:r>
+            <a:endParaRPr lang="en-SG"/>
+          </a:p>
+        </p:txBody>
+      </p:sp>
+    </p:spTree>
+    <p:extLst>
+      <p:ext uri="{BB962C8B-B14F-4D97-AF65-F5344CB8AC3E}">
+        <p14:creationId xmlns:p14="http://schemas.microsoft.com/office/powerpoint/2010/main" val="225837580"/>
+      </p:ext>
+    </p:extLst>
+  </p:cSld>
+  <p:clrMapOvr>
+    <a:masterClrMapping/>
+  </p:clrMapOvr>
+</p:sld>
+</file>
+
+<file path=ppt/slides/slide33.xml><?xml version="1.0" encoding="utf-8"?>
+<p:sld xmlns:a="http://schemas.openxmlformats.org/drawingml/2006/main" xmlns:r="http://schemas.openxmlformats.org/officeDocument/2006/relationships" xmlns:p="http://schemas.openxmlformats.org/presentationml/2006/main">
+  <p:cSld>
+    <p:spTree>
+      <p:nvGrpSpPr>
+        <p:cNvPr id="1" name=""/>
+        <p:cNvGrpSpPr/>
+        <p:nvPr/>
+      </p:nvGrpSpPr>
+      <p:grpSpPr>
+        <a:xfrm>
+          <a:off x="0" y="0"/>
+          <a:ext cx="0" cy="0"/>
+          <a:chOff x="0" y="0"/>
+          <a:chExt cx="0" cy="0"/>
+        </a:xfrm>
+      </p:grpSpPr>
+      <p:grpSp>
+        <p:nvGrpSpPr>
+          <p:cNvPr id="9" name="Group 8">
+            <a:extLst>
+              <a:ext uri="{FF2B5EF4-FFF2-40B4-BE49-F238E27FC236}">
+                <a16:creationId xmlns:a16="http://schemas.microsoft.com/office/drawing/2014/main" id="{DD5221C0-1C0B-5898-6B95-3F065C10F999}"/>
+              </a:ext>
+            </a:extLst>
+          </p:cNvPr>
+          <p:cNvGrpSpPr/>
+          <p:nvPr/>
+        </p:nvGrpSpPr>
+        <p:grpSpPr>
+          <a:xfrm>
+            <a:off x="2719387" y="1400175"/>
+            <a:ext cx="6753225" cy="4057650"/>
+            <a:chOff x="2719387" y="1400175"/>
+            <a:chExt cx="6753225" cy="4057650"/>
+          </a:xfrm>
+        </p:grpSpPr>
+        <p:pic>
+          <p:nvPicPr>
+            <p:cNvPr id="5" name="Picture 4">
+              <a:extLst>
+                <a:ext uri="{FF2B5EF4-FFF2-40B4-BE49-F238E27FC236}">
+                  <a16:creationId xmlns:a16="http://schemas.microsoft.com/office/drawing/2014/main" id="{FAE411A7-70ED-1A68-557D-28F55450F2E3}"/>
+                </a:ext>
+              </a:extLst>
+            </p:cNvPr>
+            <p:cNvPicPr>
+              <a:picLocks noChangeAspect="1"/>
+            </p:cNvPicPr>
+            <p:nvPr/>
+          </p:nvPicPr>
+          <p:blipFill>
+            <a:blip r:embed="rId2"/>
+            <a:stretch>
+              <a:fillRect/>
+            </a:stretch>
+          </p:blipFill>
+          <p:spPr>
+            <a:xfrm>
+              <a:off x="2719387" y="1400175"/>
+              <a:ext cx="6753225" cy="4057650"/>
+            </a:xfrm>
+            <a:prstGeom prst="rect">
+              <a:avLst/>
+            </a:prstGeom>
+          </p:spPr>
+        </p:pic>
+        <p:sp>
+          <p:nvSpPr>
+            <p:cNvPr id="6" name="TextBox 5">
+              <a:extLst>
+                <a:ext uri="{FF2B5EF4-FFF2-40B4-BE49-F238E27FC236}">
+                  <a16:creationId xmlns:a16="http://schemas.microsoft.com/office/drawing/2014/main" id="{9EB15F05-3E68-5F14-4D9C-2862B8B2D4BA}"/>
+                </a:ext>
+              </a:extLst>
+            </p:cNvPr>
+            <p:cNvSpPr txBox="1"/>
+            <p:nvPr/>
+          </p:nvSpPr>
+          <p:spPr>
+            <a:xfrm>
+              <a:off x="2906343" y="2238308"/>
+              <a:ext cx="6215534" cy="769441"/>
+            </a:xfrm>
+            <a:prstGeom prst="rect">
+              <a:avLst/>
+            </a:prstGeom>
+            <a:solidFill>
+              <a:schemeClr val="bg1">
+                <a:lumMod val="95000"/>
+              </a:schemeClr>
+            </a:solidFill>
+          </p:spPr>
+          <p:txBody>
+            <a:bodyPr wrap="square">
+              <a:spAutoFit/>
+            </a:bodyPr>
+            <a:lstStyle/>
+            <a:p>
+              <a:r>
+                <a:rPr lang="en-SG" sz="1100">
+                  <a:latin typeface="Consolas" panose="020B0609020204030204" pitchFamily="49" charset="0"/>
+                </a:rPr>
+                <a:t>What could we conclude from the following results from a </a:t>
+              </a:r>
+              <a:r>
+                <a:rPr lang="en-SG" sz="1100" b="1">
+                  <a:latin typeface="Consolas" panose="020B0609020204030204" pitchFamily="49" charset="0"/>
+                </a:rPr>
+                <a:t>Pearson's correlation</a:t>
+              </a:r>
+              <a:r>
+                <a:rPr lang="en-SG" sz="1100">
+                  <a:latin typeface="Consolas" panose="020B0609020204030204" pitchFamily="49" charset="0"/>
+                </a:rPr>
+                <a:t>: </a:t>
+              </a:r>
+            </a:p>
+            <a:p>
+              <a:endParaRPr lang="en-SG" sz="1100">
+                <a:latin typeface="Consolas" panose="020B0609020204030204" pitchFamily="49" charset="0"/>
+              </a:endParaRPr>
+            </a:p>
+            <a:p>
+              <a:r>
+                <a:rPr lang="en-SG" sz="1100">
+                  <a:latin typeface="Consolas" panose="020B0609020204030204" pitchFamily="49" charset="0"/>
+                </a:rPr>
+                <a:t>r = 0.25</a:t>
+              </a:r>
+            </a:p>
+            <a:p>
+              <a:r>
+                <a:rPr lang="en-SG" sz="1100">
+                  <a:latin typeface="Consolas" panose="020B0609020204030204" pitchFamily="49" charset="0"/>
+                </a:rPr>
+                <a:t>p-value = 0.01</a:t>
+              </a:r>
+              <a:endParaRPr lang="en-SG" sz="1100" dirty="0">
+                <a:latin typeface="Consolas" panose="020B0609020204030204" pitchFamily="49" charset="0"/>
+              </a:endParaRPr>
+            </a:p>
+          </p:txBody>
+        </p:sp>
+        <p:sp>
+          <p:nvSpPr>
+            <p:cNvPr id="8" name="Rectangle 7">
+              <a:extLst>
+                <a:ext uri="{FF2B5EF4-FFF2-40B4-BE49-F238E27FC236}">
+                  <a16:creationId xmlns:a16="http://schemas.microsoft.com/office/drawing/2014/main" id="{9D04DDC3-5403-25CB-7EE5-4156B7347FC8}"/>
+                </a:ext>
+              </a:extLst>
+            </p:cNvPr>
+            <p:cNvSpPr/>
+            <p:nvPr/>
+          </p:nvSpPr>
+          <p:spPr>
+            <a:xfrm>
+              <a:off x="2840293" y="4004187"/>
+              <a:ext cx="6511414" cy="442452"/>
+            </a:xfrm>
+            <a:prstGeom prst="rect">
+              <a:avLst/>
+            </a:prstGeom>
+            <a:noFill/>
+            <a:ln>
+              <a:solidFill>
+                <a:srgbClr val="FF0000"/>
+              </a:solidFill>
+            </a:ln>
+          </p:spPr>
+          <p:style>
+            <a:lnRef idx="2">
+              <a:schemeClr val="accent1">
+                <a:shade val="50000"/>
+              </a:schemeClr>
+            </a:lnRef>
+            <a:fillRef idx="1">
+              <a:schemeClr val="accent1"/>
+            </a:fillRef>
+            <a:effectRef idx="0">
+              <a:schemeClr val="accent1"/>
+            </a:effectRef>
+            <a:fontRef idx="minor">
+              <a:schemeClr val="lt1"/>
+            </a:fontRef>
+          </p:style>
+          <p:txBody>
+            <a:bodyPr rtlCol="0" anchor="ctr"/>
+            <a:lstStyle/>
+            <a:p>
+              <a:pPr algn="ctr"/>
+              <a:endParaRPr lang="en-SG"/>
+            </a:p>
+          </p:txBody>
+        </p:sp>
+      </p:grpSp>
+    </p:spTree>
+    <p:extLst>
+      <p:ext uri="{BB962C8B-B14F-4D97-AF65-F5344CB8AC3E}">
+        <p14:creationId xmlns:p14="http://schemas.microsoft.com/office/powerpoint/2010/main" val="2622028347"/>
+      </p:ext>
+    </p:extLst>
+  </p:cSld>
+  <p:clrMapOvr>
+    <a:masterClrMapping/>
+  </p:clrMapOvr>
+</p:sld>
+</file>
+
+<file path=ppt/slides/slide34.xml><?xml version="1.0" encoding="utf-8"?>
+<p:sld xmlns:a="http://schemas.openxmlformats.org/drawingml/2006/main" xmlns:r="http://schemas.openxmlformats.org/officeDocument/2006/relationships" xmlns:p="http://schemas.openxmlformats.org/presentationml/2006/main">
+  <p:cSld>
+    <p:spTree>
+      <p:nvGrpSpPr>
+        <p:cNvPr id="1" name=""/>
+        <p:cNvGrpSpPr/>
+        <p:nvPr/>
+      </p:nvGrpSpPr>
+      <p:grpSpPr>
+        <a:xfrm>
+          <a:off x="0" y="0"/>
+          <a:ext cx="0" cy="0"/>
+          <a:chOff x="0" y="0"/>
+          <a:chExt cx="0" cy="0"/>
+        </a:xfrm>
+      </p:grpSpPr>
+      <p:grpSp>
+        <p:nvGrpSpPr>
+          <p:cNvPr id="7" name="Group 6">
+            <a:extLst>
+              <a:ext uri="{FF2B5EF4-FFF2-40B4-BE49-F238E27FC236}">
+                <a16:creationId xmlns:a16="http://schemas.microsoft.com/office/drawing/2014/main" id="{089F4ABA-FA84-DDC0-F7D8-FA4C3DC95EBA}"/>
+              </a:ext>
+            </a:extLst>
+          </p:cNvPr>
+          <p:cNvGrpSpPr/>
+          <p:nvPr/>
+        </p:nvGrpSpPr>
+        <p:grpSpPr>
+          <a:xfrm>
+            <a:off x="2767012" y="938212"/>
+            <a:ext cx="6657975" cy="4981575"/>
+            <a:chOff x="2767012" y="938212"/>
+            <a:chExt cx="6657975" cy="4981575"/>
+          </a:xfrm>
+        </p:grpSpPr>
+        <p:pic>
+          <p:nvPicPr>
+            <p:cNvPr id="3" name="Picture 2">
+              <a:extLst>
+                <a:ext uri="{FF2B5EF4-FFF2-40B4-BE49-F238E27FC236}">
+                  <a16:creationId xmlns:a16="http://schemas.microsoft.com/office/drawing/2014/main" id="{341445C5-576D-9D53-A249-C662F9B89C97}"/>
+                </a:ext>
+              </a:extLst>
+            </p:cNvPr>
+            <p:cNvPicPr>
+              <a:picLocks noChangeAspect="1"/>
+            </p:cNvPicPr>
+            <p:nvPr/>
+          </p:nvPicPr>
+          <p:blipFill>
+            <a:blip r:embed="rId2"/>
+            <a:stretch>
+              <a:fillRect/>
+            </a:stretch>
+          </p:blipFill>
+          <p:spPr>
+            <a:xfrm>
+              <a:off x="2767012" y="938212"/>
+              <a:ext cx="6657975" cy="4981575"/>
+            </a:xfrm>
+            <a:prstGeom prst="rect">
+              <a:avLst/>
+            </a:prstGeom>
+          </p:spPr>
+        </p:pic>
+        <p:sp>
+          <p:nvSpPr>
+            <p:cNvPr id="4" name="TextBox 3">
+              <a:extLst>
+                <a:ext uri="{FF2B5EF4-FFF2-40B4-BE49-F238E27FC236}">
+                  <a16:creationId xmlns:a16="http://schemas.microsoft.com/office/drawing/2014/main" id="{076D12CA-53EF-4BD9-C471-737711DBBCE3}"/>
+                </a:ext>
+              </a:extLst>
+            </p:cNvPr>
+            <p:cNvSpPr txBox="1"/>
+            <p:nvPr/>
+          </p:nvSpPr>
+          <p:spPr>
+            <a:xfrm>
+              <a:off x="3014793" y="1792742"/>
+              <a:ext cx="6018593" cy="1785104"/>
+            </a:xfrm>
+            <a:prstGeom prst="rect">
+              <a:avLst/>
+            </a:prstGeom>
+            <a:solidFill>
+              <a:schemeClr val="bg1">
+                <a:lumMod val="95000"/>
+              </a:schemeClr>
+            </a:solidFill>
+          </p:spPr>
+          <p:txBody>
+            <a:bodyPr wrap="square">
+              <a:spAutoFit/>
+            </a:bodyPr>
+            <a:lstStyle/>
+            <a:p>
+              <a:r>
+                <a:rPr lang="en-SG" sz="1100">
+                  <a:latin typeface="Consolas" panose="020B0609020204030204" pitchFamily="49" charset="0"/>
+                </a:rPr>
+                <a:t>To create a chi-squared distribution in Python using numpy, we can use the following code:</a:t>
+              </a:r>
+            </a:p>
+            <a:p>
+              <a:endParaRPr lang="en-SG" sz="1100">
+                <a:latin typeface="Consolas" panose="020B0609020204030204" pitchFamily="49" charset="0"/>
+              </a:endParaRPr>
+            </a:p>
+            <a:p>
+              <a:endParaRPr lang="en-SG" sz="1100">
+                <a:latin typeface="Consolas" panose="020B0609020204030204" pitchFamily="49" charset="0"/>
+              </a:endParaRPr>
+            </a:p>
+            <a:p>
+              <a:r>
+                <a:rPr lang="en-SG" sz="1100">
+                  <a:latin typeface="Consolas" panose="020B0609020204030204" pitchFamily="49" charset="0"/>
+                </a:rPr>
+                <a:t>from numpy import random </a:t>
+              </a:r>
+            </a:p>
+            <a:p>
+              <a:endParaRPr lang="en-SG" sz="1100">
+                <a:latin typeface="Consolas" panose="020B0609020204030204" pitchFamily="49" charset="0"/>
+              </a:endParaRPr>
+            </a:p>
+            <a:p>
+              <a:r>
+                <a:rPr lang="en-SG" sz="1100">
+                  <a:latin typeface="Consolas" panose="020B0609020204030204" pitchFamily="49" charset="0"/>
+                </a:rPr>
+                <a:t>chisquare(df=2, size=4)</a:t>
+              </a:r>
+            </a:p>
+            <a:p>
+              <a:endParaRPr lang="en-SG" sz="1100">
+                <a:latin typeface="Consolas" panose="020B0609020204030204" pitchFamily="49" charset="0"/>
+              </a:endParaRPr>
+            </a:p>
+            <a:p>
+              <a:endParaRPr lang="en-SG" sz="1100">
+                <a:latin typeface="Consolas" panose="020B0609020204030204" pitchFamily="49" charset="0"/>
+              </a:endParaRPr>
+            </a:p>
+            <a:p>
+              <a:r>
+                <a:rPr lang="en-SG" sz="1100">
+                  <a:latin typeface="Consolas" panose="020B0609020204030204" pitchFamily="49" charset="0"/>
+                </a:rPr>
+                <a:t>What does the </a:t>
+              </a:r>
+              <a:r>
+                <a:rPr lang="en-SG" sz="1100" b="1">
+                  <a:latin typeface="Consolas" panose="020B0609020204030204" pitchFamily="49" charset="0"/>
+                </a:rPr>
+                <a:t>df</a:t>
+              </a:r>
+              <a:r>
+                <a:rPr lang="en-SG" sz="1100">
+                  <a:latin typeface="Consolas" panose="020B0609020204030204" pitchFamily="49" charset="0"/>
+                </a:rPr>
+                <a:t> stand for in the chisquare function?</a:t>
+              </a:r>
+              <a:endParaRPr lang="en-SG" sz="1100" dirty="0">
+                <a:latin typeface="Consolas" panose="020B0609020204030204" pitchFamily="49" charset="0"/>
+              </a:endParaRPr>
+            </a:p>
+          </p:txBody>
+        </p:sp>
+        <p:sp>
+          <p:nvSpPr>
+            <p:cNvPr id="5" name="Rectangle 4">
+              <a:extLst>
+                <a:ext uri="{FF2B5EF4-FFF2-40B4-BE49-F238E27FC236}">
+                  <a16:creationId xmlns:a16="http://schemas.microsoft.com/office/drawing/2014/main" id="{450D27D2-D595-5A9E-EAAE-255F0C89504B}"/>
+                </a:ext>
+              </a:extLst>
+            </p:cNvPr>
+            <p:cNvSpPr/>
+            <p:nvPr/>
+          </p:nvSpPr>
+          <p:spPr>
+            <a:xfrm>
+              <a:off x="2920180" y="4446639"/>
+              <a:ext cx="6349181" cy="442452"/>
+            </a:xfrm>
+            <a:prstGeom prst="rect">
+              <a:avLst/>
+            </a:prstGeom>
+            <a:noFill/>
+            <a:ln>
+              <a:solidFill>
+                <a:srgbClr val="FF0000"/>
+              </a:solidFill>
+            </a:ln>
+          </p:spPr>
+          <p:style>
+            <a:lnRef idx="2">
+              <a:schemeClr val="accent1">
+                <a:shade val="50000"/>
+              </a:schemeClr>
+            </a:lnRef>
+            <a:fillRef idx="1">
+              <a:schemeClr val="accent1"/>
+            </a:fillRef>
+            <a:effectRef idx="0">
+              <a:schemeClr val="accent1"/>
+            </a:effectRef>
+            <a:fontRef idx="minor">
+              <a:schemeClr val="lt1"/>
+            </a:fontRef>
+          </p:style>
+          <p:txBody>
+            <a:bodyPr rtlCol="0" anchor="ctr"/>
+            <a:lstStyle/>
+            <a:p>
+              <a:pPr algn="ctr"/>
+              <a:endParaRPr lang="en-SG"/>
+            </a:p>
+          </p:txBody>
+        </p:sp>
+      </p:grpSp>
+    </p:spTree>
+    <p:extLst>
+      <p:ext uri="{BB962C8B-B14F-4D97-AF65-F5344CB8AC3E}">
+        <p14:creationId xmlns:p14="http://schemas.microsoft.com/office/powerpoint/2010/main" val="4141808757"/>
+      </p:ext>
+    </p:extLst>
+  </p:cSld>
+  <p:clrMapOvr>
+    <a:masterClrMapping/>
+  </p:clrMapOvr>
+</p:sld>
+</file>
+
+<file path=ppt/slides/slide35.xml><?xml version="1.0" encoding="utf-8"?>
+<p:sld xmlns:a="http://schemas.openxmlformats.org/drawingml/2006/main" xmlns:r="http://schemas.openxmlformats.org/officeDocument/2006/relationships" xmlns:p="http://schemas.openxmlformats.org/presentationml/2006/main">
+  <p:cSld>
+    <p:spTree>
+      <p:nvGrpSpPr>
+        <p:cNvPr id="1" name=""/>
+        <p:cNvGrpSpPr/>
+        <p:nvPr/>
+      </p:nvGrpSpPr>
+      <p:grpSpPr>
+        <a:xfrm>
+          <a:off x="0" y="0"/>
+          <a:ext cx="0" cy="0"/>
+          <a:chOff x="0" y="0"/>
+          <a:chExt cx="0" cy="0"/>
+        </a:xfrm>
+      </p:grpSpPr>
+      <p:grpSp>
+        <p:nvGrpSpPr>
+          <p:cNvPr id="6" name="Group 5">
+            <a:extLst>
+              <a:ext uri="{FF2B5EF4-FFF2-40B4-BE49-F238E27FC236}">
+                <a16:creationId xmlns:a16="http://schemas.microsoft.com/office/drawing/2014/main" id="{CFCA8EE4-62DF-C0EE-DA20-15AC1697F5AC}"/>
+              </a:ext>
+            </a:extLst>
+          </p:cNvPr>
+          <p:cNvGrpSpPr/>
+          <p:nvPr/>
+        </p:nvGrpSpPr>
+        <p:grpSpPr>
+          <a:xfrm>
+            <a:off x="2566987" y="900112"/>
+            <a:ext cx="7058025" cy="5057775"/>
+            <a:chOff x="2566987" y="900112"/>
+            <a:chExt cx="7058025" cy="5057775"/>
+          </a:xfrm>
+        </p:grpSpPr>
+        <p:pic>
+          <p:nvPicPr>
+            <p:cNvPr id="3" name="Picture 2">
+              <a:extLst>
+                <a:ext uri="{FF2B5EF4-FFF2-40B4-BE49-F238E27FC236}">
+                  <a16:creationId xmlns:a16="http://schemas.microsoft.com/office/drawing/2014/main" id="{E1A4A0CE-6BEC-2BEB-AB19-BA3066B77835}"/>
+                </a:ext>
+              </a:extLst>
+            </p:cNvPr>
+            <p:cNvPicPr>
+              <a:picLocks noChangeAspect="1"/>
+            </p:cNvPicPr>
+            <p:nvPr/>
+          </p:nvPicPr>
+          <p:blipFill>
+            <a:blip r:embed="rId2"/>
+            <a:stretch>
+              <a:fillRect/>
+            </a:stretch>
+          </p:blipFill>
+          <p:spPr>
+            <a:xfrm>
+              <a:off x="2566987" y="900112"/>
+              <a:ext cx="7058025" cy="5057775"/>
+            </a:xfrm>
+            <a:prstGeom prst="rect">
+              <a:avLst/>
+            </a:prstGeom>
+          </p:spPr>
+        </p:pic>
+        <p:sp>
+          <p:nvSpPr>
+            <p:cNvPr id="4" name="TextBox 3">
+              <a:extLst>
+                <a:ext uri="{FF2B5EF4-FFF2-40B4-BE49-F238E27FC236}">
+                  <a16:creationId xmlns:a16="http://schemas.microsoft.com/office/drawing/2014/main" id="{54A10914-C8A5-B622-EA94-8A4ADAF94C02}"/>
+                </a:ext>
+              </a:extLst>
+            </p:cNvPr>
+            <p:cNvSpPr txBox="1"/>
+            <p:nvPr/>
+          </p:nvSpPr>
+          <p:spPr>
+            <a:xfrm>
+              <a:off x="2948426" y="2558569"/>
+              <a:ext cx="4655004" cy="1785104"/>
+            </a:xfrm>
+            <a:prstGeom prst="rect">
+              <a:avLst/>
+            </a:prstGeom>
+            <a:solidFill>
+              <a:schemeClr val="bg1">
+                <a:lumMod val="95000"/>
+              </a:schemeClr>
+            </a:solidFill>
+          </p:spPr>
+          <p:txBody>
+            <a:bodyPr wrap="square">
+              <a:spAutoFit/>
+            </a:bodyPr>
+            <a:lstStyle/>
+            <a:p>
+              <a:r>
+                <a:rPr lang="en-SG" sz="1100">
+                  <a:latin typeface="Consolas" panose="020B0609020204030204" pitchFamily="49" charset="0"/>
+                </a:rPr>
+                <a:t>from scipy import stats</a:t>
+              </a:r>
+            </a:p>
+            <a:p>
+              <a:endParaRPr lang="en-SG" sz="1100">
+                <a:latin typeface="Consolas" panose="020B0609020204030204" pitchFamily="49" charset="0"/>
+              </a:endParaRPr>
+            </a:p>
+            <a:p>
+              <a:endParaRPr lang="en-SG" sz="1100">
+                <a:latin typeface="Consolas" panose="020B0609020204030204" pitchFamily="49" charset="0"/>
+              </a:endParaRPr>
+            </a:p>
+            <a:p>
+              <a:r>
+                <a:rPr lang="en-SG" sz="1100">
+                  <a:latin typeface="Consolas" panose="020B0609020204030204" pitchFamily="49" charset="0"/>
+                </a:rPr>
+                <a:t>obs =[10,10,10,20,50,10,15]</a:t>
+              </a:r>
+            </a:p>
+            <a:p>
+              <a:r>
+                <a:rPr lang="en-SG" sz="1100">
+                  <a:latin typeface="Consolas" panose="020B0609020204030204" pitchFamily="49" charset="0"/>
+                </a:rPr>
+                <a:t>exp = [5,15,10,15,15,10,55]</a:t>
+              </a:r>
+            </a:p>
+            <a:p>
+              <a:endParaRPr lang="en-SG" sz="1100">
+                <a:latin typeface="Consolas" panose="020B0609020204030204" pitchFamily="49" charset="0"/>
+              </a:endParaRPr>
+            </a:p>
+            <a:p>
+              <a:endParaRPr lang="en-SG" sz="1100">
+                <a:latin typeface="Consolas" panose="020B0609020204030204" pitchFamily="49" charset="0"/>
+              </a:endParaRPr>
+            </a:p>
+            <a:p>
+              <a:r>
+                <a:rPr lang="en-SG" sz="1100">
+                  <a:latin typeface="Consolas" panose="020B0609020204030204" pitchFamily="49" charset="0"/>
+                </a:rPr>
+                <a:t>result = </a:t>
+              </a:r>
+              <a:r>
+                <a:rPr lang="en-SG" sz="1100">
+                  <a:solidFill>
+                    <a:srgbClr val="FF0000"/>
+                  </a:solidFill>
+                  <a:latin typeface="Consolas" panose="020B0609020204030204" pitchFamily="49" charset="0"/>
+                </a:rPr>
+                <a:t>stats.chisquare</a:t>
+              </a:r>
+              <a:r>
+                <a:rPr lang="en-SG" sz="1100">
+                  <a:latin typeface="Consolas" panose="020B0609020204030204" pitchFamily="49" charset="0"/>
+                </a:rPr>
+                <a:t>(obs,exp)</a:t>
+              </a:r>
+            </a:p>
+            <a:p>
+              <a:endParaRPr lang="en-SG" sz="1100">
+                <a:latin typeface="Consolas" panose="020B0609020204030204" pitchFamily="49" charset="0"/>
+              </a:endParaRPr>
+            </a:p>
+            <a:p>
+              <a:r>
+                <a:rPr lang="en-SG" sz="1100">
+                  <a:latin typeface="Consolas" panose="020B0609020204030204" pitchFamily="49" charset="0"/>
+                </a:rPr>
+                <a:t>print(result)</a:t>
+              </a:r>
+              <a:endParaRPr lang="en-SG" sz="1100" dirty="0">
+                <a:latin typeface="Consolas" panose="020B0609020204030204" pitchFamily="49" charset="0"/>
+              </a:endParaRPr>
+            </a:p>
+          </p:txBody>
+        </p:sp>
+      </p:grpSp>
+    </p:spTree>
+    <p:extLst>
+      <p:ext uri="{BB962C8B-B14F-4D97-AF65-F5344CB8AC3E}">
+        <p14:creationId xmlns:p14="http://schemas.microsoft.com/office/powerpoint/2010/main" val="4287251920"/>
+      </p:ext>
+    </p:extLst>
+  </p:cSld>
+  <p:clrMapOvr>
+    <a:masterClrMapping/>
+  </p:clrMapOvr>
+</p:sld>
+</file>
+
+<file path=ppt/slides/slide36.xml><?xml version="1.0" encoding="utf-8"?>
+<p:sld xmlns:a="http://schemas.openxmlformats.org/drawingml/2006/main" xmlns:r="http://schemas.openxmlformats.org/officeDocument/2006/relationships" xmlns:p="http://schemas.openxmlformats.org/presentationml/2006/main">
+  <p:cSld>
+    <p:spTree>
+      <p:nvGrpSpPr>
+        <p:cNvPr id="1" name=""/>
+        <p:cNvGrpSpPr/>
+        <p:nvPr/>
+      </p:nvGrpSpPr>
+      <p:grpSpPr>
+        <a:xfrm>
+          <a:off x="0" y="0"/>
+          <a:ext cx="0" cy="0"/>
+          <a:chOff x="0" y="0"/>
+          <a:chExt cx="0" cy="0"/>
+        </a:xfrm>
+      </p:grpSpPr>
+      <p:grpSp>
+        <p:nvGrpSpPr>
+          <p:cNvPr id="8" name="Group 7">
+            <a:extLst>
+              <a:ext uri="{FF2B5EF4-FFF2-40B4-BE49-F238E27FC236}">
+                <a16:creationId xmlns:a16="http://schemas.microsoft.com/office/drawing/2014/main" id="{FF73DA63-E05D-47B7-D8A5-2F2096903126}"/>
+              </a:ext>
+            </a:extLst>
+          </p:cNvPr>
+          <p:cNvGrpSpPr/>
+          <p:nvPr/>
+        </p:nvGrpSpPr>
+        <p:grpSpPr>
+          <a:xfrm>
+            <a:off x="3338415" y="267318"/>
+            <a:ext cx="5515170" cy="6323363"/>
+            <a:chOff x="3338415" y="267318"/>
+            <a:chExt cx="5515170" cy="6323363"/>
+          </a:xfrm>
+        </p:grpSpPr>
+        <p:pic>
+          <p:nvPicPr>
+            <p:cNvPr id="5" name="Picture 4">
+              <a:extLst>
+                <a:ext uri="{FF2B5EF4-FFF2-40B4-BE49-F238E27FC236}">
+                  <a16:creationId xmlns:a16="http://schemas.microsoft.com/office/drawing/2014/main" id="{35220D79-29DD-6564-C56A-4DF25845BE0B}"/>
+                </a:ext>
+              </a:extLst>
+            </p:cNvPr>
+            <p:cNvPicPr>
+              <a:picLocks noChangeAspect="1"/>
+            </p:cNvPicPr>
+            <p:nvPr/>
+          </p:nvPicPr>
+          <p:blipFill>
+            <a:blip r:embed="rId2"/>
+            <a:stretch>
+              <a:fillRect/>
+            </a:stretch>
+          </p:blipFill>
+          <p:spPr>
+            <a:xfrm>
+              <a:off x="3338415" y="267318"/>
+              <a:ext cx="5515170" cy="6323363"/>
+            </a:xfrm>
+            <a:prstGeom prst="rect">
+              <a:avLst/>
+            </a:prstGeom>
+          </p:spPr>
+        </p:pic>
+        <p:sp>
+          <p:nvSpPr>
+            <p:cNvPr id="6" name="TextBox 5">
+              <a:extLst>
+                <a:ext uri="{FF2B5EF4-FFF2-40B4-BE49-F238E27FC236}">
+                  <a16:creationId xmlns:a16="http://schemas.microsoft.com/office/drawing/2014/main" id="{C0CAD9C2-3542-6469-07D2-BAB16B0F3EEA}"/>
+                </a:ext>
+              </a:extLst>
+            </p:cNvPr>
+            <p:cNvSpPr txBox="1"/>
+            <p:nvPr/>
+          </p:nvSpPr>
+          <p:spPr>
+            <a:xfrm>
+              <a:off x="3663723" y="1552401"/>
+              <a:ext cx="4655004" cy="1446550"/>
+            </a:xfrm>
+            <a:prstGeom prst="rect">
+              <a:avLst/>
+            </a:prstGeom>
+            <a:solidFill>
+              <a:schemeClr val="bg1">
+                <a:lumMod val="95000"/>
+              </a:schemeClr>
+            </a:solidFill>
+          </p:spPr>
+          <p:txBody>
+            <a:bodyPr wrap="square">
+              <a:spAutoFit/>
+            </a:bodyPr>
+            <a:lstStyle/>
+            <a:p>
+              <a:r>
+                <a:rPr lang="en-SG" sz="1100">
+                  <a:latin typeface="Consolas" panose="020B0609020204030204" pitchFamily="49" charset="0"/>
+                </a:rPr>
+                <a:t>import numpy as np</a:t>
+              </a:r>
+            </a:p>
+            <a:p>
+              <a:endParaRPr lang="en-SG" sz="1100">
+                <a:latin typeface="Consolas" panose="020B0609020204030204" pitchFamily="49" charset="0"/>
+              </a:endParaRPr>
+            </a:p>
+            <a:p>
+              <a:r>
+                <a:rPr lang="en-SG" sz="1100">
+                  <a:latin typeface="Consolas" panose="020B0609020204030204" pitchFamily="49" charset="0"/>
+                </a:rPr>
+                <a:t>df = 2 # number of degrees of freedom</a:t>
+              </a:r>
+            </a:p>
+            <a:p>
+              <a:endParaRPr lang="en-SG" sz="1100">
+                <a:latin typeface="Consolas" panose="020B0609020204030204" pitchFamily="49" charset="0"/>
+              </a:endParaRPr>
+            </a:p>
+            <a:p>
+              <a:endParaRPr lang="en-SG" sz="1100">
+                <a:latin typeface="Consolas" panose="020B0609020204030204" pitchFamily="49" charset="0"/>
+              </a:endParaRPr>
+            </a:p>
+            <a:p>
+              <a:r>
+                <a:rPr lang="en-SG" sz="1100">
+                  <a:latin typeface="Consolas" panose="020B0609020204030204" pitchFamily="49" charset="0"/>
+                </a:rPr>
+                <a:t>chisq_data = np.random.</a:t>
+              </a:r>
+              <a:r>
+                <a:rPr lang="en-SG" sz="1100">
+                  <a:solidFill>
+                    <a:srgbClr val="FF0000"/>
+                  </a:solidFill>
+                  <a:latin typeface="Consolas" panose="020B0609020204030204" pitchFamily="49" charset="0"/>
+                </a:rPr>
+                <a:t>chisquare</a:t>
+              </a:r>
+              <a:r>
+                <a:rPr lang="en-SG" sz="1100">
+                  <a:latin typeface="Consolas" panose="020B0609020204030204" pitchFamily="49" charset="0"/>
+                </a:rPr>
+                <a:t>(df, 100)</a:t>
+              </a:r>
+            </a:p>
+            <a:p>
+              <a:endParaRPr lang="en-SG" sz="1100">
+                <a:latin typeface="Consolas" panose="020B0609020204030204" pitchFamily="49" charset="0"/>
+              </a:endParaRPr>
+            </a:p>
+            <a:p>
+              <a:r>
+                <a:rPr lang="en-SG" sz="1100">
+                  <a:latin typeface="Consolas" panose="020B0609020204030204" pitchFamily="49" charset="0"/>
+                </a:rPr>
+                <a:t>print(chisq_data)</a:t>
+              </a:r>
+              <a:endParaRPr lang="en-SG" sz="1100" dirty="0">
+                <a:latin typeface="Consolas" panose="020B0609020204030204" pitchFamily="49" charset="0"/>
+              </a:endParaRPr>
+            </a:p>
+          </p:txBody>
+        </p:sp>
+      </p:grpSp>
     </p:spTree>
     <p:extLst>
       <p:ext uri="{BB962C8B-B14F-4D97-AF65-F5344CB8AC3E}">
         <p14:creationId xmlns:p14="http://schemas.microsoft.com/office/powerpoint/2010/main" val="3066745360"/>
+      </p:ext>
+    </p:extLst>
+  </p:cSld>
+  <p:clrMapOvr>
+    <a:masterClrMapping/>
+  </p:clrMapOvr>
+</p:sld>
+</file>
+
+<file path=ppt/slides/slide37.xml><?xml version="1.0" encoding="utf-8"?>
+<p:sld xmlns:a="http://schemas.openxmlformats.org/drawingml/2006/main" xmlns:r="http://schemas.openxmlformats.org/officeDocument/2006/relationships" xmlns:p="http://schemas.openxmlformats.org/presentationml/2006/main">
+  <p:cSld>
+    <p:spTree>
+      <p:nvGrpSpPr>
+        <p:cNvPr id="1" name=""/>
+        <p:cNvGrpSpPr/>
+        <p:nvPr/>
+      </p:nvGrpSpPr>
+      <p:grpSpPr>
+        <a:xfrm>
+          <a:off x="0" y="0"/>
+          <a:ext cx="0" cy="0"/>
+          <a:chOff x="0" y="0"/>
+          <a:chExt cx="0" cy="0"/>
+        </a:xfrm>
+      </p:grpSpPr>
+      <p:grpSp>
+        <p:nvGrpSpPr>
+          <p:cNvPr id="8" name="Group 7">
+            <a:extLst>
+              <a:ext uri="{FF2B5EF4-FFF2-40B4-BE49-F238E27FC236}">
+                <a16:creationId xmlns:a16="http://schemas.microsoft.com/office/drawing/2014/main" id="{91F6B3E9-991B-DC94-82FB-3EB1AEFA5EF3}"/>
+              </a:ext>
+            </a:extLst>
+          </p:cNvPr>
+          <p:cNvGrpSpPr/>
+          <p:nvPr/>
+        </p:nvGrpSpPr>
+        <p:grpSpPr>
+          <a:xfrm>
+            <a:off x="2628900" y="1138237"/>
+            <a:ext cx="6934200" cy="4581525"/>
+            <a:chOff x="2628900" y="1138237"/>
+            <a:chExt cx="6934200" cy="4581525"/>
+          </a:xfrm>
+        </p:grpSpPr>
+        <p:pic>
+          <p:nvPicPr>
+            <p:cNvPr id="3" name="Picture 2">
+              <a:extLst>
+                <a:ext uri="{FF2B5EF4-FFF2-40B4-BE49-F238E27FC236}">
+                  <a16:creationId xmlns:a16="http://schemas.microsoft.com/office/drawing/2014/main" id="{A5BECE4C-BF59-186B-94E5-18764F355274}"/>
+                </a:ext>
+              </a:extLst>
+            </p:cNvPr>
+            <p:cNvPicPr>
+              <a:picLocks noChangeAspect="1"/>
+            </p:cNvPicPr>
+            <p:nvPr/>
+          </p:nvPicPr>
+          <p:blipFill>
+            <a:blip r:embed="rId2"/>
+            <a:stretch>
+              <a:fillRect/>
+            </a:stretch>
+          </p:blipFill>
+          <p:spPr>
+            <a:xfrm>
+              <a:off x="2628900" y="1138237"/>
+              <a:ext cx="6934200" cy="4581525"/>
+            </a:xfrm>
+            <a:prstGeom prst="rect">
+              <a:avLst/>
+            </a:prstGeom>
+          </p:spPr>
+        </p:pic>
+        <p:sp>
+          <p:nvSpPr>
+            <p:cNvPr id="4" name="Rectangle 3">
+              <a:extLst>
+                <a:ext uri="{FF2B5EF4-FFF2-40B4-BE49-F238E27FC236}">
+                  <a16:creationId xmlns:a16="http://schemas.microsoft.com/office/drawing/2014/main" id="{6823F9EB-B1A6-9E2D-8A1D-C9F5DF2DB3D9}"/>
+                </a:ext>
+              </a:extLst>
+            </p:cNvPr>
+            <p:cNvSpPr/>
+            <p:nvPr/>
+          </p:nvSpPr>
+          <p:spPr>
+            <a:xfrm>
+              <a:off x="7020232" y="3989439"/>
+              <a:ext cx="1570703" cy="442452"/>
+            </a:xfrm>
+            <a:prstGeom prst="rect">
+              <a:avLst/>
+            </a:prstGeom>
+            <a:noFill/>
+            <a:ln>
+              <a:solidFill>
+                <a:srgbClr val="FF0000"/>
+              </a:solidFill>
+            </a:ln>
+          </p:spPr>
+          <p:style>
+            <a:lnRef idx="2">
+              <a:schemeClr val="accent1">
+                <a:shade val="50000"/>
+              </a:schemeClr>
+            </a:lnRef>
+            <a:fillRef idx="1">
+              <a:schemeClr val="accent1"/>
+            </a:fillRef>
+            <a:effectRef idx="0">
+              <a:schemeClr val="accent1"/>
+            </a:effectRef>
+            <a:fontRef idx="minor">
+              <a:schemeClr val="lt1"/>
+            </a:fontRef>
+          </p:style>
+          <p:txBody>
+            <a:bodyPr rtlCol="0" anchor="ctr"/>
+            <a:lstStyle/>
+            <a:p>
+              <a:pPr algn="ctr"/>
+              <a:endParaRPr lang="en-SG"/>
+            </a:p>
+          </p:txBody>
+        </p:sp>
+        <p:sp>
+          <p:nvSpPr>
+            <p:cNvPr id="6" name="TextBox 5">
+              <a:extLst>
+                <a:ext uri="{FF2B5EF4-FFF2-40B4-BE49-F238E27FC236}">
+                  <a16:creationId xmlns:a16="http://schemas.microsoft.com/office/drawing/2014/main" id="{1C6FFB70-12BE-A665-BA9C-1314700C79A4}"/>
+                </a:ext>
+              </a:extLst>
+            </p:cNvPr>
+            <p:cNvSpPr txBox="1"/>
+            <p:nvPr/>
+          </p:nvSpPr>
+          <p:spPr>
+            <a:xfrm>
+              <a:off x="3036916" y="2820761"/>
+              <a:ext cx="4655004" cy="938719"/>
+            </a:xfrm>
+            <a:prstGeom prst="rect">
+              <a:avLst/>
+            </a:prstGeom>
+            <a:solidFill>
+              <a:schemeClr val="bg1">
+                <a:lumMod val="95000"/>
+              </a:schemeClr>
+            </a:solidFill>
+          </p:spPr>
+          <p:txBody>
+            <a:bodyPr wrap="square">
+              <a:spAutoFit/>
+            </a:bodyPr>
+            <a:lstStyle/>
+            <a:p>
+              <a:r>
+                <a:rPr lang="en-SG" sz="1100">
+                  <a:latin typeface="Consolas" panose="020B0609020204030204" pitchFamily="49" charset="0"/>
+                </a:rPr>
+                <a:t>import scipy.stats as stats</a:t>
+              </a:r>
+            </a:p>
+            <a:p>
+              <a:endParaRPr lang="en-SG" sz="1100">
+                <a:latin typeface="Consolas" panose="020B0609020204030204" pitchFamily="49" charset="0"/>
+              </a:endParaRPr>
+            </a:p>
+            <a:p>
+              <a:endParaRPr lang="en-SG" sz="1100">
+                <a:latin typeface="Consolas" panose="020B0609020204030204" pitchFamily="49" charset="0"/>
+              </a:endParaRPr>
+            </a:p>
+            <a:p>
+              <a:r>
+                <a:rPr lang="en-SG" sz="1100">
+                  <a:latin typeface="Consolas" panose="020B0609020204030204" pitchFamily="49" charset="0"/>
+                </a:rPr>
+                <a:t>results = stats.</a:t>
+              </a:r>
+              <a:r>
+                <a:rPr lang="en-SG" sz="1100">
+                  <a:solidFill>
+                    <a:srgbClr val="FF0000"/>
+                  </a:solidFill>
+                  <a:latin typeface="Consolas" panose="020B0609020204030204" pitchFamily="49" charset="0"/>
+                </a:rPr>
+                <a:t>friedmanchisquare</a:t>
+              </a:r>
+              <a:r>
+                <a:rPr lang="en-SG" sz="1100">
+                  <a:latin typeface="Consolas" panose="020B0609020204030204" pitchFamily="49" charset="0"/>
+                </a:rPr>
+                <a:t>(a, b, c)</a:t>
+              </a:r>
+            </a:p>
+            <a:p>
+              <a:r>
+                <a:rPr lang="en-SG" sz="1100">
+                  <a:latin typeface="Consolas" panose="020B0609020204030204" pitchFamily="49" charset="0"/>
+                </a:rPr>
+                <a:t>print(results.pvalue)</a:t>
+              </a:r>
+              <a:endParaRPr lang="en-SG" sz="1100" dirty="0">
+                <a:latin typeface="Consolas" panose="020B0609020204030204" pitchFamily="49" charset="0"/>
+              </a:endParaRPr>
+            </a:p>
+          </p:txBody>
+        </p:sp>
+      </p:grpSp>
+    </p:spTree>
+    <p:extLst>
+      <p:ext uri="{BB962C8B-B14F-4D97-AF65-F5344CB8AC3E}">
+        <p14:creationId xmlns:p14="http://schemas.microsoft.com/office/powerpoint/2010/main" val="3250668682"/>
+      </p:ext>
+    </p:extLst>
+  </p:cSld>
+  <p:clrMapOvr>
+    <a:masterClrMapping/>
+  </p:clrMapOvr>
+</p:sld>
+</file>
+
+<file path=ppt/slides/slide38.xml><?xml version="1.0" encoding="utf-8"?>
+<p:sld xmlns:a="http://schemas.openxmlformats.org/drawingml/2006/main" xmlns:r="http://schemas.openxmlformats.org/officeDocument/2006/relationships" xmlns:p="http://schemas.openxmlformats.org/presentationml/2006/main">
+  <p:cSld>
+    <p:spTree>
+      <p:nvGrpSpPr>
+        <p:cNvPr id="1" name=""/>
+        <p:cNvGrpSpPr/>
+        <p:nvPr/>
+      </p:nvGrpSpPr>
+      <p:grpSpPr>
+        <a:xfrm>
+          <a:off x="0" y="0"/>
+          <a:ext cx="0" cy="0"/>
+          <a:chOff x="0" y="0"/>
+          <a:chExt cx="0" cy="0"/>
+        </a:xfrm>
+      </p:grpSpPr>
+      <p:grpSp>
+        <p:nvGrpSpPr>
+          <p:cNvPr id="6" name="Group 5">
+            <a:extLst>
+              <a:ext uri="{FF2B5EF4-FFF2-40B4-BE49-F238E27FC236}">
+                <a16:creationId xmlns:a16="http://schemas.microsoft.com/office/drawing/2014/main" id="{0133A3F3-D303-422A-7F65-5775EB40AB90}"/>
+              </a:ext>
+            </a:extLst>
+          </p:cNvPr>
+          <p:cNvGrpSpPr/>
+          <p:nvPr/>
+        </p:nvGrpSpPr>
+        <p:grpSpPr>
+          <a:xfrm>
+            <a:off x="2805112" y="1281112"/>
+            <a:ext cx="6581775" cy="4295775"/>
+            <a:chOff x="2805112" y="1281112"/>
+            <a:chExt cx="6581775" cy="4295775"/>
+          </a:xfrm>
+        </p:grpSpPr>
+        <p:pic>
+          <p:nvPicPr>
+            <p:cNvPr id="3" name="Picture 2">
+              <a:extLst>
+                <a:ext uri="{FF2B5EF4-FFF2-40B4-BE49-F238E27FC236}">
+                  <a16:creationId xmlns:a16="http://schemas.microsoft.com/office/drawing/2014/main" id="{E8F062F3-247E-5A28-8970-B42D3BDC06E1}"/>
+                </a:ext>
+              </a:extLst>
+            </p:cNvPr>
+            <p:cNvPicPr>
+              <a:picLocks noChangeAspect="1"/>
+            </p:cNvPicPr>
+            <p:nvPr/>
+          </p:nvPicPr>
+          <p:blipFill>
+            <a:blip r:embed="rId2"/>
+            <a:stretch>
+              <a:fillRect/>
+            </a:stretch>
+          </p:blipFill>
+          <p:spPr>
+            <a:xfrm>
+              <a:off x="2805112" y="1281112"/>
+              <a:ext cx="6581775" cy="4295775"/>
+            </a:xfrm>
+            <a:prstGeom prst="rect">
+              <a:avLst/>
+            </a:prstGeom>
+          </p:spPr>
+        </p:pic>
+        <p:sp>
+          <p:nvSpPr>
+            <p:cNvPr id="4" name="TextBox 3">
+              <a:extLst>
+                <a:ext uri="{FF2B5EF4-FFF2-40B4-BE49-F238E27FC236}">
+                  <a16:creationId xmlns:a16="http://schemas.microsoft.com/office/drawing/2014/main" id="{729DA499-9B69-BDD3-9DA2-B93026DE948A}"/>
+                </a:ext>
+              </a:extLst>
+            </p:cNvPr>
+            <p:cNvSpPr txBox="1"/>
+            <p:nvPr/>
+          </p:nvSpPr>
+          <p:spPr>
+            <a:xfrm>
+              <a:off x="3243393" y="2996510"/>
+              <a:ext cx="4655004" cy="1107996"/>
+            </a:xfrm>
+            <a:prstGeom prst="rect">
+              <a:avLst/>
+            </a:prstGeom>
+            <a:solidFill>
+              <a:schemeClr val="bg1">
+                <a:lumMod val="95000"/>
+              </a:schemeClr>
+            </a:solidFill>
+          </p:spPr>
+          <p:txBody>
+            <a:bodyPr wrap="square">
+              <a:spAutoFit/>
+            </a:bodyPr>
+            <a:lstStyle/>
+            <a:p>
+              <a:r>
+                <a:rPr lang="en-SG" sz="1100">
+                  <a:latin typeface="Consolas" panose="020B0609020204030204" pitchFamily="49" charset="0"/>
+                </a:rPr>
+                <a:t>import scipy.stats as stats</a:t>
+              </a:r>
+            </a:p>
+            <a:p>
+              <a:endParaRPr lang="en-SG" sz="1100">
+                <a:latin typeface="Consolas" panose="020B0609020204030204" pitchFamily="49" charset="0"/>
+              </a:endParaRPr>
+            </a:p>
+            <a:p>
+              <a:endParaRPr lang="en-SG" sz="1100">
+                <a:latin typeface="Consolas" panose="020B0609020204030204" pitchFamily="49" charset="0"/>
+              </a:endParaRPr>
+            </a:p>
+            <a:p>
+              <a:r>
+                <a:rPr lang="en-SG" sz="1100">
+                  <a:latin typeface="Consolas" panose="020B0609020204030204" pitchFamily="49" charset="0"/>
+                </a:rPr>
+                <a:t>results = stats.</a:t>
+              </a:r>
+              <a:r>
+                <a:rPr lang="en-SG" sz="1100">
+                  <a:solidFill>
+                    <a:srgbClr val="FF0000"/>
+                  </a:solidFill>
+                  <a:latin typeface="Consolas" panose="020B0609020204030204" pitchFamily="49" charset="0"/>
+                </a:rPr>
+                <a:t>pearsonr</a:t>
+              </a:r>
+              <a:r>
+                <a:rPr lang="en-SG" sz="1100">
+                  <a:latin typeface="Consolas" panose="020B0609020204030204" pitchFamily="49" charset="0"/>
+                </a:rPr>
+                <a:t>(df['A'], df['B'])</a:t>
+              </a:r>
+            </a:p>
+            <a:p>
+              <a:endParaRPr lang="en-SG" sz="1100">
+                <a:latin typeface="Consolas" panose="020B0609020204030204" pitchFamily="49" charset="0"/>
+              </a:endParaRPr>
+            </a:p>
+            <a:p>
+              <a:r>
+                <a:rPr lang="en-SG" sz="1100">
+                  <a:latin typeface="Consolas" panose="020B0609020204030204" pitchFamily="49" charset="0"/>
+                </a:rPr>
+                <a:t>print(results)</a:t>
+              </a:r>
+              <a:endParaRPr lang="en-SG" sz="1100" dirty="0">
+                <a:latin typeface="Consolas" panose="020B0609020204030204" pitchFamily="49" charset="0"/>
+              </a:endParaRPr>
+            </a:p>
+          </p:txBody>
+        </p:sp>
+      </p:grpSp>
+    </p:spTree>
+    <p:extLst>
+      <p:ext uri="{BB962C8B-B14F-4D97-AF65-F5344CB8AC3E}">
+        <p14:creationId xmlns:p14="http://schemas.microsoft.com/office/powerpoint/2010/main" val="1974012397"/>
+      </p:ext>
+    </p:extLst>
+  </p:cSld>
+  <p:clrMapOvr>
+    <a:masterClrMapping/>
+  </p:clrMapOvr>
+</p:sld>
+</file>
+
+<file path=ppt/slides/slide39.xml><?xml version="1.0" encoding="utf-8"?>
+<p:sld xmlns:a="http://schemas.openxmlformats.org/drawingml/2006/main" xmlns:r="http://schemas.openxmlformats.org/officeDocument/2006/relationships" xmlns:p="http://schemas.openxmlformats.org/presentationml/2006/main">
+  <p:cSld>
+    <p:spTree>
+      <p:nvGrpSpPr>
+        <p:cNvPr id="1" name=""/>
+        <p:cNvGrpSpPr/>
+        <p:nvPr/>
+      </p:nvGrpSpPr>
+      <p:grpSpPr>
+        <a:xfrm>
+          <a:off x="0" y="0"/>
+          <a:ext cx="0" cy="0"/>
+          <a:chOff x="0" y="0"/>
+          <a:chExt cx="0" cy="0"/>
+        </a:xfrm>
+      </p:grpSpPr>
+      <p:grpSp>
+        <p:nvGrpSpPr>
+          <p:cNvPr id="7" name="Group 6">
+            <a:extLst>
+              <a:ext uri="{FF2B5EF4-FFF2-40B4-BE49-F238E27FC236}">
+                <a16:creationId xmlns:a16="http://schemas.microsoft.com/office/drawing/2014/main" id="{2867031B-F35E-B892-0FCA-F4B12B18F6D7}"/>
+              </a:ext>
+            </a:extLst>
+          </p:cNvPr>
+          <p:cNvGrpSpPr/>
+          <p:nvPr/>
+        </p:nvGrpSpPr>
+        <p:grpSpPr>
+          <a:xfrm>
+            <a:off x="2552700" y="590550"/>
+            <a:ext cx="7086600" cy="5676900"/>
+            <a:chOff x="2552700" y="590550"/>
+            <a:chExt cx="7086600" cy="5676900"/>
+          </a:xfrm>
+        </p:grpSpPr>
+        <p:pic>
+          <p:nvPicPr>
+            <p:cNvPr id="3" name="Picture 2">
+              <a:extLst>
+                <a:ext uri="{FF2B5EF4-FFF2-40B4-BE49-F238E27FC236}">
+                  <a16:creationId xmlns:a16="http://schemas.microsoft.com/office/drawing/2014/main" id="{DCA09B55-16FD-CF53-4EE9-D8C7E26051CE}"/>
+                </a:ext>
+              </a:extLst>
+            </p:cNvPr>
+            <p:cNvPicPr>
+              <a:picLocks noChangeAspect="1"/>
+            </p:cNvPicPr>
+            <p:nvPr/>
+          </p:nvPicPr>
+          <p:blipFill>
+            <a:blip r:embed="rId2"/>
+            <a:stretch>
+              <a:fillRect/>
+            </a:stretch>
+          </p:blipFill>
+          <p:spPr>
+            <a:xfrm>
+              <a:off x="2552700" y="590550"/>
+              <a:ext cx="7086600" cy="5676900"/>
+            </a:xfrm>
+            <a:prstGeom prst="rect">
+              <a:avLst/>
+            </a:prstGeom>
+          </p:spPr>
+        </p:pic>
+        <p:sp>
+          <p:nvSpPr>
+            <p:cNvPr id="4" name="TextBox 3">
+              <a:extLst>
+                <a:ext uri="{FF2B5EF4-FFF2-40B4-BE49-F238E27FC236}">
+                  <a16:creationId xmlns:a16="http://schemas.microsoft.com/office/drawing/2014/main" id="{507459AE-AD54-9E43-1CFE-174CBEBF37CD}"/>
+                </a:ext>
+              </a:extLst>
+            </p:cNvPr>
+            <p:cNvSpPr txBox="1"/>
+            <p:nvPr/>
+          </p:nvSpPr>
+          <p:spPr>
+            <a:xfrm>
+              <a:off x="2850729" y="1474619"/>
+              <a:ext cx="6490541" cy="2292935"/>
+            </a:xfrm>
+            <a:prstGeom prst="rect">
+              <a:avLst/>
+            </a:prstGeom>
+            <a:solidFill>
+              <a:schemeClr val="bg1">
+                <a:lumMod val="95000"/>
+              </a:schemeClr>
+            </a:solidFill>
+          </p:spPr>
+          <p:txBody>
+            <a:bodyPr wrap="square">
+              <a:spAutoFit/>
+            </a:bodyPr>
+            <a:lstStyle/>
+            <a:p>
+              <a:r>
+                <a:rPr lang="en-SG" sz="1100">
+                  <a:latin typeface="Consolas" panose="020B0609020204030204" pitchFamily="49" charset="0"/>
+                </a:rPr>
+                <a:t>For feature selection in your Machine Learning model, you ran a Chi-square test to determine the relationship between the independent and the one dependent categorical feature. The results obtained are the following:</a:t>
+              </a:r>
+            </a:p>
+            <a:p>
+              <a:endParaRPr lang="en-SG" sz="1100">
+                <a:latin typeface="Consolas" panose="020B0609020204030204" pitchFamily="49" charset="0"/>
+              </a:endParaRPr>
+            </a:p>
+            <a:p>
+              <a:endParaRPr lang="en-SG" sz="1100">
+                <a:latin typeface="Consolas" panose="020B0609020204030204" pitchFamily="49" charset="0"/>
+              </a:endParaRPr>
+            </a:p>
+            <a:p>
+              <a:endParaRPr lang="en-SG" sz="1100">
+                <a:latin typeface="Consolas" panose="020B0609020204030204" pitchFamily="49" charset="0"/>
+              </a:endParaRPr>
+            </a:p>
+            <a:p>
+              <a:r>
+                <a:rPr lang="en-SG" sz="1100">
+                  <a:latin typeface="Consolas" panose="020B0609020204030204" pitchFamily="49" charset="0"/>
+                </a:rPr>
+                <a:t>chi2 value: 134.54869375910293</a:t>
+              </a:r>
+            </a:p>
+            <a:p>
+              <a:endParaRPr lang="en-SG" sz="1100">
+                <a:latin typeface="Consolas" panose="020B0609020204030204" pitchFamily="49" charset="0"/>
+              </a:endParaRPr>
+            </a:p>
+            <a:p>
+              <a:r>
+                <a:rPr lang="en-SG" sz="1100">
+                  <a:latin typeface="Consolas" panose="020B0609020204030204" pitchFamily="49" charset="0"/>
+                </a:rPr>
+                <a:t>p-value: 1.510066805092378e-136</a:t>
+              </a:r>
+            </a:p>
+            <a:p>
+              <a:endParaRPr lang="en-SG" sz="1100">
+                <a:latin typeface="Consolas" panose="020B0609020204030204" pitchFamily="49" charset="0"/>
+              </a:endParaRPr>
+            </a:p>
+            <a:p>
+              <a:endParaRPr lang="en-SG" sz="1100">
+                <a:latin typeface="Consolas" panose="020B0609020204030204" pitchFamily="49" charset="0"/>
+              </a:endParaRPr>
+            </a:p>
+            <a:p>
+              <a:endParaRPr lang="en-SG" sz="1100">
+                <a:latin typeface="Consolas" panose="020B0609020204030204" pitchFamily="49" charset="0"/>
+              </a:endParaRPr>
+            </a:p>
+            <a:p>
+              <a:r>
+                <a:rPr lang="en-SG" sz="1100">
+                  <a:latin typeface="Consolas" panose="020B0609020204030204" pitchFamily="49" charset="0"/>
+                </a:rPr>
+                <a:t>According to these results, we can conclude that:</a:t>
+              </a:r>
+              <a:endParaRPr lang="en-SG" sz="1100" dirty="0">
+                <a:latin typeface="Consolas" panose="020B0609020204030204" pitchFamily="49" charset="0"/>
+              </a:endParaRPr>
+            </a:p>
+          </p:txBody>
+        </p:sp>
+        <p:sp>
+          <p:nvSpPr>
+            <p:cNvPr id="6" name="Rectangle 5">
+              <a:extLst>
+                <a:ext uri="{FF2B5EF4-FFF2-40B4-BE49-F238E27FC236}">
+                  <a16:creationId xmlns:a16="http://schemas.microsoft.com/office/drawing/2014/main" id="{D6437800-0DAB-C032-37B8-B567CA46CE29}"/>
+                </a:ext>
+              </a:extLst>
+            </p:cNvPr>
+            <p:cNvSpPr/>
+            <p:nvPr/>
+          </p:nvSpPr>
+          <p:spPr>
+            <a:xfrm>
+              <a:off x="2743199" y="5257800"/>
+              <a:ext cx="6732640" cy="442452"/>
+            </a:xfrm>
+            <a:prstGeom prst="rect">
+              <a:avLst/>
+            </a:prstGeom>
+            <a:noFill/>
+            <a:ln>
+              <a:solidFill>
+                <a:srgbClr val="FF0000"/>
+              </a:solidFill>
+            </a:ln>
+          </p:spPr>
+          <p:style>
+            <a:lnRef idx="2">
+              <a:schemeClr val="accent1">
+                <a:shade val="50000"/>
+              </a:schemeClr>
+            </a:lnRef>
+            <a:fillRef idx="1">
+              <a:schemeClr val="accent1"/>
+            </a:fillRef>
+            <a:effectRef idx="0">
+              <a:schemeClr val="accent1"/>
+            </a:effectRef>
+            <a:fontRef idx="minor">
+              <a:schemeClr val="lt1"/>
+            </a:fontRef>
+          </p:style>
+          <p:txBody>
+            <a:bodyPr rtlCol="0" anchor="ctr"/>
+            <a:lstStyle/>
+            <a:p>
+              <a:pPr algn="ctr"/>
+              <a:endParaRPr lang="en-SG"/>
+            </a:p>
+          </p:txBody>
+        </p:sp>
+      </p:grpSp>
+    </p:spTree>
+    <p:extLst>
+      <p:ext uri="{BB962C8B-B14F-4D97-AF65-F5344CB8AC3E}">
+        <p14:creationId xmlns:p14="http://schemas.microsoft.com/office/powerpoint/2010/main" val="671896208"/>
       </p:ext>
     </p:extLst>
   </p:cSld>
@@ -7952,6 +11361,1926 @@
 </p:sld>
 </file>
 
+<file path=ppt/slides/slide40.xml><?xml version="1.0" encoding="utf-8"?>
+<p:sld xmlns:a="http://schemas.openxmlformats.org/drawingml/2006/main" xmlns:r="http://schemas.openxmlformats.org/officeDocument/2006/relationships" xmlns:p="http://schemas.openxmlformats.org/presentationml/2006/main">
+  <p:cSld>
+    <p:spTree>
+      <p:nvGrpSpPr>
+        <p:cNvPr id="1" name=""/>
+        <p:cNvGrpSpPr/>
+        <p:nvPr/>
+      </p:nvGrpSpPr>
+      <p:grpSpPr>
+        <a:xfrm>
+          <a:off x="0" y="0"/>
+          <a:ext cx="0" cy="0"/>
+          <a:chOff x="0" y="0"/>
+          <a:chExt cx="0" cy="0"/>
+        </a:xfrm>
+      </p:grpSpPr>
+      <p:grpSp>
+        <p:nvGrpSpPr>
+          <p:cNvPr id="6" name="Group 5">
+            <a:extLst>
+              <a:ext uri="{FF2B5EF4-FFF2-40B4-BE49-F238E27FC236}">
+                <a16:creationId xmlns:a16="http://schemas.microsoft.com/office/drawing/2014/main" id="{61AE9AD6-A267-5CD1-D23C-2891D5C366F3}"/>
+              </a:ext>
+            </a:extLst>
+          </p:cNvPr>
+          <p:cNvGrpSpPr/>
+          <p:nvPr/>
+        </p:nvGrpSpPr>
+        <p:grpSpPr>
+          <a:xfrm>
+            <a:off x="3043370" y="207238"/>
+            <a:ext cx="6105260" cy="6443524"/>
+            <a:chOff x="3043370" y="207238"/>
+            <a:chExt cx="6105260" cy="6443524"/>
+          </a:xfrm>
+        </p:grpSpPr>
+        <p:pic>
+          <p:nvPicPr>
+            <p:cNvPr id="3" name="Picture 2">
+              <a:extLst>
+                <a:ext uri="{FF2B5EF4-FFF2-40B4-BE49-F238E27FC236}">
+                  <a16:creationId xmlns:a16="http://schemas.microsoft.com/office/drawing/2014/main" id="{E77EC915-4A63-BA64-5238-763442170F6D}"/>
+                </a:ext>
+              </a:extLst>
+            </p:cNvPr>
+            <p:cNvPicPr>
+              <a:picLocks noChangeAspect="1"/>
+            </p:cNvPicPr>
+            <p:nvPr/>
+          </p:nvPicPr>
+          <p:blipFill>
+            <a:blip r:embed="rId2"/>
+            <a:stretch>
+              <a:fillRect/>
+            </a:stretch>
+          </p:blipFill>
+          <p:spPr>
+            <a:xfrm>
+              <a:off x="3043370" y="207238"/>
+              <a:ext cx="6105260" cy="6443524"/>
+            </a:xfrm>
+            <a:prstGeom prst="rect">
+              <a:avLst/>
+            </a:prstGeom>
+          </p:spPr>
+        </p:pic>
+        <p:sp>
+          <p:nvSpPr>
+            <p:cNvPr id="4" name="TextBox 3">
+              <a:extLst>
+                <a:ext uri="{FF2B5EF4-FFF2-40B4-BE49-F238E27FC236}">
+                  <a16:creationId xmlns:a16="http://schemas.microsoft.com/office/drawing/2014/main" id="{9AC40347-B340-CA79-58A2-7DCDFE0A432A}"/>
+                </a:ext>
+              </a:extLst>
+            </p:cNvPr>
+            <p:cNvSpPr txBox="1"/>
+            <p:nvPr/>
+          </p:nvSpPr>
+          <p:spPr>
+            <a:xfrm>
+              <a:off x="3399503" y="1604021"/>
+              <a:ext cx="5184695" cy="1107996"/>
+            </a:xfrm>
+            <a:prstGeom prst="rect">
+              <a:avLst/>
+            </a:prstGeom>
+            <a:solidFill>
+              <a:schemeClr val="bg1">
+                <a:lumMod val="95000"/>
+              </a:schemeClr>
+            </a:solidFill>
+          </p:spPr>
+          <p:txBody>
+            <a:bodyPr wrap="square">
+              <a:spAutoFit/>
+            </a:bodyPr>
+            <a:lstStyle/>
+            <a:p>
+              <a:r>
+                <a:rPr lang="en-SG" sz="1100">
+                  <a:latin typeface="Consolas" panose="020B0609020204030204" pitchFamily="49" charset="0"/>
+                </a:rPr>
+                <a:t>import numpy as np</a:t>
+              </a:r>
+            </a:p>
+            <a:p>
+              <a:endParaRPr lang="en-SG" sz="1100">
+                <a:latin typeface="Consolas" panose="020B0609020204030204" pitchFamily="49" charset="0"/>
+              </a:endParaRPr>
+            </a:p>
+            <a:p>
+              <a:endParaRPr lang="en-SG" sz="1100">
+                <a:latin typeface="Consolas" panose="020B0609020204030204" pitchFamily="49" charset="0"/>
+              </a:endParaRPr>
+            </a:p>
+            <a:p>
+              <a:r>
+                <a:rPr lang="en-SG" sz="1100">
+                  <a:latin typeface="Consolas" panose="020B0609020204030204" pitchFamily="49" charset="0"/>
+                </a:rPr>
+                <a:t>normal_dist_data = np.random.</a:t>
+              </a:r>
+              <a:r>
+                <a:rPr lang="en-SG" sz="1100">
+                  <a:solidFill>
+                    <a:srgbClr val="FF0000"/>
+                  </a:solidFill>
+                  <a:latin typeface="Consolas" panose="020B0609020204030204" pitchFamily="49" charset="0"/>
+                </a:rPr>
+                <a:t>normal</a:t>
+              </a:r>
+              <a:r>
+                <a:rPr lang="en-SG" sz="1100">
+                  <a:latin typeface="Consolas" panose="020B0609020204030204" pitchFamily="49" charset="0"/>
+                </a:rPr>
+                <a:t>(loc=1, scale=2, size=100)</a:t>
+              </a:r>
+            </a:p>
+            <a:p>
+              <a:endParaRPr lang="en-SG" sz="1100">
+                <a:latin typeface="Consolas" panose="020B0609020204030204" pitchFamily="49" charset="0"/>
+              </a:endParaRPr>
+            </a:p>
+            <a:p>
+              <a:r>
+                <a:rPr lang="en-SG" sz="1100">
+                  <a:latin typeface="Consolas" panose="020B0609020204030204" pitchFamily="49" charset="0"/>
+                </a:rPr>
+                <a:t>print(normal_dist_data)</a:t>
+              </a:r>
+              <a:endParaRPr lang="en-SG" sz="1100" dirty="0">
+                <a:latin typeface="Consolas" panose="020B0609020204030204" pitchFamily="49" charset="0"/>
+              </a:endParaRPr>
+            </a:p>
+          </p:txBody>
+        </p:sp>
+      </p:grpSp>
+    </p:spTree>
+    <p:extLst>
+      <p:ext uri="{BB962C8B-B14F-4D97-AF65-F5344CB8AC3E}">
+        <p14:creationId xmlns:p14="http://schemas.microsoft.com/office/powerpoint/2010/main" val="4055088215"/>
+      </p:ext>
+    </p:extLst>
+  </p:cSld>
+  <p:clrMapOvr>
+    <a:masterClrMapping/>
+  </p:clrMapOvr>
+</p:sld>
+</file>
+
+<file path=ppt/slides/slide41.xml><?xml version="1.0" encoding="utf-8"?>
+<p:sld xmlns:a="http://schemas.openxmlformats.org/drawingml/2006/main" xmlns:r="http://schemas.openxmlformats.org/officeDocument/2006/relationships" xmlns:p="http://schemas.openxmlformats.org/presentationml/2006/main">
+  <p:cSld>
+    <p:spTree>
+      <p:nvGrpSpPr>
+        <p:cNvPr id="1" name=""/>
+        <p:cNvGrpSpPr/>
+        <p:nvPr/>
+      </p:nvGrpSpPr>
+      <p:grpSpPr>
+        <a:xfrm>
+          <a:off x="0" y="0"/>
+          <a:ext cx="0" cy="0"/>
+          <a:chOff x="0" y="0"/>
+          <a:chExt cx="0" cy="0"/>
+        </a:xfrm>
+      </p:grpSpPr>
+      <p:pic>
+        <p:nvPicPr>
+          <p:cNvPr id="5" name="Picture 4">
+            <a:extLst>
+              <a:ext uri="{FF2B5EF4-FFF2-40B4-BE49-F238E27FC236}">
+                <a16:creationId xmlns:a16="http://schemas.microsoft.com/office/drawing/2014/main" id="{1725F533-5BD6-B490-16D3-B85C3588047A}"/>
+              </a:ext>
+            </a:extLst>
+          </p:cNvPr>
+          <p:cNvPicPr>
+            <a:picLocks noChangeAspect="1"/>
+          </p:cNvPicPr>
+          <p:nvPr/>
+        </p:nvPicPr>
+        <p:blipFill>
+          <a:blip r:embed="rId2"/>
+          <a:stretch>
+            <a:fillRect/>
+          </a:stretch>
+        </p:blipFill>
+        <p:spPr>
+          <a:xfrm>
+            <a:off x="6166884" y="1253612"/>
+            <a:ext cx="5725234" cy="5155022"/>
+          </a:xfrm>
+          <a:prstGeom prst="rect">
+            <a:avLst/>
+          </a:prstGeom>
+        </p:spPr>
+      </p:pic>
+      <p:grpSp>
+        <p:nvGrpSpPr>
+          <p:cNvPr id="10" name="Group 9">
+            <a:extLst>
+              <a:ext uri="{FF2B5EF4-FFF2-40B4-BE49-F238E27FC236}">
+                <a16:creationId xmlns:a16="http://schemas.microsoft.com/office/drawing/2014/main" id="{94CA8D75-E9CC-4EBF-FC9B-1BC5BDE5A0D2}"/>
+              </a:ext>
+            </a:extLst>
+          </p:cNvPr>
+          <p:cNvGrpSpPr/>
+          <p:nvPr/>
+        </p:nvGrpSpPr>
+        <p:grpSpPr>
+          <a:xfrm>
+            <a:off x="299885" y="544698"/>
+            <a:ext cx="5725233" cy="3999187"/>
+            <a:chOff x="299885" y="544698"/>
+            <a:chExt cx="5725233" cy="3999187"/>
+          </a:xfrm>
+        </p:grpSpPr>
+        <p:pic>
+          <p:nvPicPr>
+            <p:cNvPr id="3" name="Picture 2">
+              <a:extLst>
+                <a:ext uri="{FF2B5EF4-FFF2-40B4-BE49-F238E27FC236}">
+                  <a16:creationId xmlns:a16="http://schemas.microsoft.com/office/drawing/2014/main" id="{0343EA2B-773F-448F-5742-B8494622F5F2}"/>
+                </a:ext>
+              </a:extLst>
+            </p:cNvPr>
+            <p:cNvPicPr>
+              <a:picLocks noChangeAspect="1"/>
+            </p:cNvPicPr>
+            <p:nvPr/>
+          </p:nvPicPr>
+          <p:blipFill>
+            <a:blip r:embed="rId3"/>
+            <a:stretch>
+              <a:fillRect/>
+            </a:stretch>
+          </p:blipFill>
+          <p:spPr>
+            <a:xfrm>
+              <a:off x="299885" y="544698"/>
+              <a:ext cx="5725233" cy="3999187"/>
+            </a:xfrm>
+            <a:prstGeom prst="rect">
+              <a:avLst/>
+            </a:prstGeom>
+          </p:spPr>
+        </p:pic>
+        <p:sp>
+          <p:nvSpPr>
+            <p:cNvPr id="6" name="TextBox 5">
+              <a:extLst>
+                <a:ext uri="{FF2B5EF4-FFF2-40B4-BE49-F238E27FC236}">
+                  <a16:creationId xmlns:a16="http://schemas.microsoft.com/office/drawing/2014/main" id="{875D32A6-A989-FBF4-F969-91A576EEDFEB}"/>
+                </a:ext>
+              </a:extLst>
+            </p:cNvPr>
+            <p:cNvSpPr txBox="1"/>
+            <p:nvPr/>
+          </p:nvSpPr>
+          <p:spPr>
+            <a:xfrm>
+              <a:off x="618086" y="2147585"/>
+              <a:ext cx="5088830" cy="1615827"/>
+            </a:xfrm>
+            <a:prstGeom prst="rect">
+              <a:avLst/>
+            </a:prstGeom>
+            <a:solidFill>
+              <a:schemeClr val="bg1">
+                <a:lumMod val="95000"/>
+              </a:schemeClr>
+            </a:solidFill>
+          </p:spPr>
+          <p:txBody>
+            <a:bodyPr wrap="square">
+              <a:spAutoFit/>
+            </a:bodyPr>
+            <a:lstStyle/>
+            <a:p>
+              <a:r>
+                <a:rPr lang="en-SG" sz="1100">
+                  <a:latin typeface="Consolas" panose="020B0609020204030204" pitchFamily="49" charset="0"/>
+                </a:rPr>
+                <a:t>from numpy.random import default_rng</a:t>
+              </a:r>
+            </a:p>
+            <a:p>
+              <a:r>
+                <a:rPr lang="en-SG" sz="1100">
+                  <a:latin typeface="Consolas" panose="020B0609020204030204" pitchFamily="49" charset="0"/>
+                </a:rPr>
+                <a:t>import seaborn as sns</a:t>
+              </a:r>
+            </a:p>
+            <a:p>
+              <a:r>
+                <a:rPr lang="en-SG" sz="1100">
+                  <a:latin typeface="Consolas" panose="020B0609020204030204" pitchFamily="49" charset="0"/>
+                </a:rPr>
+                <a:t>import matplotlib.pyplot as plt</a:t>
+              </a:r>
+            </a:p>
+            <a:p>
+              <a:endParaRPr lang="en-SG" sz="1100">
+                <a:latin typeface="Consolas" panose="020B0609020204030204" pitchFamily="49" charset="0"/>
+              </a:endParaRPr>
+            </a:p>
+            <a:p>
+              <a:endParaRPr lang="en-SG" sz="1100">
+                <a:latin typeface="Consolas" panose="020B0609020204030204" pitchFamily="49" charset="0"/>
+              </a:endParaRPr>
+            </a:p>
+            <a:p>
+              <a:r>
+                <a:rPr lang="en-SG" sz="1100">
+                  <a:latin typeface="Consolas" panose="020B0609020204030204" pitchFamily="49" charset="0"/>
+                </a:rPr>
+                <a:t>dist = rng.</a:t>
+              </a:r>
+              <a:r>
+                <a:rPr lang="en-SG" sz="1100">
+                  <a:solidFill>
+                    <a:srgbClr val="FF0000"/>
+                  </a:solidFill>
+                  <a:latin typeface="Consolas" panose="020B0609020204030204" pitchFamily="49" charset="0"/>
+                </a:rPr>
+                <a:t>standard_normal</a:t>
+              </a:r>
+              <a:r>
+                <a:rPr lang="en-SG" sz="1100">
+                  <a:latin typeface="Consolas" panose="020B0609020204030204" pitchFamily="49" charset="0"/>
+                </a:rPr>
+                <a:t>(1000)</a:t>
+              </a:r>
+            </a:p>
+            <a:p>
+              <a:r>
+                <a:rPr lang="en-SG" sz="1100">
+                  <a:latin typeface="Consolas" panose="020B0609020204030204" pitchFamily="49" charset="0"/>
+                </a:rPr>
+                <a:t>sns.displot(dist, color='lightblue')</a:t>
+              </a:r>
+            </a:p>
+            <a:p>
+              <a:endParaRPr lang="en-SG" sz="1100">
+                <a:latin typeface="Consolas" panose="020B0609020204030204" pitchFamily="49" charset="0"/>
+              </a:endParaRPr>
+            </a:p>
+            <a:p>
+              <a:r>
+                <a:rPr lang="en-SG" sz="1100">
+                  <a:latin typeface="Consolas" panose="020B0609020204030204" pitchFamily="49" charset="0"/>
+                </a:rPr>
+                <a:t>plt.show()</a:t>
+              </a:r>
+              <a:endParaRPr lang="en-SG" sz="1100" dirty="0">
+                <a:latin typeface="Consolas" panose="020B0609020204030204" pitchFamily="49" charset="0"/>
+              </a:endParaRPr>
+            </a:p>
+          </p:txBody>
+        </p:sp>
+        <p:sp>
+          <p:nvSpPr>
+            <p:cNvPr id="9" name="Rectangle 8">
+              <a:extLst>
+                <a:ext uri="{FF2B5EF4-FFF2-40B4-BE49-F238E27FC236}">
+                  <a16:creationId xmlns:a16="http://schemas.microsoft.com/office/drawing/2014/main" id="{5F3F11BF-9C9B-D93F-F626-8E4CCD457D7D}"/>
+                </a:ext>
+              </a:extLst>
+            </p:cNvPr>
+            <p:cNvSpPr/>
+            <p:nvPr/>
+          </p:nvSpPr>
+          <p:spPr>
+            <a:xfrm>
+              <a:off x="2949676" y="3932421"/>
+              <a:ext cx="1120878" cy="329863"/>
+            </a:xfrm>
+            <a:prstGeom prst="rect">
+              <a:avLst/>
+            </a:prstGeom>
+            <a:noFill/>
+            <a:ln>
+              <a:solidFill>
+                <a:srgbClr val="FF0000"/>
+              </a:solidFill>
+            </a:ln>
+          </p:spPr>
+          <p:style>
+            <a:lnRef idx="2">
+              <a:schemeClr val="accent1">
+                <a:shade val="50000"/>
+              </a:schemeClr>
+            </a:lnRef>
+            <a:fillRef idx="1">
+              <a:schemeClr val="accent1"/>
+            </a:fillRef>
+            <a:effectRef idx="0">
+              <a:schemeClr val="accent1"/>
+            </a:effectRef>
+            <a:fontRef idx="minor">
+              <a:schemeClr val="lt1"/>
+            </a:fontRef>
+          </p:style>
+          <p:txBody>
+            <a:bodyPr rtlCol="0" anchor="ctr"/>
+            <a:lstStyle/>
+            <a:p>
+              <a:pPr algn="ctr"/>
+              <a:endParaRPr lang="en-SG"/>
+            </a:p>
+          </p:txBody>
+        </p:sp>
+      </p:grpSp>
+    </p:spTree>
+    <p:extLst>
+      <p:ext uri="{BB962C8B-B14F-4D97-AF65-F5344CB8AC3E}">
+        <p14:creationId xmlns:p14="http://schemas.microsoft.com/office/powerpoint/2010/main" val="3053825800"/>
+      </p:ext>
+    </p:extLst>
+  </p:cSld>
+  <p:clrMapOvr>
+    <a:masterClrMapping/>
+  </p:clrMapOvr>
+</p:sld>
+</file>
+
+<file path=ppt/slides/slide42.xml><?xml version="1.0" encoding="utf-8"?>
+<p:sld xmlns:a="http://schemas.openxmlformats.org/drawingml/2006/main" xmlns:r="http://schemas.openxmlformats.org/officeDocument/2006/relationships" xmlns:p="http://schemas.openxmlformats.org/presentationml/2006/main">
+  <p:cSld>
+    <p:spTree>
+      <p:nvGrpSpPr>
+        <p:cNvPr id="1" name=""/>
+        <p:cNvGrpSpPr/>
+        <p:nvPr/>
+      </p:nvGrpSpPr>
+      <p:grpSpPr>
+        <a:xfrm>
+          <a:off x="0" y="0"/>
+          <a:ext cx="0" cy="0"/>
+          <a:chOff x="0" y="0"/>
+          <a:chExt cx="0" cy="0"/>
+        </a:xfrm>
+      </p:grpSpPr>
+      <p:grpSp>
+        <p:nvGrpSpPr>
+          <p:cNvPr id="6" name="Group 5">
+            <a:extLst>
+              <a:ext uri="{FF2B5EF4-FFF2-40B4-BE49-F238E27FC236}">
+                <a16:creationId xmlns:a16="http://schemas.microsoft.com/office/drawing/2014/main" id="{32E924F9-D37E-BFB5-E54F-DE2D1A4FDF66}"/>
+              </a:ext>
+            </a:extLst>
+          </p:cNvPr>
+          <p:cNvGrpSpPr/>
+          <p:nvPr/>
+        </p:nvGrpSpPr>
+        <p:grpSpPr>
+          <a:xfrm>
+            <a:off x="2886075" y="1514475"/>
+            <a:ext cx="6419850" cy="3829050"/>
+            <a:chOff x="2886075" y="1514475"/>
+            <a:chExt cx="6419850" cy="3829050"/>
+          </a:xfrm>
+        </p:grpSpPr>
+        <p:pic>
+          <p:nvPicPr>
+            <p:cNvPr id="3" name="Picture 2">
+              <a:extLst>
+                <a:ext uri="{FF2B5EF4-FFF2-40B4-BE49-F238E27FC236}">
+                  <a16:creationId xmlns:a16="http://schemas.microsoft.com/office/drawing/2014/main" id="{6E57DFD2-4109-BF85-316E-CE0D193C237D}"/>
+                </a:ext>
+              </a:extLst>
+            </p:cNvPr>
+            <p:cNvPicPr>
+              <a:picLocks noChangeAspect="1"/>
+            </p:cNvPicPr>
+            <p:nvPr/>
+          </p:nvPicPr>
+          <p:blipFill>
+            <a:blip r:embed="rId2"/>
+            <a:stretch>
+              <a:fillRect/>
+            </a:stretch>
+          </p:blipFill>
+          <p:spPr>
+            <a:xfrm>
+              <a:off x="2886075" y="1514475"/>
+              <a:ext cx="6419850" cy="3829050"/>
+            </a:xfrm>
+            <a:prstGeom prst="rect">
+              <a:avLst/>
+            </a:prstGeom>
+          </p:spPr>
+        </p:pic>
+        <p:sp>
+          <p:nvSpPr>
+            <p:cNvPr id="4" name="TextBox 3">
+              <a:extLst>
+                <a:ext uri="{FF2B5EF4-FFF2-40B4-BE49-F238E27FC236}">
+                  <a16:creationId xmlns:a16="http://schemas.microsoft.com/office/drawing/2014/main" id="{43ABC190-0597-CA26-9F57-D6D01541217B}"/>
+                </a:ext>
+              </a:extLst>
+            </p:cNvPr>
+            <p:cNvSpPr txBox="1"/>
+            <p:nvPr/>
+          </p:nvSpPr>
+          <p:spPr>
+            <a:xfrm>
+              <a:off x="3279517" y="2921875"/>
+              <a:ext cx="5186055" cy="938719"/>
+            </a:xfrm>
+            <a:prstGeom prst="rect">
+              <a:avLst/>
+            </a:prstGeom>
+            <a:solidFill>
+              <a:schemeClr val="bg1">
+                <a:lumMod val="95000"/>
+              </a:schemeClr>
+            </a:solidFill>
+          </p:spPr>
+          <p:txBody>
+            <a:bodyPr wrap="square">
+              <a:spAutoFit/>
+            </a:bodyPr>
+            <a:lstStyle/>
+            <a:p>
+              <a:r>
+                <a:rPr lang="en-SG" sz="1100">
+                  <a:latin typeface="Consolas" panose="020B0609020204030204" pitchFamily="49" charset="0"/>
+                </a:rPr>
+                <a:t>import scipy.stats as stats</a:t>
+              </a:r>
+            </a:p>
+            <a:p>
+              <a:endParaRPr lang="en-SG" sz="1100">
+                <a:latin typeface="Consolas" panose="020B0609020204030204" pitchFamily="49" charset="0"/>
+              </a:endParaRPr>
+            </a:p>
+            <a:p>
+              <a:endParaRPr lang="en-SG" sz="1100">
+                <a:latin typeface="Consolas" panose="020B0609020204030204" pitchFamily="49" charset="0"/>
+              </a:endParaRPr>
+            </a:p>
+            <a:p>
+              <a:r>
+                <a:rPr lang="en-SG" sz="1100">
+                  <a:latin typeface="Consolas" panose="020B0609020204030204" pitchFamily="49" charset="0"/>
+                </a:rPr>
+                <a:t>result = stats.binom.pmf(</a:t>
+              </a:r>
+              <a:r>
+                <a:rPr lang="en-SG" sz="1100">
+                  <a:solidFill>
+                    <a:srgbClr val="FF0000"/>
+                  </a:solidFill>
+                  <a:latin typeface="Consolas" panose="020B0609020204030204" pitchFamily="49" charset="0"/>
+                </a:rPr>
+                <a:t>k</a:t>
+              </a:r>
+              <a:r>
+                <a:rPr lang="en-SG" sz="1100">
+                  <a:latin typeface="Consolas" panose="020B0609020204030204" pitchFamily="49" charset="0"/>
+                </a:rPr>
+                <a:t>=8, </a:t>
+              </a:r>
+              <a:r>
+                <a:rPr lang="en-SG" sz="1100">
+                  <a:solidFill>
+                    <a:srgbClr val="FF0000"/>
+                  </a:solidFill>
+                  <a:latin typeface="Consolas" panose="020B0609020204030204" pitchFamily="49" charset="0"/>
+                </a:rPr>
+                <a:t>n</a:t>
+              </a:r>
+              <a:r>
+                <a:rPr lang="en-SG" sz="1100">
+                  <a:latin typeface="Consolas" panose="020B0609020204030204" pitchFamily="49" charset="0"/>
+                </a:rPr>
+                <a:t>=15, p=0.5)</a:t>
+              </a:r>
+            </a:p>
+            <a:p>
+              <a:r>
+                <a:rPr lang="en-SG" sz="1100">
+                  <a:latin typeface="Consolas" panose="020B0609020204030204" pitchFamily="49" charset="0"/>
+                </a:rPr>
+                <a:t>print(result)</a:t>
+              </a:r>
+              <a:endParaRPr lang="en-SG" sz="1100" dirty="0">
+                <a:latin typeface="Consolas" panose="020B0609020204030204" pitchFamily="49" charset="0"/>
+              </a:endParaRPr>
+            </a:p>
+          </p:txBody>
+        </p:sp>
+      </p:grpSp>
+    </p:spTree>
+    <p:extLst>
+      <p:ext uri="{BB962C8B-B14F-4D97-AF65-F5344CB8AC3E}">
+        <p14:creationId xmlns:p14="http://schemas.microsoft.com/office/powerpoint/2010/main" val="4085654576"/>
+      </p:ext>
+    </p:extLst>
+  </p:cSld>
+  <p:clrMapOvr>
+    <a:masterClrMapping/>
+  </p:clrMapOvr>
+</p:sld>
+</file>
+
+<file path=ppt/slides/slide43.xml><?xml version="1.0" encoding="utf-8"?>
+<p:sld xmlns:a="http://schemas.openxmlformats.org/drawingml/2006/main" xmlns:r="http://schemas.openxmlformats.org/officeDocument/2006/relationships" xmlns:p="http://schemas.openxmlformats.org/presentationml/2006/main">
+  <p:cSld>
+    <p:spTree>
+      <p:nvGrpSpPr>
+        <p:cNvPr id="1" name=""/>
+        <p:cNvGrpSpPr/>
+        <p:nvPr/>
+      </p:nvGrpSpPr>
+      <p:grpSpPr>
+        <a:xfrm>
+          <a:off x="0" y="0"/>
+          <a:ext cx="0" cy="0"/>
+          <a:chOff x="0" y="0"/>
+          <a:chExt cx="0" cy="0"/>
+        </a:xfrm>
+      </p:grpSpPr>
+      <p:grpSp>
+        <p:nvGrpSpPr>
+          <p:cNvPr id="6" name="Group 5">
+            <a:extLst>
+              <a:ext uri="{FF2B5EF4-FFF2-40B4-BE49-F238E27FC236}">
+                <a16:creationId xmlns:a16="http://schemas.microsoft.com/office/drawing/2014/main" id="{8985E0C1-8A4A-6356-9B21-E55A3539BDC5}"/>
+              </a:ext>
+            </a:extLst>
+          </p:cNvPr>
+          <p:cNvGrpSpPr/>
+          <p:nvPr/>
+        </p:nvGrpSpPr>
+        <p:grpSpPr>
+          <a:xfrm>
+            <a:off x="2886075" y="1423987"/>
+            <a:ext cx="6419850" cy="4010025"/>
+            <a:chOff x="2886075" y="1423987"/>
+            <a:chExt cx="6419850" cy="4010025"/>
+          </a:xfrm>
+        </p:grpSpPr>
+        <p:pic>
+          <p:nvPicPr>
+            <p:cNvPr id="3" name="Picture 2">
+              <a:extLst>
+                <a:ext uri="{FF2B5EF4-FFF2-40B4-BE49-F238E27FC236}">
+                  <a16:creationId xmlns:a16="http://schemas.microsoft.com/office/drawing/2014/main" id="{5497C625-98D5-66E1-368E-258B5C6EC629}"/>
+                </a:ext>
+              </a:extLst>
+            </p:cNvPr>
+            <p:cNvPicPr>
+              <a:picLocks noChangeAspect="1"/>
+            </p:cNvPicPr>
+            <p:nvPr/>
+          </p:nvPicPr>
+          <p:blipFill>
+            <a:blip r:embed="rId2"/>
+            <a:stretch>
+              <a:fillRect/>
+            </a:stretch>
+          </p:blipFill>
+          <p:spPr>
+            <a:xfrm>
+              <a:off x="2886075" y="1423987"/>
+              <a:ext cx="6419850" cy="4010025"/>
+            </a:xfrm>
+            <a:prstGeom prst="rect">
+              <a:avLst/>
+            </a:prstGeom>
+          </p:spPr>
+        </p:pic>
+        <p:sp>
+          <p:nvSpPr>
+            <p:cNvPr id="4" name="TextBox 3">
+              <a:extLst>
+                <a:ext uri="{FF2B5EF4-FFF2-40B4-BE49-F238E27FC236}">
+                  <a16:creationId xmlns:a16="http://schemas.microsoft.com/office/drawing/2014/main" id="{854A7237-C072-F9AE-C379-ED9AC47D7F47}"/>
+                </a:ext>
+              </a:extLst>
+            </p:cNvPr>
+            <p:cNvSpPr txBox="1"/>
+            <p:nvPr/>
+          </p:nvSpPr>
+          <p:spPr>
+            <a:xfrm>
+              <a:off x="3286893" y="3054611"/>
+              <a:ext cx="5088830" cy="938719"/>
+            </a:xfrm>
+            <a:prstGeom prst="rect">
+              <a:avLst/>
+            </a:prstGeom>
+            <a:solidFill>
+              <a:schemeClr val="bg1">
+                <a:lumMod val="95000"/>
+              </a:schemeClr>
+            </a:solidFill>
+          </p:spPr>
+          <p:txBody>
+            <a:bodyPr wrap="square">
+              <a:spAutoFit/>
+            </a:bodyPr>
+            <a:lstStyle/>
+            <a:p>
+              <a:r>
+                <a:rPr lang="en-SG" sz="1100">
+                  <a:latin typeface="Consolas" panose="020B0609020204030204" pitchFamily="49" charset="0"/>
+                </a:rPr>
+                <a:t>import scipy.stats as stats</a:t>
+              </a:r>
+            </a:p>
+            <a:p>
+              <a:endParaRPr lang="en-SG" sz="1100">
+                <a:latin typeface="Consolas" panose="020B0609020204030204" pitchFamily="49" charset="0"/>
+              </a:endParaRPr>
+            </a:p>
+            <a:p>
+              <a:endParaRPr lang="en-SG" sz="1100">
+                <a:latin typeface="Consolas" panose="020B0609020204030204" pitchFamily="49" charset="0"/>
+              </a:endParaRPr>
+            </a:p>
+            <a:p>
+              <a:r>
+                <a:rPr lang="en-SG" sz="1100">
+                  <a:latin typeface="Consolas" panose="020B0609020204030204" pitchFamily="49" charset="0"/>
+                </a:rPr>
+                <a:t>prob = stats.binom.</a:t>
+              </a:r>
+              <a:r>
+                <a:rPr lang="en-SG" sz="1100">
+                  <a:solidFill>
+                    <a:srgbClr val="FF0000"/>
+                  </a:solidFill>
+                  <a:latin typeface="Consolas" panose="020B0609020204030204" pitchFamily="49" charset="0"/>
+                </a:rPr>
+                <a:t>cdf</a:t>
+              </a:r>
+              <a:r>
+                <a:rPr lang="en-SG" sz="1100">
+                  <a:latin typeface="Consolas" panose="020B0609020204030204" pitchFamily="49" charset="0"/>
+                </a:rPr>
+                <a:t>(k=70, n=100, p=0.5)</a:t>
+              </a:r>
+            </a:p>
+            <a:p>
+              <a:r>
+                <a:rPr lang="en-SG" sz="1100">
+                  <a:latin typeface="Consolas" panose="020B0609020204030204" pitchFamily="49" charset="0"/>
+                </a:rPr>
+                <a:t>print(prob)</a:t>
+              </a:r>
+              <a:endParaRPr lang="en-SG" sz="1100" dirty="0">
+                <a:latin typeface="Consolas" panose="020B0609020204030204" pitchFamily="49" charset="0"/>
+              </a:endParaRPr>
+            </a:p>
+          </p:txBody>
+        </p:sp>
+      </p:grpSp>
+    </p:spTree>
+    <p:extLst>
+      <p:ext uri="{BB962C8B-B14F-4D97-AF65-F5344CB8AC3E}">
+        <p14:creationId xmlns:p14="http://schemas.microsoft.com/office/powerpoint/2010/main" val="2119786309"/>
+      </p:ext>
+    </p:extLst>
+  </p:cSld>
+  <p:clrMapOvr>
+    <a:masterClrMapping/>
+  </p:clrMapOvr>
+</p:sld>
+</file>
+
+<file path=ppt/slides/slide44.xml><?xml version="1.0" encoding="utf-8"?>
+<p:sld xmlns:a="http://schemas.openxmlformats.org/drawingml/2006/main" xmlns:r="http://schemas.openxmlformats.org/officeDocument/2006/relationships" xmlns:p="http://schemas.openxmlformats.org/presentationml/2006/main">
+  <p:cSld>
+    <p:spTree>
+      <p:nvGrpSpPr>
+        <p:cNvPr id="1" name=""/>
+        <p:cNvGrpSpPr/>
+        <p:nvPr/>
+      </p:nvGrpSpPr>
+      <p:grpSpPr>
+        <a:xfrm>
+          <a:off x="0" y="0"/>
+          <a:ext cx="0" cy="0"/>
+          <a:chOff x="0" y="0"/>
+          <a:chExt cx="0" cy="0"/>
+        </a:xfrm>
+      </p:grpSpPr>
+      <p:grpSp>
+        <p:nvGrpSpPr>
+          <p:cNvPr id="6" name="Group 5">
+            <a:extLst>
+              <a:ext uri="{FF2B5EF4-FFF2-40B4-BE49-F238E27FC236}">
+                <a16:creationId xmlns:a16="http://schemas.microsoft.com/office/drawing/2014/main" id="{029FE923-501C-C21C-EFFC-9A8211C0AF8A}"/>
+              </a:ext>
+            </a:extLst>
+          </p:cNvPr>
+          <p:cNvGrpSpPr/>
+          <p:nvPr/>
+        </p:nvGrpSpPr>
+        <p:grpSpPr>
+          <a:xfrm>
+            <a:off x="2571750" y="1409700"/>
+            <a:ext cx="7048500" cy="4038600"/>
+            <a:chOff x="2571750" y="1409700"/>
+            <a:chExt cx="7048500" cy="4038600"/>
+          </a:xfrm>
+        </p:grpSpPr>
+        <p:pic>
+          <p:nvPicPr>
+            <p:cNvPr id="3" name="Picture 2">
+              <a:extLst>
+                <a:ext uri="{FF2B5EF4-FFF2-40B4-BE49-F238E27FC236}">
+                  <a16:creationId xmlns:a16="http://schemas.microsoft.com/office/drawing/2014/main" id="{68F4469F-ED0D-8E71-65B9-1C509254AE76}"/>
+                </a:ext>
+              </a:extLst>
+            </p:cNvPr>
+            <p:cNvPicPr>
+              <a:picLocks noChangeAspect="1"/>
+            </p:cNvPicPr>
+            <p:nvPr/>
+          </p:nvPicPr>
+          <p:blipFill>
+            <a:blip r:embed="rId2"/>
+            <a:stretch>
+              <a:fillRect/>
+            </a:stretch>
+          </p:blipFill>
+          <p:spPr>
+            <a:xfrm>
+              <a:off x="2571750" y="1409700"/>
+              <a:ext cx="7048500" cy="4038600"/>
+            </a:xfrm>
+            <a:prstGeom prst="rect">
+              <a:avLst/>
+            </a:prstGeom>
+          </p:spPr>
+        </p:pic>
+        <p:sp>
+          <p:nvSpPr>
+            <p:cNvPr id="4" name="TextBox 3">
+              <a:extLst>
+                <a:ext uri="{FF2B5EF4-FFF2-40B4-BE49-F238E27FC236}">
+                  <a16:creationId xmlns:a16="http://schemas.microsoft.com/office/drawing/2014/main" id="{8FFE69A6-ABBE-4BF6-E744-15A0E992DDA3}"/>
+                </a:ext>
+              </a:extLst>
+            </p:cNvPr>
+            <p:cNvSpPr txBox="1"/>
+            <p:nvPr/>
+          </p:nvSpPr>
+          <p:spPr>
+            <a:xfrm>
+              <a:off x="2999300" y="2966120"/>
+              <a:ext cx="5088830" cy="1107996"/>
+            </a:xfrm>
+            <a:prstGeom prst="rect">
+              <a:avLst/>
+            </a:prstGeom>
+            <a:solidFill>
+              <a:schemeClr val="bg1">
+                <a:lumMod val="95000"/>
+              </a:schemeClr>
+            </a:solidFill>
+          </p:spPr>
+          <p:txBody>
+            <a:bodyPr wrap="square">
+              <a:spAutoFit/>
+            </a:bodyPr>
+            <a:lstStyle/>
+            <a:p>
+              <a:r>
+                <a:rPr lang="en-SG" sz="1100">
+                  <a:latin typeface="Consolas" panose="020B0609020204030204" pitchFamily="49" charset="0"/>
+                </a:rPr>
+                <a:t>import scipy.stats as stats</a:t>
+              </a:r>
+            </a:p>
+            <a:p>
+              <a:endParaRPr lang="en-SG" sz="1100">
+                <a:latin typeface="Consolas" panose="020B0609020204030204" pitchFamily="49" charset="0"/>
+              </a:endParaRPr>
+            </a:p>
+            <a:p>
+              <a:endParaRPr lang="en-SG" sz="1100">
+                <a:latin typeface="Consolas" panose="020B0609020204030204" pitchFamily="49" charset="0"/>
+              </a:endParaRPr>
+            </a:p>
+            <a:p>
+              <a:r>
+                <a:rPr lang="en-SG" sz="1100">
+                  <a:latin typeface="Consolas" panose="020B0609020204030204" pitchFamily="49" charset="0"/>
+                </a:rPr>
+                <a:t>prob = stats.poisson.</a:t>
+              </a:r>
+              <a:r>
+                <a:rPr lang="en-SG" sz="1100">
+                  <a:solidFill>
+                    <a:srgbClr val="FF0000"/>
+                  </a:solidFill>
+                  <a:latin typeface="Consolas" panose="020B0609020204030204" pitchFamily="49" charset="0"/>
+                </a:rPr>
+                <a:t>cdf</a:t>
+              </a:r>
+              <a:r>
+                <a:rPr lang="en-SG" sz="1100">
+                  <a:latin typeface="Consolas" panose="020B0609020204030204" pitchFamily="49" charset="0"/>
+                </a:rPr>
+                <a:t>(k=180, </a:t>
+              </a:r>
+              <a:r>
+                <a:rPr lang="en-SG" sz="1100">
+                  <a:solidFill>
+                    <a:srgbClr val="FF0000"/>
+                  </a:solidFill>
+                  <a:latin typeface="Consolas" panose="020B0609020204030204" pitchFamily="49" charset="0"/>
+                </a:rPr>
+                <a:t>mu</a:t>
+              </a:r>
+              <a:r>
+                <a:rPr lang="en-SG" sz="1100">
+                  <a:latin typeface="Consolas" panose="020B0609020204030204" pitchFamily="49" charset="0"/>
+                </a:rPr>
+                <a:t>=145)</a:t>
+              </a:r>
+            </a:p>
+            <a:p>
+              <a:endParaRPr lang="en-SG" sz="1100">
+                <a:latin typeface="Consolas" panose="020B0609020204030204" pitchFamily="49" charset="0"/>
+              </a:endParaRPr>
+            </a:p>
+            <a:p>
+              <a:r>
+                <a:rPr lang="en-SG" sz="1100">
+                  <a:latin typeface="Consolas" panose="020B0609020204030204" pitchFamily="49" charset="0"/>
+                </a:rPr>
+                <a:t>print(prob)</a:t>
+              </a:r>
+              <a:endParaRPr lang="en-SG" sz="1100" dirty="0">
+                <a:latin typeface="Consolas" panose="020B0609020204030204" pitchFamily="49" charset="0"/>
+              </a:endParaRPr>
+            </a:p>
+          </p:txBody>
+        </p:sp>
+      </p:grpSp>
+    </p:spTree>
+    <p:extLst>
+      <p:ext uri="{BB962C8B-B14F-4D97-AF65-F5344CB8AC3E}">
+        <p14:creationId xmlns:p14="http://schemas.microsoft.com/office/powerpoint/2010/main" val="2896908351"/>
+      </p:ext>
+    </p:extLst>
+  </p:cSld>
+  <p:clrMapOvr>
+    <a:masterClrMapping/>
+  </p:clrMapOvr>
+</p:sld>
+</file>
+
+<file path=ppt/slides/slide45.xml><?xml version="1.0" encoding="utf-8"?>
+<p:sld xmlns:a="http://schemas.openxmlformats.org/drawingml/2006/main" xmlns:r="http://schemas.openxmlformats.org/officeDocument/2006/relationships" xmlns:p="http://schemas.openxmlformats.org/presentationml/2006/main">
+  <p:cSld>
+    <p:spTree>
+      <p:nvGrpSpPr>
+        <p:cNvPr id="1" name=""/>
+        <p:cNvGrpSpPr/>
+        <p:nvPr/>
+      </p:nvGrpSpPr>
+      <p:grpSpPr>
+        <a:xfrm>
+          <a:off x="0" y="0"/>
+          <a:ext cx="0" cy="0"/>
+          <a:chOff x="0" y="0"/>
+          <a:chExt cx="0" cy="0"/>
+        </a:xfrm>
+      </p:grpSpPr>
+      <p:grpSp>
+        <p:nvGrpSpPr>
+          <p:cNvPr id="6" name="Group 5">
+            <a:extLst>
+              <a:ext uri="{FF2B5EF4-FFF2-40B4-BE49-F238E27FC236}">
+                <a16:creationId xmlns:a16="http://schemas.microsoft.com/office/drawing/2014/main" id="{181F9B0B-1847-110C-205C-6E03BC27F11B}"/>
+              </a:ext>
+            </a:extLst>
+          </p:cNvPr>
+          <p:cNvGrpSpPr/>
+          <p:nvPr/>
+        </p:nvGrpSpPr>
+        <p:grpSpPr>
+          <a:xfrm>
+            <a:off x="2557462" y="981075"/>
+            <a:ext cx="7077075" cy="4895850"/>
+            <a:chOff x="2557462" y="981075"/>
+            <a:chExt cx="7077075" cy="4895850"/>
+          </a:xfrm>
+        </p:grpSpPr>
+        <p:pic>
+          <p:nvPicPr>
+            <p:cNvPr id="3" name="Picture 2">
+              <a:extLst>
+                <a:ext uri="{FF2B5EF4-FFF2-40B4-BE49-F238E27FC236}">
+                  <a16:creationId xmlns:a16="http://schemas.microsoft.com/office/drawing/2014/main" id="{C2654813-9C05-7AB2-632B-CDAC8A824C6D}"/>
+                </a:ext>
+              </a:extLst>
+            </p:cNvPr>
+            <p:cNvPicPr>
+              <a:picLocks noChangeAspect="1"/>
+            </p:cNvPicPr>
+            <p:nvPr/>
+          </p:nvPicPr>
+          <p:blipFill>
+            <a:blip r:embed="rId2"/>
+            <a:stretch>
+              <a:fillRect/>
+            </a:stretch>
+          </p:blipFill>
+          <p:spPr>
+            <a:xfrm>
+              <a:off x="2557462" y="981075"/>
+              <a:ext cx="7077075" cy="4895850"/>
+            </a:xfrm>
+            <a:prstGeom prst="rect">
+              <a:avLst/>
+            </a:prstGeom>
+          </p:spPr>
+        </p:pic>
+        <p:sp>
+          <p:nvSpPr>
+            <p:cNvPr id="4" name="TextBox 3">
+              <a:extLst>
+                <a:ext uri="{FF2B5EF4-FFF2-40B4-BE49-F238E27FC236}">
+                  <a16:creationId xmlns:a16="http://schemas.microsoft.com/office/drawing/2014/main" id="{4A9E9682-0CC4-204A-AB81-CED2245FF4C3}"/>
+                </a:ext>
+              </a:extLst>
+            </p:cNvPr>
+            <p:cNvSpPr txBox="1"/>
+            <p:nvPr/>
+          </p:nvSpPr>
+          <p:spPr>
+            <a:xfrm>
+              <a:off x="2977177" y="3098856"/>
+              <a:ext cx="5088830" cy="1277273"/>
+            </a:xfrm>
+            <a:prstGeom prst="rect">
+              <a:avLst/>
+            </a:prstGeom>
+            <a:solidFill>
+              <a:schemeClr val="bg1">
+                <a:lumMod val="95000"/>
+              </a:schemeClr>
+            </a:solidFill>
+          </p:spPr>
+          <p:txBody>
+            <a:bodyPr wrap="square">
+              <a:spAutoFit/>
+            </a:bodyPr>
+            <a:lstStyle/>
+            <a:p>
+              <a:r>
+                <a:rPr lang="en-SG" sz="1100">
+                  <a:latin typeface="Consolas" panose="020B0609020204030204" pitchFamily="49" charset="0"/>
+                </a:rPr>
+                <a:t>from scipy.stats import norm</a:t>
+              </a:r>
+            </a:p>
+            <a:p>
+              <a:endParaRPr lang="en-SG" sz="1100">
+                <a:latin typeface="Consolas" panose="020B0609020204030204" pitchFamily="49" charset="0"/>
+              </a:endParaRPr>
+            </a:p>
+            <a:p>
+              <a:endParaRPr lang="en-SG" sz="1100">
+                <a:latin typeface="Consolas" panose="020B0609020204030204" pitchFamily="49" charset="0"/>
+              </a:endParaRPr>
+            </a:p>
+            <a:p>
+              <a:r>
+                <a:rPr lang="en-SG" sz="1100">
+                  <a:latin typeface="Consolas" panose="020B0609020204030204" pitchFamily="49" charset="0"/>
+                </a:rPr>
+                <a:t>probability_60 = norm(loc = 70 , scale = 10 ).</a:t>
+              </a:r>
+              <a:r>
+                <a:rPr lang="en-SG" sz="1100">
+                  <a:solidFill>
+                    <a:srgbClr val="FF0000"/>
+                  </a:solidFill>
+                  <a:latin typeface="Consolas" panose="020B0609020204030204" pitchFamily="49" charset="0"/>
+                </a:rPr>
+                <a:t>cdf(60)</a:t>
+              </a:r>
+              <a:r>
+                <a:rPr lang="en-SG" sz="1100">
+                  <a:latin typeface="Consolas" panose="020B0609020204030204" pitchFamily="49" charset="0"/>
+                </a:rPr>
+                <a:t> * 100</a:t>
+              </a:r>
+            </a:p>
+            <a:p>
+              <a:endParaRPr lang="en-SG" sz="1100">
+                <a:latin typeface="Consolas" panose="020B0609020204030204" pitchFamily="49" charset="0"/>
+              </a:endParaRPr>
+            </a:p>
+            <a:p>
+              <a:r>
+                <a:rPr lang="en-SG" sz="1100">
+                  <a:latin typeface="Consolas" panose="020B0609020204030204" pitchFamily="49" charset="0"/>
+                </a:rPr>
+                <a:t>print(f"Probability of the person being less than 60 kg is {probability_60}%")</a:t>
+              </a:r>
+              <a:endParaRPr lang="en-SG" sz="1100" dirty="0">
+                <a:latin typeface="Consolas" panose="020B0609020204030204" pitchFamily="49" charset="0"/>
+              </a:endParaRPr>
+            </a:p>
+          </p:txBody>
+        </p:sp>
+      </p:grpSp>
+      <p:sp>
+        <p:nvSpPr>
+          <p:cNvPr id="7" name="TextBox 6">
+            <a:extLst>
+              <a:ext uri="{FF2B5EF4-FFF2-40B4-BE49-F238E27FC236}">
+                <a16:creationId xmlns:a16="http://schemas.microsoft.com/office/drawing/2014/main" id="{8BDA22C6-5690-F9B9-B24B-BDBC39292558}"/>
+              </a:ext>
+            </a:extLst>
+          </p:cNvPr>
+          <p:cNvSpPr txBox="1"/>
+          <p:nvPr/>
+        </p:nvSpPr>
+        <p:spPr>
+          <a:xfrm>
+            <a:off x="9383486" y="82715"/>
+            <a:ext cx="2722563" cy="369332"/>
+          </a:xfrm>
+          <a:prstGeom prst="rect">
+            <a:avLst/>
+          </a:prstGeom>
+          <a:solidFill>
+            <a:schemeClr val="accent2"/>
+          </a:solidFill>
+        </p:spPr>
+        <p:txBody>
+          <a:bodyPr wrap="square" rtlCol="0">
+            <a:spAutoFit/>
+          </a:bodyPr>
+          <a:lstStyle/>
+          <a:p>
+            <a:pPr algn="ctr"/>
+            <a:r>
+              <a:rPr lang="en-GB"/>
+              <a:t>HARD</a:t>
+            </a:r>
+            <a:endParaRPr lang="en-SG"/>
+          </a:p>
+        </p:txBody>
+      </p:sp>
+    </p:spTree>
+    <p:extLst>
+      <p:ext uri="{BB962C8B-B14F-4D97-AF65-F5344CB8AC3E}">
+        <p14:creationId xmlns:p14="http://schemas.microsoft.com/office/powerpoint/2010/main" val="1917601767"/>
+      </p:ext>
+    </p:extLst>
+  </p:cSld>
+  <p:clrMapOvr>
+    <a:masterClrMapping/>
+  </p:clrMapOvr>
+</p:sld>
+</file>
+
+<file path=ppt/slides/slide46.xml><?xml version="1.0" encoding="utf-8"?>
+<p:sld xmlns:a="http://schemas.openxmlformats.org/drawingml/2006/main" xmlns:r="http://schemas.openxmlformats.org/officeDocument/2006/relationships" xmlns:p="http://schemas.openxmlformats.org/presentationml/2006/main">
+  <p:cSld>
+    <p:spTree>
+      <p:nvGrpSpPr>
+        <p:cNvPr id="1" name=""/>
+        <p:cNvGrpSpPr/>
+        <p:nvPr/>
+      </p:nvGrpSpPr>
+      <p:grpSpPr>
+        <a:xfrm>
+          <a:off x="0" y="0"/>
+          <a:ext cx="0" cy="0"/>
+          <a:chOff x="0" y="0"/>
+          <a:chExt cx="0" cy="0"/>
+        </a:xfrm>
+      </p:grpSpPr>
+      <p:grpSp>
+        <p:nvGrpSpPr>
+          <p:cNvPr id="6" name="Group 5">
+            <a:extLst>
+              <a:ext uri="{FF2B5EF4-FFF2-40B4-BE49-F238E27FC236}">
+                <a16:creationId xmlns:a16="http://schemas.microsoft.com/office/drawing/2014/main" id="{E8C182B9-F310-12F2-BA31-BE50473D9AC2}"/>
+              </a:ext>
+            </a:extLst>
+          </p:cNvPr>
+          <p:cNvGrpSpPr/>
+          <p:nvPr/>
+        </p:nvGrpSpPr>
+        <p:grpSpPr>
+          <a:xfrm>
+            <a:off x="2557462" y="1157287"/>
+            <a:ext cx="7077075" cy="4543425"/>
+            <a:chOff x="2557462" y="1157287"/>
+            <a:chExt cx="7077075" cy="4543425"/>
+          </a:xfrm>
+        </p:grpSpPr>
+        <p:pic>
+          <p:nvPicPr>
+            <p:cNvPr id="3" name="Picture 2">
+              <a:extLst>
+                <a:ext uri="{FF2B5EF4-FFF2-40B4-BE49-F238E27FC236}">
+                  <a16:creationId xmlns:a16="http://schemas.microsoft.com/office/drawing/2014/main" id="{3FF2B02E-82CA-1AF8-6935-5E3F517856F7}"/>
+                </a:ext>
+              </a:extLst>
+            </p:cNvPr>
+            <p:cNvPicPr>
+              <a:picLocks noChangeAspect="1"/>
+            </p:cNvPicPr>
+            <p:nvPr/>
+          </p:nvPicPr>
+          <p:blipFill>
+            <a:blip r:embed="rId2"/>
+            <a:stretch>
+              <a:fillRect/>
+            </a:stretch>
+          </p:blipFill>
+          <p:spPr>
+            <a:xfrm>
+              <a:off x="2557462" y="1157287"/>
+              <a:ext cx="7077075" cy="4543425"/>
+            </a:xfrm>
+            <a:prstGeom prst="rect">
+              <a:avLst/>
+            </a:prstGeom>
+          </p:spPr>
+        </p:pic>
+        <p:sp>
+          <p:nvSpPr>
+            <p:cNvPr id="4" name="TextBox 3">
+              <a:extLst>
+                <a:ext uri="{FF2B5EF4-FFF2-40B4-BE49-F238E27FC236}">
+                  <a16:creationId xmlns:a16="http://schemas.microsoft.com/office/drawing/2014/main" id="{D687A4D3-D2E6-A5D5-C681-E8F448B4C2A5}"/>
+                </a:ext>
+              </a:extLst>
+            </p:cNvPr>
+            <p:cNvSpPr txBox="1"/>
+            <p:nvPr/>
+          </p:nvSpPr>
+          <p:spPr>
+            <a:xfrm>
+              <a:off x="2940304" y="2762334"/>
+              <a:ext cx="5088830" cy="769441"/>
+            </a:xfrm>
+            <a:prstGeom prst="rect">
+              <a:avLst/>
+            </a:prstGeom>
+            <a:solidFill>
+              <a:schemeClr val="bg1">
+                <a:lumMod val="95000"/>
+              </a:schemeClr>
+            </a:solidFill>
+          </p:spPr>
+          <p:txBody>
+            <a:bodyPr wrap="square">
+              <a:spAutoFit/>
+            </a:bodyPr>
+            <a:lstStyle/>
+            <a:p>
+              <a:r>
+                <a:rPr lang="en-SG" sz="1100">
+                  <a:latin typeface="Consolas" panose="020B0609020204030204" pitchFamily="49" charset="0"/>
+                </a:rPr>
+                <a:t>import pandas as pd</a:t>
+              </a:r>
+            </a:p>
+            <a:p>
+              <a:endParaRPr lang="en-SG" sz="1100">
+                <a:latin typeface="Consolas" panose="020B0609020204030204" pitchFamily="49" charset="0"/>
+              </a:endParaRPr>
+            </a:p>
+            <a:p>
+              <a:endParaRPr lang="en-SG" sz="1100">
+                <a:latin typeface="Consolas" panose="020B0609020204030204" pitchFamily="49" charset="0"/>
+              </a:endParaRPr>
+            </a:p>
+            <a:p>
+              <a:r>
+                <a:rPr lang="en-SG" sz="1100">
+                  <a:latin typeface="Consolas" panose="020B0609020204030204" pitchFamily="49" charset="0"/>
+                </a:rPr>
+                <a:t>df.sample(</a:t>
+              </a:r>
+              <a:r>
+                <a:rPr lang="en-SG" sz="1100">
+                  <a:solidFill>
+                    <a:srgbClr val="FF0000"/>
+                  </a:solidFill>
+                  <a:latin typeface="Consolas" panose="020B0609020204030204" pitchFamily="49" charset="0"/>
+                </a:rPr>
+                <a:t>n=3,replace=True</a:t>
+              </a:r>
+              <a:r>
+                <a:rPr lang="en-SG" sz="1100">
+                  <a:latin typeface="Consolas" panose="020B0609020204030204" pitchFamily="49" charset="0"/>
+                </a:rPr>
+                <a:t>,random_state=1)</a:t>
+              </a:r>
+              <a:endParaRPr lang="en-SG" sz="1100" dirty="0">
+                <a:latin typeface="Consolas" panose="020B0609020204030204" pitchFamily="49" charset="0"/>
+              </a:endParaRPr>
+            </a:p>
+          </p:txBody>
+        </p:sp>
+      </p:grpSp>
+    </p:spTree>
+    <p:extLst>
+      <p:ext uri="{BB962C8B-B14F-4D97-AF65-F5344CB8AC3E}">
+        <p14:creationId xmlns:p14="http://schemas.microsoft.com/office/powerpoint/2010/main" val="930118977"/>
+      </p:ext>
+    </p:extLst>
+  </p:cSld>
+  <p:clrMapOvr>
+    <a:masterClrMapping/>
+  </p:clrMapOvr>
+</p:sld>
+</file>
+
+<file path=ppt/slides/slide47.xml><?xml version="1.0" encoding="utf-8"?>
+<p:sld xmlns:a="http://schemas.openxmlformats.org/drawingml/2006/main" xmlns:r="http://schemas.openxmlformats.org/officeDocument/2006/relationships" xmlns:p="http://schemas.openxmlformats.org/presentationml/2006/main">
+  <p:cSld>
+    <p:spTree>
+      <p:nvGrpSpPr>
+        <p:cNvPr id="1" name=""/>
+        <p:cNvGrpSpPr/>
+        <p:nvPr/>
+      </p:nvGrpSpPr>
+      <p:grpSpPr>
+        <a:xfrm>
+          <a:off x="0" y="0"/>
+          <a:ext cx="0" cy="0"/>
+          <a:chOff x="0" y="0"/>
+          <a:chExt cx="0" cy="0"/>
+        </a:xfrm>
+      </p:grpSpPr>
+      <p:grpSp>
+        <p:nvGrpSpPr>
+          <p:cNvPr id="7" name="Group 6">
+            <a:extLst>
+              <a:ext uri="{FF2B5EF4-FFF2-40B4-BE49-F238E27FC236}">
+                <a16:creationId xmlns:a16="http://schemas.microsoft.com/office/drawing/2014/main" id="{43F7D95E-BA5B-FE11-7983-4F3624925884}"/>
+              </a:ext>
+            </a:extLst>
+          </p:cNvPr>
+          <p:cNvGrpSpPr/>
+          <p:nvPr/>
+        </p:nvGrpSpPr>
+        <p:grpSpPr>
+          <a:xfrm>
+            <a:off x="2752725" y="962025"/>
+            <a:ext cx="6686550" cy="4933950"/>
+            <a:chOff x="2752725" y="962025"/>
+            <a:chExt cx="6686550" cy="4933950"/>
+          </a:xfrm>
+        </p:grpSpPr>
+        <p:pic>
+          <p:nvPicPr>
+            <p:cNvPr id="3" name="Picture 2">
+              <a:extLst>
+                <a:ext uri="{FF2B5EF4-FFF2-40B4-BE49-F238E27FC236}">
+                  <a16:creationId xmlns:a16="http://schemas.microsoft.com/office/drawing/2014/main" id="{5D5B3629-B6A9-511D-5150-A2CB938839C4}"/>
+                </a:ext>
+              </a:extLst>
+            </p:cNvPr>
+            <p:cNvPicPr>
+              <a:picLocks noChangeAspect="1"/>
+            </p:cNvPicPr>
+            <p:nvPr/>
+          </p:nvPicPr>
+          <p:blipFill>
+            <a:blip r:embed="rId2"/>
+            <a:stretch>
+              <a:fillRect/>
+            </a:stretch>
+          </p:blipFill>
+          <p:spPr>
+            <a:xfrm>
+              <a:off x="2752725" y="962025"/>
+              <a:ext cx="6686550" cy="4933950"/>
+            </a:xfrm>
+            <a:prstGeom prst="rect">
+              <a:avLst/>
+            </a:prstGeom>
+          </p:spPr>
+        </p:pic>
+        <p:sp>
+          <p:nvSpPr>
+            <p:cNvPr id="4" name="TextBox 3">
+              <a:extLst>
+                <a:ext uri="{FF2B5EF4-FFF2-40B4-BE49-F238E27FC236}">
+                  <a16:creationId xmlns:a16="http://schemas.microsoft.com/office/drawing/2014/main" id="{381EA573-66A3-507B-2F98-7D80800BE23D}"/>
+                </a:ext>
+              </a:extLst>
+            </p:cNvPr>
+            <p:cNvSpPr txBox="1"/>
+            <p:nvPr/>
+          </p:nvSpPr>
+          <p:spPr>
+            <a:xfrm>
+              <a:off x="3143316" y="2612159"/>
+              <a:ext cx="5905368" cy="1277273"/>
+            </a:xfrm>
+            <a:prstGeom prst="rect">
+              <a:avLst/>
+            </a:prstGeom>
+            <a:solidFill>
+              <a:schemeClr val="bg1">
+                <a:lumMod val="95000"/>
+              </a:schemeClr>
+            </a:solidFill>
+          </p:spPr>
+          <p:txBody>
+            <a:bodyPr wrap="square">
+              <a:spAutoFit/>
+            </a:bodyPr>
+            <a:lstStyle/>
+            <a:p>
+              <a:r>
+                <a:rPr lang="en-SG" sz="1100">
+                  <a:latin typeface="Consolas" panose="020B0609020204030204" pitchFamily="49" charset="0"/>
+                </a:rPr>
+                <a:t>from scipy.stats import norm</a:t>
+              </a:r>
+            </a:p>
+            <a:p>
+              <a:r>
+                <a:rPr lang="en-SG" sz="1100">
+                  <a:latin typeface="Consolas" panose="020B0609020204030204" pitchFamily="49" charset="0"/>
+                </a:rPr>
+                <a:t>import numpy as np</a:t>
+              </a:r>
+            </a:p>
+            <a:p>
+              <a:endParaRPr lang="en-SG" sz="1100">
+                <a:latin typeface="Consolas" panose="020B0609020204030204" pitchFamily="49" charset="0"/>
+              </a:endParaRPr>
+            </a:p>
+            <a:p>
+              <a:endParaRPr lang="en-SG" sz="1100">
+                <a:latin typeface="Consolas" panose="020B0609020204030204" pitchFamily="49" charset="0"/>
+              </a:endParaRPr>
+            </a:p>
+            <a:p>
+              <a:r>
+                <a:rPr lang="en-SG" sz="1100">
+                  <a:latin typeface="Consolas" panose="020B0609020204030204" pitchFamily="49" charset="0"/>
+                </a:rPr>
+                <a:t>values = np.linspace(1, 100, 30)</a:t>
+              </a:r>
+            </a:p>
+            <a:p>
+              <a:r>
+                <a:rPr lang="en-SG" sz="1100">
+                  <a:latin typeface="Consolas" panose="020B0609020204030204" pitchFamily="49" charset="0"/>
+                </a:rPr>
+                <a:t>probability_pdf = </a:t>
+              </a:r>
+              <a:r>
+                <a:rPr lang="en-SG" sz="1100">
+                  <a:solidFill>
+                    <a:srgbClr val="FF0000"/>
+                  </a:solidFill>
+                  <a:latin typeface="Consolas" panose="020B0609020204030204" pitchFamily="49" charset="0"/>
+                </a:rPr>
+                <a:t>norm.pdf</a:t>
+              </a:r>
+              <a:r>
+                <a:rPr lang="en-SG" sz="1100">
+                  <a:latin typeface="Consolas" panose="020B0609020204030204" pitchFamily="49" charset="0"/>
+                </a:rPr>
+                <a:t>(3, loc=np.mean(values), scale=np.std(values))</a:t>
+              </a:r>
+            </a:p>
+            <a:p>
+              <a:r>
+                <a:rPr lang="en-SG" sz="1100">
+                  <a:latin typeface="Consolas" panose="020B0609020204030204" pitchFamily="49" charset="0"/>
+                </a:rPr>
+                <a:t>print(probability_pdf)</a:t>
+              </a:r>
+              <a:endParaRPr lang="en-SG" sz="1100" dirty="0">
+                <a:latin typeface="Consolas" panose="020B0609020204030204" pitchFamily="49" charset="0"/>
+              </a:endParaRPr>
+            </a:p>
+          </p:txBody>
+        </p:sp>
+        <p:sp>
+          <p:nvSpPr>
+            <p:cNvPr id="5" name="Rectangle 4">
+              <a:extLst>
+                <a:ext uri="{FF2B5EF4-FFF2-40B4-BE49-F238E27FC236}">
+                  <a16:creationId xmlns:a16="http://schemas.microsoft.com/office/drawing/2014/main" id="{2D773C62-4310-2166-4505-3A166E6DEF5A}"/>
+                </a:ext>
+              </a:extLst>
+            </p:cNvPr>
+            <p:cNvSpPr/>
+            <p:nvPr/>
+          </p:nvSpPr>
+          <p:spPr>
+            <a:xfrm>
+              <a:off x="6931740" y="4183143"/>
+              <a:ext cx="803789" cy="396231"/>
+            </a:xfrm>
+            <a:prstGeom prst="rect">
+              <a:avLst/>
+            </a:prstGeom>
+            <a:noFill/>
+            <a:ln>
+              <a:solidFill>
+                <a:srgbClr val="FF0000"/>
+              </a:solidFill>
+            </a:ln>
+          </p:spPr>
+          <p:style>
+            <a:lnRef idx="2">
+              <a:schemeClr val="accent1">
+                <a:shade val="50000"/>
+              </a:schemeClr>
+            </a:lnRef>
+            <a:fillRef idx="1">
+              <a:schemeClr val="accent1"/>
+            </a:fillRef>
+            <a:effectRef idx="0">
+              <a:schemeClr val="accent1"/>
+            </a:effectRef>
+            <a:fontRef idx="minor">
+              <a:schemeClr val="lt1"/>
+            </a:fontRef>
+          </p:style>
+          <p:txBody>
+            <a:bodyPr rtlCol="0" anchor="ctr"/>
+            <a:lstStyle/>
+            <a:p>
+              <a:pPr algn="ctr"/>
+              <a:endParaRPr lang="en-SG"/>
+            </a:p>
+          </p:txBody>
+        </p:sp>
+      </p:grpSp>
+    </p:spTree>
+    <p:extLst>
+      <p:ext uri="{BB962C8B-B14F-4D97-AF65-F5344CB8AC3E}">
+        <p14:creationId xmlns:p14="http://schemas.microsoft.com/office/powerpoint/2010/main" val="1708539445"/>
+      </p:ext>
+    </p:extLst>
+  </p:cSld>
+  <p:clrMapOvr>
+    <a:masterClrMapping/>
+  </p:clrMapOvr>
+</p:sld>
+</file>
+
+<file path=ppt/slides/slide48.xml><?xml version="1.0" encoding="utf-8"?>
+<p:sld xmlns:a="http://schemas.openxmlformats.org/drawingml/2006/main" xmlns:r="http://schemas.openxmlformats.org/officeDocument/2006/relationships" xmlns:p="http://schemas.openxmlformats.org/presentationml/2006/main">
+  <p:cSld>
+    <p:spTree>
+      <p:nvGrpSpPr>
+        <p:cNvPr id="1" name=""/>
+        <p:cNvGrpSpPr/>
+        <p:nvPr/>
+      </p:nvGrpSpPr>
+      <p:grpSpPr>
+        <a:xfrm>
+          <a:off x="0" y="0"/>
+          <a:ext cx="0" cy="0"/>
+          <a:chOff x="0" y="0"/>
+          <a:chExt cx="0" cy="0"/>
+        </a:xfrm>
+      </p:grpSpPr>
+      <p:grpSp>
+        <p:nvGrpSpPr>
+          <p:cNvPr id="6" name="Group 5">
+            <a:extLst>
+              <a:ext uri="{FF2B5EF4-FFF2-40B4-BE49-F238E27FC236}">
+                <a16:creationId xmlns:a16="http://schemas.microsoft.com/office/drawing/2014/main" id="{64F76AD6-5850-A675-A698-DCF4F9517F54}"/>
+              </a:ext>
+            </a:extLst>
+          </p:cNvPr>
+          <p:cNvGrpSpPr/>
+          <p:nvPr/>
+        </p:nvGrpSpPr>
+        <p:grpSpPr>
+          <a:xfrm>
+            <a:off x="2776537" y="1409700"/>
+            <a:ext cx="6638925" cy="4038600"/>
+            <a:chOff x="2776537" y="1409700"/>
+            <a:chExt cx="6638925" cy="4038600"/>
+          </a:xfrm>
+        </p:grpSpPr>
+        <p:pic>
+          <p:nvPicPr>
+            <p:cNvPr id="3" name="Picture 2">
+              <a:extLst>
+                <a:ext uri="{FF2B5EF4-FFF2-40B4-BE49-F238E27FC236}">
+                  <a16:creationId xmlns:a16="http://schemas.microsoft.com/office/drawing/2014/main" id="{85F75C01-EF66-2390-A1DC-CBD013EA46A4}"/>
+                </a:ext>
+              </a:extLst>
+            </p:cNvPr>
+            <p:cNvPicPr>
+              <a:picLocks noChangeAspect="1"/>
+            </p:cNvPicPr>
+            <p:nvPr/>
+          </p:nvPicPr>
+          <p:blipFill>
+            <a:blip r:embed="rId2"/>
+            <a:stretch>
+              <a:fillRect/>
+            </a:stretch>
+          </p:blipFill>
+          <p:spPr>
+            <a:xfrm>
+              <a:off x="2776537" y="1409700"/>
+              <a:ext cx="6638925" cy="4038600"/>
+            </a:xfrm>
+            <a:prstGeom prst="rect">
+              <a:avLst/>
+            </a:prstGeom>
+          </p:spPr>
+        </p:pic>
+        <p:sp>
+          <p:nvSpPr>
+            <p:cNvPr id="4" name="TextBox 3">
+              <a:extLst>
+                <a:ext uri="{FF2B5EF4-FFF2-40B4-BE49-F238E27FC236}">
+                  <a16:creationId xmlns:a16="http://schemas.microsoft.com/office/drawing/2014/main" id="{38B256A6-0E1D-813F-17D0-33F453A2E0A4}"/>
+                </a:ext>
+              </a:extLst>
+            </p:cNvPr>
+            <p:cNvSpPr txBox="1"/>
+            <p:nvPr/>
+          </p:nvSpPr>
+          <p:spPr>
+            <a:xfrm>
+              <a:off x="3183655" y="3044279"/>
+              <a:ext cx="5088830" cy="938719"/>
+            </a:xfrm>
+            <a:prstGeom prst="rect">
+              <a:avLst/>
+            </a:prstGeom>
+            <a:solidFill>
+              <a:schemeClr val="bg1">
+                <a:lumMod val="95000"/>
+              </a:schemeClr>
+            </a:solidFill>
+          </p:spPr>
+          <p:txBody>
+            <a:bodyPr wrap="square">
+              <a:spAutoFit/>
+            </a:bodyPr>
+            <a:lstStyle/>
+            <a:p>
+              <a:r>
+                <a:rPr lang="en-SG" sz="1100">
+                  <a:latin typeface="Consolas" panose="020B0609020204030204" pitchFamily="49" charset="0"/>
+                </a:rPr>
+                <a:t>import scipy.stats as stats</a:t>
+              </a:r>
+            </a:p>
+            <a:p>
+              <a:endParaRPr lang="en-SG" sz="1100">
+                <a:latin typeface="Consolas" panose="020B0609020204030204" pitchFamily="49" charset="0"/>
+              </a:endParaRPr>
+            </a:p>
+            <a:p>
+              <a:endParaRPr lang="en-SG" sz="1100">
+                <a:latin typeface="Consolas" panose="020B0609020204030204" pitchFamily="49" charset="0"/>
+              </a:endParaRPr>
+            </a:p>
+            <a:p>
+              <a:r>
+                <a:rPr lang="en-SG" sz="1100">
+                  <a:latin typeface="Consolas" panose="020B0609020204030204" pitchFamily="49" charset="0"/>
+                </a:rPr>
+                <a:t>results = stats.</a:t>
+              </a:r>
+              <a:r>
+                <a:rPr lang="en-SG" sz="1100">
+                  <a:solidFill>
+                    <a:srgbClr val="FF0000"/>
+                  </a:solidFill>
+                  <a:latin typeface="Consolas" panose="020B0609020204030204" pitchFamily="49" charset="0"/>
+                </a:rPr>
+                <a:t>shapiro</a:t>
+              </a:r>
+              <a:r>
+                <a:rPr lang="en-SG" sz="1100">
+                  <a:latin typeface="Consolas" panose="020B0609020204030204" pitchFamily="49" charset="0"/>
+                </a:rPr>
+                <a:t>(dt_total_score)</a:t>
+              </a:r>
+            </a:p>
+            <a:p>
+              <a:r>
+                <a:rPr lang="en-SG" sz="1100">
+                  <a:latin typeface="Consolas" panose="020B0609020204030204" pitchFamily="49" charset="0"/>
+                </a:rPr>
+                <a:t>print(results.pvalue)</a:t>
+              </a:r>
+              <a:endParaRPr lang="en-SG" sz="1100" dirty="0">
+                <a:latin typeface="Consolas" panose="020B0609020204030204" pitchFamily="49" charset="0"/>
+              </a:endParaRPr>
+            </a:p>
+          </p:txBody>
+        </p:sp>
+      </p:grpSp>
+    </p:spTree>
+    <p:extLst>
+      <p:ext uri="{BB962C8B-B14F-4D97-AF65-F5344CB8AC3E}">
+        <p14:creationId xmlns:p14="http://schemas.microsoft.com/office/powerpoint/2010/main" val="1893656919"/>
+      </p:ext>
+    </p:extLst>
+  </p:cSld>
+  <p:clrMapOvr>
+    <a:masterClrMapping/>
+  </p:clrMapOvr>
+</p:sld>
+</file>
+
+<file path=ppt/slides/slide49.xml><?xml version="1.0" encoding="utf-8"?>
+<p:sld xmlns:a="http://schemas.openxmlformats.org/drawingml/2006/main" xmlns:r="http://schemas.openxmlformats.org/officeDocument/2006/relationships" xmlns:p="http://schemas.openxmlformats.org/presentationml/2006/main">
+  <p:cSld>
+    <p:spTree>
+      <p:nvGrpSpPr>
+        <p:cNvPr id="1" name=""/>
+        <p:cNvGrpSpPr/>
+        <p:nvPr/>
+      </p:nvGrpSpPr>
+      <p:grpSpPr>
+        <a:xfrm>
+          <a:off x="0" y="0"/>
+          <a:ext cx="0" cy="0"/>
+          <a:chOff x="0" y="0"/>
+          <a:chExt cx="0" cy="0"/>
+        </a:xfrm>
+      </p:grpSpPr>
+      <p:grpSp>
+        <p:nvGrpSpPr>
+          <p:cNvPr id="6" name="Group 5">
+            <a:extLst>
+              <a:ext uri="{FF2B5EF4-FFF2-40B4-BE49-F238E27FC236}">
+                <a16:creationId xmlns:a16="http://schemas.microsoft.com/office/drawing/2014/main" id="{847D3C9C-B7D6-8199-5E4A-F4D8D3420811}"/>
+              </a:ext>
+            </a:extLst>
+          </p:cNvPr>
+          <p:cNvGrpSpPr/>
+          <p:nvPr/>
+        </p:nvGrpSpPr>
+        <p:grpSpPr>
+          <a:xfrm>
+            <a:off x="2552700" y="1314450"/>
+            <a:ext cx="7086600" cy="4229100"/>
+            <a:chOff x="2552700" y="1314450"/>
+            <a:chExt cx="7086600" cy="4229100"/>
+          </a:xfrm>
+        </p:grpSpPr>
+        <p:pic>
+          <p:nvPicPr>
+            <p:cNvPr id="3" name="Picture 2">
+              <a:extLst>
+                <a:ext uri="{FF2B5EF4-FFF2-40B4-BE49-F238E27FC236}">
+                  <a16:creationId xmlns:a16="http://schemas.microsoft.com/office/drawing/2014/main" id="{E48A1785-DFB6-D717-EE92-4D01287EF753}"/>
+                </a:ext>
+              </a:extLst>
+            </p:cNvPr>
+            <p:cNvPicPr>
+              <a:picLocks noChangeAspect="1"/>
+            </p:cNvPicPr>
+            <p:nvPr/>
+          </p:nvPicPr>
+          <p:blipFill>
+            <a:blip r:embed="rId2"/>
+            <a:stretch>
+              <a:fillRect/>
+            </a:stretch>
+          </p:blipFill>
+          <p:spPr>
+            <a:xfrm>
+              <a:off x="2552700" y="1314450"/>
+              <a:ext cx="7086600" cy="4229100"/>
+            </a:xfrm>
+            <a:prstGeom prst="rect">
+              <a:avLst/>
+            </a:prstGeom>
+          </p:spPr>
+        </p:pic>
+        <p:sp>
+          <p:nvSpPr>
+            <p:cNvPr id="4" name="TextBox 3">
+              <a:extLst>
+                <a:ext uri="{FF2B5EF4-FFF2-40B4-BE49-F238E27FC236}">
+                  <a16:creationId xmlns:a16="http://schemas.microsoft.com/office/drawing/2014/main" id="{6F68637B-A2D5-1945-41E4-E8CB948FFD27}"/>
+                </a:ext>
+              </a:extLst>
+            </p:cNvPr>
+            <p:cNvSpPr txBox="1"/>
+            <p:nvPr/>
+          </p:nvSpPr>
+          <p:spPr>
+            <a:xfrm>
+              <a:off x="2999300" y="2973495"/>
+              <a:ext cx="5088830" cy="1107996"/>
+            </a:xfrm>
+            <a:prstGeom prst="rect">
+              <a:avLst/>
+            </a:prstGeom>
+            <a:solidFill>
+              <a:schemeClr val="bg1">
+                <a:lumMod val="95000"/>
+              </a:schemeClr>
+            </a:solidFill>
+          </p:spPr>
+          <p:txBody>
+            <a:bodyPr wrap="square">
+              <a:spAutoFit/>
+            </a:bodyPr>
+            <a:lstStyle/>
+            <a:p>
+              <a:r>
+                <a:rPr lang="en-SG" sz="1100">
+                  <a:latin typeface="Consolas" panose="020B0609020204030204" pitchFamily="49" charset="0"/>
+                </a:rPr>
+                <a:t>import scipy.stats as stats</a:t>
+              </a:r>
+            </a:p>
+            <a:p>
+              <a:endParaRPr lang="en-SG" sz="1100">
+                <a:latin typeface="Consolas" panose="020B0609020204030204" pitchFamily="49" charset="0"/>
+              </a:endParaRPr>
+            </a:p>
+            <a:p>
+              <a:endParaRPr lang="en-SG" sz="1100">
+                <a:latin typeface="Consolas" panose="020B0609020204030204" pitchFamily="49" charset="0"/>
+              </a:endParaRPr>
+            </a:p>
+            <a:p>
+              <a:r>
+                <a:rPr lang="en-SG" sz="1100">
+                  <a:latin typeface="Consolas" panose="020B0609020204030204" pitchFamily="49" charset="0"/>
+                </a:rPr>
+                <a:t>results = stats.</a:t>
+              </a:r>
+              <a:r>
+                <a:rPr lang="en-SG" sz="1100">
+                  <a:solidFill>
+                    <a:srgbClr val="FF0000"/>
+                  </a:solidFill>
+                  <a:latin typeface="Consolas" panose="020B0609020204030204" pitchFamily="49" charset="0"/>
+                </a:rPr>
+                <a:t>f_oneway</a:t>
+              </a:r>
+              <a:r>
+                <a:rPr lang="en-SG" sz="1100">
+                  <a:latin typeface="Consolas" panose="020B0609020204030204" pitchFamily="49" charset="0"/>
+                </a:rPr>
+                <a:t>(treatment_1, treatment_2)</a:t>
+              </a:r>
+            </a:p>
+            <a:p>
+              <a:endParaRPr lang="en-SG" sz="1100">
+                <a:latin typeface="Consolas" panose="020B0609020204030204" pitchFamily="49" charset="0"/>
+              </a:endParaRPr>
+            </a:p>
+            <a:p>
+              <a:r>
+                <a:rPr lang="en-SG" sz="1100">
+                  <a:latin typeface="Consolas" panose="020B0609020204030204" pitchFamily="49" charset="0"/>
+                </a:rPr>
+                <a:t>print(results.statistic)</a:t>
+              </a:r>
+              <a:endParaRPr lang="en-SG" sz="1100" dirty="0">
+                <a:latin typeface="Consolas" panose="020B0609020204030204" pitchFamily="49" charset="0"/>
+              </a:endParaRPr>
+            </a:p>
+          </p:txBody>
+        </p:sp>
+      </p:grpSp>
+    </p:spTree>
+    <p:extLst>
+      <p:ext uri="{BB962C8B-B14F-4D97-AF65-F5344CB8AC3E}">
+        <p14:creationId xmlns:p14="http://schemas.microsoft.com/office/powerpoint/2010/main" val="250653837"/>
+      </p:ext>
+    </p:extLst>
+  </p:cSld>
+  <p:clrMapOvr>
+    <a:masterClrMapping/>
+  </p:clrMapOvr>
+</p:sld>
+</file>
+
 <file path=ppt/slides/slide5.xml><?xml version="1.0" encoding="utf-8"?>
 <p:sld xmlns:a="http://schemas.openxmlformats.org/drawingml/2006/main" xmlns:r="http://schemas.openxmlformats.org/officeDocument/2006/relationships" xmlns:p="http://schemas.openxmlformats.org/presentationml/2006/main">
   <p:cSld>
@@ -8013,7 +13342,7 @@
         </p:nvGrpSpPr>
         <p:grpSpPr>
           <a:xfrm>
-            <a:off x="425735" y="426954"/>
+            <a:off x="525611" y="810412"/>
             <a:ext cx="5483302" cy="2933103"/>
             <a:chOff x="425735" y="426954"/>
             <a:chExt cx="5483302" cy="2933103"/>
@@ -8188,6 +13517,613 @@
     <p:extLst>
       <p:ext uri="{BB962C8B-B14F-4D97-AF65-F5344CB8AC3E}">
         <p14:creationId xmlns:p14="http://schemas.microsoft.com/office/powerpoint/2010/main" val="1489115405"/>
+      </p:ext>
+    </p:extLst>
+  </p:cSld>
+  <p:clrMapOvr>
+    <a:masterClrMapping/>
+  </p:clrMapOvr>
+</p:sld>
+</file>
+
+<file path=ppt/slides/slide50.xml><?xml version="1.0" encoding="utf-8"?>
+<p:sld xmlns:a="http://schemas.openxmlformats.org/drawingml/2006/main" xmlns:r="http://schemas.openxmlformats.org/officeDocument/2006/relationships" xmlns:p="http://schemas.openxmlformats.org/presentationml/2006/main">
+  <p:cSld>
+    <p:spTree>
+      <p:nvGrpSpPr>
+        <p:cNvPr id="1" name=""/>
+        <p:cNvGrpSpPr/>
+        <p:nvPr/>
+      </p:nvGrpSpPr>
+      <p:grpSpPr>
+        <a:xfrm>
+          <a:off x="0" y="0"/>
+          <a:ext cx="0" cy="0"/>
+          <a:chOff x="0" y="0"/>
+          <a:chExt cx="0" cy="0"/>
+        </a:xfrm>
+      </p:grpSpPr>
+      <p:grpSp>
+        <p:nvGrpSpPr>
+          <p:cNvPr id="7" name="Group 6">
+            <a:extLst>
+              <a:ext uri="{FF2B5EF4-FFF2-40B4-BE49-F238E27FC236}">
+                <a16:creationId xmlns:a16="http://schemas.microsoft.com/office/drawing/2014/main" id="{116C4913-A295-2B10-5BFB-897D944313D6}"/>
+              </a:ext>
+            </a:extLst>
+          </p:cNvPr>
+          <p:cNvGrpSpPr/>
+          <p:nvPr/>
+        </p:nvGrpSpPr>
+        <p:grpSpPr>
+          <a:xfrm>
+            <a:off x="2633662" y="742950"/>
+            <a:ext cx="6924675" cy="5372100"/>
+            <a:chOff x="2633662" y="742950"/>
+            <a:chExt cx="6924675" cy="5372100"/>
+          </a:xfrm>
+        </p:grpSpPr>
+        <p:pic>
+          <p:nvPicPr>
+            <p:cNvPr id="3" name="Picture 2">
+              <a:extLst>
+                <a:ext uri="{FF2B5EF4-FFF2-40B4-BE49-F238E27FC236}">
+                  <a16:creationId xmlns:a16="http://schemas.microsoft.com/office/drawing/2014/main" id="{836D46C5-22B3-EE0A-6567-0BE5660A7DD9}"/>
+                </a:ext>
+              </a:extLst>
+            </p:cNvPr>
+            <p:cNvPicPr>
+              <a:picLocks noChangeAspect="1"/>
+            </p:cNvPicPr>
+            <p:nvPr/>
+          </p:nvPicPr>
+          <p:blipFill>
+            <a:blip r:embed="rId2"/>
+            <a:stretch>
+              <a:fillRect/>
+            </a:stretch>
+          </p:blipFill>
+          <p:spPr>
+            <a:xfrm>
+              <a:off x="2633662" y="742950"/>
+              <a:ext cx="6924675" cy="5372100"/>
+            </a:xfrm>
+            <a:prstGeom prst="rect">
+              <a:avLst/>
+            </a:prstGeom>
+          </p:spPr>
+        </p:pic>
+        <p:sp>
+          <p:nvSpPr>
+            <p:cNvPr id="4" name="TextBox 3">
+              <a:extLst>
+                <a:ext uri="{FF2B5EF4-FFF2-40B4-BE49-F238E27FC236}">
+                  <a16:creationId xmlns:a16="http://schemas.microsoft.com/office/drawing/2014/main" id="{DFEE1058-8FE3-553E-23A0-9C5CE0CDE882}"/>
+                </a:ext>
+              </a:extLst>
+            </p:cNvPr>
+            <p:cNvSpPr txBox="1"/>
+            <p:nvPr/>
+          </p:nvSpPr>
+          <p:spPr>
+            <a:xfrm>
+              <a:off x="2979404" y="1601895"/>
+              <a:ext cx="6233190" cy="1954381"/>
+            </a:xfrm>
+            <a:prstGeom prst="rect">
+              <a:avLst/>
+            </a:prstGeom>
+            <a:solidFill>
+              <a:schemeClr val="bg1">
+                <a:lumMod val="95000"/>
+              </a:schemeClr>
+            </a:solidFill>
+          </p:spPr>
+          <p:txBody>
+            <a:bodyPr wrap="square">
+              <a:spAutoFit/>
+            </a:bodyPr>
+            <a:lstStyle/>
+            <a:p>
+              <a:r>
+                <a:rPr lang="en-SG" sz="1100">
+                  <a:latin typeface="Consolas" panose="020B0609020204030204" pitchFamily="49" charset="0"/>
+                </a:rPr>
+                <a:t>If the output of the following code block is: </a:t>
+              </a:r>
+              <a:r>
+                <a:rPr lang="en-SG" sz="1100" b="1">
+                  <a:latin typeface="Consolas" panose="020B0609020204030204" pitchFamily="49" charset="0"/>
+                </a:rPr>
+                <a:t>(4.36, 0.04)</a:t>
+              </a:r>
+              <a:r>
+                <a:rPr lang="en-SG" sz="1100">
+                  <a:latin typeface="Consolas" panose="020B0609020204030204" pitchFamily="49" charset="0"/>
+                </a:rPr>
+                <a:t>, what can you infer about the variables a and b?</a:t>
+              </a:r>
+            </a:p>
+            <a:p>
+              <a:endParaRPr lang="en-SG" sz="1100">
+                <a:latin typeface="Consolas" panose="020B0609020204030204" pitchFamily="49" charset="0"/>
+              </a:endParaRPr>
+            </a:p>
+            <a:p>
+              <a:endParaRPr lang="en-SG" sz="1100">
+                <a:latin typeface="Consolas" panose="020B0609020204030204" pitchFamily="49" charset="0"/>
+              </a:endParaRPr>
+            </a:p>
+            <a:p>
+              <a:r>
+                <a:rPr lang="en-SG" sz="1100">
+                  <a:latin typeface="Consolas" panose="020B0609020204030204" pitchFamily="49" charset="0"/>
+                </a:rPr>
+                <a:t>from scipy.stats import f_oneway</a:t>
+              </a:r>
+            </a:p>
+            <a:p>
+              <a:endParaRPr lang="en-SG" sz="1100">
+                <a:latin typeface="Consolas" panose="020B0609020204030204" pitchFamily="49" charset="0"/>
+              </a:endParaRPr>
+            </a:p>
+            <a:p>
+              <a:r>
+                <a:rPr lang="en-SG" sz="1100">
+                  <a:latin typeface="Consolas" panose="020B0609020204030204" pitchFamily="49" charset="0"/>
+                </a:rPr>
+                <a:t>data1 = [15, 20, 12, 30]</a:t>
+              </a:r>
+            </a:p>
+            <a:p>
+              <a:r>
+                <a:rPr lang="en-SG" sz="1100">
+                  <a:latin typeface="Consolas" panose="020B0609020204030204" pitchFamily="49" charset="0"/>
+                </a:rPr>
+                <a:t>data2 = [20, 30, 19, 40]</a:t>
+              </a:r>
+            </a:p>
+            <a:p>
+              <a:r>
+                <a:rPr lang="en-SG" sz="1100">
+                  <a:latin typeface="Consolas" panose="020B0609020204030204" pitchFamily="49" charset="0"/>
+                </a:rPr>
+                <a:t>data3 = [9, 11, 12, 15]</a:t>
+              </a:r>
+            </a:p>
+            <a:p>
+              <a:r>
+                <a:rPr lang="en-SG" sz="1100">
+                  <a:latin typeface="Consolas" panose="020B0609020204030204" pitchFamily="49" charset="0"/>
+                </a:rPr>
+                <a:t>stat, p = </a:t>
+              </a:r>
+              <a:r>
+                <a:rPr lang="en-SG" sz="1100" b="1">
+                  <a:latin typeface="Consolas" panose="020B0609020204030204" pitchFamily="49" charset="0"/>
+                </a:rPr>
+                <a:t>f_oneway</a:t>
+              </a:r>
+              <a:r>
+                <a:rPr lang="en-SG" sz="1100">
+                  <a:latin typeface="Consolas" panose="020B0609020204030204" pitchFamily="49" charset="0"/>
+                </a:rPr>
+                <a:t>(data1, data2, data3)</a:t>
+              </a:r>
+            </a:p>
+            <a:p>
+              <a:r>
+                <a:rPr lang="en-SG" sz="1100">
+                  <a:latin typeface="Consolas" panose="020B0609020204030204" pitchFamily="49" charset="0"/>
+                </a:rPr>
+                <a:t>print(stat, p)</a:t>
+              </a:r>
+              <a:endParaRPr lang="en-SG" sz="1100" dirty="0">
+                <a:latin typeface="Consolas" panose="020B0609020204030204" pitchFamily="49" charset="0"/>
+              </a:endParaRPr>
+            </a:p>
+          </p:txBody>
+        </p:sp>
+        <p:sp>
+          <p:nvSpPr>
+            <p:cNvPr id="6" name="Rectangle 5">
+              <a:extLst>
+                <a:ext uri="{FF2B5EF4-FFF2-40B4-BE49-F238E27FC236}">
+                  <a16:creationId xmlns:a16="http://schemas.microsoft.com/office/drawing/2014/main" id="{BE3333CD-DACC-EB63-DDA7-58CF213A9F16}"/>
+                </a:ext>
+              </a:extLst>
+            </p:cNvPr>
+            <p:cNvSpPr/>
+            <p:nvPr/>
+          </p:nvSpPr>
+          <p:spPr>
+            <a:xfrm>
+              <a:off x="2839064" y="5110316"/>
+              <a:ext cx="6563032" cy="442452"/>
+            </a:xfrm>
+            <a:prstGeom prst="rect">
+              <a:avLst/>
+            </a:prstGeom>
+            <a:noFill/>
+            <a:ln>
+              <a:solidFill>
+                <a:srgbClr val="FF0000"/>
+              </a:solidFill>
+            </a:ln>
+          </p:spPr>
+          <p:style>
+            <a:lnRef idx="2">
+              <a:schemeClr val="accent1">
+                <a:shade val="50000"/>
+              </a:schemeClr>
+            </a:lnRef>
+            <a:fillRef idx="1">
+              <a:schemeClr val="accent1"/>
+            </a:fillRef>
+            <a:effectRef idx="0">
+              <a:schemeClr val="accent1"/>
+            </a:effectRef>
+            <a:fontRef idx="minor">
+              <a:schemeClr val="lt1"/>
+            </a:fontRef>
+          </p:style>
+          <p:txBody>
+            <a:bodyPr rtlCol="0" anchor="ctr"/>
+            <a:lstStyle/>
+            <a:p>
+              <a:pPr algn="ctr"/>
+              <a:endParaRPr lang="en-SG"/>
+            </a:p>
+          </p:txBody>
+        </p:sp>
+      </p:grpSp>
+    </p:spTree>
+    <p:extLst>
+      <p:ext uri="{BB962C8B-B14F-4D97-AF65-F5344CB8AC3E}">
+        <p14:creationId xmlns:p14="http://schemas.microsoft.com/office/powerpoint/2010/main" val="1617581378"/>
+      </p:ext>
+    </p:extLst>
+  </p:cSld>
+  <p:clrMapOvr>
+    <a:masterClrMapping/>
+  </p:clrMapOvr>
+</p:sld>
+</file>
+
+<file path=ppt/slides/slide51.xml><?xml version="1.0" encoding="utf-8"?>
+<p:sld xmlns:a="http://schemas.openxmlformats.org/drawingml/2006/main" xmlns:r="http://schemas.openxmlformats.org/officeDocument/2006/relationships" xmlns:p="http://schemas.openxmlformats.org/presentationml/2006/main">
+  <p:cSld>
+    <p:spTree>
+      <p:nvGrpSpPr>
+        <p:cNvPr id="1" name=""/>
+        <p:cNvGrpSpPr/>
+        <p:nvPr/>
+      </p:nvGrpSpPr>
+      <p:grpSpPr>
+        <a:xfrm>
+          <a:off x="0" y="0"/>
+          <a:ext cx="0" cy="0"/>
+          <a:chOff x="0" y="0"/>
+          <a:chExt cx="0" cy="0"/>
+        </a:xfrm>
+      </p:grpSpPr>
+      <p:grpSp>
+        <p:nvGrpSpPr>
+          <p:cNvPr id="7" name="Group 6">
+            <a:extLst>
+              <a:ext uri="{FF2B5EF4-FFF2-40B4-BE49-F238E27FC236}">
+                <a16:creationId xmlns:a16="http://schemas.microsoft.com/office/drawing/2014/main" id="{D6480982-8495-800F-DD5B-FBB982776332}"/>
+              </a:ext>
+            </a:extLst>
+          </p:cNvPr>
+          <p:cNvGrpSpPr/>
+          <p:nvPr/>
+        </p:nvGrpSpPr>
+        <p:grpSpPr>
+          <a:xfrm>
+            <a:off x="2843212" y="1076325"/>
+            <a:ext cx="6505575" cy="4705350"/>
+            <a:chOff x="2843212" y="1076325"/>
+            <a:chExt cx="6505575" cy="4705350"/>
+          </a:xfrm>
+        </p:grpSpPr>
+        <p:pic>
+          <p:nvPicPr>
+            <p:cNvPr id="3" name="Picture 2">
+              <a:extLst>
+                <a:ext uri="{FF2B5EF4-FFF2-40B4-BE49-F238E27FC236}">
+                  <a16:creationId xmlns:a16="http://schemas.microsoft.com/office/drawing/2014/main" id="{04E8F1D0-C58D-D55F-DB6B-AD4DF39F5771}"/>
+                </a:ext>
+              </a:extLst>
+            </p:cNvPr>
+            <p:cNvPicPr>
+              <a:picLocks noChangeAspect="1"/>
+            </p:cNvPicPr>
+            <p:nvPr/>
+          </p:nvPicPr>
+          <p:blipFill>
+            <a:blip r:embed="rId2"/>
+            <a:stretch>
+              <a:fillRect/>
+            </a:stretch>
+          </p:blipFill>
+          <p:spPr>
+            <a:xfrm>
+              <a:off x="2843212" y="1076325"/>
+              <a:ext cx="6505575" cy="4705350"/>
+            </a:xfrm>
+            <a:prstGeom prst="rect">
+              <a:avLst/>
+            </a:prstGeom>
+          </p:spPr>
+        </p:pic>
+        <p:sp>
+          <p:nvSpPr>
+            <p:cNvPr id="4" name="TextBox 3">
+              <a:extLst>
+                <a:ext uri="{FF2B5EF4-FFF2-40B4-BE49-F238E27FC236}">
+                  <a16:creationId xmlns:a16="http://schemas.microsoft.com/office/drawing/2014/main" id="{2409B8D8-BA83-220D-0948-2C72B7645C1C}"/>
+                </a:ext>
+              </a:extLst>
+            </p:cNvPr>
+            <p:cNvSpPr txBox="1"/>
+            <p:nvPr/>
+          </p:nvSpPr>
+          <p:spPr>
+            <a:xfrm>
+              <a:off x="3286576" y="2721079"/>
+              <a:ext cx="5088830" cy="1107996"/>
+            </a:xfrm>
+            <a:prstGeom prst="rect">
+              <a:avLst/>
+            </a:prstGeom>
+            <a:solidFill>
+              <a:schemeClr val="bg1">
+                <a:lumMod val="95000"/>
+              </a:schemeClr>
+            </a:solidFill>
+          </p:spPr>
+          <p:txBody>
+            <a:bodyPr wrap="square">
+              <a:spAutoFit/>
+            </a:bodyPr>
+            <a:lstStyle/>
+            <a:p>
+              <a:r>
+                <a:rPr lang="en-SG" sz="1100">
+                  <a:latin typeface="Consolas" panose="020B0609020204030204" pitchFamily="49" charset="0"/>
+                </a:rPr>
+                <a:t>import scipy.stats as stats</a:t>
+              </a:r>
+            </a:p>
+            <a:p>
+              <a:endParaRPr lang="en-SG" sz="1100">
+                <a:latin typeface="Consolas" panose="020B0609020204030204" pitchFamily="49" charset="0"/>
+              </a:endParaRPr>
+            </a:p>
+            <a:p>
+              <a:endParaRPr lang="en-SG" sz="1100">
+                <a:latin typeface="Consolas" panose="020B0609020204030204" pitchFamily="49" charset="0"/>
+              </a:endParaRPr>
+            </a:p>
+            <a:p>
+              <a:r>
+                <a:rPr lang="en-SG" sz="1100">
+                  <a:latin typeface="Consolas" panose="020B0609020204030204" pitchFamily="49" charset="0"/>
+                </a:rPr>
+                <a:t>results = stats.</a:t>
+              </a:r>
+              <a:r>
+                <a:rPr lang="en-SG" sz="1100">
+                  <a:solidFill>
+                    <a:srgbClr val="FF0000"/>
+                  </a:solidFill>
+                  <a:latin typeface="Consolas" panose="020B0609020204030204" pitchFamily="49" charset="0"/>
+                </a:rPr>
+                <a:t>f_oneway</a:t>
+              </a:r>
+              <a:r>
+                <a:rPr lang="en-SG" sz="1100">
+                  <a:latin typeface="Consolas" panose="020B0609020204030204" pitchFamily="49" charset="0"/>
+                </a:rPr>
+                <a:t>(c, a)</a:t>
+              </a:r>
+            </a:p>
+            <a:p>
+              <a:endParaRPr lang="en-SG" sz="1100">
+                <a:latin typeface="Consolas" panose="020B0609020204030204" pitchFamily="49" charset="0"/>
+              </a:endParaRPr>
+            </a:p>
+            <a:p>
+              <a:r>
+                <a:rPr lang="en-SG" sz="1100">
+                  <a:latin typeface="Consolas" panose="020B0609020204030204" pitchFamily="49" charset="0"/>
+                </a:rPr>
+                <a:t>print(results.statistic)</a:t>
+              </a:r>
+              <a:endParaRPr lang="en-SG" sz="1100" dirty="0">
+                <a:latin typeface="Consolas" panose="020B0609020204030204" pitchFamily="49" charset="0"/>
+              </a:endParaRPr>
+            </a:p>
+          </p:txBody>
+        </p:sp>
+        <p:sp>
+          <p:nvSpPr>
+            <p:cNvPr id="5" name="Rectangle 4">
+              <a:extLst>
+                <a:ext uri="{FF2B5EF4-FFF2-40B4-BE49-F238E27FC236}">
+                  <a16:creationId xmlns:a16="http://schemas.microsoft.com/office/drawing/2014/main" id="{DBBA88F7-55DC-44D7-008B-89BE0F075478}"/>
+                </a:ext>
+              </a:extLst>
+            </p:cNvPr>
+            <p:cNvSpPr/>
+            <p:nvPr/>
+          </p:nvSpPr>
+          <p:spPr>
+            <a:xfrm>
+              <a:off x="3111910" y="4092677"/>
+              <a:ext cx="855406" cy="412955"/>
+            </a:xfrm>
+            <a:prstGeom prst="rect">
+              <a:avLst/>
+            </a:prstGeom>
+            <a:noFill/>
+            <a:ln>
+              <a:solidFill>
+                <a:srgbClr val="FF0000"/>
+              </a:solidFill>
+            </a:ln>
+          </p:spPr>
+          <p:style>
+            <a:lnRef idx="2">
+              <a:schemeClr val="accent1">
+                <a:shade val="50000"/>
+              </a:schemeClr>
+            </a:lnRef>
+            <a:fillRef idx="1">
+              <a:schemeClr val="accent1"/>
+            </a:fillRef>
+            <a:effectRef idx="0">
+              <a:schemeClr val="accent1"/>
+            </a:effectRef>
+            <a:fontRef idx="minor">
+              <a:schemeClr val="lt1"/>
+            </a:fontRef>
+          </p:style>
+          <p:txBody>
+            <a:bodyPr rtlCol="0" anchor="ctr"/>
+            <a:lstStyle/>
+            <a:p>
+              <a:pPr algn="ctr"/>
+              <a:endParaRPr lang="en-SG"/>
+            </a:p>
+          </p:txBody>
+        </p:sp>
+      </p:grpSp>
+    </p:spTree>
+    <p:extLst>
+      <p:ext uri="{BB962C8B-B14F-4D97-AF65-F5344CB8AC3E}">
+        <p14:creationId xmlns:p14="http://schemas.microsoft.com/office/powerpoint/2010/main" val="165675758"/>
+      </p:ext>
+    </p:extLst>
+  </p:cSld>
+  <p:clrMapOvr>
+    <a:masterClrMapping/>
+  </p:clrMapOvr>
+</p:sld>
+</file>
+
+<file path=ppt/slides/slide52.xml><?xml version="1.0" encoding="utf-8"?>
+<p:sld xmlns:a="http://schemas.openxmlformats.org/drawingml/2006/main" xmlns:r="http://schemas.openxmlformats.org/officeDocument/2006/relationships" xmlns:p="http://schemas.openxmlformats.org/presentationml/2006/main">
+  <p:cSld>
+    <p:spTree>
+      <p:nvGrpSpPr>
+        <p:cNvPr id="1" name=""/>
+        <p:cNvGrpSpPr/>
+        <p:nvPr/>
+      </p:nvGrpSpPr>
+      <p:grpSpPr>
+        <a:xfrm>
+          <a:off x="0" y="0"/>
+          <a:ext cx="0" cy="0"/>
+          <a:chOff x="0" y="0"/>
+          <a:chExt cx="0" cy="0"/>
+        </a:xfrm>
+      </p:grpSpPr>
+    </p:spTree>
+    <p:extLst>
+      <p:ext uri="{BB962C8B-B14F-4D97-AF65-F5344CB8AC3E}">
+        <p14:creationId xmlns:p14="http://schemas.microsoft.com/office/powerpoint/2010/main" val="2217560570"/>
+      </p:ext>
+    </p:extLst>
+  </p:cSld>
+  <p:clrMapOvr>
+    <a:masterClrMapping/>
+  </p:clrMapOvr>
+</p:sld>
+</file>
+
+<file path=ppt/slides/slide53.xml><?xml version="1.0" encoding="utf-8"?>
+<p:sld xmlns:a="http://schemas.openxmlformats.org/drawingml/2006/main" xmlns:r="http://schemas.openxmlformats.org/officeDocument/2006/relationships" xmlns:p="http://schemas.openxmlformats.org/presentationml/2006/main">
+  <p:cSld>
+    <p:spTree>
+      <p:nvGrpSpPr>
+        <p:cNvPr id="1" name=""/>
+        <p:cNvGrpSpPr/>
+        <p:nvPr/>
+      </p:nvGrpSpPr>
+      <p:grpSpPr>
+        <a:xfrm>
+          <a:off x="0" y="0"/>
+          <a:ext cx="0" cy="0"/>
+          <a:chOff x="0" y="0"/>
+          <a:chExt cx="0" cy="0"/>
+        </a:xfrm>
+      </p:grpSpPr>
+    </p:spTree>
+    <p:extLst>
+      <p:ext uri="{BB962C8B-B14F-4D97-AF65-F5344CB8AC3E}">
+        <p14:creationId xmlns:p14="http://schemas.microsoft.com/office/powerpoint/2010/main" val="785803361"/>
+      </p:ext>
+    </p:extLst>
+  </p:cSld>
+  <p:clrMapOvr>
+    <a:masterClrMapping/>
+  </p:clrMapOvr>
+</p:sld>
+</file>
+
+<file path=ppt/slides/slide54.xml><?xml version="1.0" encoding="utf-8"?>
+<p:sld xmlns:a="http://schemas.openxmlformats.org/drawingml/2006/main" xmlns:r="http://schemas.openxmlformats.org/officeDocument/2006/relationships" xmlns:p="http://schemas.openxmlformats.org/presentationml/2006/main">
+  <p:cSld>
+    <p:spTree>
+      <p:nvGrpSpPr>
+        <p:cNvPr id="1" name=""/>
+        <p:cNvGrpSpPr/>
+        <p:nvPr/>
+      </p:nvGrpSpPr>
+      <p:grpSpPr>
+        <a:xfrm>
+          <a:off x="0" y="0"/>
+          <a:ext cx="0" cy="0"/>
+          <a:chOff x="0" y="0"/>
+          <a:chExt cx="0" cy="0"/>
+        </a:xfrm>
+      </p:grpSpPr>
+    </p:spTree>
+    <p:extLst>
+      <p:ext uri="{BB962C8B-B14F-4D97-AF65-F5344CB8AC3E}">
+        <p14:creationId xmlns:p14="http://schemas.microsoft.com/office/powerpoint/2010/main" val="2615086340"/>
+      </p:ext>
+    </p:extLst>
+  </p:cSld>
+  <p:clrMapOvr>
+    <a:masterClrMapping/>
+  </p:clrMapOvr>
+</p:sld>
+</file>
+
+<file path=ppt/slides/slide55.xml><?xml version="1.0" encoding="utf-8"?>
+<p:sld xmlns:a="http://schemas.openxmlformats.org/drawingml/2006/main" xmlns:r="http://schemas.openxmlformats.org/officeDocument/2006/relationships" xmlns:p="http://schemas.openxmlformats.org/presentationml/2006/main">
+  <p:cSld>
+    <p:spTree>
+      <p:nvGrpSpPr>
+        <p:cNvPr id="1" name=""/>
+        <p:cNvGrpSpPr/>
+        <p:nvPr/>
+      </p:nvGrpSpPr>
+      <p:grpSpPr>
+        <a:xfrm>
+          <a:off x="0" y="0"/>
+          <a:ext cx="0" cy="0"/>
+          <a:chOff x="0" y="0"/>
+          <a:chExt cx="0" cy="0"/>
+        </a:xfrm>
+      </p:grpSpPr>
+    </p:spTree>
+    <p:extLst>
+      <p:ext uri="{BB962C8B-B14F-4D97-AF65-F5344CB8AC3E}">
+        <p14:creationId xmlns:p14="http://schemas.microsoft.com/office/powerpoint/2010/main" val="743057843"/>
       </p:ext>
     </p:extLst>
   </p:cSld>
@@ -8959,7 +14895,7 @@
         </p:blipFill>
         <p:spPr>
           <a:xfrm>
-            <a:off x="6263058" y="865114"/>
+            <a:off x="6169712" y="865114"/>
             <a:ext cx="5631526" cy="5127771"/>
           </a:xfrm>
           <a:prstGeom prst="rect">
@@ -8981,7 +14917,7 @@
         </p:nvGrpSpPr>
         <p:grpSpPr>
           <a:xfrm>
-            <a:off x="390764" y="534284"/>
+            <a:off x="390762" y="504787"/>
             <a:ext cx="5631526" cy="4097706"/>
             <a:chOff x="390764" y="534284"/>
             <a:chExt cx="5631526" cy="4097706"/>
@@ -9457,7 +15393,40 @@
       </a:bgFillStyleLst>
     </a:fmtScheme>
   </a:themeElements>
-  <a:objectDefaults/>
+  <a:objectDefaults>
+    <a:spDef>
+      <a:spPr>
+        <a:noFill/>
+        <a:ln>
+          <a:solidFill>
+            <a:srgbClr val="FF0000"/>
+          </a:solidFill>
+        </a:ln>
+      </a:spPr>
+      <a:bodyPr rtlCol="0" anchor="ctr"/>
+      <a:lstStyle>
+        <a:defPPr algn="ctr">
+          <a:defRPr/>
+        </a:defPPr>
+      </a:lstStyle>
+      <a:style>
+        <a:lnRef idx="2">
+          <a:schemeClr val="accent1">
+            <a:shade val="50000"/>
+          </a:schemeClr>
+        </a:lnRef>
+        <a:fillRef idx="1">
+          <a:schemeClr val="accent1"/>
+        </a:fillRef>
+        <a:effectRef idx="0">
+          <a:schemeClr val="accent1"/>
+        </a:effectRef>
+        <a:fontRef idx="minor">
+          <a:schemeClr val="lt1"/>
+        </a:fontRef>
+      </a:style>
+    </a:spDef>
+  </a:objectDefaults>
   <a:extraClrSchemeLst/>
   <a:extLst>
     <a:ext uri="{05A4C25C-085E-4340-85A3-A5531E510DB2}">

--- a/Statistical_Experimentation.pptx
+++ b/Statistical_Experimentation.pptx
@@ -16,50 +16,63 @@
     <p:sldId id="274" r:id="rId10"/>
     <p:sldId id="260" r:id="rId11"/>
     <p:sldId id="264" r:id="rId12"/>
-    <p:sldId id="262" r:id="rId13"/>
-    <p:sldId id="265" r:id="rId14"/>
-    <p:sldId id="266" r:id="rId15"/>
-    <p:sldId id="267" r:id="rId16"/>
-    <p:sldId id="269" r:id="rId17"/>
-    <p:sldId id="300" r:id="rId18"/>
-    <p:sldId id="283" r:id="rId19"/>
-    <p:sldId id="302" r:id="rId20"/>
-    <p:sldId id="270" r:id="rId21"/>
-    <p:sldId id="273" r:id="rId22"/>
-    <p:sldId id="278" r:id="rId23"/>
-    <p:sldId id="275" r:id="rId24"/>
-    <p:sldId id="268" r:id="rId25"/>
-    <p:sldId id="301" r:id="rId26"/>
-    <p:sldId id="271" r:id="rId27"/>
-    <p:sldId id="279" r:id="rId28"/>
-    <p:sldId id="310" r:id="rId29"/>
-    <p:sldId id="280" r:id="rId30"/>
-    <p:sldId id="281" r:id="rId31"/>
-    <p:sldId id="285" r:id="rId32"/>
-    <p:sldId id="282" r:id="rId33"/>
-    <p:sldId id="303" r:id="rId34"/>
-    <p:sldId id="284" r:id="rId35"/>
-    <p:sldId id="289" r:id="rId36"/>
-    <p:sldId id="276" r:id="rId37"/>
-    <p:sldId id="286" r:id="rId38"/>
-    <p:sldId id="287" r:id="rId39"/>
-    <p:sldId id="288" r:id="rId40"/>
-    <p:sldId id="290" r:id="rId41"/>
-    <p:sldId id="291" r:id="rId42"/>
-    <p:sldId id="292" r:id="rId43"/>
-    <p:sldId id="293" r:id="rId44"/>
-    <p:sldId id="305" r:id="rId45"/>
-    <p:sldId id="294" r:id="rId46"/>
-    <p:sldId id="295" r:id="rId47"/>
-    <p:sldId id="296" r:id="rId48"/>
-    <p:sldId id="297" r:id="rId49"/>
-    <p:sldId id="298" r:id="rId50"/>
-    <p:sldId id="299" r:id="rId51"/>
-    <p:sldId id="304" r:id="rId52"/>
-    <p:sldId id="306" r:id="rId53"/>
-    <p:sldId id="307" r:id="rId54"/>
-    <p:sldId id="308" r:id="rId55"/>
-    <p:sldId id="309" r:id="rId56"/>
+    <p:sldId id="309" r:id="rId13"/>
+    <p:sldId id="262" r:id="rId14"/>
+    <p:sldId id="265" r:id="rId15"/>
+    <p:sldId id="266" r:id="rId16"/>
+    <p:sldId id="267" r:id="rId17"/>
+    <p:sldId id="318" r:id="rId18"/>
+    <p:sldId id="269" r:id="rId19"/>
+    <p:sldId id="300" r:id="rId20"/>
+    <p:sldId id="283" r:id="rId21"/>
+    <p:sldId id="302" r:id="rId22"/>
+    <p:sldId id="319" r:id="rId23"/>
+    <p:sldId id="270" r:id="rId24"/>
+    <p:sldId id="314" r:id="rId25"/>
+    <p:sldId id="273" r:id="rId26"/>
+    <p:sldId id="278" r:id="rId27"/>
+    <p:sldId id="275" r:id="rId28"/>
+    <p:sldId id="268" r:id="rId29"/>
+    <p:sldId id="301" r:id="rId30"/>
+    <p:sldId id="271" r:id="rId31"/>
+    <p:sldId id="279" r:id="rId32"/>
+    <p:sldId id="310" r:id="rId33"/>
+    <p:sldId id="280" r:id="rId34"/>
+    <p:sldId id="281" r:id="rId35"/>
+    <p:sldId id="285" r:id="rId36"/>
+    <p:sldId id="282" r:id="rId37"/>
+    <p:sldId id="303" r:id="rId38"/>
+    <p:sldId id="284" r:id="rId39"/>
+    <p:sldId id="289" r:id="rId40"/>
+    <p:sldId id="276" r:id="rId41"/>
+    <p:sldId id="286" r:id="rId42"/>
+    <p:sldId id="287" r:id="rId43"/>
+    <p:sldId id="288" r:id="rId44"/>
+    <p:sldId id="290" r:id="rId45"/>
+    <p:sldId id="291" r:id="rId46"/>
+    <p:sldId id="292" r:id="rId47"/>
+    <p:sldId id="293" r:id="rId48"/>
+    <p:sldId id="305" r:id="rId49"/>
+    <p:sldId id="294" r:id="rId50"/>
+    <p:sldId id="295" r:id="rId51"/>
+    <p:sldId id="296" r:id="rId52"/>
+    <p:sldId id="297" r:id="rId53"/>
+    <p:sldId id="298" r:id="rId54"/>
+    <p:sldId id="299" r:id="rId55"/>
+    <p:sldId id="304" r:id="rId56"/>
+    <p:sldId id="308" r:id="rId57"/>
+    <p:sldId id="306" r:id="rId58"/>
+    <p:sldId id="307" r:id="rId59"/>
+    <p:sldId id="311" r:id="rId60"/>
+    <p:sldId id="312" r:id="rId61"/>
+    <p:sldId id="313" r:id="rId62"/>
+    <p:sldId id="315" r:id="rId63"/>
+    <p:sldId id="316" r:id="rId64"/>
+    <p:sldId id="317" r:id="rId65"/>
+    <p:sldId id="320" r:id="rId66"/>
+    <p:sldId id="321" r:id="rId67"/>
+    <p:sldId id="322" r:id="rId68"/>
+    <p:sldId id="323" r:id="rId69"/>
   </p:sldIdLst>
   <p:sldSz cx="12192000" cy="6858000"/>
   <p:notesSz cx="6858000" cy="9144000"/>
@@ -886,7 +899,7 @@
           <a:p>
             <a:fld id="{DD33691C-5F19-41E5-B321-0F7EE4E2A2F5}" type="datetimeFigureOut">
               <a:rPr lang="en-SG" smtClean="0"/>
-              <a:t>19 Nov 2022</a:t>
+              <a:t>5 Dec 2022</a:t>
             </a:fld>
             <a:endParaRPr lang="en-SG"/>
           </a:p>
@@ -1086,7 +1099,7 @@
           <a:p>
             <a:fld id="{DD33691C-5F19-41E5-B321-0F7EE4E2A2F5}" type="datetimeFigureOut">
               <a:rPr lang="en-SG" smtClean="0"/>
-              <a:t>19 Nov 2022</a:t>
+              <a:t>5 Dec 2022</a:t>
             </a:fld>
             <a:endParaRPr lang="en-SG"/>
           </a:p>
@@ -1296,7 +1309,7 @@
           <a:p>
             <a:fld id="{DD33691C-5F19-41E5-B321-0F7EE4E2A2F5}" type="datetimeFigureOut">
               <a:rPr lang="en-SG" smtClean="0"/>
-              <a:t>19 Nov 2022</a:t>
+              <a:t>5 Dec 2022</a:t>
             </a:fld>
             <a:endParaRPr lang="en-SG"/>
           </a:p>
@@ -1496,7 +1509,7 @@
           <a:p>
             <a:fld id="{DD33691C-5F19-41E5-B321-0F7EE4E2A2F5}" type="datetimeFigureOut">
               <a:rPr lang="en-SG" smtClean="0"/>
-              <a:t>19 Nov 2022</a:t>
+              <a:t>5 Dec 2022</a:t>
             </a:fld>
             <a:endParaRPr lang="en-SG"/>
           </a:p>
@@ -1772,7 +1785,7 @@
           <a:p>
             <a:fld id="{DD33691C-5F19-41E5-B321-0F7EE4E2A2F5}" type="datetimeFigureOut">
               <a:rPr lang="en-SG" smtClean="0"/>
-              <a:t>19 Nov 2022</a:t>
+              <a:t>5 Dec 2022</a:t>
             </a:fld>
             <a:endParaRPr lang="en-SG"/>
           </a:p>
@@ -2040,7 +2053,7 @@
           <a:p>
             <a:fld id="{DD33691C-5F19-41E5-B321-0F7EE4E2A2F5}" type="datetimeFigureOut">
               <a:rPr lang="en-SG" smtClean="0"/>
-              <a:t>19 Nov 2022</a:t>
+              <a:t>5 Dec 2022</a:t>
             </a:fld>
             <a:endParaRPr lang="en-SG"/>
           </a:p>
@@ -2455,7 +2468,7 @@
           <a:p>
             <a:fld id="{DD33691C-5F19-41E5-B321-0F7EE4E2A2F5}" type="datetimeFigureOut">
               <a:rPr lang="en-SG" smtClean="0"/>
-              <a:t>19 Nov 2022</a:t>
+              <a:t>5 Dec 2022</a:t>
             </a:fld>
             <a:endParaRPr lang="en-SG"/>
           </a:p>
@@ -2597,7 +2610,7 @@
           <a:p>
             <a:fld id="{DD33691C-5F19-41E5-B321-0F7EE4E2A2F5}" type="datetimeFigureOut">
               <a:rPr lang="en-SG" smtClean="0"/>
-              <a:t>19 Nov 2022</a:t>
+              <a:t>5 Dec 2022</a:t>
             </a:fld>
             <a:endParaRPr lang="en-SG"/>
           </a:p>
@@ -2710,7 +2723,7 @@
           <a:p>
             <a:fld id="{DD33691C-5F19-41E5-B321-0F7EE4E2A2F5}" type="datetimeFigureOut">
               <a:rPr lang="en-SG" smtClean="0"/>
-              <a:t>19 Nov 2022</a:t>
+              <a:t>5 Dec 2022</a:t>
             </a:fld>
             <a:endParaRPr lang="en-SG"/>
           </a:p>
@@ -3023,7 +3036,7 @@
           <a:p>
             <a:fld id="{DD33691C-5F19-41E5-B321-0F7EE4E2A2F5}" type="datetimeFigureOut">
               <a:rPr lang="en-SG" smtClean="0"/>
-              <a:t>19 Nov 2022</a:t>
+              <a:t>5 Dec 2022</a:t>
             </a:fld>
             <a:endParaRPr lang="en-SG"/>
           </a:p>
@@ -3312,7 +3325,7 @@
           <a:p>
             <a:fld id="{DD33691C-5F19-41E5-B321-0F7EE4E2A2F5}" type="datetimeFigureOut">
               <a:rPr lang="en-SG" smtClean="0"/>
-              <a:t>19 Nov 2022</a:t>
+              <a:t>5 Dec 2022</a:t>
             </a:fld>
             <a:endParaRPr lang="en-SG"/>
           </a:p>
@@ -3555,7 +3568,7 @@
           <a:p>
             <a:fld id="{DD33691C-5F19-41E5-B321-0F7EE4E2A2F5}" type="datetimeFigureOut">
               <a:rPr lang="en-SG" smtClean="0"/>
-              <a:t>19 Nov 2022</a:t>
+              <a:t>5 Dec 2022</a:t>
             </a:fld>
             <a:endParaRPr lang="en-SG"/>
           </a:p>
@@ -4029,6 +4042,12 @@
           </a:p>
           <a:p>
             <a:r>
+              <a:rPr lang="en-GB"/>
+              <a:t>Statistics Fundamentals with Python</a:t>
+            </a:r>
+          </a:p>
+          <a:p>
+            <a:r>
               <a:rPr lang="en-SG" sz="1600">
                 <a:hlinkClick r:id="rId2"/>
               </a:rPr>
@@ -4141,9 +4160,7 @@
               <a:avLst/>
             </a:prstGeom>
             <a:solidFill>
-              <a:schemeClr val="bg1">
-                <a:lumMod val="95000"/>
-              </a:schemeClr>
+              <a:srgbClr val="EFEBE4"/>
             </a:solidFill>
           </p:spPr>
           <p:txBody>
@@ -4294,10 +4311,10 @@
       </p:grpSpPr>
       <p:grpSp>
         <p:nvGrpSpPr>
-          <p:cNvPr id="6" name="Group 5">
+          <p:cNvPr id="2" name="Group 1">
             <a:extLst>
               <a:ext uri="{FF2B5EF4-FFF2-40B4-BE49-F238E27FC236}">
-                <a16:creationId xmlns:a16="http://schemas.microsoft.com/office/drawing/2014/main" id="{4A3D9466-EA74-E52C-776C-904B8F270591}"/>
+                <a16:creationId xmlns:a16="http://schemas.microsoft.com/office/drawing/2014/main" id="{CA4B36AA-EFA9-E36C-C0F9-69617E51CD39}"/>
               </a:ext>
             </a:extLst>
           </p:cNvPr>
@@ -4306,10 +4323,10 @@
         </p:nvGrpSpPr>
         <p:grpSpPr>
           <a:xfrm>
-            <a:off x="3350382" y="1529886"/>
-            <a:ext cx="5491236" cy="3798228"/>
-            <a:chOff x="1533678" y="188824"/>
-            <a:chExt cx="5491236" cy="3798228"/>
+            <a:off x="3187449" y="1417187"/>
+            <a:ext cx="5817102" cy="4023626"/>
+            <a:chOff x="3291659" y="1417187"/>
+            <a:chExt cx="5817102" cy="4023626"/>
           </a:xfrm>
         </p:grpSpPr>
         <p:pic>
@@ -4334,8 +4351,8 @@
           </p:blipFill>
           <p:spPr>
             <a:xfrm>
-              <a:off x="1533678" y="188824"/>
-              <a:ext cx="5491236" cy="3798228"/>
+              <a:off x="3291659" y="1417187"/>
+              <a:ext cx="5817102" cy="4023626"/>
             </a:xfrm>
             <a:prstGeom prst="rect">
               <a:avLst/>
@@ -4356,16 +4373,14 @@
           </p:nvSpPr>
           <p:spPr>
             <a:xfrm>
-              <a:off x="1843314" y="1483140"/>
+              <a:off x="3660018" y="2824202"/>
               <a:ext cx="4252686" cy="1107996"/>
             </a:xfrm>
             <a:prstGeom prst="rect">
               <a:avLst/>
             </a:prstGeom>
             <a:solidFill>
-              <a:schemeClr val="bg1">
-                <a:lumMod val="95000"/>
-              </a:schemeClr>
+              <a:srgbClr val="EFEBE4"/>
             </a:solidFill>
           </p:spPr>
           <p:txBody>
@@ -4493,6 +4508,81 @@
           </p:txBody>
         </p:sp>
       </p:grpSp>
+      <p:sp>
+        <p:nvSpPr>
+          <p:cNvPr id="4" name="TextBox 3">
+            <a:extLst>
+              <a:ext uri="{FF2B5EF4-FFF2-40B4-BE49-F238E27FC236}">
+                <a16:creationId xmlns:a16="http://schemas.microsoft.com/office/drawing/2014/main" id="{6E8E51B1-6B3C-22EC-1EFF-C93422CECD0A}"/>
+              </a:ext>
+            </a:extLst>
+          </p:cNvPr>
+          <p:cNvSpPr txBox="1"/>
+          <p:nvPr/>
+        </p:nvSpPr>
+        <p:spPr>
+          <a:xfrm>
+            <a:off x="1610686" y="3593644"/>
+            <a:ext cx="1172052" cy="307777"/>
+          </a:xfrm>
+          <a:prstGeom prst="rect">
+            <a:avLst/>
+          </a:prstGeom>
+          <a:noFill/>
+        </p:spPr>
+        <p:txBody>
+          <a:bodyPr wrap="none" rtlCol="0">
+            <a:spAutoFit/>
+          </a:bodyPr>
+          <a:lstStyle/>
+          <a:p>
+            <a:r>
+              <a:rPr lang="en-SG" sz="1400"/>
+              <a:t>print(sample)</a:t>
+            </a:r>
+          </a:p>
+        </p:txBody>
+      </p:sp>
+      <p:sp>
+        <p:nvSpPr>
+          <p:cNvPr id="7" name="TextBox 6">
+            <a:extLst>
+              <a:ext uri="{FF2B5EF4-FFF2-40B4-BE49-F238E27FC236}">
+                <a16:creationId xmlns:a16="http://schemas.microsoft.com/office/drawing/2014/main" id="{3FC30083-343D-733D-95E5-695595187587}"/>
+              </a:ext>
+            </a:extLst>
+          </p:cNvPr>
+          <p:cNvSpPr txBox="1"/>
+          <p:nvPr/>
+        </p:nvSpPr>
+        <p:spPr>
+          <a:xfrm>
+            <a:off x="1610686" y="3901421"/>
+            <a:ext cx="1434048" cy="276999"/>
+          </a:xfrm>
+          <a:prstGeom prst="rect">
+            <a:avLst/>
+          </a:prstGeom>
+          <a:noFill/>
+        </p:spPr>
+        <p:txBody>
+          <a:bodyPr wrap="square">
+            <a:spAutoFit/>
+          </a:bodyPr>
+          <a:lstStyle/>
+          <a:p>
+            <a:r>
+              <a:rPr lang="en-SG" sz="1200">
+                <a:latin typeface="Consolas" panose="020B0609020204030204" pitchFamily="49" charset="0"/>
+              </a:rPr>
+              <a:t>print(samples)</a:t>
+            </a:r>
+            <a:endParaRPr lang="en-SG" sz="1200" dirty="0">
+              <a:latin typeface="Consolas" panose="020B0609020204030204" pitchFamily="49" charset="0"/>
+            </a:endParaRPr>
+          </a:p>
+        </p:txBody>
+      </p:sp>
     </p:spTree>
     <p:extLst>
       <p:ext uri="{BB962C8B-B14F-4D97-AF65-F5344CB8AC3E}">
@@ -4525,10 +4615,10 @@
       </p:grpSpPr>
       <p:grpSp>
         <p:nvGrpSpPr>
-          <p:cNvPr id="8" name="Group 7">
+          <p:cNvPr id="7" name="Group 6">
             <a:extLst>
               <a:ext uri="{FF2B5EF4-FFF2-40B4-BE49-F238E27FC236}">
-                <a16:creationId xmlns:a16="http://schemas.microsoft.com/office/drawing/2014/main" id="{9C3B3C8B-DA76-CD72-0D99-488F40D0CC3C}"/>
+                <a16:creationId xmlns:a16="http://schemas.microsoft.com/office/drawing/2014/main" id="{EA96B59D-7BE6-7020-4A95-5B6F70E5F0DE}"/>
               </a:ext>
             </a:extLst>
           </p:cNvPr>
@@ -4537,10 +4627,10 @@
         </p:nvGrpSpPr>
         <p:grpSpPr>
           <a:xfrm>
-            <a:off x="3238157" y="846981"/>
-            <a:ext cx="5715686" cy="5164038"/>
-            <a:chOff x="2543175" y="219075"/>
-            <a:chExt cx="5715686" cy="5164038"/>
+            <a:off x="2954499" y="1100246"/>
+            <a:ext cx="6283002" cy="4657507"/>
+            <a:chOff x="2543175" y="795337"/>
+            <a:chExt cx="6283002" cy="4657507"/>
           </a:xfrm>
         </p:grpSpPr>
         <p:pic>
@@ -4548,7 +4638,7 @@
             <p:cNvPr id="3" name="Picture 2">
               <a:extLst>
                 <a:ext uri="{FF2B5EF4-FFF2-40B4-BE49-F238E27FC236}">
-                  <a16:creationId xmlns:a16="http://schemas.microsoft.com/office/drawing/2014/main" id="{A4ED44AF-C063-6469-B878-8503CE8E098E}"/>
+                  <a16:creationId xmlns:a16="http://schemas.microsoft.com/office/drawing/2014/main" id="{D96B19C3-2B6F-8D1B-CF9A-E559369AA3E3}"/>
                 </a:ext>
               </a:extLst>
             </p:cNvPr>
@@ -4565,8 +4655,213 @@
           </p:blipFill>
           <p:spPr>
             <a:xfrm>
-              <a:off x="2543175" y="219075"/>
-              <a:ext cx="5715686" cy="5164038"/>
+              <a:off x="2543175" y="795337"/>
+              <a:ext cx="6283002" cy="4657507"/>
+            </a:xfrm>
+            <a:prstGeom prst="rect">
+              <a:avLst/>
+            </a:prstGeom>
+          </p:spPr>
+        </p:pic>
+        <p:sp>
+          <p:nvSpPr>
+            <p:cNvPr id="4" name="TextBox 3">
+              <a:extLst>
+                <a:ext uri="{FF2B5EF4-FFF2-40B4-BE49-F238E27FC236}">
+                  <a16:creationId xmlns:a16="http://schemas.microsoft.com/office/drawing/2014/main" id="{7DAB886B-EAC1-B2D2-1E8D-F09B62CE124B}"/>
+                </a:ext>
+              </a:extLst>
+            </p:cNvPr>
+            <p:cNvSpPr txBox="1"/>
+            <p:nvPr/>
+          </p:nvSpPr>
+          <p:spPr>
+            <a:xfrm>
+              <a:off x="2932132" y="2337782"/>
+              <a:ext cx="5337307" cy="1107996"/>
+            </a:xfrm>
+            <a:prstGeom prst="rect">
+              <a:avLst/>
+            </a:prstGeom>
+            <a:solidFill>
+              <a:srgbClr val="EFEBE4"/>
+            </a:solidFill>
+          </p:spPr>
+          <p:txBody>
+            <a:bodyPr wrap="square">
+              <a:spAutoFit/>
+            </a:bodyPr>
+            <a:lstStyle/>
+            <a:p>
+              <a:r>
+                <a:rPr lang="en-SG" sz="1100">
+                  <a:latin typeface="Consolas" panose="020B0609020204030204" pitchFamily="49" charset="0"/>
+                </a:rPr>
+                <a:t>import numpy as np</a:t>
+              </a:r>
+            </a:p>
+            <a:p>
+              <a:r>
+                <a:rPr lang="en-SG" sz="1100">
+                  <a:latin typeface="Consolas" panose="020B0609020204030204" pitchFamily="49" charset="0"/>
+                </a:rPr>
+                <a:t>from scipy.stats import poisson</a:t>
+              </a:r>
+            </a:p>
+            <a:p>
+              <a:endParaRPr lang="en-SG" sz="1100">
+                <a:latin typeface="Consolas" panose="020B0609020204030204" pitchFamily="49" charset="0"/>
+              </a:endParaRPr>
+            </a:p>
+            <a:p>
+              <a:r>
+                <a:rPr lang="en-SG" sz="1100">
+                  <a:latin typeface="Consolas" panose="020B0609020204030204" pitchFamily="49" charset="0"/>
+                </a:rPr>
+                <a:t>sample = </a:t>
+              </a:r>
+              <a:r>
+                <a:rPr lang="en-SG" sz="1100">
+                  <a:solidFill>
+                    <a:srgbClr val="FF0000"/>
+                  </a:solidFill>
+                  <a:latin typeface="Consolas" panose="020B0609020204030204" pitchFamily="49" charset="0"/>
+                </a:rPr>
+                <a:t>np.random.poisson(5, 100)</a:t>
+              </a:r>
+            </a:p>
+            <a:p>
+              <a:endParaRPr lang="en-SG" sz="1100">
+                <a:latin typeface="Consolas" panose="020B0609020204030204" pitchFamily="49" charset="0"/>
+              </a:endParaRPr>
+            </a:p>
+            <a:p>
+              <a:r>
+                <a:rPr lang="en-SG" sz="1100">
+                  <a:latin typeface="Consolas" panose="020B0609020204030204" pitchFamily="49" charset="0"/>
+                </a:rPr>
+                <a:t>print(sample)</a:t>
+              </a:r>
+              <a:endParaRPr lang="en-SG" sz="1100" dirty="0">
+                <a:latin typeface="Consolas" panose="020B0609020204030204" pitchFamily="49" charset="0"/>
+              </a:endParaRPr>
+            </a:p>
+          </p:txBody>
+        </p:sp>
+      </p:grpSp>
+      <p:sp>
+        <p:nvSpPr>
+          <p:cNvPr id="6" name="TextBox 5">
+            <a:extLst>
+              <a:ext uri="{FF2B5EF4-FFF2-40B4-BE49-F238E27FC236}">
+                <a16:creationId xmlns:a16="http://schemas.microsoft.com/office/drawing/2014/main" id="{2EA00D20-C15C-2542-A840-0A9A80407E5D}"/>
+              </a:ext>
+            </a:extLst>
+          </p:cNvPr>
+          <p:cNvSpPr txBox="1"/>
+          <p:nvPr/>
+        </p:nvSpPr>
+        <p:spPr>
+          <a:xfrm>
+            <a:off x="9383486" y="82715"/>
+            <a:ext cx="2722563" cy="369332"/>
+          </a:xfrm>
+          <a:prstGeom prst="rect">
+            <a:avLst/>
+          </a:prstGeom>
+          <a:solidFill>
+            <a:schemeClr val="accent2"/>
+          </a:solidFill>
+        </p:spPr>
+        <p:txBody>
+          <a:bodyPr wrap="square" rtlCol="0">
+            <a:spAutoFit/>
+          </a:bodyPr>
+          <a:lstStyle/>
+          <a:p>
+            <a:pPr algn="ctr"/>
+            <a:r>
+              <a:rPr lang="en-GB"/>
+              <a:t>HARD</a:t>
+            </a:r>
+            <a:endParaRPr lang="en-SG"/>
+          </a:p>
+        </p:txBody>
+      </p:sp>
+    </p:spTree>
+    <p:extLst>
+      <p:ext uri="{BB962C8B-B14F-4D97-AF65-F5344CB8AC3E}">
+        <p14:creationId xmlns:p14="http://schemas.microsoft.com/office/powerpoint/2010/main" val="1355905602"/>
+      </p:ext>
+    </p:extLst>
+  </p:cSld>
+  <p:clrMapOvr>
+    <a:masterClrMapping/>
+  </p:clrMapOvr>
+</p:sld>
+</file>
+
+<file path=ppt/slides/slide13.xml><?xml version="1.0" encoding="utf-8"?>
+<p:sld xmlns:a="http://schemas.openxmlformats.org/drawingml/2006/main" xmlns:r="http://schemas.openxmlformats.org/officeDocument/2006/relationships" xmlns:p="http://schemas.openxmlformats.org/presentationml/2006/main">
+  <p:cSld>
+    <p:spTree>
+      <p:nvGrpSpPr>
+        <p:cNvPr id="1" name=""/>
+        <p:cNvGrpSpPr/>
+        <p:nvPr/>
+      </p:nvGrpSpPr>
+      <p:grpSpPr>
+        <a:xfrm>
+          <a:off x="0" y="0"/>
+          <a:ext cx="0" cy="0"/>
+          <a:chOff x="0" y="0"/>
+          <a:chExt cx="0" cy="0"/>
+        </a:xfrm>
+      </p:grpSpPr>
+      <p:grpSp>
+        <p:nvGrpSpPr>
+          <p:cNvPr id="10" name="Group 9">
+            <a:extLst>
+              <a:ext uri="{FF2B5EF4-FFF2-40B4-BE49-F238E27FC236}">
+                <a16:creationId xmlns:a16="http://schemas.microsoft.com/office/drawing/2014/main" id="{A12063A0-17B2-52E5-5942-94A04A4CD979}"/>
+              </a:ext>
+            </a:extLst>
+          </p:cNvPr>
+          <p:cNvGrpSpPr/>
+          <p:nvPr/>
+        </p:nvGrpSpPr>
+        <p:grpSpPr>
+          <a:xfrm>
+            <a:off x="3130163" y="790924"/>
+            <a:ext cx="5931673" cy="5276151"/>
+            <a:chOff x="3130163" y="790924"/>
+            <a:chExt cx="5931673" cy="5276151"/>
+          </a:xfrm>
+        </p:grpSpPr>
+        <p:pic>
+          <p:nvPicPr>
+            <p:cNvPr id="4" name="Picture 3">
+              <a:extLst>
+                <a:ext uri="{FF2B5EF4-FFF2-40B4-BE49-F238E27FC236}">
+                  <a16:creationId xmlns:a16="http://schemas.microsoft.com/office/drawing/2014/main" id="{665C3087-F0A8-BE05-B707-6F7324F55B07}"/>
+                </a:ext>
+              </a:extLst>
+            </p:cNvPr>
+            <p:cNvPicPr>
+              <a:picLocks noChangeAspect="1"/>
+            </p:cNvPicPr>
+            <p:nvPr/>
+          </p:nvPicPr>
+          <p:blipFill>
+            <a:blip r:embed="rId2"/>
+            <a:stretch>
+              <a:fillRect/>
+            </a:stretch>
+          </p:blipFill>
+          <p:spPr>
+            <a:xfrm>
+              <a:off x="3130163" y="790924"/>
+              <a:ext cx="5931673" cy="5276151"/>
             </a:xfrm>
             <a:prstGeom prst="rect">
               <a:avLst/>
@@ -4587,16 +4882,14 @@
           </p:nvSpPr>
           <p:spPr>
             <a:xfrm>
-              <a:off x="2888342" y="2198742"/>
+              <a:off x="3513698" y="2826648"/>
               <a:ext cx="4509530" cy="1277273"/>
             </a:xfrm>
             <a:prstGeom prst="rect">
               <a:avLst/>
             </a:prstGeom>
             <a:solidFill>
-              <a:schemeClr val="bg1">
-                <a:lumMod val="95000"/>
-              </a:schemeClr>
+              <a:srgbClr val="EFEBE4"/>
             </a:solidFill>
           </p:spPr>
           <p:txBody>
@@ -4695,6 +4988,110 @@
             </a:p>
           </p:txBody>
         </p:sp>
+        <p:sp>
+          <p:nvSpPr>
+            <p:cNvPr id="6" name="Rectangle 5">
+              <a:extLst>
+                <a:ext uri="{FF2B5EF4-FFF2-40B4-BE49-F238E27FC236}">
+                  <a16:creationId xmlns:a16="http://schemas.microsoft.com/office/drawing/2014/main" id="{15F94EEB-929F-8D9F-05A5-A94C7DAA4585}"/>
+                </a:ext>
+              </a:extLst>
+            </p:cNvPr>
+            <p:cNvSpPr/>
+            <p:nvPr/>
+          </p:nvSpPr>
+          <p:spPr>
+            <a:xfrm>
+              <a:off x="3330429" y="4337108"/>
+              <a:ext cx="906011" cy="360727"/>
+            </a:xfrm>
+            <a:prstGeom prst="rect">
+              <a:avLst/>
+            </a:prstGeom>
+            <a:noFill/>
+            <a:ln>
+              <a:solidFill>
+                <a:srgbClr val="FF0000"/>
+              </a:solidFill>
+            </a:ln>
+          </p:spPr>
+          <p:style>
+            <a:lnRef idx="2">
+              <a:schemeClr val="accent1">
+                <a:shade val="50000"/>
+              </a:schemeClr>
+            </a:lnRef>
+            <a:fillRef idx="1">
+              <a:schemeClr val="accent1"/>
+            </a:fillRef>
+            <a:effectRef idx="0">
+              <a:schemeClr val="accent1"/>
+            </a:effectRef>
+            <a:fontRef idx="minor">
+              <a:schemeClr val="lt1"/>
+            </a:fontRef>
+          </p:style>
+          <p:txBody>
+            <a:bodyPr rtlCol="0" anchor="ctr"/>
+            <a:lstStyle/>
+            <a:p>
+              <a:pPr algn="ctr"/>
+              <a:endParaRPr lang="en-SG"/>
+            </a:p>
+          </p:txBody>
+        </p:sp>
+        <p:sp>
+          <p:nvSpPr>
+            <p:cNvPr id="9" name="Rectangle 8">
+              <a:extLst>
+                <a:ext uri="{FF2B5EF4-FFF2-40B4-BE49-F238E27FC236}">
+                  <a16:creationId xmlns:a16="http://schemas.microsoft.com/office/drawing/2014/main" id="{7EF7CF41-C56A-E430-6B73-F143EDEF608E}"/>
+                </a:ext>
+              </a:extLst>
+            </p:cNvPr>
+            <p:cNvSpPr/>
+            <p:nvPr/>
+          </p:nvSpPr>
+          <p:spPr>
+            <a:xfrm>
+              <a:off x="4279784" y="4337107"/>
+              <a:ext cx="906011" cy="360727"/>
+            </a:xfrm>
+            <a:prstGeom prst="rect">
+              <a:avLst/>
+            </a:prstGeom>
+            <a:noFill/>
+            <a:ln>
+              <a:solidFill>
+                <a:srgbClr val="FF0000"/>
+              </a:solidFill>
+            </a:ln>
+          </p:spPr>
+          <p:style>
+            <a:lnRef idx="2">
+              <a:schemeClr val="accent1">
+                <a:shade val="50000"/>
+              </a:schemeClr>
+            </a:lnRef>
+            <a:fillRef idx="1">
+              <a:schemeClr val="accent1"/>
+            </a:fillRef>
+            <a:effectRef idx="0">
+              <a:schemeClr val="accent1"/>
+            </a:effectRef>
+            <a:fontRef idx="minor">
+              <a:schemeClr val="lt1"/>
+            </a:fontRef>
+          </p:style>
+          <p:txBody>
+            <a:bodyPr rtlCol="0" anchor="ctr"/>
+            <a:lstStyle/>
+            <a:p>
+              <a:pPr algn="ctr"/>
+              <a:endParaRPr lang="en-SG"/>
+            </a:p>
+          </p:txBody>
+        </p:sp>
       </p:grpSp>
     </p:spTree>
     <p:extLst>
@@ -4709,7 +5106,7 @@
 </p:sld>
 </file>
 
-<file path=ppt/slides/slide13.xml><?xml version="1.0" encoding="utf-8"?>
+<file path=ppt/slides/slide14.xml><?xml version="1.0" encoding="utf-8"?>
 <p:sld xmlns:a="http://schemas.openxmlformats.org/drawingml/2006/main" xmlns:r="http://schemas.openxmlformats.org/officeDocument/2006/relationships" xmlns:p="http://schemas.openxmlformats.org/presentationml/2006/main">
   <p:cSld>
     <p:spTree>
@@ -4797,9 +5194,7 @@
               <a:avLst/>
             </a:prstGeom>
             <a:solidFill>
-              <a:schemeClr val="bg1">
-                <a:lumMod val="95000"/>
-              </a:schemeClr>
+              <a:srgbClr val="EFEBE4"/>
             </a:solidFill>
           </p:spPr>
           <p:txBody>
@@ -4914,6 +5309,45 @@
           </p:txBody>
         </p:sp>
       </p:grpSp>
+      <p:sp>
+        <p:nvSpPr>
+          <p:cNvPr id="4" name="TextBox 3">
+            <a:extLst>
+              <a:ext uri="{FF2B5EF4-FFF2-40B4-BE49-F238E27FC236}">
+                <a16:creationId xmlns:a16="http://schemas.microsoft.com/office/drawing/2014/main" id="{CB7459AC-F4D8-99EA-6F36-DC3F8B99DAFE}"/>
+              </a:ext>
+            </a:extLst>
+          </p:cNvPr>
+          <p:cNvSpPr txBox="1"/>
+          <p:nvPr/>
+        </p:nvSpPr>
+        <p:spPr>
+          <a:xfrm>
+            <a:off x="9383486" y="82715"/>
+            <a:ext cx="2722563" cy="369332"/>
+          </a:xfrm>
+          <a:prstGeom prst="rect">
+            <a:avLst/>
+          </a:prstGeom>
+          <a:solidFill>
+            <a:schemeClr val="accent2"/>
+          </a:solidFill>
+        </p:spPr>
+        <p:txBody>
+          <a:bodyPr wrap="square" rtlCol="0">
+            <a:spAutoFit/>
+          </a:bodyPr>
+          <a:lstStyle/>
+          <a:p>
+            <a:pPr algn="ctr"/>
+            <a:r>
+              <a:rPr lang="en-GB"/>
+              <a:t>HARD</a:t>
+            </a:r>
+            <a:endParaRPr lang="en-SG"/>
+          </a:p>
+        </p:txBody>
+      </p:sp>
     </p:spTree>
     <p:extLst>
       <p:ext uri="{BB962C8B-B14F-4D97-AF65-F5344CB8AC3E}">
@@ -4927,7 +5361,7 @@
 </p:sld>
 </file>
 
-<file path=ppt/slides/slide14.xml><?xml version="1.0" encoding="utf-8"?>
+<file path=ppt/slides/slide15.xml><?xml version="1.0" encoding="utf-8"?>
 <p:sld xmlns:a="http://schemas.openxmlformats.org/drawingml/2006/main" xmlns:r="http://schemas.openxmlformats.org/officeDocument/2006/relationships" xmlns:p="http://schemas.openxmlformats.org/presentationml/2006/main">
   <p:cSld>
     <p:spTree>
@@ -5015,9 +5449,7 @@
               <a:avLst/>
             </a:prstGeom>
             <a:solidFill>
-              <a:schemeClr val="bg1">
-                <a:lumMod val="95000"/>
-              </a:schemeClr>
+              <a:srgbClr val="EFEBE4"/>
             </a:solidFill>
           </p:spPr>
           <p:txBody>
@@ -5099,7 +5531,7 @@
 </p:sld>
 </file>
 
-<file path=ppt/slides/slide15.xml><?xml version="1.0" encoding="utf-8"?>
+<file path=ppt/slides/slide16.xml><?xml version="1.0" encoding="utf-8"?>
 <p:sld xmlns:a="http://schemas.openxmlformats.org/drawingml/2006/main" xmlns:r="http://schemas.openxmlformats.org/officeDocument/2006/relationships" xmlns:p="http://schemas.openxmlformats.org/presentationml/2006/main">
   <p:cSld>
     <p:spTree>
@@ -5187,9 +5619,7 @@
               <a:avLst/>
             </a:prstGeom>
             <a:solidFill>
-              <a:schemeClr val="bg1">
-                <a:lumMod val="95000"/>
-              </a:schemeClr>
+              <a:srgbClr val="EFEBE4"/>
             </a:solidFill>
           </p:spPr>
           <p:txBody>
@@ -5274,7 +5704,224 @@
 </p:sld>
 </file>
 
-<file path=ppt/slides/slide16.xml><?xml version="1.0" encoding="utf-8"?>
+<file path=ppt/slides/slide17.xml><?xml version="1.0" encoding="utf-8"?>
+<p:sld xmlns:a="http://schemas.openxmlformats.org/drawingml/2006/main" xmlns:r="http://schemas.openxmlformats.org/officeDocument/2006/relationships" xmlns:p="http://schemas.openxmlformats.org/presentationml/2006/main">
+  <p:cSld>
+    <p:spTree>
+      <p:nvGrpSpPr>
+        <p:cNvPr id="1" name=""/>
+        <p:cNvGrpSpPr/>
+        <p:nvPr/>
+      </p:nvGrpSpPr>
+      <p:grpSpPr>
+        <a:xfrm>
+          <a:off x="0" y="0"/>
+          <a:ext cx="0" cy="0"/>
+          <a:chOff x="0" y="0"/>
+          <a:chExt cx="0" cy="0"/>
+        </a:xfrm>
+      </p:grpSpPr>
+      <p:grpSp>
+        <p:nvGrpSpPr>
+          <p:cNvPr id="11" name="Group 10">
+            <a:extLst>
+              <a:ext uri="{FF2B5EF4-FFF2-40B4-BE49-F238E27FC236}">
+                <a16:creationId xmlns:a16="http://schemas.microsoft.com/office/drawing/2014/main" id="{84412E4C-6DE3-D441-31A7-06F8F6C57B08}"/>
+              </a:ext>
+            </a:extLst>
+          </p:cNvPr>
+          <p:cNvGrpSpPr/>
+          <p:nvPr/>
+        </p:nvGrpSpPr>
+        <p:grpSpPr>
+          <a:xfrm>
+            <a:off x="2552700" y="990600"/>
+            <a:ext cx="7086600" cy="4876800"/>
+            <a:chOff x="2552700" y="990600"/>
+            <a:chExt cx="7086600" cy="4876800"/>
+          </a:xfrm>
+        </p:grpSpPr>
+        <p:pic>
+          <p:nvPicPr>
+            <p:cNvPr id="5" name="Picture 4">
+              <a:extLst>
+                <a:ext uri="{FF2B5EF4-FFF2-40B4-BE49-F238E27FC236}">
+                  <a16:creationId xmlns:a16="http://schemas.microsoft.com/office/drawing/2014/main" id="{C0F993E4-0DC0-55DD-C59E-CE7A384AD14F}"/>
+                </a:ext>
+              </a:extLst>
+            </p:cNvPr>
+            <p:cNvPicPr>
+              <a:picLocks noChangeAspect="1"/>
+            </p:cNvPicPr>
+            <p:nvPr/>
+          </p:nvPicPr>
+          <p:blipFill>
+            <a:blip r:embed="rId2"/>
+            <a:stretch>
+              <a:fillRect/>
+            </a:stretch>
+          </p:blipFill>
+          <p:spPr>
+            <a:xfrm>
+              <a:off x="2552700" y="990600"/>
+              <a:ext cx="7086600" cy="4876800"/>
+            </a:xfrm>
+            <a:prstGeom prst="rect">
+              <a:avLst/>
+            </a:prstGeom>
+          </p:spPr>
+        </p:pic>
+        <p:sp>
+          <p:nvSpPr>
+            <p:cNvPr id="6" name="TextBox 5">
+              <a:extLst>
+                <a:ext uri="{FF2B5EF4-FFF2-40B4-BE49-F238E27FC236}">
+                  <a16:creationId xmlns:a16="http://schemas.microsoft.com/office/drawing/2014/main" id="{071073B2-46ED-4FAF-8B78-27C3503B9442}"/>
+                </a:ext>
+              </a:extLst>
+            </p:cNvPr>
+            <p:cNvSpPr txBox="1"/>
+            <p:nvPr/>
+          </p:nvSpPr>
+          <p:spPr>
+            <a:xfrm>
+              <a:off x="3014239" y="2840582"/>
+              <a:ext cx="4998078" cy="1615827"/>
+            </a:xfrm>
+            <a:prstGeom prst="rect">
+              <a:avLst/>
+            </a:prstGeom>
+            <a:solidFill>
+              <a:srgbClr val="EFEBE4"/>
+            </a:solidFill>
+          </p:spPr>
+          <p:txBody>
+            <a:bodyPr wrap="square">
+              <a:spAutoFit/>
+            </a:bodyPr>
+            <a:lstStyle/>
+            <a:p>
+              <a:endParaRPr lang="en-SG" sz="1100">
+                <a:latin typeface="Consolas" panose="020B0609020204030204" pitchFamily="49" charset="0"/>
+              </a:endParaRPr>
+            </a:p>
+            <a:p>
+              <a:r>
+                <a:rPr lang="en-SG" sz="1100">
+                  <a:latin typeface="Consolas" panose="020B0609020204030204" pitchFamily="49" charset="0"/>
+                </a:rPr>
+                <a:t>import numpy as np</a:t>
+              </a:r>
+            </a:p>
+            <a:p>
+              <a:endParaRPr lang="en-SG" sz="1100">
+                <a:latin typeface="Consolas" panose="020B0609020204030204" pitchFamily="49" charset="0"/>
+              </a:endParaRPr>
+            </a:p>
+            <a:p>
+              <a:r>
+                <a:rPr lang="en-SG" sz="1100">
+                  <a:latin typeface="Consolas" panose="020B0609020204030204" pitchFamily="49" charset="0"/>
+                </a:rPr>
+                <a:t>locations = range(10)</a:t>
+              </a:r>
+            </a:p>
+            <a:p>
+              <a:endParaRPr lang="en-SG" sz="1100">
+                <a:latin typeface="Consolas" panose="020B0609020204030204" pitchFamily="49" charset="0"/>
+              </a:endParaRPr>
+            </a:p>
+            <a:p>
+              <a:r>
+                <a:rPr lang="en-SG" sz="1100">
+                  <a:latin typeface="Consolas" panose="020B0609020204030204" pitchFamily="49" charset="0"/>
+                </a:rPr>
+                <a:t>assignment = </a:t>
+              </a:r>
+              <a:r>
+                <a:rPr lang="en-SG" sz="1100">
+                  <a:solidFill>
+                    <a:srgbClr val="FF0000"/>
+                  </a:solidFill>
+                  <a:latin typeface="Consolas" panose="020B0609020204030204" pitchFamily="49" charset="0"/>
+                </a:rPr>
+                <a:t>np.random.choice(locations, 5, replace=False)</a:t>
+              </a:r>
+            </a:p>
+            <a:p>
+              <a:endParaRPr lang="en-SG" sz="1100">
+                <a:latin typeface="Consolas" panose="020B0609020204030204" pitchFamily="49" charset="0"/>
+              </a:endParaRPr>
+            </a:p>
+            <a:p>
+              <a:r>
+                <a:rPr lang="en-SG" sz="1100">
+                  <a:latin typeface="Consolas" panose="020B0609020204030204" pitchFamily="49" charset="0"/>
+                </a:rPr>
+                <a:t>print(assignment)</a:t>
+              </a:r>
+            </a:p>
+            <a:p>
+              <a:endParaRPr lang="en-SG" sz="1100" dirty="0">
+                <a:latin typeface="Consolas" panose="020B0609020204030204" pitchFamily="49" charset="0"/>
+              </a:endParaRPr>
+            </a:p>
+          </p:txBody>
+        </p:sp>
+      </p:grpSp>
+      <p:sp>
+        <p:nvSpPr>
+          <p:cNvPr id="12" name="TextBox 11">
+            <a:extLst>
+              <a:ext uri="{FF2B5EF4-FFF2-40B4-BE49-F238E27FC236}">
+                <a16:creationId xmlns:a16="http://schemas.microsoft.com/office/drawing/2014/main" id="{64585BDD-3C75-210E-049A-B7CD82713DD4}"/>
+              </a:ext>
+            </a:extLst>
+          </p:cNvPr>
+          <p:cNvSpPr txBox="1"/>
+          <p:nvPr/>
+        </p:nvSpPr>
+        <p:spPr>
+          <a:xfrm>
+            <a:off x="9383486" y="82715"/>
+            <a:ext cx="2722563" cy="369332"/>
+          </a:xfrm>
+          <a:prstGeom prst="rect">
+            <a:avLst/>
+          </a:prstGeom>
+          <a:solidFill>
+            <a:schemeClr val="accent2"/>
+          </a:solidFill>
+        </p:spPr>
+        <p:txBody>
+          <a:bodyPr wrap="square" rtlCol="0">
+            <a:spAutoFit/>
+          </a:bodyPr>
+          <a:lstStyle/>
+          <a:p>
+            <a:pPr algn="ctr"/>
+            <a:r>
+              <a:rPr lang="en-GB"/>
+              <a:t>HARD</a:t>
+            </a:r>
+            <a:endParaRPr lang="en-SG"/>
+          </a:p>
+        </p:txBody>
+      </p:sp>
+    </p:spTree>
+    <p:extLst>
+      <p:ext uri="{BB962C8B-B14F-4D97-AF65-F5344CB8AC3E}">
+        <p14:creationId xmlns:p14="http://schemas.microsoft.com/office/powerpoint/2010/main" val="3536387008"/>
+      </p:ext>
+    </p:extLst>
+  </p:cSld>
+  <p:clrMapOvr>
+    <a:masterClrMapping/>
+  </p:clrMapOvr>
+</p:sld>
+</file>
+
+<file path=ppt/slides/slide18.xml><?xml version="1.0" encoding="utf-8"?>
 <p:sld xmlns:a="http://schemas.openxmlformats.org/drawingml/2006/main" xmlns:r="http://schemas.openxmlformats.org/officeDocument/2006/relationships" xmlns:p="http://schemas.openxmlformats.org/presentationml/2006/main">
   <p:cSld>
     <p:spTree>
@@ -5362,9 +6009,7 @@
               <a:avLst/>
             </a:prstGeom>
             <a:solidFill>
-              <a:schemeClr val="bg1">
-                <a:lumMod val="95000"/>
-              </a:schemeClr>
+              <a:srgbClr val="EFEBE4"/>
             </a:solidFill>
           </p:spPr>
           <p:txBody>
@@ -5451,6 +6096,45 @@
           </p:txBody>
         </p:sp>
       </p:grpSp>
+      <p:sp>
+        <p:nvSpPr>
+          <p:cNvPr id="2" name="TextBox 1">
+            <a:extLst>
+              <a:ext uri="{FF2B5EF4-FFF2-40B4-BE49-F238E27FC236}">
+                <a16:creationId xmlns:a16="http://schemas.microsoft.com/office/drawing/2014/main" id="{FE57CD79-8F43-EBEF-FD1E-9AFA894AF0A9}"/>
+              </a:ext>
+            </a:extLst>
+          </p:cNvPr>
+          <p:cNvSpPr txBox="1"/>
+          <p:nvPr/>
+        </p:nvSpPr>
+        <p:spPr>
+          <a:xfrm>
+            <a:off x="9383486" y="82715"/>
+            <a:ext cx="2722563" cy="369332"/>
+          </a:xfrm>
+          <a:prstGeom prst="rect">
+            <a:avLst/>
+          </a:prstGeom>
+          <a:solidFill>
+            <a:schemeClr val="accent2"/>
+          </a:solidFill>
+        </p:spPr>
+        <p:txBody>
+          <a:bodyPr wrap="square" rtlCol="0">
+            <a:spAutoFit/>
+          </a:bodyPr>
+          <a:lstStyle/>
+          <a:p>
+            <a:pPr algn="ctr"/>
+            <a:r>
+              <a:rPr lang="en-GB"/>
+              <a:t>HARD</a:t>
+            </a:r>
+            <a:endParaRPr lang="en-SG"/>
+          </a:p>
+        </p:txBody>
+      </p:sp>
     </p:spTree>
     <p:extLst>
       <p:ext uri="{BB962C8B-B14F-4D97-AF65-F5344CB8AC3E}">
@@ -5464,7 +6148,7 @@
 </p:sld>
 </file>
 
-<file path=ppt/slides/slide17.xml><?xml version="1.0" encoding="utf-8"?>
+<file path=ppt/slides/slide19.xml><?xml version="1.0" encoding="utf-8"?>
 <p:sld xmlns:a="http://schemas.openxmlformats.org/drawingml/2006/main" xmlns:r="http://schemas.openxmlformats.org/officeDocument/2006/relationships" xmlns:p="http://schemas.openxmlformats.org/presentationml/2006/main">
   <p:cSld>
     <p:spTree>
@@ -5526,10 +6210,10 @@
       </p:sp>
       <p:grpSp>
         <p:nvGrpSpPr>
-          <p:cNvPr id="11" name="Group 10">
+          <p:cNvPr id="2" name="Group 1">
             <a:extLst>
               <a:ext uri="{FF2B5EF4-FFF2-40B4-BE49-F238E27FC236}">
-                <a16:creationId xmlns:a16="http://schemas.microsoft.com/office/drawing/2014/main" id="{4AC46D49-FA5C-B746-7F50-0E7CD9B349F3}"/>
+                <a16:creationId xmlns:a16="http://schemas.microsoft.com/office/drawing/2014/main" id="{FC29464D-7CB4-9D5E-355D-62E9EC9927CE}"/>
               </a:ext>
             </a:extLst>
           </p:cNvPr>
@@ -5538,9 +6222,9 @@
         </p:nvGrpSpPr>
         <p:grpSpPr>
           <a:xfrm>
-            <a:off x="2552700" y="633259"/>
+            <a:off x="2592029" y="691982"/>
             <a:ext cx="7086600" cy="4514850"/>
-            <a:chOff x="2552700" y="1171575"/>
+            <a:chOff x="2552700" y="633259"/>
             <a:chExt cx="7086600" cy="4514850"/>
           </a:xfrm>
         </p:grpSpPr>
@@ -5566,7 +6250,7 @@
           </p:blipFill>
           <p:spPr>
             <a:xfrm>
-              <a:off x="2552700" y="1171575"/>
+              <a:off x="2552700" y="633259"/>
               <a:ext cx="7086600" cy="4514850"/>
             </a:xfrm>
             <a:prstGeom prst="rect">
@@ -5588,16 +6272,14 @@
           </p:nvSpPr>
           <p:spPr>
             <a:xfrm>
-              <a:off x="2947679" y="1992725"/>
+              <a:off x="2947679" y="1454409"/>
               <a:ext cx="6343804" cy="1615827"/>
             </a:xfrm>
             <a:prstGeom prst="rect">
               <a:avLst/>
             </a:prstGeom>
             <a:solidFill>
-              <a:schemeClr val="bg1">
-                <a:lumMod val="95000"/>
-              </a:schemeClr>
+              <a:srgbClr val="EFEBE4"/>
             </a:solidFill>
           </p:spPr>
           <p:txBody>
@@ -5677,7 +6359,7 @@
           </p:nvSpPr>
           <p:spPr>
             <a:xfrm>
-              <a:off x="2750574" y="4247535"/>
+              <a:off x="2750574" y="3709219"/>
               <a:ext cx="6769510" cy="427704"/>
             </a:xfrm>
             <a:prstGeom prst="rect">
@@ -5729,7 +6411,385 @@
 </p:sld>
 </file>
 
-<file path=ppt/slides/slide18.xml><?xml version="1.0" encoding="utf-8"?>
+<file path=ppt/slides/slide2.xml><?xml version="1.0" encoding="utf-8"?>
+<p:sld xmlns:a="http://schemas.openxmlformats.org/drawingml/2006/main" xmlns:r="http://schemas.openxmlformats.org/officeDocument/2006/relationships" xmlns:p="http://schemas.openxmlformats.org/presentationml/2006/main">
+  <p:cSld>
+    <p:spTree>
+      <p:nvGrpSpPr>
+        <p:cNvPr id="1" name=""/>
+        <p:cNvGrpSpPr/>
+        <p:nvPr/>
+      </p:nvGrpSpPr>
+      <p:grpSpPr>
+        <a:xfrm>
+          <a:off x="0" y="0"/>
+          <a:ext cx="0" cy="0"/>
+          <a:chOff x="0" y="0"/>
+          <a:chExt cx="0" cy="0"/>
+        </a:xfrm>
+      </p:grpSpPr>
+      <p:pic>
+        <p:nvPicPr>
+          <p:cNvPr id="7" name="Picture 6">
+            <a:extLst>
+              <a:ext uri="{FF2B5EF4-FFF2-40B4-BE49-F238E27FC236}">
+                <a16:creationId xmlns:a16="http://schemas.microsoft.com/office/drawing/2014/main" id="{689C9C7B-98D5-95A3-C896-11C40B1742DD}"/>
+              </a:ext>
+            </a:extLst>
+          </p:cNvPr>
+          <p:cNvPicPr>
+            <a:picLocks noChangeAspect="1"/>
+          </p:cNvPicPr>
+          <p:nvPr/>
+        </p:nvPicPr>
+        <p:blipFill>
+          <a:blip r:embed="rId2"/>
+          <a:stretch>
+            <a:fillRect/>
+          </a:stretch>
+        </p:blipFill>
+        <p:spPr>
+          <a:xfrm>
+            <a:off x="6475661" y="1251247"/>
+            <a:ext cx="5012897" cy="4723950"/>
+          </a:xfrm>
+          <a:prstGeom prst="rect">
+            <a:avLst/>
+          </a:prstGeom>
+        </p:spPr>
+      </p:pic>
+      <p:grpSp>
+        <p:nvGrpSpPr>
+          <p:cNvPr id="14" name="Group 13">
+            <a:extLst>
+              <a:ext uri="{FF2B5EF4-FFF2-40B4-BE49-F238E27FC236}">
+                <a16:creationId xmlns:a16="http://schemas.microsoft.com/office/drawing/2014/main" id="{6A8E44D3-1EA1-5A90-0834-3325877C6467}"/>
+              </a:ext>
+            </a:extLst>
+          </p:cNvPr>
+          <p:cNvGrpSpPr/>
+          <p:nvPr/>
+        </p:nvGrpSpPr>
+        <p:grpSpPr>
+          <a:xfrm>
+            <a:off x="703442" y="549001"/>
+            <a:ext cx="5640375" cy="4649907"/>
+            <a:chOff x="455625" y="241539"/>
+            <a:chExt cx="5640375" cy="4649907"/>
+          </a:xfrm>
+        </p:grpSpPr>
+        <p:pic>
+          <p:nvPicPr>
+            <p:cNvPr id="9" name="Picture 8">
+              <a:extLst>
+                <a:ext uri="{FF2B5EF4-FFF2-40B4-BE49-F238E27FC236}">
+                  <a16:creationId xmlns:a16="http://schemas.microsoft.com/office/drawing/2014/main" id="{A3AC2B91-8608-E8F2-57ED-9A6D9AD0D76F}"/>
+                </a:ext>
+              </a:extLst>
+            </p:cNvPr>
+            <p:cNvPicPr>
+              <a:picLocks noChangeAspect="1"/>
+            </p:cNvPicPr>
+            <p:nvPr/>
+          </p:nvPicPr>
+          <p:blipFill>
+            <a:blip r:embed="rId3"/>
+            <a:stretch>
+              <a:fillRect/>
+            </a:stretch>
+          </p:blipFill>
+          <p:spPr>
+            <a:xfrm>
+              <a:off x="455625" y="241539"/>
+              <a:ext cx="5640375" cy="4649907"/>
+            </a:xfrm>
+            <a:prstGeom prst="rect">
+              <a:avLst/>
+            </a:prstGeom>
+          </p:spPr>
+        </p:pic>
+        <p:sp>
+          <p:nvSpPr>
+            <p:cNvPr id="13" name="TextBox 12">
+              <a:extLst>
+                <a:ext uri="{FF2B5EF4-FFF2-40B4-BE49-F238E27FC236}">
+                  <a16:creationId xmlns:a16="http://schemas.microsoft.com/office/drawing/2014/main" id="{4BEAAFDD-EAF9-B737-4F84-9B2C8E8F2B9C}"/>
+                </a:ext>
+              </a:extLst>
+            </p:cNvPr>
+            <p:cNvSpPr txBox="1"/>
+            <p:nvPr/>
+          </p:nvSpPr>
+          <p:spPr>
+            <a:xfrm>
+              <a:off x="906641" y="2166419"/>
+              <a:ext cx="4674102" cy="2292935"/>
+            </a:xfrm>
+            <a:prstGeom prst="rect">
+              <a:avLst/>
+            </a:prstGeom>
+            <a:solidFill>
+              <a:srgbClr val="EFEBE4"/>
+            </a:solidFill>
+          </p:spPr>
+          <p:txBody>
+            <a:bodyPr wrap="square">
+              <a:spAutoFit/>
+            </a:bodyPr>
+            <a:lstStyle/>
+            <a:p>
+              <a:r>
+                <a:rPr lang="en-SG" sz="1100" dirty="0">
+                  <a:latin typeface="Consolas" panose="020B0609020204030204" pitchFamily="49" charset="0"/>
+                </a:rPr>
+                <a:t>import </a:t>
+              </a:r>
+              <a:r>
+                <a:rPr lang="en-SG" sz="1100" dirty="0" err="1">
+                  <a:latin typeface="Consolas" panose="020B0609020204030204" pitchFamily="49" charset="0"/>
+                </a:rPr>
+                <a:t>matplotlib.pyplot</a:t>
+              </a:r>
+              <a:r>
+                <a:rPr lang="en-SG" sz="1100" dirty="0">
+                  <a:latin typeface="Consolas" panose="020B0609020204030204" pitchFamily="49" charset="0"/>
+                </a:rPr>
+                <a:t> as </a:t>
+              </a:r>
+              <a:r>
+                <a:rPr lang="en-SG" sz="1100" dirty="0" err="1">
+                  <a:latin typeface="Consolas" panose="020B0609020204030204" pitchFamily="49" charset="0"/>
+                </a:rPr>
+                <a:t>plt</a:t>
+              </a:r>
+              <a:endParaRPr lang="en-SG" sz="1100" dirty="0">
+                <a:latin typeface="Consolas" panose="020B0609020204030204" pitchFamily="49" charset="0"/>
+              </a:endParaRPr>
+            </a:p>
+            <a:p>
+              <a:r>
+                <a:rPr lang="en-SG" sz="1100" dirty="0">
+                  <a:latin typeface="Consolas" panose="020B0609020204030204" pitchFamily="49" charset="0"/>
+                </a:rPr>
+                <a:t>import seaborn as </a:t>
+              </a:r>
+              <a:r>
+                <a:rPr lang="en-SG" sz="1100" dirty="0" err="1">
+                  <a:latin typeface="Consolas" panose="020B0609020204030204" pitchFamily="49" charset="0"/>
+                </a:rPr>
+                <a:t>sns</a:t>
+              </a:r>
+              <a:endParaRPr lang="en-SG" sz="1100" dirty="0">
+                <a:latin typeface="Consolas" panose="020B0609020204030204" pitchFamily="49" charset="0"/>
+              </a:endParaRPr>
+            </a:p>
+            <a:p>
+              <a:endParaRPr lang="en-SG" sz="1100" dirty="0">
+                <a:latin typeface="Consolas" panose="020B0609020204030204" pitchFamily="49" charset="0"/>
+              </a:endParaRPr>
+            </a:p>
+            <a:p>
+              <a:r>
+                <a:rPr lang="en-SG" sz="1100" dirty="0" err="1">
+                  <a:latin typeface="Consolas" panose="020B0609020204030204" pitchFamily="49" charset="0"/>
+                </a:rPr>
+                <a:t>sns.set_context</a:t>
+              </a:r>
+              <a:r>
+                <a:rPr lang="en-SG" sz="1100" dirty="0">
+                  <a:latin typeface="Consolas" panose="020B0609020204030204" pitchFamily="49" charset="0"/>
+                </a:rPr>
+                <a:t>(</a:t>
+              </a:r>
+              <a:r>
+                <a:rPr lang="en-SG" sz="1100" dirty="0" err="1">
+                  <a:latin typeface="Consolas" panose="020B0609020204030204" pitchFamily="49" charset="0"/>
+                </a:rPr>
+                <a:t>rc</a:t>
+              </a:r>
+              <a:r>
+                <a:rPr lang="en-SG" sz="1100" dirty="0">
+                  <a:latin typeface="Consolas" panose="020B0609020204030204" pitchFamily="49" charset="0"/>
+                </a:rPr>
+                <a:t>={"font.size":18})</a:t>
+              </a:r>
+            </a:p>
+            <a:p>
+              <a:endParaRPr lang="en-SG" sz="1100" dirty="0">
+                <a:latin typeface="Consolas" panose="020B0609020204030204" pitchFamily="49" charset="0"/>
+              </a:endParaRPr>
+            </a:p>
+            <a:p>
+              <a:r>
+                <a:rPr lang="en-SG" sz="1100" dirty="0" err="1">
+                  <a:latin typeface="Consolas" panose="020B0609020204030204" pitchFamily="49" charset="0"/>
+                </a:rPr>
+                <a:t>ax</a:t>
+              </a:r>
+              <a:r>
+                <a:rPr lang="en-SG" sz="1100" dirty="0">
+                  <a:latin typeface="Consolas" panose="020B0609020204030204" pitchFamily="49" charset="0"/>
+                </a:rPr>
+                <a:t> = </a:t>
+              </a:r>
+              <a:r>
+                <a:rPr lang="en-SG" sz="1100" dirty="0" err="1">
+                  <a:latin typeface="Consolas" panose="020B0609020204030204" pitchFamily="49" charset="0"/>
+                </a:rPr>
+                <a:t>sns.boxplot</a:t>
+              </a:r>
+              <a:r>
+                <a:rPr lang="en-SG" sz="1100" dirty="0">
+                  <a:latin typeface="Consolas" panose="020B0609020204030204" pitchFamily="49" charset="0"/>
+                </a:rPr>
+                <a:t>(</a:t>
+              </a:r>
+            </a:p>
+            <a:p>
+              <a:r>
+                <a:rPr lang="en-SG" sz="1100" dirty="0">
+                  <a:latin typeface="Consolas" panose="020B0609020204030204" pitchFamily="49" charset="0"/>
+                </a:rPr>
+                <a:t>  	</a:t>
+              </a:r>
+              <a:r>
+                <a:rPr lang="en-SG" sz="1100" dirty="0">
+                  <a:solidFill>
+                    <a:srgbClr val="FF0000"/>
+                  </a:solidFill>
+                  <a:latin typeface="Consolas" panose="020B0609020204030204" pitchFamily="49" charset="0"/>
+                </a:rPr>
+                <a:t>x </a:t>
+              </a:r>
+              <a:r>
+                <a:rPr lang="en-SG" sz="1100" dirty="0">
+                  <a:latin typeface="Consolas" panose="020B0609020204030204" pitchFamily="49" charset="0"/>
+                </a:rPr>
+                <a:t>= "species", </a:t>
+              </a:r>
+            </a:p>
+            <a:p>
+              <a:r>
+                <a:rPr lang="en-SG" sz="1100" dirty="0">
+                  <a:latin typeface="Consolas" panose="020B0609020204030204" pitchFamily="49" charset="0"/>
+                </a:rPr>
+                <a:t>  	</a:t>
+              </a:r>
+              <a:r>
+                <a:rPr lang="en-SG" sz="1100" dirty="0">
+                  <a:solidFill>
+                    <a:srgbClr val="FF0000"/>
+                  </a:solidFill>
+                  <a:latin typeface="Consolas" panose="020B0609020204030204" pitchFamily="49" charset="0"/>
+                </a:rPr>
+                <a:t>y </a:t>
+              </a:r>
+              <a:r>
+                <a:rPr lang="en-SG" sz="1100" dirty="0">
+                  <a:latin typeface="Consolas" panose="020B0609020204030204" pitchFamily="49" charset="0"/>
+                </a:rPr>
+                <a:t>= "</a:t>
+              </a:r>
+              <a:r>
+                <a:rPr lang="en-SG" sz="1100" dirty="0" err="1">
+                  <a:latin typeface="Consolas" panose="020B0609020204030204" pitchFamily="49" charset="0"/>
+                </a:rPr>
+                <a:t>sepal_length</a:t>
+              </a:r>
+              <a:r>
+                <a:rPr lang="en-SG" sz="1100" dirty="0">
+                  <a:latin typeface="Consolas" panose="020B0609020204030204" pitchFamily="49" charset="0"/>
+                </a:rPr>
+                <a:t>", </a:t>
+              </a:r>
+            </a:p>
+            <a:p>
+              <a:r>
+                <a:rPr lang="en-SG" sz="1100" dirty="0">
+                  <a:latin typeface="Consolas" panose="020B0609020204030204" pitchFamily="49" charset="0"/>
+                </a:rPr>
+                <a:t>  	data=iris, </a:t>
+              </a:r>
+            </a:p>
+            <a:p>
+              <a:r>
+                <a:rPr lang="en-SG" sz="1100" dirty="0">
+                  <a:latin typeface="Consolas" panose="020B0609020204030204" pitchFamily="49" charset="0"/>
+                </a:rPr>
+                <a:t>	</a:t>
+              </a:r>
+              <a:r>
+                <a:rPr lang="en-SG" sz="1100" dirty="0">
+                  <a:solidFill>
+                    <a:srgbClr val="FF0000"/>
+                  </a:solidFill>
+                  <a:latin typeface="Consolas" panose="020B0609020204030204" pitchFamily="49" charset="0"/>
+                </a:rPr>
+                <a:t>order </a:t>
+              </a:r>
+              <a:r>
+                <a:rPr lang="en-SG" sz="1100" dirty="0">
+                  <a:latin typeface="Consolas" panose="020B0609020204030204" pitchFamily="49" charset="0"/>
+                </a:rPr>
+                <a:t>= ["virginica", "versicolor", "</a:t>
+              </a:r>
+              <a:r>
+                <a:rPr lang="en-SG" sz="1100" dirty="0" err="1">
+                  <a:latin typeface="Consolas" panose="020B0609020204030204" pitchFamily="49" charset="0"/>
+                </a:rPr>
+                <a:t>setosa</a:t>
+              </a:r>
+              <a:r>
+                <a:rPr lang="en-SG" sz="1100" dirty="0">
+                  <a:latin typeface="Consolas" panose="020B0609020204030204" pitchFamily="49" charset="0"/>
+                </a:rPr>
+                <a:t>"]</a:t>
+              </a:r>
+            </a:p>
+            <a:p>
+              <a:r>
+                <a:rPr lang="en-SG" sz="1100" dirty="0">
+                  <a:latin typeface="Consolas" panose="020B0609020204030204" pitchFamily="49" charset="0"/>
+                </a:rPr>
+                <a:t>	)</a:t>
+              </a:r>
+            </a:p>
+            <a:p>
+              <a:endParaRPr lang="en-SG" sz="1100" dirty="0">
+                <a:latin typeface="Consolas" panose="020B0609020204030204" pitchFamily="49" charset="0"/>
+              </a:endParaRPr>
+            </a:p>
+            <a:p>
+              <a:r>
+                <a:rPr lang="en-SG" sz="1100" dirty="0" err="1">
+                  <a:latin typeface="Consolas" panose="020B0609020204030204" pitchFamily="49" charset="0"/>
+                </a:rPr>
+                <a:t>plt.show</a:t>
+              </a:r>
+              <a:r>
+                <a:rPr lang="en-SG" sz="1100" dirty="0">
+                  <a:latin typeface="Consolas" panose="020B0609020204030204" pitchFamily="49" charset="0"/>
+                </a:rPr>
+                <a:t>()</a:t>
+              </a:r>
+            </a:p>
+          </p:txBody>
+        </p:sp>
+      </p:grpSp>
+    </p:spTree>
+    <p:extLst>
+      <p:ext uri="{BB962C8B-B14F-4D97-AF65-F5344CB8AC3E}">
+        <p14:creationId xmlns:p14="http://schemas.microsoft.com/office/powerpoint/2010/main" val="2106929045"/>
+      </p:ext>
+    </p:extLst>
+  </p:cSld>
+  <p:clrMapOvr>
+    <a:masterClrMapping/>
+  </p:clrMapOvr>
+</p:sld>
+</file>
+
+<file path=ppt/slides/slide20.xml><?xml version="1.0" encoding="utf-8"?>
 <p:sld xmlns:a="http://schemas.openxmlformats.org/drawingml/2006/main" xmlns:r="http://schemas.openxmlformats.org/officeDocument/2006/relationships" xmlns:p="http://schemas.openxmlformats.org/presentationml/2006/main">
   <p:cSld>
     <p:spTree>
@@ -5817,9 +6877,7 @@
               <a:avLst/>
             </a:prstGeom>
             <a:solidFill>
-              <a:schemeClr val="bg1">
-                <a:lumMod val="95000"/>
-              </a:schemeClr>
+              <a:srgbClr val="EFEBE4"/>
             </a:solidFill>
           </p:spPr>
           <p:txBody>
@@ -5958,7 +7016,7 @@
 </p:sld>
 </file>
 
-<file path=ppt/slides/slide19.xml><?xml version="1.0" encoding="utf-8"?>
+<file path=ppt/slides/slide21.xml><?xml version="1.0" encoding="utf-8"?>
 <p:sld xmlns:a="http://schemas.openxmlformats.org/drawingml/2006/main" xmlns:r="http://schemas.openxmlformats.org/officeDocument/2006/relationships" xmlns:p="http://schemas.openxmlformats.org/presentationml/2006/main">
   <p:cSld>
     <p:spTree>
@@ -6046,9 +7104,7 @@
               <a:avLst/>
             </a:prstGeom>
             <a:solidFill>
-              <a:schemeClr val="bg1">
-                <a:lumMod val="95000"/>
-              </a:schemeClr>
+              <a:srgbClr val="EFEBE4"/>
             </a:solidFill>
           </p:spPr>
           <p:txBody>
@@ -6113,387 +7169,7 @@
 </p:sld>
 </file>
 
-<file path=ppt/slides/slide2.xml><?xml version="1.0" encoding="utf-8"?>
-<p:sld xmlns:a="http://schemas.openxmlformats.org/drawingml/2006/main" xmlns:r="http://schemas.openxmlformats.org/officeDocument/2006/relationships" xmlns:p="http://schemas.openxmlformats.org/presentationml/2006/main">
-  <p:cSld>
-    <p:spTree>
-      <p:nvGrpSpPr>
-        <p:cNvPr id="1" name=""/>
-        <p:cNvGrpSpPr/>
-        <p:nvPr/>
-      </p:nvGrpSpPr>
-      <p:grpSpPr>
-        <a:xfrm>
-          <a:off x="0" y="0"/>
-          <a:ext cx="0" cy="0"/>
-          <a:chOff x="0" y="0"/>
-          <a:chExt cx="0" cy="0"/>
-        </a:xfrm>
-      </p:grpSpPr>
-      <p:pic>
-        <p:nvPicPr>
-          <p:cNvPr id="7" name="Picture 6">
-            <a:extLst>
-              <a:ext uri="{FF2B5EF4-FFF2-40B4-BE49-F238E27FC236}">
-                <a16:creationId xmlns:a16="http://schemas.microsoft.com/office/drawing/2014/main" id="{689C9C7B-98D5-95A3-C896-11C40B1742DD}"/>
-              </a:ext>
-            </a:extLst>
-          </p:cNvPr>
-          <p:cNvPicPr>
-            <a:picLocks noChangeAspect="1"/>
-          </p:cNvPicPr>
-          <p:nvPr/>
-        </p:nvPicPr>
-        <p:blipFill>
-          <a:blip r:embed="rId2"/>
-          <a:stretch>
-            <a:fillRect/>
-          </a:stretch>
-        </p:blipFill>
-        <p:spPr>
-          <a:xfrm>
-            <a:off x="6475661" y="1251247"/>
-            <a:ext cx="5012897" cy="4723950"/>
-          </a:xfrm>
-          <a:prstGeom prst="rect">
-            <a:avLst/>
-          </a:prstGeom>
-        </p:spPr>
-      </p:pic>
-      <p:grpSp>
-        <p:nvGrpSpPr>
-          <p:cNvPr id="14" name="Group 13">
-            <a:extLst>
-              <a:ext uri="{FF2B5EF4-FFF2-40B4-BE49-F238E27FC236}">
-                <a16:creationId xmlns:a16="http://schemas.microsoft.com/office/drawing/2014/main" id="{6A8E44D3-1EA1-5A90-0834-3325877C6467}"/>
-              </a:ext>
-            </a:extLst>
-          </p:cNvPr>
-          <p:cNvGrpSpPr/>
-          <p:nvPr/>
-        </p:nvGrpSpPr>
-        <p:grpSpPr>
-          <a:xfrm>
-            <a:off x="703442" y="314110"/>
-            <a:ext cx="5640375" cy="4649907"/>
-            <a:chOff x="455625" y="241539"/>
-            <a:chExt cx="5640375" cy="4649907"/>
-          </a:xfrm>
-        </p:grpSpPr>
-        <p:pic>
-          <p:nvPicPr>
-            <p:cNvPr id="9" name="Picture 8">
-              <a:extLst>
-                <a:ext uri="{FF2B5EF4-FFF2-40B4-BE49-F238E27FC236}">
-                  <a16:creationId xmlns:a16="http://schemas.microsoft.com/office/drawing/2014/main" id="{A3AC2B91-8608-E8F2-57ED-9A6D9AD0D76F}"/>
-                </a:ext>
-              </a:extLst>
-            </p:cNvPr>
-            <p:cNvPicPr>
-              <a:picLocks noChangeAspect="1"/>
-            </p:cNvPicPr>
-            <p:nvPr/>
-          </p:nvPicPr>
-          <p:blipFill>
-            <a:blip r:embed="rId3"/>
-            <a:stretch>
-              <a:fillRect/>
-            </a:stretch>
-          </p:blipFill>
-          <p:spPr>
-            <a:xfrm>
-              <a:off x="455625" y="241539"/>
-              <a:ext cx="5640375" cy="4649907"/>
-            </a:xfrm>
-            <a:prstGeom prst="rect">
-              <a:avLst/>
-            </a:prstGeom>
-          </p:spPr>
-        </p:pic>
-        <p:sp>
-          <p:nvSpPr>
-            <p:cNvPr id="13" name="TextBox 12">
-              <a:extLst>
-                <a:ext uri="{FF2B5EF4-FFF2-40B4-BE49-F238E27FC236}">
-                  <a16:creationId xmlns:a16="http://schemas.microsoft.com/office/drawing/2014/main" id="{4BEAAFDD-EAF9-B737-4F84-9B2C8E8F2B9C}"/>
-                </a:ext>
-              </a:extLst>
-            </p:cNvPr>
-            <p:cNvSpPr txBox="1"/>
-            <p:nvPr/>
-          </p:nvSpPr>
-          <p:spPr>
-            <a:xfrm>
-              <a:off x="906641" y="2166419"/>
-              <a:ext cx="4674102" cy="2292935"/>
-            </a:xfrm>
-            <a:prstGeom prst="rect">
-              <a:avLst/>
-            </a:prstGeom>
-            <a:solidFill>
-              <a:schemeClr val="bg1">
-                <a:lumMod val="95000"/>
-              </a:schemeClr>
-            </a:solidFill>
-          </p:spPr>
-          <p:txBody>
-            <a:bodyPr wrap="square">
-              <a:spAutoFit/>
-            </a:bodyPr>
-            <a:lstStyle/>
-            <a:p>
-              <a:r>
-                <a:rPr lang="en-SG" sz="1100" dirty="0">
-                  <a:latin typeface="Consolas" panose="020B0609020204030204" pitchFamily="49" charset="0"/>
-                </a:rPr>
-                <a:t>import </a:t>
-              </a:r>
-              <a:r>
-                <a:rPr lang="en-SG" sz="1100" dirty="0" err="1">
-                  <a:latin typeface="Consolas" panose="020B0609020204030204" pitchFamily="49" charset="0"/>
-                </a:rPr>
-                <a:t>matplotlib.pyplot</a:t>
-              </a:r>
-              <a:r>
-                <a:rPr lang="en-SG" sz="1100" dirty="0">
-                  <a:latin typeface="Consolas" panose="020B0609020204030204" pitchFamily="49" charset="0"/>
-                </a:rPr>
-                <a:t> as </a:t>
-              </a:r>
-              <a:r>
-                <a:rPr lang="en-SG" sz="1100" dirty="0" err="1">
-                  <a:latin typeface="Consolas" panose="020B0609020204030204" pitchFamily="49" charset="0"/>
-                </a:rPr>
-                <a:t>plt</a:t>
-              </a:r>
-              <a:endParaRPr lang="en-SG" sz="1100" dirty="0">
-                <a:latin typeface="Consolas" panose="020B0609020204030204" pitchFamily="49" charset="0"/>
-              </a:endParaRPr>
-            </a:p>
-            <a:p>
-              <a:r>
-                <a:rPr lang="en-SG" sz="1100" dirty="0">
-                  <a:latin typeface="Consolas" panose="020B0609020204030204" pitchFamily="49" charset="0"/>
-                </a:rPr>
-                <a:t>import seaborn as </a:t>
-              </a:r>
-              <a:r>
-                <a:rPr lang="en-SG" sz="1100" dirty="0" err="1">
-                  <a:latin typeface="Consolas" panose="020B0609020204030204" pitchFamily="49" charset="0"/>
-                </a:rPr>
-                <a:t>sns</a:t>
-              </a:r>
-              <a:endParaRPr lang="en-SG" sz="1100" dirty="0">
-                <a:latin typeface="Consolas" panose="020B0609020204030204" pitchFamily="49" charset="0"/>
-              </a:endParaRPr>
-            </a:p>
-            <a:p>
-              <a:endParaRPr lang="en-SG" sz="1100" dirty="0">
-                <a:latin typeface="Consolas" panose="020B0609020204030204" pitchFamily="49" charset="0"/>
-              </a:endParaRPr>
-            </a:p>
-            <a:p>
-              <a:r>
-                <a:rPr lang="en-SG" sz="1100" dirty="0" err="1">
-                  <a:latin typeface="Consolas" panose="020B0609020204030204" pitchFamily="49" charset="0"/>
-                </a:rPr>
-                <a:t>sns.set_context</a:t>
-              </a:r>
-              <a:r>
-                <a:rPr lang="en-SG" sz="1100" dirty="0">
-                  <a:latin typeface="Consolas" panose="020B0609020204030204" pitchFamily="49" charset="0"/>
-                </a:rPr>
-                <a:t>(</a:t>
-              </a:r>
-              <a:r>
-                <a:rPr lang="en-SG" sz="1100" dirty="0" err="1">
-                  <a:latin typeface="Consolas" panose="020B0609020204030204" pitchFamily="49" charset="0"/>
-                </a:rPr>
-                <a:t>rc</a:t>
-              </a:r>
-              <a:r>
-                <a:rPr lang="en-SG" sz="1100" dirty="0">
-                  <a:latin typeface="Consolas" panose="020B0609020204030204" pitchFamily="49" charset="0"/>
-                </a:rPr>
-                <a:t>={"font.size":18})</a:t>
-              </a:r>
-            </a:p>
-            <a:p>
-              <a:endParaRPr lang="en-SG" sz="1100" dirty="0">
-                <a:latin typeface="Consolas" panose="020B0609020204030204" pitchFamily="49" charset="0"/>
-              </a:endParaRPr>
-            </a:p>
-            <a:p>
-              <a:r>
-                <a:rPr lang="en-SG" sz="1100" dirty="0" err="1">
-                  <a:latin typeface="Consolas" panose="020B0609020204030204" pitchFamily="49" charset="0"/>
-                </a:rPr>
-                <a:t>ax</a:t>
-              </a:r>
-              <a:r>
-                <a:rPr lang="en-SG" sz="1100" dirty="0">
-                  <a:latin typeface="Consolas" panose="020B0609020204030204" pitchFamily="49" charset="0"/>
-                </a:rPr>
-                <a:t> = </a:t>
-              </a:r>
-              <a:r>
-                <a:rPr lang="en-SG" sz="1100" dirty="0" err="1">
-                  <a:latin typeface="Consolas" panose="020B0609020204030204" pitchFamily="49" charset="0"/>
-                </a:rPr>
-                <a:t>sns.boxplot</a:t>
-              </a:r>
-              <a:r>
-                <a:rPr lang="en-SG" sz="1100" dirty="0">
-                  <a:latin typeface="Consolas" panose="020B0609020204030204" pitchFamily="49" charset="0"/>
-                </a:rPr>
-                <a:t>(</a:t>
-              </a:r>
-            </a:p>
-            <a:p>
-              <a:r>
-                <a:rPr lang="en-SG" sz="1100" dirty="0">
-                  <a:latin typeface="Consolas" panose="020B0609020204030204" pitchFamily="49" charset="0"/>
-                </a:rPr>
-                <a:t>  	</a:t>
-              </a:r>
-              <a:r>
-                <a:rPr lang="en-SG" sz="1100" dirty="0">
-                  <a:solidFill>
-                    <a:srgbClr val="FF0000"/>
-                  </a:solidFill>
-                  <a:latin typeface="Consolas" panose="020B0609020204030204" pitchFamily="49" charset="0"/>
-                </a:rPr>
-                <a:t>x </a:t>
-              </a:r>
-              <a:r>
-                <a:rPr lang="en-SG" sz="1100" dirty="0">
-                  <a:latin typeface="Consolas" panose="020B0609020204030204" pitchFamily="49" charset="0"/>
-                </a:rPr>
-                <a:t>= "species", </a:t>
-              </a:r>
-            </a:p>
-            <a:p>
-              <a:r>
-                <a:rPr lang="en-SG" sz="1100" dirty="0">
-                  <a:latin typeface="Consolas" panose="020B0609020204030204" pitchFamily="49" charset="0"/>
-                </a:rPr>
-                <a:t>  	</a:t>
-              </a:r>
-              <a:r>
-                <a:rPr lang="en-SG" sz="1100" dirty="0">
-                  <a:solidFill>
-                    <a:srgbClr val="FF0000"/>
-                  </a:solidFill>
-                  <a:latin typeface="Consolas" panose="020B0609020204030204" pitchFamily="49" charset="0"/>
-                </a:rPr>
-                <a:t>y </a:t>
-              </a:r>
-              <a:r>
-                <a:rPr lang="en-SG" sz="1100" dirty="0">
-                  <a:latin typeface="Consolas" panose="020B0609020204030204" pitchFamily="49" charset="0"/>
-                </a:rPr>
-                <a:t>= "</a:t>
-              </a:r>
-              <a:r>
-                <a:rPr lang="en-SG" sz="1100" dirty="0" err="1">
-                  <a:latin typeface="Consolas" panose="020B0609020204030204" pitchFamily="49" charset="0"/>
-                </a:rPr>
-                <a:t>sepal_length</a:t>
-              </a:r>
-              <a:r>
-                <a:rPr lang="en-SG" sz="1100" dirty="0">
-                  <a:latin typeface="Consolas" panose="020B0609020204030204" pitchFamily="49" charset="0"/>
-                </a:rPr>
-                <a:t>", </a:t>
-              </a:r>
-            </a:p>
-            <a:p>
-              <a:r>
-                <a:rPr lang="en-SG" sz="1100" dirty="0">
-                  <a:latin typeface="Consolas" panose="020B0609020204030204" pitchFamily="49" charset="0"/>
-                </a:rPr>
-                <a:t>  	data=iris, </a:t>
-              </a:r>
-            </a:p>
-            <a:p>
-              <a:r>
-                <a:rPr lang="en-SG" sz="1100" dirty="0">
-                  <a:latin typeface="Consolas" panose="020B0609020204030204" pitchFamily="49" charset="0"/>
-                </a:rPr>
-                <a:t>	</a:t>
-              </a:r>
-              <a:r>
-                <a:rPr lang="en-SG" sz="1100" dirty="0">
-                  <a:solidFill>
-                    <a:srgbClr val="FF0000"/>
-                  </a:solidFill>
-                  <a:latin typeface="Consolas" panose="020B0609020204030204" pitchFamily="49" charset="0"/>
-                </a:rPr>
-                <a:t>order </a:t>
-              </a:r>
-              <a:r>
-                <a:rPr lang="en-SG" sz="1100" dirty="0">
-                  <a:latin typeface="Consolas" panose="020B0609020204030204" pitchFamily="49" charset="0"/>
-                </a:rPr>
-                <a:t>= ["virginica", "versicolor", "</a:t>
-              </a:r>
-              <a:r>
-                <a:rPr lang="en-SG" sz="1100" dirty="0" err="1">
-                  <a:latin typeface="Consolas" panose="020B0609020204030204" pitchFamily="49" charset="0"/>
-                </a:rPr>
-                <a:t>setosa</a:t>
-              </a:r>
-              <a:r>
-                <a:rPr lang="en-SG" sz="1100" dirty="0">
-                  <a:latin typeface="Consolas" panose="020B0609020204030204" pitchFamily="49" charset="0"/>
-                </a:rPr>
-                <a:t>"]</a:t>
-              </a:r>
-            </a:p>
-            <a:p>
-              <a:r>
-                <a:rPr lang="en-SG" sz="1100" dirty="0">
-                  <a:latin typeface="Consolas" panose="020B0609020204030204" pitchFamily="49" charset="0"/>
-                </a:rPr>
-                <a:t>	)</a:t>
-              </a:r>
-            </a:p>
-            <a:p>
-              <a:endParaRPr lang="en-SG" sz="1100" dirty="0">
-                <a:latin typeface="Consolas" panose="020B0609020204030204" pitchFamily="49" charset="0"/>
-              </a:endParaRPr>
-            </a:p>
-            <a:p>
-              <a:r>
-                <a:rPr lang="en-SG" sz="1100" dirty="0" err="1">
-                  <a:latin typeface="Consolas" panose="020B0609020204030204" pitchFamily="49" charset="0"/>
-                </a:rPr>
-                <a:t>plt.show</a:t>
-              </a:r>
-              <a:r>
-                <a:rPr lang="en-SG" sz="1100" dirty="0">
-                  <a:latin typeface="Consolas" panose="020B0609020204030204" pitchFamily="49" charset="0"/>
-                </a:rPr>
-                <a:t>()</a:t>
-              </a:r>
-            </a:p>
-          </p:txBody>
-        </p:sp>
-      </p:grpSp>
-    </p:spTree>
-    <p:extLst>
-      <p:ext uri="{BB962C8B-B14F-4D97-AF65-F5344CB8AC3E}">
-        <p14:creationId xmlns:p14="http://schemas.microsoft.com/office/powerpoint/2010/main" val="2106929045"/>
-      </p:ext>
-    </p:extLst>
-  </p:cSld>
-  <p:clrMapOvr>
-    <a:masterClrMapping/>
-  </p:clrMapOvr>
-</p:sld>
-</file>
-
-<file path=ppt/slides/slide20.xml><?xml version="1.0" encoding="utf-8"?>
+<file path=ppt/slides/slide22.xml><?xml version="1.0" encoding="utf-8"?>
 <p:sld xmlns:a="http://schemas.openxmlformats.org/drawingml/2006/main" xmlns:r="http://schemas.openxmlformats.org/officeDocument/2006/relationships" xmlns:p="http://schemas.openxmlformats.org/presentationml/2006/main">
   <p:cSld>
     <p:spTree>
@@ -6512,10 +7188,10 @@
       </p:grpSpPr>
       <p:grpSp>
         <p:nvGrpSpPr>
-          <p:cNvPr id="6" name="Group 5">
+          <p:cNvPr id="12" name="Group 11">
             <a:extLst>
               <a:ext uri="{FF2B5EF4-FFF2-40B4-BE49-F238E27FC236}">
-                <a16:creationId xmlns:a16="http://schemas.microsoft.com/office/drawing/2014/main" id="{20CB4ADF-269D-42CC-5A51-C8B5F174BCFE}"/>
+                <a16:creationId xmlns:a16="http://schemas.microsoft.com/office/drawing/2014/main" id="{EE08994D-2151-72FB-41BB-7477E2C812AA}"/>
               </a:ext>
             </a:extLst>
           </p:cNvPr>
@@ -6524,9 +7200,248 @@
         </p:nvGrpSpPr>
         <p:grpSpPr>
           <a:xfrm>
-            <a:off x="2826004" y="341699"/>
+            <a:off x="3300901" y="1289132"/>
+            <a:ext cx="5590197" cy="4279736"/>
+            <a:chOff x="3419579" y="1198275"/>
+            <a:chExt cx="5590197" cy="4279736"/>
+          </a:xfrm>
+        </p:grpSpPr>
+        <p:pic>
+          <p:nvPicPr>
+            <p:cNvPr id="5" name="Picture 4">
+              <a:extLst>
+                <a:ext uri="{FF2B5EF4-FFF2-40B4-BE49-F238E27FC236}">
+                  <a16:creationId xmlns:a16="http://schemas.microsoft.com/office/drawing/2014/main" id="{A12B8F8F-380D-50D5-E61C-99B9689552BF}"/>
+                </a:ext>
+              </a:extLst>
+            </p:cNvPr>
+            <p:cNvPicPr>
+              <a:picLocks noChangeAspect="1"/>
+            </p:cNvPicPr>
+            <p:nvPr/>
+          </p:nvPicPr>
+          <p:blipFill>
+            <a:blip r:embed="rId2"/>
+            <a:stretch>
+              <a:fillRect/>
+            </a:stretch>
+          </p:blipFill>
+          <p:spPr>
+            <a:xfrm>
+              <a:off x="3419579" y="1198275"/>
+              <a:ext cx="5590197" cy="4279736"/>
+            </a:xfrm>
+            <a:prstGeom prst="rect">
+              <a:avLst/>
+            </a:prstGeom>
+          </p:spPr>
+        </p:pic>
+        <p:sp>
+          <p:nvSpPr>
+            <p:cNvPr id="6" name="TextBox 5">
+              <a:extLst>
+                <a:ext uri="{FF2B5EF4-FFF2-40B4-BE49-F238E27FC236}">
+                  <a16:creationId xmlns:a16="http://schemas.microsoft.com/office/drawing/2014/main" id="{460AB4AD-A358-065A-2B22-0375C0BF915A}"/>
+                </a:ext>
+              </a:extLst>
+            </p:cNvPr>
+            <p:cNvSpPr txBox="1"/>
+            <p:nvPr/>
+          </p:nvSpPr>
+          <p:spPr>
+            <a:xfrm>
+              <a:off x="3791869" y="2933725"/>
+              <a:ext cx="4127339" cy="1107996"/>
+            </a:xfrm>
+            <a:prstGeom prst="rect">
+              <a:avLst/>
+            </a:prstGeom>
+            <a:solidFill>
+              <a:srgbClr val="EFEBE4"/>
+            </a:solidFill>
+          </p:spPr>
+          <p:txBody>
+            <a:bodyPr wrap="square">
+              <a:spAutoFit/>
+            </a:bodyPr>
+            <a:lstStyle/>
+            <a:p>
+              <a:r>
+                <a:rPr lang="en-SG" sz="1100" b="0" i="0">
+                  <a:solidFill>
+                    <a:srgbClr val="24292F"/>
+                  </a:solidFill>
+                  <a:effectLst/>
+                  <a:latin typeface="Consolas" panose="020B0609020204030204" pitchFamily="49" charset="0"/>
+                </a:rPr>
+                <a:t>from scipy import stats</a:t>
+              </a:r>
+            </a:p>
+            <a:p>
+              <a:endParaRPr lang="en-SG" sz="1100" b="0" i="0">
+                <a:solidFill>
+                  <a:srgbClr val="24292F"/>
+                </a:solidFill>
+                <a:effectLst/>
+                <a:latin typeface="Consolas" panose="020B0609020204030204" pitchFamily="49" charset="0"/>
+              </a:endParaRPr>
+            </a:p>
+            <a:p>
+              <a:r>
+                <a:rPr lang="en-SG" sz="1100" b="0" i="0">
+                  <a:solidFill>
+                    <a:srgbClr val="24292F"/>
+                  </a:solidFill>
+                  <a:effectLst/>
+                  <a:latin typeface="Consolas" panose="020B0609020204030204" pitchFamily="49" charset="0"/>
+                </a:rPr>
+                <a:t>results = </a:t>
+              </a:r>
+              <a:r>
+                <a:rPr lang="en-SG" sz="1100" b="0" i="0">
+                  <a:solidFill>
+                    <a:srgbClr val="FF0000"/>
+                  </a:solidFill>
+                  <a:effectLst/>
+                  <a:latin typeface="Consolas" panose="020B0609020204030204" pitchFamily="49" charset="0"/>
+                </a:rPr>
+                <a:t>stats.ttest_ind</a:t>
+              </a:r>
+              <a:r>
+                <a:rPr lang="en-SG" sz="1100" b="0" i="0">
+                  <a:solidFill>
+                    <a:srgbClr val="24292F"/>
+                  </a:solidFill>
+                  <a:effectLst/>
+                  <a:latin typeface="Consolas" panose="020B0609020204030204" pitchFamily="49" charset="0"/>
+                </a:rPr>
+                <a:t>(males, females)</a:t>
+              </a:r>
+            </a:p>
+            <a:p>
+              <a:endParaRPr lang="en-SG" sz="1100">
+                <a:solidFill>
+                  <a:srgbClr val="24292F"/>
+                </a:solidFill>
+                <a:latin typeface="Consolas" panose="020B0609020204030204" pitchFamily="49" charset="0"/>
+              </a:endParaRPr>
+            </a:p>
+            <a:p>
+              <a:r>
+                <a:rPr lang="en-SG" sz="1100" b="0" i="0">
+                  <a:solidFill>
+                    <a:srgbClr val="24292F"/>
+                  </a:solidFill>
+                  <a:effectLst/>
+                  <a:latin typeface="Consolas" panose="020B0609020204030204" pitchFamily="49" charset="0"/>
+                </a:rPr>
+                <a:t>print("statistic: {}".format(results[0]))</a:t>
+              </a:r>
+            </a:p>
+            <a:p>
+              <a:r>
+                <a:rPr lang="en-SG" sz="1100" b="0" i="0">
+                  <a:solidFill>
+                    <a:srgbClr val="24292F"/>
+                  </a:solidFill>
+                  <a:effectLst/>
+                  <a:latin typeface="Consolas" panose="020B0609020204030204" pitchFamily="49" charset="0"/>
+                </a:rPr>
+                <a:t>print("p-value: {}".format(results[1]))</a:t>
+              </a:r>
+              <a:endParaRPr lang="en-SG" sz="1100" dirty="0">
+                <a:latin typeface="Consolas" panose="020B0609020204030204" pitchFamily="49" charset="0"/>
+              </a:endParaRPr>
+            </a:p>
+          </p:txBody>
+        </p:sp>
+      </p:grpSp>
+      <p:sp>
+        <p:nvSpPr>
+          <p:cNvPr id="13" name="TextBox 12">
+            <a:extLst>
+              <a:ext uri="{FF2B5EF4-FFF2-40B4-BE49-F238E27FC236}">
+                <a16:creationId xmlns:a16="http://schemas.microsoft.com/office/drawing/2014/main" id="{B15948F7-9297-A231-52D1-1FBA3B5406AB}"/>
+              </a:ext>
+            </a:extLst>
+          </p:cNvPr>
+          <p:cNvSpPr txBox="1"/>
+          <p:nvPr/>
+        </p:nvSpPr>
+        <p:spPr>
+          <a:xfrm>
+            <a:off x="9383486" y="82715"/>
+            <a:ext cx="2722563" cy="369332"/>
+          </a:xfrm>
+          <a:prstGeom prst="rect">
+            <a:avLst/>
+          </a:prstGeom>
+          <a:solidFill>
+            <a:schemeClr val="accent2"/>
+          </a:solidFill>
+        </p:spPr>
+        <p:txBody>
+          <a:bodyPr wrap="square" rtlCol="0">
+            <a:spAutoFit/>
+          </a:bodyPr>
+          <a:lstStyle/>
+          <a:p>
+            <a:pPr algn="ctr"/>
+            <a:r>
+              <a:rPr lang="en-GB"/>
+              <a:t>HARD</a:t>
+            </a:r>
+            <a:endParaRPr lang="en-SG"/>
+          </a:p>
+        </p:txBody>
+      </p:sp>
+    </p:spTree>
+    <p:extLst>
+      <p:ext uri="{BB962C8B-B14F-4D97-AF65-F5344CB8AC3E}">
+        <p14:creationId xmlns:p14="http://schemas.microsoft.com/office/powerpoint/2010/main" val="1372028615"/>
+      </p:ext>
+    </p:extLst>
+  </p:cSld>
+  <p:clrMapOvr>
+    <a:masterClrMapping/>
+  </p:clrMapOvr>
+</p:sld>
+</file>
+
+<file path=ppt/slides/slide23.xml><?xml version="1.0" encoding="utf-8"?>
+<p:sld xmlns:a="http://schemas.openxmlformats.org/drawingml/2006/main" xmlns:r="http://schemas.openxmlformats.org/officeDocument/2006/relationships" xmlns:p="http://schemas.openxmlformats.org/presentationml/2006/main">
+  <p:cSld>
+    <p:spTree>
+      <p:nvGrpSpPr>
+        <p:cNvPr id="1" name=""/>
+        <p:cNvGrpSpPr/>
+        <p:nvPr/>
+      </p:nvGrpSpPr>
+      <p:grpSpPr>
+        <a:xfrm>
+          <a:off x="0" y="0"/>
+          <a:ext cx="0" cy="0"/>
+          <a:chOff x="0" y="0"/>
+          <a:chExt cx="0" cy="0"/>
+        </a:xfrm>
+      </p:grpSpPr>
+      <p:grpSp>
+        <p:nvGrpSpPr>
+          <p:cNvPr id="4" name="Group 3">
+            <a:extLst>
+              <a:ext uri="{FF2B5EF4-FFF2-40B4-BE49-F238E27FC236}">
+                <a16:creationId xmlns:a16="http://schemas.microsoft.com/office/drawing/2014/main" id="{3F61B6BE-9EB9-41CD-F249-B8BBC4D9E931}"/>
+              </a:ext>
+            </a:extLst>
+          </p:cNvPr>
+          <p:cNvGrpSpPr/>
+          <p:nvPr/>
+        </p:nvGrpSpPr>
+        <p:grpSpPr>
+          <a:xfrm>
+            <a:off x="3215037" y="1355170"/>
             <a:ext cx="5761926" cy="4147660"/>
-            <a:chOff x="1519718" y="225585"/>
+            <a:chOff x="3215037" y="1355170"/>
             <a:chExt cx="5761926" cy="4147660"/>
           </a:xfrm>
         </p:grpSpPr>
@@ -6552,7 +7467,7 @@
           </p:blipFill>
           <p:spPr>
             <a:xfrm>
-              <a:off x="1519718" y="225585"/>
+              <a:off x="3215037" y="1355170"/>
               <a:ext cx="5761926" cy="4147660"/>
             </a:xfrm>
             <a:prstGeom prst="rect">
@@ -6574,16 +7489,14 @@
           </p:nvSpPr>
           <p:spPr>
             <a:xfrm>
-              <a:off x="1828101" y="2215916"/>
+              <a:off x="3523420" y="3345501"/>
               <a:ext cx="4892013" cy="938719"/>
             </a:xfrm>
             <a:prstGeom prst="rect">
               <a:avLst/>
             </a:prstGeom>
             <a:solidFill>
-              <a:schemeClr val="bg1">
-                <a:lumMod val="95000"/>
-              </a:schemeClr>
+              <a:srgbClr val="EFEBE4"/>
             </a:solidFill>
           </p:spPr>
           <p:txBody>
@@ -6753,7 +7666,98 @@
             </a:p>
           </p:txBody>
         </p:sp>
+        <p:sp>
+          <p:nvSpPr>
+            <p:cNvPr id="2" name="Rectangle 1">
+              <a:extLst>
+                <a:ext uri="{FF2B5EF4-FFF2-40B4-BE49-F238E27FC236}">
+                  <a16:creationId xmlns:a16="http://schemas.microsoft.com/office/drawing/2014/main" id="{D5C0F94E-3827-0275-29B3-315AE93B15DB}"/>
+                </a:ext>
+              </a:extLst>
+            </p:cNvPr>
+            <p:cNvSpPr/>
+            <p:nvPr/>
+          </p:nvSpPr>
+          <p:spPr>
+            <a:xfrm>
+              <a:off x="5142451" y="2709644"/>
+              <a:ext cx="1635854" cy="184558"/>
+            </a:xfrm>
+            <a:prstGeom prst="rect">
+              <a:avLst/>
+            </a:prstGeom>
+            <a:noFill/>
+            <a:ln>
+              <a:solidFill>
+                <a:srgbClr val="FF0000"/>
+              </a:solidFill>
+            </a:ln>
+          </p:spPr>
+          <p:style>
+            <a:lnRef idx="2">
+              <a:schemeClr val="accent1">
+                <a:shade val="50000"/>
+              </a:schemeClr>
+            </a:lnRef>
+            <a:fillRef idx="1">
+              <a:schemeClr val="accent1"/>
+            </a:fillRef>
+            <a:effectRef idx="0">
+              <a:schemeClr val="accent1"/>
+            </a:effectRef>
+            <a:fontRef idx="minor">
+              <a:schemeClr val="lt1"/>
+            </a:fontRef>
+          </p:style>
+          <p:txBody>
+            <a:bodyPr rtlCol="0" anchor="ctr"/>
+            <a:lstStyle/>
+            <a:p>
+              <a:pPr algn="ctr"/>
+              <a:endParaRPr lang="en-SG"/>
+            </a:p>
+          </p:txBody>
+        </p:sp>
       </p:grpSp>
+      <p:sp>
+        <p:nvSpPr>
+          <p:cNvPr id="7" name="TextBox 6">
+            <a:extLst>
+              <a:ext uri="{FF2B5EF4-FFF2-40B4-BE49-F238E27FC236}">
+                <a16:creationId xmlns:a16="http://schemas.microsoft.com/office/drawing/2014/main" id="{ACECADE8-5380-E202-F644-D159128625E7}"/>
+              </a:ext>
+            </a:extLst>
+          </p:cNvPr>
+          <p:cNvSpPr txBox="1"/>
+          <p:nvPr/>
+        </p:nvSpPr>
+        <p:spPr>
+          <a:xfrm>
+            <a:off x="9383486" y="82715"/>
+            <a:ext cx="2722563" cy="369332"/>
+          </a:xfrm>
+          <a:prstGeom prst="rect">
+            <a:avLst/>
+          </a:prstGeom>
+          <a:solidFill>
+            <a:schemeClr val="accent2"/>
+          </a:solidFill>
+        </p:spPr>
+        <p:txBody>
+          <a:bodyPr wrap="square" rtlCol="0">
+            <a:spAutoFit/>
+          </a:bodyPr>
+          <a:lstStyle/>
+          <a:p>
+            <a:pPr algn="ctr"/>
+            <a:r>
+              <a:rPr lang="en-GB"/>
+              <a:t>HARD</a:t>
+            </a:r>
+            <a:endParaRPr lang="en-SG"/>
+          </a:p>
+        </p:txBody>
+      </p:sp>
     </p:spTree>
     <p:extLst>
       <p:ext uri="{BB962C8B-B14F-4D97-AF65-F5344CB8AC3E}">
@@ -6767,7 +7771,7 @@
 </p:sld>
 </file>
 
-<file path=ppt/slides/slide21.xml><?xml version="1.0" encoding="utf-8"?>
+<file path=ppt/slides/slide24.xml><?xml version="1.0" encoding="utf-8"?>
 <p:sld xmlns:a="http://schemas.openxmlformats.org/drawingml/2006/main" xmlns:r="http://schemas.openxmlformats.org/officeDocument/2006/relationships" xmlns:p="http://schemas.openxmlformats.org/presentationml/2006/main">
   <p:cSld>
     <p:spTree>
@@ -6784,12 +7788,51 @@
           <a:chExt cx="0" cy="0"/>
         </a:xfrm>
       </p:grpSpPr>
+      <p:sp>
+        <p:nvSpPr>
+          <p:cNvPr id="6" name="TextBox 5">
+            <a:extLst>
+              <a:ext uri="{FF2B5EF4-FFF2-40B4-BE49-F238E27FC236}">
+                <a16:creationId xmlns:a16="http://schemas.microsoft.com/office/drawing/2014/main" id="{B57C6427-A507-EAB6-0355-DF03D192A0A1}"/>
+              </a:ext>
+            </a:extLst>
+          </p:cNvPr>
+          <p:cNvSpPr txBox="1"/>
+          <p:nvPr/>
+        </p:nvSpPr>
+        <p:spPr>
+          <a:xfrm>
+            <a:off x="9383486" y="82715"/>
+            <a:ext cx="2722563" cy="369332"/>
+          </a:xfrm>
+          <a:prstGeom prst="rect">
+            <a:avLst/>
+          </a:prstGeom>
+          <a:solidFill>
+            <a:schemeClr val="accent2"/>
+          </a:solidFill>
+        </p:spPr>
+        <p:txBody>
+          <a:bodyPr wrap="square" rtlCol="0">
+            <a:spAutoFit/>
+          </a:bodyPr>
+          <a:lstStyle/>
+          <a:p>
+            <a:pPr algn="ctr"/>
+            <a:r>
+              <a:rPr lang="en-GB"/>
+              <a:t>HARD</a:t>
+            </a:r>
+            <a:endParaRPr lang="en-SG"/>
+          </a:p>
+        </p:txBody>
+      </p:sp>
       <p:grpSp>
         <p:nvGrpSpPr>
-          <p:cNvPr id="7" name="Group 6">
+          <p:cNvPr id="11" name="Group 10">
             <a:extLst>
               <a:ext uri="{FF2B5EF4-FFF2-40B4-BE49-F238E27FC236}">
-                <a16:creationId xmlns:a16="http://schemas.microsoft.com/office/drawing/2014/main" id="{B15FB934-4373-4A57-4E2D-03B22C766737}"/>
+                <a16:creationId xmlns:a16="http://schemas.microsoft.com/office/drawing/2014/main" id="{E3B13156-72DC-5E8E-24F1-BA1D51F5147F}"/>
               </a:ext>
             </a:extLst>
           </p:cNvPr>
@@ -6798,18 +7841,18 @@
         </p:nvGrpSpPr>
         <p:grpSpPr>
           <a:xfrm>
-            <a:off x="2714951" y="394594"/>
-            <a:ext cx="5845815" cy="3714365"/>
-            <a:chOff x="2526265" y="336537"/>
-            <a:chExt cx="5845815" cy="3714365"/>
+            <a:off x="2824796" y="826013"/>
+            <a:ext cx="6542407" cy="5205974"/>
+            <a:chOff x="2824796" y="826013"/>
+            <a:chExt cx="6542407" cy="5205974"/>
           </a:xfrm>
         </p:grpSpPr>
         <p:pic>
           <p:nvPicPr>
-            <p:cNvPr id="3" name="Picture 2">
+            <p:cNvPr id="5" name="Picture 4">
               <a:extLst>
                 <a:ext uri="{FF2B5EF4-FFF2-40B4-BE49-F238E27FC236}">
-                  <a16:creationId xmlns:a16="http://schemas.microsoft.com/office/drawing/2014/main" id="{FAA26E75-4734-39AD-CAD1-B51103AE2B67}"/>
+                  <a16:creationId xmlns:a16="http://schemas.microsoft.com/office/drawing/2014/main" id="{F72AAE3B-7C1D-C4D3-2FA8-263869AF5831}"/>
                 </a:ext>
               </a:extLst>
             </p:cNvPr>
@@ -6826,8 +7869,8 @@
           </p:blipFill>
           <p:spPr>
             <a:xfrm>
-              <a:off x="2526265" y="336537"/>
-              <a:ext cx="5845815" cy="3714365"/>
+              <a:off x="2824796" y="826013"/>
+              <a:ext cx="6542407" cy="5205974"/>
             </a:xfrm>
             <a:prstGeom prst="rect">
               <a:avLst/>
@@ -6836,10 +7879,10 @@
         </p:pic>
         <p:sp>
           <p:nvSpPr>
-            <p:cNvPr id="6" name="TextBox 5">
+            <p:cNvPr id="7" name="TextBox 6">
               <a:extLst>
                 <a:ext uri="{FF2B5EF4-FFF2-40B4-BE49-F238E27FC236}">
-                  <a16:creationId xmlns:a16="http://schemas.microsoft.com/office/drawing/2014/main" id="{7AE5F2BF-B6DB-0269-AE8D-17DFDF192E72}"/>
+                  <a16:creationId xmlns:a16="http://schemas.microsoft.com/office/drawing/2014/main" id="{D2708EBE-C438-BD3C-D886-D4B53EBEECF9}"/>
                 </a:ext>
               </a:extLst>
             </p:cNvPr>
@@ -6848,16 +7891,14 @@
           </p:nvSpPr>
           <p:spPr>
             <a:xfrm>
-              <a:off x="2875160" y="1896601"/>
-              <a:ext cx="4892013" cy="938719"/>
+              <a:off x="3210733" y="3647685"/>
+              <a:ext cx="4892013" cy="1107996"/>
             </a:xfrm>
             <a:prstGeom prst="rect">
               <a:avLst/>
             </a:prstGeom>
             <a:solidFill>
-              <a:schemeClr val="bg1">
-                <a:lumMod val="95000"/>
-              </a:schemeClr>
+              <a:srgbClr val="EFEBE4"/>
             </a:solidFill>
           </p:spPr>
           <p:txBody>
@@ -6867,89 +7908,66 @@
             <a:lstStyle/>
             <a:p>
               <a:r>
-                <a:rPr lang="en-SG" sz="1100" dirty="0">
-                  <a:latin typeface="Consolas" panose="020B0609020204030204" pitchFamily="49" charset="0"/>
-                </a:rPr>
-                <a:t>from </a:t>
-              </a:r>
-              <a:r>
-                <a:rPr lang="en-SG" sz="1100" dirty="0" err="1">
-                  <a:latin typeface="Consolas" panose="020B0609020204030204" pitchFamily="49" charset="0"/>
-                </a:rPr>
-                <a:t>scipy</a:t>
-              </a:r>
-              <a:r>
-                <a:rPr lang="en-SG" sz="1100" dirty="0">
-                  <a:latin typeface="Consolas" panose="020B0609020204030204" pitchFamily="49" charset="0"/>
-                </a:rPr>
-                <a:t> import stats</a:t>
-              </a:r>
-            </a:p>
-            <a:p>
-              <a:endParaRPr lang="en-SG" sz="1100" dirty="0">
-                <a:latin typeface="Consolas" panose="020B0609020204030204" pitchFamily="49" charset="0"/>
-              </a:endParaRPr>
-            </a:p>
-            <a:p>
-              <a:r>
-                <a:rPr lang="en-SG" sz="1100" dirty="0">
-                  <a:latin typeface="Consolas" panose="020B0609020204030204" pitchFamily="49" charset="0"/>
-                </a:rPr>
-                <a:t>test= </a:t>
-              </a:r>
-              <a:r>
-                <a:rPr lang="en-SG" sz="1100" dirty="0" err="1">
+                <a:rPr lang="en-SG" sz="1100" b="0" i="0">
+                  <a:solidFill>
+                    <a:srgbClr val="24292F"/>
+                  </a:solidFill>
+                  <a:effectLst/>
+                  <a:latin typeface="Consolas" panose="020B0609020204030204" pitchFamily="49" charset="0"/>
+                </a:rPr>
+                <a:t>from scipy import stats</a:t>
+              </a:r>
+            </a:p>
+            <a:p>
+              <a:endParaRPr lang="en-SG" sz="1100" b="0" i="0">
+                <a:solidFill>
+                  <a:srgbClr val="24292F"/>
+                </a:solidFill>
+                <a:effectLst/>
+                <a:latin typeface="Consolas" panose="020B0609020204030204" pitchFamily="49" charset="0"/>
+              </a:endParaRPr>
+            </a:p>
+            <a:p>
+              <a:r>
+                <a:rPr lang="en-SG" sz="1100" b="0" i="0">
+                  <a:solidFill>
+                    <a:srgbClr val="24292F"/>
+                  </a:solidFill>
+                  <a:effectLst/>
+                  <a:latin typeface="Consolas" panose="020B0609020204030204" pitchFamily="49" charset="0"/>
+                </a:rPr>
+                <a:t>tstat, pval = stats.</a:t>
+              </a:r>
+              <a:r>
+                <a:rPr lang="en-SG" sz="1100" b="0" i="0">
                   <a:solidFill>
                     <a:srgbClr val="FF0000"/>
                   </a:solidFill>
-                  <a:latin typeface="Consolas" panose="020B0609020204030204" pitchFamily="49" charset="0"/>
-                </a:rPr>
-                <a:t>stats.ttest_ind</a:t>
-              </a:r>
-              <a:r>
-                <a:rPr lang="en-SG" sz="1100" dirty="0">
+                  <a:effectLst/>
+                  <a:latin typeface="Consolas" panose="020B0609020204030204" pitchFamily="49" charset="0"/>
+                </a:rPr>
+                <a:t>ttest_1samp(ages, 40)</a:t>
+              </a:r>
+            </a:p>
+            <a:p>
+              <a:endParaRPr lang="en-SG" sz="1100" b="0" i="0">
+                <a:solidFill>
+                  <a:srgbClr val="24292F"/>
+                </a:solidFill>
+                <a:effectLst/>
+                <a:latin typeface="Consolas" panose="020B0609020204030204" pitchFamily="49" charset="0"/>
+              </a:endParaRPr>
+            </a:p>
+            <a:p>
+              <a:r>
+                <a:rPr lang="en-SG" sz="1100" b="0" i="0">
                   <a:solidFill>
-                    <a:srgbClr val="FF0000"/>
+                    <a:srgbClr val="24292F"/>
                   </a:solidFill>
-                  <a:latin typeface="Consolas" panose="020B0609020204030204" pitchFamily="49" charset="0"/>
-                </a:rPr>
-                <a:t>(</a:t>
-              </a:r>
-              <a:r>
-                <a:rPr lang="en-SG" sz="1100" dirty="0" err="1">
-                  <a:solidFill>
-                    <a:srgbClr val="FF0000"/>
-                  </a:solidFill>
-                  <a:latin typeface="Consolas" panose="020B0609020204030204" pitchFamily="49" charset="0"/>
-                </a:rPr>
-                <a:t>group_a</a:t>
-              </a:r>
-              <a:r>
-                <a:rPr lang="en-SG" sz="1100" dirty="0">
-                  <a:solidFill>
-                    <a:srgbClr val="FF0000"/>
-                  </a:solidFill>
-                  <a:latin typeface="Consolas" panose="020B0609020204030204" pitchFamily="49" charset="0"/>
-                </a:rPr>
-                <a:t>, </a:t>
-              </a:r>
-              <a:r>
-                <a:rPr lang="en-SG" sz="1100" dirty="0" err="1">
-                  <a:solidFill>
-                    <a:srgbClr val="FF0000"/>
-                  </a:solidFill>
-                  <a:latin typeface="Consolas" panose="020B0609020204030204" pitchFamily="49" charset="0"/>
-                </a:rPr>
-                <a:t>group_b</a:t>
-              </a:r>
-              <a:r>
-                <a:rPr lang="en-SG" sz="1100" dirty="0">
-                  <a:solidFill>
-                    <a:srgbClr val="FF0000"/>
-                  </a:solidFill>
-                  <a:latin typeface="Consolas" panose="020B0609020204030204" pitchFamily="49" charset="0"/>
-                </a:rPr>
-                <a:t>)</a:t>
+                  <a:effectLst/>
+                  <a:latin typeface="Consolas" panose="020B0609020204030204" pitchFamily="49" charset="0"/>
+                </a:rPr>
+                <a:t>print(round(pval,3))</a:t>
               </a:r>
             </a:p>
             <a:p>
@@ -6957,29 +7975,91 @@
                 <a:latin typeface="Consolas" panose="020B0609020204030204" pitchFamily="49" charset="0"/>
               </a:endParaRPr>
             </a:p>
-            <a:p>
-              <a:r>
-                <a:rPr lang="en-SG" sz="1100" dirty="0">
-                  <a:latin typeface="Consolas" panose="020B0609020204030204" pitchFamily="49" charset="0"/>
-                </a:rPr>
-                <a:t>print(</a:t>
-              </a:r>
-              <a:r>
-                <a:rPr lang="en-SG" sz="1100" dirty="0" err="1">
-                  <a:latin typeface="Consolas" panose="020B0609020204030204" pitchFamily="49" charset="0"/>
-                </a:rPr>
-                <a:t>test.pvalue.round</a:t>
-              </a:r>
-              <a:r>
-                <a:rPr lang="en-SG" sz="1100" dirty="0">
-                  <a:latin typeface="Consolas" panose="020B0609020204030204" pitchFamily="49" charset="0"/>
-                </a:rPr>
-                <a:t>(3))</a:t>
-              </a:r>
+          </p:txBody>
+        </p:sp>
+        <p:sp>
+          <p:nvSpPr>
+            <p:cNvPr id="10" name="Rectangle 9">
+              <a:extLst>
+                <a:ext uri="{FF2B5EF4-FFF2-40B4-BE49-F238E27FC236}">
+                  <a16:creationId xmlns:a16="http://schemas.microsoft.com/office/drawing/2014/main" id="{E2D5E7C9-43BD-065E-6B94-061CC521908A}"/>
+                </a:ext>
+              </a:extLst>
+            </p:cNvPr>
+            <p:cNvSpPr/>
+            <p:nvPr/>
+          </p:nvSpPr>
+          <p:spPr>
+            <a:xfrm>
+              <a:off x="4026716" y="2910980"/>
+              <a:ext cx="1887523" cy="209725"/>
+            </a:xfrm>
+            <a:prstGeom prst="rect">
+              <a:avLst/>
+            </a:prstGeom>
+            <a:noFill/>
+            <a:ln>
+              <a:solidFill>
+                <a:srgbClr val="FF0000"/>
+              </a:solidFill>
+            </a:ln>
+          </p:spPr>
+          <p:style>
+            <a:lnRef idx="2">
+              <a:schemeClr val="accent1">
+                <a:shade val="50000"/>
+              </a:schemeClr>
+            </a:lnRef>
+            <a:fillRef idx="1">
+              <a:schemeClr val="accent1"/>
+            </a:fillRef>
+            <a:effectRef idx="0">
+              <a:schemeClr val="accent1"/>
+            </a:effectRef>
+            <a:fontRef idx="minor">
+              <a:schemeClr val="lt1"/>
+            </a:fontRef>
+          </p:style>
+          <p:txBody>
+            <a:bodyPr rtlCol="0" anchor="ctr"/>
+            <a:lstStyle/>
+            <a:p>
+              <a:pPr algn="ctr"/>
+              <a:endParaRPr lang="en-SG"/>
             </a:p>
           </p:txBody>
         </p:sp>
       </p:grpSp>
+    </p:spTree>
+    <p:extLst>
+      <p:ext uri="{BB962C8B-B14F-4D97-AF65-F5344CB8AC3E}">
+        <p14:creationId xmlns:p14="http://schemas.microsoft.com/office/powerpoint/2010/main" val="2075895260"/>
+      </p:ext>
+    </p:extLst>
+  </p:cSld>
+  <p:clrMapOvr>
+    <a:masterClrMapping/>
+  </p:clrMapOvr>
+</p:sld>
+</file>
+
+<file path=ppt/slides/slide25.xml><?xml version="1.0" encoding="utf-8"?>
+<p:sld xmlns:a="http://schemas.openxmlformats.org/drawingml/2006/main" xmlns:r="http://schemas.openxmlformats.org/officeDocument/2006/relationships" xmlns:p="http://schemas.openxmlformats.org/presentationml/2006/main">
+  <p:cSld>
+    <p:spTree>
+      <p:nvGrpSpPr>
+        <p:cNvPr id="1" name=""/>
+        <p:cNvGrpSpPr/>
+        <p:nvPr/>
+      </p:nvGrpSpPr>
+      <p:grpSpPr>
+        <a:xfrm>
+          <a:off x="0" y="0"/>
+          <a:ext cx="0" cy="0"/>
+          <a:chOff x="0" y="0"/>
+          <a:chExt cx="0" cy="0"/>
+        </a:xfrm>
+      </p:grpSpPr>
       <p:sp>
         <p:nvSpPr>
           <p:cNvPr id="2" name="TextBox 1">
@@ -7019,6 +8099,252 @@
           </a:p>
         </p:txBody>
       </p:sp>
+      <p:grpSp>
+        <p:nvGrpSpPr>
+          <p:cNvPr id="5" name="Group 4">
+            <a:extLst>
+              <a:ext uri="{FF2B5EF4-FFF2-40B4-BE49-F238E27FC236}">
+                <a16:creationId xmlns:a16="http://schemas.microsoft.com/office/drawing/2014/main" id="{C681C04D-96E6-3243-A5FD-9162954E2B76}"/>
+              </a:ext>
+            </a:extLst>
+          </p:cNvPr>
+          <p:cNvGrpSpPr/>
+          <p:nvPr/>
+        </p:nvGrpSpPr>
+        <p:grpSpPr>
+          <a:xfrm>
+            <a:off x="3173092" y="1571817"/>
+            <a:ext cx="5845815" cy="3714365"/>
+            <a:chOff x="3173092" y="1571817"/>
+            <a:chExt cx="5845815" cy="3714365"/>
+          </a:xfrm>
+        </p:grpSpPr>
+        <p:pic>
+          <p:nvPicPr>
+            <p:cNvPr id="3" name="Picture 2">
+              <a:extLst>
+                <a:ext uri="{FF2B5EF4-FFF2-40B4-BE49-F238E27FC236}">
+                  <a16:creationId xmlns:a16="http://schemas.microsoft.com/office/drawing/2014/main" id="{FAA26E75-4734-39AD-CAD1-B51103AE2B67}"/>
+                </a:ext>
+              </a:extLst>
+            </p:cNvPr>
+            <p:cNvPicPr>
+              <a:picLocks noChangeAspect="1"/>
+            </p:cNvPicPr>
+            <p:nvPr/>
+          </p:nvPicPr>
+          <p:blipFill>
+            <a:blip r:embed="rId2"/>
+            <a:stretch>
+              <a:fillRect/>
+            </a:stretch>
+          </p:blipFill>
+          <p:spPr>
+            <a:xfrm>
+              <a:off x="3173092" y="1571817"/>
+              <a:ext cx="5845815" cy="3714365"/>
+            </a:xfrm>
+            <a:prstGeom prst="rect">
+              <a:avLst/>
+            </a:prstGeom>
+          </p:spPr>
+        </p:pic>
+        <p:sp>
+          <p:nvSpPr>
+            <p:cNvPr id="6" name="TextBox 5">
+              <a:extLst>
+                <a:ext uri="{FF2B5EF4-FFF2-40B4-BE49-F238E27FC236}">
+                  <a16:creationId xmlns:a16="http://schemas.microsoft.com/office/drawing/2014/main" id="{7AE5F2BF-B6DB-0269-AE8D-17DFDF192E72}"/>
+                </a:ext>
+              </a:extLst>
+            </p:cNvPr>
+            <p:cNvSpPr txBox="1"/>
+            <p:nvPr/>
+          </p:nvSpPr>
+          <p:spPr>
+            <a:xfrm>
+              <a:off x="3521987" y="3131881"/>
+              <a:ext cx="4892013" cy="938719"/>
+            </a:xfrm>
+            <a:prstGeom prst="rect">
+              <a:avLst/>
+            </a:prstGeom>
+            <a:solidFill>
+              <a:srgbClr val="EFEBE4"/>
+            </a:solidFill>
+          </p:spPr>
+          <p:txBody>
+            <a:bodyPr wrap="square">
+              <a:spAutoFit/>
+            </a:bodyPr>
+            <a:lstStyle/>
+            <a:p>
+              <a:r>
+                <a:rPr lang="en-SG" sz="1100" dirty="0">
+                  <a:latin typeface="Consolas" panose="020B0609020204030204" pitchFamily="49" charset="0"/>
+                </a:rPr>
+                <a:t>from </a:t>
+              </a:r>
+              <a:r>
+                <a:rPr lang="en-SG" sz="1100" dirty="0" err="1">
+                  <a:latin typeface="Consolas" panose="020B0609020204030204" pitchFamily="49" charset="0"/>
+                </a:rPr>
+                <a:t>scipy</a:t>
+              </a:r>
+              <a:r>
+                <a:rPr lang="en-SG" sz="1100" dirty="0">
+                  <a:latin typeface="Consolas" panose="020B0609020204030204" pitchFamily="49" charset="0"/>
+                </a:rPr>
+                <a:t> import stats</a:t>
+              </a:r>
+            </a:p>
+            <a:p>
+              <a:endParaRPr lang="en-SG" sz="1100" dirty="0">
+                <a:latin typeface="Consolas" panose="020B0609020204030204" pitchFamily="49" charset="0"/>
+              </a:endParaRPr>
+            </a:p>
+            <a:p>
+              <a:r>
+                <a:rPr lang="en-SG" sz="1100" dirty="0">
+                  <a:latin typeface="Consolas" panose="020B0609020204030204" pitchFamily="49" charset="0"/>
+                </a:rPr>
+                <a:t>test= </a:t>
+              </a:r>
+              <a:r>
+                <a:rPr lang="en-SG" sz="1100" dirty="0" err="1">
+                  <a:solidFill>
+                    <a:srgbClr val="FF0000"/>
+                  </a:solidFill>
+                  <a:latin typeface="Consolas" panose="020B0609020204030204" pitchFamily="49" charset="0"/>
+                </a:rPr>
+                <a:t>stats.ttest_ind</a:t>
+              </a:r>
+              <a:r>
+                <a:rPr lang="en-SG" sz="1100" dirty="0">
+                  <a:solidFill>
+                    <a:srgbClr val="FF0000"/>
+                  </a:solidFill>
+                  <a:latin typeface="Consolas" panose="020B0609020204030204" pitchFamily="49" charset="0"/>
+                </a:rPr>
+                <a:t>(</a:t>
+              </a:r>
+              <a:r>
+                <a:rPr lang="en-SG" sz="1100" dirty="0" err="1">
+                  <a:solidFill>
+                    <a:srgbClr val="FF0000"/>
+                  </a:solidFill>
+                  <a:latin typeface="Consolas" panose="020B0609020204030204" pitchFamily="49" charset="0"/>
+                </a:rPr>
+                <a:t>group_a</a:t>
+              </a:r>
+              <a:r>
+                <a:rPr lang="en-SG" sz="1100" dirty="0">
+                  <a:solidFill>
+                    <a:srgbClr val="FF0000"/>
+                  </a:solidFill>
+                  <a:latin typeface="Consolas" panose="020B0609020204030204" pitchFamily="49" charset="0"/>
+                </a:rPr>
+                <a:t>, </a:t>
+              </a:r>
+              <a:r>
+                <a:rPr lang="en-SG" sz="1100" dirty="0" err="1">
+                  <a:solidFill>
+                    <a:srgbClr val="FF0000"/>
+                  </a:solidFill>
+                  <a:latin typeface="Consolas" panose="020B0609020204030204" pitchFamily="49" charset="0"/>
+                </a:rPr>
+                <a:t>group_b</a:t>
+              </a:r>
+              <a:r>
+                <a:rPr lang="en-SG" sz="1100" dirty="0">
+                  <a:solidFill>
+                    <a:srgbClr val="FF0000"/>
+                  </a:solidFill>
+                  <a:latin typeface="Consolas" panose="020B0609020204030204" pitchFamily="49" charset="0"/>
+                </a:rPr>
+                <a:t>)</a:t>
+              </a:r>
+            </a:p>
+            <a:p>
+              <a:endParaRPr lang="en-SG" sz="1100" dirty="0">
+                <a:latin typeface="Consolas" panose="020B0609020204030204" pitchFamily="49" charset="0"/>
+              </a:endParaRPr>
+            </a:p>
+            <a:p>
+              <a:r>
+                <a:rPr lang="en-SG" sz="1100" dirty="0">
+                  <a:latin typeface="Consolas" panose="020B0609020204030204" pitchFamily="49" charset="0"/>
+                </a:rPr>
+                <a:t>print(</a:t>
+              </a:r>
+              <a:r>
+                <a:rPr lang="en-SG" sz="1100" dirty="0" err="1">
+                  <a:latin typeface="Consolas" panose="020B0609020204030204" pitchFamily="49" charset="0"/>
+                </a:rPr>
+                <a:t>test.pvalue.round</a:t>
+              </a:r>
+              <a:r>
+                <a:rPr lang="en-SG" sz="1100" dirty="0">
+                  <a:latin typeface="Consolas" panose="020B0609020204030204" pitchFamily="49" charset="0"/>
+                </a:rPr>
+                <a:t>(3))</a:t>
+              </a:r>
+            </a:p>
+          </p:txBody>
+        </p:sp>
+        <p:sp>
+          <p:nvSpPr>
+            <p:cNvPr id="4" name="Rectangle 3">
+              <a:extLst>
+                <a:ext uri="{FF2B5EF4-FFF2-40B4-BE49-F238E27FC236}">
+                  <a16:creationId xmlns:a16="http://schemas.microsoft.com/office/drawing/2014/main" id="{66F7D53F-9263-7C01-E0CA-316E83133753}"/>
+                </a:ext>
+              </a:extLst>
+            </p:cNvPr>
+            <p:cNvSpPr/>
+            <p:nvPr/>
+          </p:nvSpPr>
+          <p:spPr>
+            <a:xfrm>
+              <a:off x="6904139" y="2239861"/>
+              <a:ext cx="1367406" cy="218113"/>
+            </a:xfrm>
+            <a:prstGeom prst="rect">
+              <a:avLst/>
+            </a:prstGeom>
+            <a:noFill/>
+            <a:ln>
+              <a:solidFill>
+                <a:srgbClr val="FF0000"/>
+              </a:solidFill>
+            </a:ln>
+          </p:spPr>
+          <p:style>
+            <a:lnRef idx="2">
+              <a:schemeClr val="accent1">
+                <a:shade val="50000"/>
+              </a:schemeClr>
+            </a:lnRef>
+            <a:fillRef idx="1">
+              <a:schemeClr val="accent1"/>
+            </a:fillRef>
+            <a:effectRef idx="0">
+              <a:schemeClr val="accent1"/>
+            </a:effectRef>
+            <a:fontRef idx="minor">
+              <a:schemeClr val="lt1"/>
+            </a:fontRef>
+          </p:style>
+          <p:txBody>
+            <a:bodyPr rtlCol="0" anchor="ctr"/>
+            <a:lstStyle/>
+            <a:p>
+              <a:pPr algn="ctr"/>
+              <a:endParaRPr lang="en-SG"/>
+            </a:p>
+          </p:txBody>
+        </p:sp>
+      </p:grpSp>
     </p:spTree>
     <p:extLst>
       <p:ext uri="{BB962C8B-B14F-4D97-AF65-F5344CB8AC3E}">
@@ -7032,7 +8358,7 @@
 </p:sld>
 </file>
 
-<file path=ppt/slides/slide22.xml><?xml version="1.0" encoding="utf-8"?>
+<file path=ppt/slides/slide26.xml><?xml version="1.0" encoding="utf-8"?>
 <p:sld xmlns:a="http://schemas.openxmlformats.org/drawingml/2006/main" xmlns:r="http://schemas.openxmlformats.org/officeDocument/2006/relationships" xmlns:p="http://schemas.openxmlformats.org/presentationml/2006/main">
   <p:cSld>
     <p:spTree>
@@ -7063,7 +8389,7 @@
         </p:nvGrpSpPr>
         <p:grpSpPr>
           <a:xfrm>
-            <a:off x="2678891" y="395970"/>
+            <a:off x="2950938" y="1459662"/>
             <a:ext cx="6290123" cy="3938675"/>
             <a:chOff x="2678891" y="395970"/>
             <a:chExt cx="6290123" cy="3938675"/>
@@ -7120,9 +8446,7 @@
               <a:avLst/>
             </a:prstGeom>
             <a:solidFill>
-              <a:schemeClr val="bg1">
-                <a:lumMod val="95000"/>
-              </a:schemeClr>
+              <a:srgbClr val="EFEBE4"/>
             </a:solidFill>
           </p:spPr>
           <p:txBody>
@@ -7212,6 +8536,45 @@
           </p:txBody>
         </p:sp>
       </p:grpSp>
+      <p:sp>
+        <p:nvSpPr>
+          <p:cNvPr id="2" name="TextBox 1">
+            <a:extLst>
+              <a:ext uri="{FF2B5EF4-FFF2-40B4-BE49-F238E27FC236}">
+                <a16:creationId xmlns:a16="http://schemas.microsoft.com/office/drawing/2014/main" id="{6382B67D-9E24-8D5D-5E5B-B508AFC2B8B5}"/>
+              </a:ext>
+            </a:extLst>
+          </p:cNvPr>
+          <p:cNvSpPr txBox="1"/>
+          <p:nvPr/>
+        </p:nvSpPr>
+        <p:spPr>
+          <a:xfrm>
+            <a:off x="9383486" y="82715"/>
+            <a:ext cx="2722563" cy="369332"/>
+          </a:xfrm>
+          <a:prstGeom prst="rect">
+            <a:avLst/>
+          </a:prstGeom>
+          <a:solidFill>
+            <a:schemeClr val="accent2"/>
+          </a:solidFill>
+        </p:spPr>
+        <p:txBody>
+          <a:bodyPr wrap="square" rtlCol="0">
+            <a:spAutoFit/>
+          </a:bodyPr>
+          <a:lstStyle/>
+          <a:p>
+            <a:pPr algn="ctr"/>
+            <a:r>
+              <a:rPr lang="en-GB"/>
+              <a:t>HARD</a:t>
+            </a:r>
+            <a:endParaRPr lang="en-SG"/>
+          </a:p>
+        </p:txBody>
+      </p:sp>
     </p:spTree>
     <p:extLst>
       <p:ext uri="{BB962C8B-B14F-4D97-AF65-F5344CB8AC3E}">
@@ -7225,7 +8588,7 @@
 </p:sld>
 </file>
 
-<file path=ppt/slides/slide23.xml><?xml version="1.0" encoding="utf-8"?>
+<file path=ppt/slides/slide27.xml><?xml version="1.0" encoding="utf-8"?>
 <p:sld xmlns:a="http://schemas.openxmlformats.org/drawingml/2006/main" xmlns:r="http://schemas.openxmlformats.org/officeDocument/2006/relationships" xmlns:p="http://schemas.openxmlformats.org/presentationml/2006/main">
   <p:cSld>
     <p:spTree>
@@ -7256,7 +8619,7 @@
         </p:nvGrpSpPr>
         <p:grpSpPr>
           <a:xfrm>
-            <a:off x="2734808" y="426132"/>
+            <a:off x="3127261" y="1234357"/>
             <a:ext cx="5937477" cy="4389286"/>
             <a:chOff x="2734808" y="426132"/>
             <a:chExt cx="5937477" cy="4389286"/>
@@ -7313,9 +8676,7 @@
               <a:avLst/>
             </a:prstGeom>
             <a:solidFill>
-              <a:schemeClr val="bg1">
-                <a:lumMod val="95000"/>
-              </a:schemeClr>
+              <a:srgbClr val="EFEBE4"/>
             </a:solidFill>
           </p:spPr>
           <p:txBody>
@@ -7434,7 +8795,7 @@
 </p:sld>
 </file>
 
-<file path=ppt/slides/slide24.xml><?xml version="1.0" encoding="utf-8"?>
+<file path=ppt/slides/slide28.xml><?xml version="1.0" encoding="utf-8"?>
 <p:sld xmlns:a="http://schemas.openxmlformats.org/drawingml/2006/main" xmlns:r="http://schemas.openxmlformats.org/officeDocument/2006/relationships" xmlns:p="http://schemas.openxmlformats.org/presentationml/2006/main">
   <p:cSld>
     <p:spTree>
@@ -7465,7 +8826,7 @@
         </p:nvGrpSpPr>
         <p:grpSpPr>
           <a:xfrm>
-            <a:off x="2935061" y="418419"/>
+            <a:off x="3238273" y="1532787"/>
             <a:ext cx="5715454" cy="3792426"/>
             <a:chOff x="1236889" y="258762"/>
             <a:chExt cx="5715454" cy="3792426"/>
@@ -7522,9 +8883,7 @@
               <a:avLst/>
             </a:prstGeom>
             <a:solidFill>
-              <a:schemeClr val="bg1">
-                <a:lumMod val="95000"/>
-              </a:schemeClr>
+              <a:srgbClr val="EFEBE4"/>
             </a:solidFill>
           </p:spPr>
           <p:txBody>
@@ -7639,7 +8998,7 @@
 </p:sld>
 </file>
 
-<file path=ppt/slides/slide25.xml><?xml version="1.0" encoding="utf-8"?>
+<file path=ppt/slides/slide29.xml><?xml version="1.0" encoding="utf-8"?>
 <p:sld xmlns:a="http://schemas.openxmlformats.org/drawingml/2006/main" xmlns:r="http://schemas.openxmlformats.org/officeDocument/2006/relationships" xmlns:p="http://schemas.openxmlformats.org/presentationml/2006/main">
   <p:cSld>
     <p:spTree>
@@ -7727,9 +9086,7 @@
               <a:avLst/>
             </a:prstGeom>
             <a:solidFill>
-              <a:schemeClr val="bg1">
-                <a:lumMod val="95000"/>
-              </a:schemeClr>
+              <a:srgbClr val="EFEBE4"/>
             </a:solidFill>
           </p:spPr>
           <p:txBody>
@@ -7857,7 +9214,239 @@
 </p:sld>
 </file>
 
-<file path=ppt/slides/slide26.xml><?xml version="1.0" encoding="utf-8"?>
+<file path=ppt/slides/slide3.xml><?xml version="1.0" encoding="utf-8"?>
+<p:sld xmlns:a="http://schemas.openxmlformats.org/drawingml/2006/main" xmlns:r="http://schemas.openxmlformats.org/officeDocument/2006/relationships" xmlns:p="http://schemas.openxmlformats.org/presentationml/2006/main">
+  <p:cSld>
+    <p:spTree>
+      <p:nvGrpSpPr>
+        <p:cNvPr id="1" name=""/>
+        <p:cNvGrpSpPr/>
+        <p:nvPr/>
+      </p:nvGrpSpPr>
+      <p:grpSpPr>
+        <a:xfrm>
+          <a:off x="0" y="0"/>
+          <a:ext cx="0" cy="0"/>
+          <a:chOff x="0" y="0"/>
+          <a:chExt cx="0" cy="0"/>
+        </a:xfrm>
+      </p:grpSpPr>
+      <p:pic>
+        <p:nvPicPr>
+          <p:cNvPr id="5" name="Picture 4">
+            <a:extLst>
+              <a:ext uri="{FF2B5EF4-FFF2-40B4-BE49-F238E27FC236}">
+                <a16:creationId xmlns:a16="http://schemas.microsoft.com/office/drawing/2014/main" id="{9B6B6764-6035-DC41-3407-2D7F5B56658A}"/>
+              </a:ext>
+            </a:extLst>
+          </p:cNvPr>
+          <p:cNvPicPr>
+            <a:picLocks noChangeAspect="1"/>
+          </p:cNvPicPr>
+          <p:nvPr/>
+        </p:nvPicPr>
+        <p:blipFill>
+          <a:blip r:embed="rId2"/>
+          <a:stretch>
+            <a:fillRect/>
+          </a:stretch>
+        </p:blipFill>
+        <p:spPr>
+          <a:xfrm>
+            <a:off x="6227864" y="822476"/>
+            <a:ext cx="5290433" cy="4446516"/>
+          </a:xfrm>
+          <a:prstGeom prst="rect">
+            <a:avLst/>
+          </a:prstGeom>
+        </p:spPr>
+      </p:pic>
+      <p:grpSp>
+        <p:nvGrpSpPr>
+          <p:cNvPr id="11" name="Group 10">
+            <a:extLst>
+              <a:ext uri="{FF2B5EF4-FFF2-40B4-BE49-F238E27FC236}">
+                <a16:creationId xmlns:a16="http://schemas.microsoft.com/office/drawing/2014/main" id="{873D53C3-1922-BB10-9D21-BB15E06ED5F7}"/>
+              </a:ext>
+            </a:extLst>
+          </p:cNvPr>
+          <p:cNvGrpSpPr/>
+          <p:nvPr/>
+        </p:nvGrpSpPr>
+        <p:grpSpPr>
+          <a:xfrm>
+            <a:off x="645149" y="750121"/>
+            <a:ext cx="5318988" cy="4055292"/>
+            <a:chOff x="283053" y="219165"/>
+            <a:chExt cx="5821193" cy="4588286"/>
+          </a:xfrm>
+        </p:grpSpPr>
+        <p:pic>
+          <p:nvPicPr>
+            <p:cNvPr id="7" name="Picture 6">
+              <a:extLst>
+                <a:ext uri="{FF2B5EF4-FFF2-40B4-BE49-F238E27FC236}">
+                  <a16:creationId xmlns:a16="http://schemas.microsoft.com/office/drawing/2014/main" id="{33C734E9-C482-09AD-D70C-6B6B0B8B9D12}"/>
+                </a:ext>
+              </a:extLst>
+            </p:cNvPr>
+            <p:cNvPicPr>
+              <a:picLocks noChangeAspect="1"/>
+            </p:cNvPicPr>
+            <p:nvPr/>
+          </p:nvPicPr>
+          <p:blipFill>
+            <a:blip r:embed="rId3"/>
+            <a:stretch>
+              <a:fillRect/>
+            </a:stretch>
+          </p:blipFill>
+          <p:spPr>
+            <a:xfrm>
+              <a:off x="283053" y="219165"/>
+              <a:ext cx="5821193" cy="4588286"/>
+            </a:xfrm>
+            <a:prstGeom prst="rect">
+              <a:avLst/>
+            </a:prstGeom>
+          </p:spPr>
+        </p:pic>
+        <p:sp>
+          <p:nvSpPr>
+            <p:cNvPr id="10" name="TextBox 9">
+              <a:extLst>
+                <a:ext uri="{FF2B5EF4-FFF2-40B4-BE49-F238E27FC236}">
+                  <a16:creationId xmlns:a16="http://schemas.microsoft.com/office/drawing/2014/main" id="{E16DBE21-0667-1996-C71F-9427331281E7}"/>
+                </a:ext>
+              </a:extLst>
+            </p:cNvPr>
+            <p:cNvSpPr txBox="1"/>
+            <p:nvPr/>
+          </p:nvSpPr>
+          <p:spPr>
+            <a:xfrm>
+              <a:off x="716403" y="3160484"/>
+              <a:ext cx="5046841" cy="1201387"/>
+            </a:xfrm>
+            <a:prstGeom prst="rect">
+              <a:avLst/>
+            </a:prstGeom>
+            <a:solidFill>
+              <a:srgbClr val="EFEBE4"/>
+            </a:solidFill>
+          </p:spPr>
+          <p:txBody>
+            <a:bodyPr wrap="square">
+              <a:spAutoFit/>
+            </a:bodyPr>
+            <a:lstStyle/>
+            <a:p>
+              <a:r>
+                <a:rPr lang="en-SG" sz="1050" dirty="0">
+                  <a:latin typeface="Consolas" panose="020B0609020204030204" pitchFamily="49" charset="0"/>
+                </a:rPr>
+                <a:t>import </a:t>
+              </a:r>
+              <a:r>
+                <a:rPr lang="en-SG" sz="1050" dirty="0" err="1">
+                  <a:latin typeface="Consolas" panose="020B0609020204030204" pitchFamily="49" charset="0"/>
+                </a:rPr>
+                <a:t>matplotlib.pyplot</a:t>
+              </a:r>
+              <a:r>
+                <a:rPr lang="en-SG" sz="1050" dirty="0">
+                  <a:latin typeface="Consolas" panose="020B0609020204030204" pitchFamily="49" charset="0"/>
+                </a:rPr>
+                <a:t> as </a:t>
+              </a:r>
+              <a:r>
+                <a:rPr lang="en-SG" sz="1050" dirty="0" err="1">
+                  <a:latin typeface="Consolas" panose="020B0609020204030204" pitchFamily="49" charset="0"/>
+                </a:rPr>
+                <a:t>plt</a:t>
+              </a:r>
+              <a:endParaRPr lang="en-SG" sz="1050" dirty="0">
+                <a:latin typeface="Consolas" panose="020B0609020204030204" pitchFamily="49" charset="0"/>
+              </a:endParaRPr>
+            </a:p>
+            <a:p>
+              <a:r>
+                <a:rPr lang="en-SG" sz="1050" dirty="0">
+                  <a:latin typeface="Consolas" panose="020B0609020204030204" pitchFamily="49" charset="0"/>
+                </a:rPr>
+                <a:t>import seaborn as </a:t>
+              </a:r>
+              <a:r>
+                <a:rPr lang="en-SG" sz="1050" dirty="0" err="1">
+                  <a:latin typeface="Consolas" panose="020B0609020204030204" pitchFamily="49" charset="0"/>
+                </a:rPr>
+                <a:t>sns</a:t>
+              </a:r>
+              <a:endParaRPr lang="en-SG" sz="1050" dirty="0">
+                <a:latin typeface="Consolas" panose="020B0609020204030204" pitchFamily="49" charset="0"/>
+              </a:endParaRPr>
+            </a:p>
+            <a:p>
+              <a:endParaRPr lang="en-SG" sz="1050" dirty="0">
+                <a:latin typeface="Consolas" panose="020B0609020204030204" pitchFamily="49" charset="0"/>
+              </a:endParaRPr>
+            </a:p>
+            <a:p>
+              <a:r>
+                <a:rPr lang="en-SG" sz="1050" dirty="0" err="1">
+                  <a:solidFill>
+                    <a:srgbClr val="FF0000"/>
+                  </a:solidFill>
+                  <a:latin typeface="Consolas" panose="020B0609020204030204" pitchFamily="49" charset="0"/>
+                </a:rPr>
+                <a:t>sns.boxplot</a:t>
+              </a:r>
+              <a:r>
+                <a:rPr lang="en-SG" sz="1050" dirty="0">
+                  <a:solidFill>
+                    <a:srgbClr val="FF0000"/>
+                  </a:solidFill>
+                  <a:latin typeface="Consolas" panose="020B0609020204030204" pitchFamily="49" charset="0"/>
+                </a:rPr>
+                <a:t>(x = 'airline', y = 'delay', data = arrivals)</a:t>
+              </a:r>
+            </a:p>
+            <a:p>
+              <a:endParaRPr lang="en-SG" sz="1050" dirty="0">
+                <a:latin typeface="Consolas" panose="020B0609020204030204" pitchFamily="49" charset="0"/>
+              </a:endParaRPr>
+            </a:p>
+            <a:p>
+              <a:r>
+                <a:rPr lang="en-SG" sz="1050" dirty="0" err="1">
+                  <a:latin typeface="Consolas" panose="020B0609020204030204" pitchFamily="49" charset="0"/>
+                </a:rPr>
+                <a:t>plt.show</a:t>
+              </a:r>
+              <a:r>
+                <a:rPr lang="en-SG" sz="1050" dirty="0">
+                  <a:latin typeface="Consolas" panose="020B0609020204030204" pitchFamily="49" charset="0"/>
+                </a:rPr>
+                <a:t>()</a:t>
+              </a:r>
+            </a:p>
+          </p:txBody>
+        </p:sp>
+      </p:grpSp>
+    </p:spTree>
+    <p:extLst>
+      <p:ext uri="{BB962C8B-B14F-4D97-AF65-F5344CB8AC3E}">
+        <p14:creationId xmlns:p14="http://schemas.microsoft.com/office/powerpoint/2010/main" val="2603093890"/>
+      </p:ext>
+    </p:extLst>
+  </p:cSld>
+  <p:clrMapOvr>
+    <a:masterClrMapping/>
+  </p:clrMapOvr>
+</p:sld>
+</file>
+
+<file path=ppt/slides/slide30.xml><?xml version="1.0" encoding="utf-8"?>
 <p:sld xmlns:a="http://schemas.openxmlformats.org/drawingml/2006/main" xmlns:r="http://schemas.openxmlformats.org/officeDocument/2006/relationships" xmlns:p="http://schemas.openxmlformats.org/presentationml/2006/main">
   <p:cSld>
     <p:spTree>
@@ -7888,7 +9477,7 @@
         </p:nvGrpSpPr>
         <p:grpSpPr>
           <a:xfrm>
-            <a:off x="2964091" y="385534"/>
+            <a:off x="3278188" y="1026683"/>
             <a:ext cx="5635624" cy="4804634"/>
             <a:chOff x="1411062" y="341991"/>
             <a:chExt cx="5635624" cy="4804634"/>
@@ -8018,9 +9607,7 @@
               <a:avLst/>
             </a:prstGeom>
             <a:solidFill>
-              <a:schemeClr val="bg1">
-                <a:lumMod val="95000"/>
-              </a:schemeClr>
+              <a:srgbClr val="EFEBE4"/>
             </a:solidFill>
           </p:spPr>
           <p:txBody>
@@ -8104,11 +9691,14 @@
             </a:p>
             <a:p>
               <a:r>
-                <a:rPr lang="en-SG" sz="1100" dirty="0">
+                <a:rPr lang="en-SG" sz="1100">
                   <a:latin typeface="Consolas" panose="020B0609020204030204" pitchFamily="49" charset="0"/>
                 </a:rPr>
                 <a:t>print(prob)</a:t>
               </a:r>
+              <a:endParaRPr lang="en-SG" sz="1100" dirty="0">
+                <a:latin typeface="Consolas" panose="020B0609020204030204" pitchFamily="49" charset="0"/>
+              </a:endParaRPr>
             </a:p>
           </p:txBody>
         </p:sp>
@@ -8126,7 +9716,7 @@
 </p:sld>
 </file>
 
-<file path=ppt/slides/slide27.xml><?xml version="1.0" encoding="utf-8"?>
+<file path=ppt/slides/slide31.xml><?xml version="1.0" encoding="utf-8"?>
 <p:sld xmlns:a="http://schemas.openxmlformats.org/drawingml/2006/main" xmlns:r="http://schemas.openxmlformats.org/officeDocument/2006/relationships" xmlns:p="http://schemas.openxmlformats.org/presentationml/2006/main">
   <p:cSld>
     <p:spTree>
@@ -8214,9 +9804,7 @@
               <a:avLst/>
             </a:prstGeom>
             <a:solidFill>
-              <a:schemeClr val="bg1">
-                <a:lumMod val="95000"/>
-              </a:schemeClr>
+              <a:srgbClr val="EFEBE4"/>
             </a:solidFill>
           </p:spPr>
           <p:txBody>
@@ -8301,7 +9889,7 @@
         </p:nvSpPr>
         <p:spPr>
           <a:xfrm>
-            <a:off x="9290232" y="4200475"/>
+            <a:off x="1565788" y="1551187"/>
             <a:ext cx="1335980" cy="261610"/>
           </a:xfrm>
           <a:prstGeom prst="rect">
@@ -8331,6 +9919,58 @@
           </a:p>
         </p:txBody>
       </p:sp>
+      <p:sp>
+        <p:nvSpPr>
+          <p:cNvPr id="2" name="Rectangle 1">
+            <a:extLst>
+              <a:ext uri="{FF2B5EF4-FFF2-40B4-BE49-F238E27FC236}">
+                <a16:creationId xmlns:a16="http://schemas.microsoft.com/office/drawing/2014/main" id="{DFB9EEDE-AF11-F059-78F5-3678C4A83A23}"/>
+              </a:ext>
+            </a:extLst>
+          </p:cNvPr>
+          <p:cNvSpPr/>
+          <p:nvPr/>
+        </p:nvSpPr>
+        <p:spPr>
+          <a:xfrm>
+            <a:off x="5436066" y="1577130"/>
+            <a:ext cx="847288" cy="209725"/>
+          </a:xfrm>
+          <a:prstGeom prst="rect">
+            <a:avLst/>
+          </a:prstGeom>
+          <a:noFill/>
+          <a:ln>
+            <a:solidFill>
+              <a:srgbClr val="FF0000"/>
+            </a:solidFill>
+          </a:ln>
+        </p:spPr>
+        <p:style>
+          <a:lnRef idx="2">
+            <a:schemeClr val="accent1">
+              <a:shade val="50000"/>
+            </a:schemeClr>
+          </a:lnRef>
+          <a:fillRef idx="1">
+            <a:schemeClr val="accent1"/>
+          </a:fillRef>
+          <a:effectRef idx="0">
+            <a:schemeClr val="accent1"/>
+          </a:effectRef>
+          <a:fontRef idx="minor">
+            <a:schemeClr val="lt1"/>
+          </a:fontRef>
+        </p:style>
+        <p:txBody>
+          <a:bodyPr rtlCol="0" anchor="ctr"/>
+          <a:lstStyle/>
+          <a:p>
+            <a:pPr algn="ctr"/>
+            <a:endParaRPr lang="en-SG"/>
+          </a:p>
+        </p:txBody>
+      </p:sp>
     </p:spTree>
     <p:extLst>
       <p:ext uri="{BB962C8B-B14F-4D97-AF65-F5344CB8AC3E}">
@@ -8344,7 +9984,7 @@
 </p:sld>
 </file>
 
-<file path=ppt/slides/slide28.xml><?xml version="1.0" encoding="utf-8"?>
+<file path=ppt/slides/slide32.xml><?xml version="1.0" encoding="utf-8"?>
 <p:sld xmlns:a="http://schemas.openxmlformats.org/drawingml/2006/main" xmlns:r="http://schemas.openxmlformats.org/officeDocument/2006/relationships" xmlns:p="http://schemas.openxmlformats.org/presentationml/2006/main">
   <p:cSld>
     <p:spTree>
@@ -8432,9 +10072,7 @@
               <a:avLst/>
             </a:prstGeom>
             <a:solidFill>
-              <a:schemeClr val="bg1">
-                <a:lumMod val="95000"/>
-              </a:schemeClr>
+              <a:srgbClr val="EFEBE4"/>
             </a:solidFill>
           </p:spPr>
           <p:txBody>
@@ -8567,7 +10205,7 @@
 </p:sld>
 </file>
 
-<file path=ppt/slides/slide29.xml><?xml version="1.0" encoding="utf-8"?>
+<file path=ppt/slides/slide33.xml><?xml version="1.0" encoding="utf-8"?>
 <p:sld xmlns:a="http://schemas.openxmlformats.org/drawingml/2006/main" xmlns:r="http://schemas.openxmlformats.org/officeDocument/2006/relationships" xmlns:p="http://schemas.openxmlformats.org/presentationml/2006/main">
   <p:cSld>
     <p:spTree>
@@ -8598,9 +10236,9 @@
         </p:nvGrpSpPr>
         <p:grpSpPr>
           <a:xfrm>
-            <a:off x="2822473" y="1297244"/>
+            <a:off x="2834455" y="1372031"/>
             <a:ext cx="6188792" cy="4113937"/>
-            <a:chOff x="2822473" y="1297244"/>
+            <a:chOff x="2834455" y="1297244"/>
             <a:chExt cx="6188792" cy="4113937"/>
           </a:xfrm>
         </p:grpSpPr>
@@ -8626,7 +10264,7 @@
           </p:blipFill>
           <p:spPr>
             <a:xfrm>
-              <a:off x="2822473" y="1297244"/>
+              <a:off x="2834455" y="1297244"/>
               <a:ext cx="6188792" cy="4113937"/>
             </a:xfrm>
             <a:prstGeom prst="rect">
@@ -8655,9 +10293,7 @@
               <a:avLst/>
             </a:prstGeom>
             <a:solidFill>
-              <a:schemeClr val="bg1">
-                <a:lumMod val="95000"/>
-              </a:schemeClr>
+              <a:srgbClr val="EFEBE4"/>
             </a:solidFill>
           </p:spPr>
           <p:txBody>
@@ -8764,241 +10400,7 @@
 </p:sld>
 </file>
 
-<file path=ppt/slides/slide3.xml><?xml version="1.0" encoding="utf-8"?>
-<p:sld xmlns:a="http://schemas.openxmlformats.org/drawingml/2006/main" xmlns:r="http://schemas.openxmlformats.org/officeDocument/2006/relationships" xmlns:p="http://schemas.openxmlformats.org/presentationml/2006/main">
-  <p:cSld>
-    <p:spTree>
-      <p:nvGrpSpPr>
-        <p:cNvPr id="1" name=""/>
-        <p:cNvGrpSpPr/>
-        <p:nvPr/>
-      </p:nvGrpSpPr>
-      <p:grpSpPr>
-        <a:xfrm>
-          <a:off x="0" y="0"/>
-          <a:ext cx="0" cy="0"/>
-          <a:chOff x="0" y="0"/>
-          <a:chExt cx="0" cy="0"/>
-        </a:xfrm>
-      </p:grpSpPr>
-      <p:pic>
-        <p:nvPicPr>
-          <p:cNvPr id="5" name="Picture 4">
-            <a:extLst>
-              <a:ext uri="{FF2B5EF4-FFF2-40B4-BE49-F238E27FC236}">
-                <a16:creationId xmlns:a16="http://schemas.microsoft.com/office/drawing/2014/main" id="{9B6B6764-6035-DC41-3407-2D7F5B56658A}"/>
-              </a:ext>
-            </a:extLst>
-          </p:cNvPr>
-          <p:cNvPicPr>
-            <a:picLocks noChangeAspect="1"/>
-          </p:cNvPicPr>
-          <p:nvPr/>
-        </p:nvPicPr>
-        <p:blipFill>
-          <a:blip r:embed="rId2"/>
-          <a:stretch>
-            <a:fillRect/>
-          </a:stretch>
-        </p:blipFill>
-        <p:spPr>
-          <a:xfrm>
-            <a:off x="6227864" y="822476"/>
-            <a:ext cx="5290433" cy="4446516"/>
-          </a:xfrm>
-          <a:prstGeom prst="rect">
-            <a:avLst/>
-          </a:prstGeom>
-        </p:spPr>
-      </p:pic>
-      <p:grpSp>
-        <p:nvGrpSpPr>
-          <p:cNvPr id="11" name="Group 10">
-            <a:extLst>
-              <a:ext uri="{FF2B5EF4-FFF2-40B4-BE49-F238E27FC236}">
-                <a16:creationId xmlns:a16="http://schemas.microsoft.com/office/drawing/2014/main" id="{873D53C3-1922-BB10-9D21-BB15E06ED5F7}"/>
-              </a:ext>
-            </a:extLst>
-          </p:cNvPr>
-          <p:cNvGrpSpPr/>
-          <p:nvPr/>
-        </p:nvGrpSpPr>
-        <p:grpSpPr>
-          <a:xfrm>
-            <a:off x="645149" y="422950"/>
-            <a:ext cx="5318988" cy="4055292"/>
-            <a:chOff x="283053" y="219165"/>
-            <a:chExt cx="5821193" cy="4588286"/>
-          </a:xfrm>
-        </p:grpSpPr>
-        <p:pic>
-          <p:nvPicPr>
-            <p:cNvPr id="7" name="Picture 6">
-              <a:extLst>
-                <a:ext uri="{FF2B5EF4-FFF2-40B4-BE49-F238E27FC236}">
-                  <a16:creationId xmlns:a16="http://schemas.microsoft.com/office/drawing/2014/main" id="{33C734E9-C482-09AD-D70C-6B6B0B8B9D12}"/>
-                </a:ext>
-              </a:extLst>
-            </p:cNvPr>
-            <p:cNvPicPr>
-              <a:picLocks noChangeAspect="1"/>
-            </p:cNvPicPr>
-            <p:nvPr/>
-          </p:nvPicPr>
-          <p:blipFill>
-            <a:blip r:embed="rId3"/>
-            <a:stretch>
-              <a:fillRect/>
-            </a:stretch>
-          </p:blipFill>
-          <p:spPr>
-            <a:xfrm>
-              <a:off x="283053" y="219165"/>
-              <a:ext cx="5821193" cy="4588286"/>
-            </a:xfrm>
-            <a:prstGeom prst="rect">
-              <a:avLst/>
-            </a:prstGeom>
-          </p:spPr>
-        </p:pic>
-        <p:sp>
-          <p:nvSpPr>
-            <p:cNvPr id="10" name="TextBox 9">
-              <a:extLst>
-                <a:ext uri="{FF2B5EF4-FFF2-40B4-BE49-F238E27FC236}">
-                  <a16:creationId xmlns:a16="http://schemas.microsoft.com/office/drawing/2014/main" id="{E16DBE21-0667-1996-C71F-9427331281E7}"/>
-                </a:ext>
-              </a:extLst>
-            </p:cNvPr>
-            <p:cNvSpPr txBox="1"/>
-            <p:nvPr/>
-          </p:nvSpPr>
-          <p:spPr>
-            <a:xfrm>
-              <a:off x="716403" y="3160484"/>
-              <a:ext cx="5046841" cy="1201387"/>
-            </a:xfrm>
-            <a:prstGeom prst="rect">
-              <a:avLst/>
-            </a:prstGeom>
-            <a:solidFill>
-              <a:schemeClr val="bg1">
-                <a:lumMod val="95000"/>
-              </a:schemeClr>
-            </a:solidFill>
-          </p:spPr>
-          <p:txBody>
-            <a:bodyPr wrap="square">
-              <a:spAutoFit/>
-            </a:bodyPr>
-            <a:lstStyle/>
-            <a:p>
-              <a:r>
-                <a:rPr lang="en-SG" sz="1050" dirty="0">
-                  <a:latin typeface="Consolas" panose="020B0609020204030204" pitchFamily="49" charset="0"/>
-                </a:rPr>
-                <a:t>import </a:t>
-              </a:r>
-              <a:r>
-                <a:rPr lang="en-SG" sz="1050" dirty="0" err="1">
-                  <a:latin typeface="Consolas" panose="020B0609020204030204" pitchFamily="49" charset="0"/>
-                </a:rPr>
-                <a:t>matplotlib.pyplot</a:t>
-              </a:r>
-              <a:r>
-                <a:rPr lang="en-SG" sz="1050" dirty="0">
-                  <a:latin typeface="Consolas" panose="020B0609020204030204" pitchFamily="49" charset="0"/>
-                </a:rPr>
-                <a:t> as </a:t>
-              </a:r>
-              <a:r>
-                <a:rPr lang="en-SG" sz="1050" dirty="0" err="1">
-                  <a:latin typeface="Consolas" panose="020B0609020204030204" pitchFamily="49" charset="0"/>
-                </a:rPr>
-                <a:t>plt</a:t>
-              </a:r>
-              <a:endParaRPr lang="en-SG" sz="1050" dirty="0">
-                <a:latin typeface="Consolas" panose="020B0609020204030204" pitchFamily="49" charset="0"/>
-              </a:endParaRPr>
-            </a:p>
-            <a:p>
-              <a:r>
-                <a:rPr lang="en-SG" sz="1050" dirty="0">
-                  <a:latin typeface="Consolas" panose="020B0609020204030204" pitchFamily="49" charset="0"/>
-                </a:rPr>
-                <a:t>import seaborn as </a:t>
-              </a:r>
-              <a:r>
-                <a:rPr lang="en-SG" sz="1050" dirty="0" err="1">
-                  <a:latin typeface="Consolas" panose="020B0609020204030204" pitchFamily="49" charset="0"/>
-                </a:rPr>
-                <a:t>sns</a:t>
-              </a:r>
-              <a:endParaRPr lang="en-SG" sz="1050" dirty="0">
-                <a:latin typeface="Consolas" panose="020B0609020204030204" pitchFamily="49" charset="0"/>
-              </a:endParaRPr>
-            </a:p>
-            <a:p>
-              <a:endParaRPr lang="en-SG" sz="1050" dirty="0">
-                <a:latin typeface="Consolas" panose="020B0609020204030204" pitchFamily="49" charset="0"/>
-              </a:endParaRPr>
-            </a:p>
-            <a:p>
-              <a:r>
-                <a:rPr lang="en-SG" sz="1050" dirty="0" err="1">
-                  <a:solidFill>
-                    <a:srgbClr val="FF0000"/>
-                  </a:solidFill>
-                  <a:latin typeface="Consolas" panose="020B0609020204030204" pitchFamily="49" charset="0"/>
-                </a:rPr>
-                <a:t>sns.boxplot</a:t>
-              </a:r>
-              <a:r>
-                <a:rPr lang="en-SG" sz="1050" dirty="0">
-                  <a:solidFill>
-                    <a:srgbClr val="FF0000"/>
-                  </a:solidFill>
-                  <a:latin typeface="Consolas" panose="020B0609020204030204" pitchFamily="49" charset="0"/>
-                </a:rPr>
-                <a:t>(x = 'airline', y = 'delay', data = arrivals)</a:t>
-              </a:r>
-            </a:p>
-            <a:p>
-              <a:endParaRPr lang="en-SG" sz="1050" dirty="0">
-                <a:latin typeface="Consolas" panose="020B0609020204030204" pitchFamily="49" charset="0"/>
-              </a:endParaRPr>
-            </a:p>
-            <a:p>
-              <a:r>
-                <a:rPr lang="en-SG" sz="1050" dirty="0" err="1">
-                  <a:latin typeface="Consolas" panose="020B0609020204030204" pitchFamily="49" charset="0"/>
-                </a:rPr>
-                <a:t>plt.show</a:t>
-              </a:r>
-              <a:r>
-                <a:rPr lang="en-SG" sz="1050" dirty="0">
-                  <a:latin typeface="Consolas" panose="020B0609020204030204" pitchFamily="49" charset="0"/>
-                </a:rPr>
-                <a:t>()</a:t>
-              </a:r>
-            </a:p>
-          </p:txBody>
-        </p:sp>
-      </p:grpSp>
-    </p:spTree>
-    <p:extLst>
-      <p:ext uri="{BB962C8B-B14F-4D97-AF65-F5344CB8AC3E}">
-        <p14:creationId xmlns:p14="http://schemas.microsoft.com/office/powerpoint/2010/main" val="2603093890"/>
-      </p:ext>
-    </p:extLst>
-  </p:cSld>
-  <p:clrMapOvr>
-    <a:masterClrMapping/>
-  </p:clrMapOvr>
-</p:sld>
-</file>
-
-<file path=ppt/slides/slide30.xml><?xml version="1.0" encoding="utf-8"?>
+<file path=ppt/slides/slide34.xml><?xml version="1.0" encoding="utf-8"?>
 <p:sld xmlns:a="http://schemas.openxmlformats.org/drawingml/2006/main" xmlns:r="http://schemas.openxmlformats.org/officeDocument/2006/relationships" xmlns:p="http://schemas.openxmlformats.org/presentationml/2006/main">
   <p:cSld>
     <p:spTree>
@@ -9086,9 +10488,7 @@
               <a:avLst/>
             </a:prstGeom>
             <a:solidFill>
-              <a:schemeClr val="bg1">
-                <a:lumMod val="95000"/>
-              </a:schemeClr>
+              <a:srgbClr val="EFEBE4"/>
             </a:solidFill>
           </p:spPr>
           <p:txBody>
@@ -9187,7 +10587,7 @@
 </p:sld>
 </file>
 
-<file path=ppt/slides/slide31.xml><?xml version="1.0" encoding="utf-8"?>
+<file path=ppt/slides/slide35.xml><?xml version="1.0" encoding="utf-8"?>
 <p:sld xmlns:a="http://schemas.openxmlformats.org/drawingml/2006/main" xmlns:r="http://schemas.openxmlformats.org/officeDocument/2006/relationships" xmlns:p="http://schemas.openxmlformats.org/presentationml/2006/main">
   <p:cSld>
     <p:spTree>
@@ -9275,9 +10675,7 @@
               <a:avLst/>
             </a:prstGeom>
             <a:solidFill>
-              <a:schemeClr val="bg1">
-                <a:lumMod val="95000"/>
-              </a:schemeClr>
+              <a:srgbClr val="EFEBE4"/>
             </a:solidFill>
           </p:spPr>
           <p:txBody>
@@ -9364,7 +10762,7 @@
 </p:sld>
 </file>
 
-<file path=ppt/slides/slide32.xml><?xml version="1.0" encoding="utf-8"?>
+<file path=ppt/slides/slide36.xml><?xml version="1.0" encoding="utf-8"?>
 <p:sld xmlns:a="http://schemas.openxmlformats.org/drawingml/2006/main" xmlns:r="http://schemas.openxmlformats.org/officeDocument/2006/relationships" xmlns:p="http://schemas.openxmlformats.org/presentationml/2006/main">
   <p:cSld>
     <p:spTree>
@@ -9452,9 +10850,7 @@
               <a:avLst/>
             </a:prstGeom>
             <a:solidFill>
-              <a:schemeClr val="bg1">
-                <a:lumMod val="95000"/>
-              </a:schemeClr>
+              <a:srgbClr val="EFEBE4"/>
             </a:solidFill>
           </p:spPr>
           <p:txBody>
@@ -9613,7 +11009,7 @@
 </p:sld>
 </file>
 
-<file path=ppt/slides/slide33.xml><?xml version="1.0" encoding="utf-8"?>
+<file path=ppt/slides/slide37.xml><?xml version="1.0" encoding="utf-8"?>
 <p:sld xmlns:a="http://schemas.openxmlformats.org/drawingml/2006/main" xmlns:r="http://schemas.openxmlformats.org/officeDocument/2006/relationships" xmlns:p="http://schemas.openxmlformats.org/presentationml/2006/main">
   <p:cSld>
     <p:spTree>
@@ -9701,9 +11097,7 @@
               <a:avLst/>
             </a:prstGeom>
             <a:solidFill>
-              <a:schemeClr val="bg1">
-                <a:lumMod val="95000"/>
-              </a:schemeClr>
+              <a:srgbClr val="EFEBE4"/>
             </a:solidFill>
           </p:spPr>
           <p:txBody>
@@ -9823,7 +11217,7 @@
 </p:sld>
 </file>
 
-<file path=ppt/slides/slide34.xml><?xml version="1.0" encoding="utf-8"?>
+<file path=ppt/slides/slide38.xml><?xml version="1.0" encoding="utf-8"?>
 <p:sld xmlns:a="http://schemas.openxmlformats.org/drawingml/2006/main" xmlns:r="http://schemas.openxmlformats.org/officeDocument/2006/relationships" xmlns:p="http://schemas.openxmlformats.org/presentationml/2006/main">
   <p:cSld>
     <p:spTree>
@@ -9911,9 +11305,7 @@
               <a:avLst/>
             </a:prstGeom>
             <a:solidFill>
-              <a:schemeClr val="bg1">
-                <a:lumMod val="95000"/>
-              </a:schemeClr>
+              <a:srgbClr val="EFEBE4"/>
             </a:solidFill>
           </p:spPr>
           <p:txBody>
@@ -10061,7 +11453,7 @@
 </p:sld>
 </file>
 
-<file path=ppt/slides/slide35.xml><?xml version="1.0" encoding="utf-8"?>
+<file path=ppt/slides/slide39.xml><?xml version="1.0" encoding="utf-8"?>
 <p:sld xmlns:a="http://schemas.openxmlformats.org/drawingml/2006/main" xmlns:r="http://schemas.openxmlformats.org/officeDocument/2006/relationships" xmlns:p="http://schemas.openxmlformats.org/presentationml/2006/main">
   <p:cSld>
     <p:spTree>
@@ -10149,9 +11541,7 @@
               <a:avLst/>
             </a:prstGeom>
             <a:solidFill>
-              <a:schemeClr val="bg1">
-                <a:lumMod val="95000"/>
-              </a:schemeClr>
+              <a:srgbClr val="EFEBE4"/>
             </a:solidFill>
           </p:spPr>
           <p:txBody>
@@ -10249,815 +11639,6 @@
     <p:extLst>
       <p:ext uri="{BB962C8B-B14F-4D97-AF65-F5344CB8AC3E}">
         <p14:creationId xmlns:p14="http://schemas.microsoft.com/office/powerpoint/2010/main" val="4287251920"/>
-      </p:ext>
-    </p:extLst>
-  </p:cSld>
-  <p:clrMapOvr>
-    <a:masterClrMapping/>
-  </p:clrMapOvr>
-</p:sld>
-</file>
-
-<file path=ppt/slides/slide36.xml><?xml version="1.0" encoding="utf-8"?>
-<p:sld xmlns:a="http://schemas.openxmlformats.org/drawingml/2006/main" xmlns:r="http://schemas.openxmlformats.org/officeDocument/2006/relationships" xmlns:p="http://schemas.openxmlformats.org/presentationml/2006/main">
-  <p:cSld>
-    <p:spTree>
-      <p:nvGrpSpPr>
-        <p:cNvPr id="1" name=""/>
-        <p:cNvGrpSpPr/>
-        <p:nvPr/>
-      </p:nvGrpSpPr>
-      <p:grpSpPr>
-        <a:xfrm>
-          <a:off x="0" y="0"/>
-          <a:ext cx="0" cy="0"/>
-          <a:chOff x="0" y="0"/>
-          <a:chExt cx="0" cy="0"/>
-        </a:xfrm>
-      </p:grpSpPr>
-      <p:grpSp>
-        <p:nvGrpSpPr>
-          <p:cNvPr id="8" name="Group 7">
-            <a:extLst>
-              <a:ext uri="{FF2B5EF4-FFF2-40B4-BE49-F238E27FC236}">
-                <a16:creationId xmlns:a16="http://schemas.microsoft.com/office/drawing/2014/main" id="{FF73DA63-E05D-47B7-D8A5-2F2096903126}"/>
-              </a:ext>
-            </a:extLst>
-          </p:cNvPr>
-          <p:cNvGrpSpPr/>
-          <p:nvPr/>
-        </p:nvGrpSpPr>
-        <p:grpSpPr>
-          <a:xfrm>
-            <a:off x="3338415" y="267318"/>
-            <a:ext cx="5515170" cy="6323363"/>
-            <a:chOff x="3338415" y="267318"/>
-            <a:chExt cx="5515170" cy="6323363"/>
-          </a:xfrm>
-        </p:grpSpPr>
-        <p:pic>
-          <p:nvPicPr>
-            <p:cNvPr id="5" name="Picture 4">
-              <a:extLst>
-                <a:ext uri="{FF2B5EF4-FFF2-40B4-BE49-F238E27FC236}">
-                  <a16:creationId xmlns:a16="http://schemas.microsoft.com/office/drawing/2014/main" id="{35220D79-29DD-6564-C56A-4DF25845BE0B}"/>
-                </a:ext>
-              </a:extLst>
-            </p:cNvPr>
-            <p:cNvPicPr>
-              <a:picLocks noChangeAspect="1"/>
-            </p:cNvPicPr>
-            <p:nvPr/>
-          </p:nvPicPr>
-          <p:blipFill>
-            <a:blip r:embed="rId2"/>
-            <a:stretch>
-              <a:fillRect/>
-            </a:stretch>
-          </p:blipFill>
-          <p:spPr>
-            <a:xfrm>
-              <a:off x="3338415" y="267318"/>
-              <a:ext cx="5515170" cy="6323363"/>
-            </a:xfrm>
-            <a:prstGeom prst="rect">
-              <a:avLst/>
-            </a:prstGeom>
-          </p:spPr>
-        </p:pic>
-        <p:sp>
-          <p:nvSpPr>
-            <p:cNvPr id="6" name="TextBox 5">
-              <a:extLst>
-                <a:ext uri="{FF2B5EF4-FFF2-40B4-BE49-F238E27FC236}">
-                  <a16:creationId xmlns:a16="http://schemas.microsoft.com/office/drawing/2014/main" id="{C0CAD9C2-3542-6469-07D2-BAB16B0F3EEA}"/>
-                </a:ext>
-              </a:extLst>
-            </p:cNvPr>
-            <p:cNvSpPr txBox="1"/>
-            <p:nvPr/>
-          </p:nvSpPr>
-          <p:spPr>
-            <a:xfrm>
-              <a:off x="3663723" y="1552401"/>
-              <a:ext cx="4655004" cy="1446550"/>
-            </a:xfrm>
-            <a:prstGeom prst="rect">
-              <a:avLst/>
-            </a:prstGeom>
-            <a:solidFill>
-              <a:schemeClr val="bg1">
-                <a:lumMod val="95000"/>
-              </a:schemeClr>
-            </a:solidFill>
-          </p:spPr>
-          <p:txBody>
-            <a:bodyPr wrap="square">
-              <a:spAutoFit/>
-            </a:bodyPr>
-            <a:lstStyle/>
-            <a:p>
-              <a:r>
-                <a:rPr lang="en-SG" sz="1100">
-                  <a:latin typeface="Consolas" panose="020B0609020204030204" pitchFamily="49" charset="0"/>
-                </a:rPr>
-                <a:t>import numpy as np</a:t>
-              </a:r>
-            </a:p>
-            <a:p>
-              <a:endParaRPr lang="en-SG" sz="1100">
-                <a:latin typeface="Consolas" panose="020B0609020204030204" pitchFamily="49" charset="0"/>
-              </a:endParaRPr>
-            </a:p>
-            <a:p>
-              <a:r>
-                <a:rPr lang="en-SG" sz="1100">
-                  <a:latin typeface="Consolas" panose="020B0609020204030204" pitchFamily="49" charset="0"/>
-                </a:rPr>
-                <a:t>df = 2 # number of degrees of freedom</a:t>
-              </a:r>
-            </a:p>
-            <a:p>
-              <a:endParaRPr lang="en-SG" sz="1100">
-                <a:latin typeface="Consolas" panose="020B0609020204030204" pitchFamily="49" charset="0"/>
-              </a:endParaRPr>
-            </a:p>
-            <a:p>
-              <a:endParaRPr lang="en-SG" sz="1100">
-                <a:latin typeface="Consolas" panose="020B0609020204030204" pitchFamily="49" charset="0"/>
-              </a:endParaRPr>
-            </a:p>
-            <a:p>
-              <a:r>
-                <a:rPr lang="en-SG" sz="1100">
-                  <a:latin typeface="Consolas" panose="020B0609020204030204" pitchFamily="49" charset="0"/>
-                </a:rPr>
-                <a:t>chisq_data = np.random.</a:t>
-              </a:r>
-              <a:r>
-                <a:rPr lang="en-SG" sz="1100">
-                  <a:solidFill>
-                    <a:srgbClr val="FF0000"/>
-                  </a:solidFill>
-                  <a:latin typeface="Consolas" panose="020B0609020204030204" pitchFamily="49" charset="0"/>
-                </a:rPr>
-                <a:t>chisquare</a:t>
-              </a:r>
-              <a:r>
-                <a:rPr lang="en-SG" sz="1100">
-                  <a:latin typeface="Consolas" panose="020B0609020204030204" pitchFamily="49" charset="0"/>
-                </a:rPr>
-                <a:t>(df, 100)</a:t>
-              </a:r>
-            </a:p>
-            <a:p>
-              <a:endParaRPr lang="en-SG" sz="1100">
-                <a:latin typeface="Consolas" panose="020B0609020204030204" pitchFamily="49" charset="0"/>
-              </a:endParaRPr>
-            </a:p>
-            <a:p>
-              <a:r>
-                <a:rPr lang="en-SG" sz="1100">
-                  <a:latin typeface="Consolas" panose="020B0609020204030204" pitchFamily="49" charset="0"/>
-                </a:rPr>
-                <a:t>print(chisq_data)</a:t>
-              </a:r>
-              <a:endParaRPr lang="en-SG" sz="1100" dirty="0">
-                <a:latin typeface="Consolas" panose="020B0609020204030204" pitchFamily="49" charset="0"/>
-              </a:endParaRPr>
-            </a:p>
-          </p:txBody>
-        </p:sp>
-      </p:grpSp>
-    </p:spTree>
-    <p:extLst>
-      <p:ext uri="{BB962C8B-B14F-4D97-AF65-F5344CB8AC3E}">
-        <p14:creationId xmlns:p14="http://schemas.microsoft.com/office/powerpoint/2010/main" val="3066745360"/>
-      </p:ext>
-    </p:extLst>
-  </p:cSld>
-  <p:clrMapOvr>
-    <a:masterClrMapping/>
-  </p:clrMapOvr>
-</p:sld>
-</file>
-
-<file path=ppt/slides/slide37.xml><?xml version="1.0" encoding="utf-8"?>
-<p:sld xmlns:a="http://schemas.openxmlformats.org/drawingml/2006/main" xmlns:r="http://schemas.openxmlformats.org/officeDocument/2006/relationships" xmlns:p="http://schemas.openxmlformats.org/presentationml/2006/main">
-  <p:cSld>
-    <p:spTree>
-      <p:nvGrpSpPr>
-        <p:cNvPr id="1" name=""/>
-        <p:cNvGrpSpPr/>
-        <p:nvPr/>
-      </p:nvGrpSpPr>
-      <p:grpSpPr>
-        <a:xfrm>
-          <a:off x="0" y="0"/>
-          <a:ext cx="0" cy="0"/>
-          <a:chOff x="0" y="0"/>
-          <a:chExt cx="0" cy="0"/>
-        </a:xfrm>
-      </p:grpSpPr>
-      <p:grpSp>
-        <p:nvGrpSpPr>
-          <p:cNvPr id="8" name="Group 7">
-            <a:extLst>
-              <a:ext uri="{FF2B5EF4-FFF2-40B4-BE49-F238E27FC236}">
-                <a16:creationId xmlns:a16="http://schemas.microsoft.com/office/drawing/2014/main" id="{91F6B3E9-991B-DC94-82FB-3EB1AEFA5EF3}"/>
-              </a:ext>
-            </a:extLst>
-          </p:cNvPr>
-          <p:cNvGrpSpPr/>
-          <p:nvPr/>
-        </p:nvGrpSpPr>
-        <p:grpSpPr>
-          <a:xfrm>
-            <a:off x="2628900" y="1138237"/>
-            <a:ext cx="6934200" cy="4581525"/>
-            <a:chOff x="2628900" y="1138237"/>
-            <a:chExt cx="6934200" cy="4581525"/>
-          </a:xfrm>
-        </p:grpSpPr>
-        <p:pic>
-          <p:nvPicPr>
-            <p:cNvPr id="3" name="Picture 2">
-              <a:extLst>
-                <a:ext uri="{FF2B5EF4-FFF2-40B4-BE49-F238E27FC236}">
-                  <a16:creationId xmlns:a16="http://schemas.microsoft.com/office/drawing/2014/main" id="{A5BECE4C-BF59-186B-94E5-18764F355274}"/>
-                </a:ext>
-              </a:extLst>
-            </p:cNvPr>
-            <p:cNvPicPr>
-              <a:picLocks noChangeAspect="1"/>
-            </p:cNvPicPr>
-            <p:nvPr/>
-          </p:nvPicPr>
-          <p:blipFill>
-            <a:blip r:embed="rId2"/>
-            <a:stretch>
-              <a:fillRect/>
-            </a:stretch>
-          </p:blipFill>
-          <p:spPr>
-            <a:xfrm>
-              <a:off x="2628900" y="1138237"/>
-              <a:ext cx="6934200" cy="4581525"/>
-            </a:xfrm>
-            <a:prstGeom prst="rect">
-              <a:avLst/>
-            </a:prstGeom>
-          </p:spPr>
-        </p:pic>
-        <p:sp>
-          <p:nvSpPr>
-            <p:cNvPr id="4" name="Rectangle 3">
-              <a:extLst>
-                <a:ext uri="{FF2B5EF4-FFF2-40B4-BE49-F238E27FC236}">
-                  <a16:creationId xmlns:a16="http://schemas.microsoft.com/office/drawing/2014/main" id="{6823F9EB-B1A6-9E2D-8A1D-C9F5DF2DB3D9}"/>
-                </a:ext>
-              </a:extLst>
-            </p:cNvPr>
-            <p:cNvSpPr/>
-            <p:nvPr/>
-          </p:nvSpPr>
-          <p:spPr>
-            <a:xfrm>
-              <a:off x="7020232" y="3989439"/>
-              <a:ext cx="1570703" cy="442452"/>
-            </a:xfrm>
-            <a:prstGeom prst="rect">
-              <a:avLst/>
-            </a:prstGeom>
-            <a:noFill/>
-            <a:ln>
-              <a:solidFill>
-                <a:srgbClr val="FF0000"/>
-              </a:solidFill>
-            </a:ln>
-          </p:spPr>
-          <p:style>
-            <a:lnRef idx="2">
-              <a:schemeClr val="accent1">
-                <a:shade val="50000"/>
-              </a:schemeClr>
-            </a:lnRef>
-            <a:fillRef idx="1">
-              <a:schemeClr val="accent1"/>
-            </a:fillRef>
-            <a:effectRef idx="0">
-              <a:schemeClr val="accent1"/>
-            </a:effectRef>
-            <a:fontRef idx="minor">
-              <a:schemeClr val="lt1"/>
-            </a:fontRef>
-          </p:style>
-          <p:txBody>
-            <a:bodyPr rtlCol="0" anchor="ctr"/>
-            <a:lstStyle/>
-            <a:p>
-              <a:pPr algn="ctr"/>
-              <a:endParaRPr lang="en-SG"/>
-            </a:p>
-          </p:txBody>
-        </p:sp>
-        <p:sp>
-          <p:nvSpPr>
-            <p:cNvPr id="6" name="TextBox 5">
-              <a:extLst>
-                <a:ext uri="{FF2B5EF4-FFF2-40B4-BE49-F238E27FC236}">
-                  <a16:creationId xmlns:a16="http://schemas.microsoft.com/office/drawing/2014/main" id="{1C6FFB70-12BE-A665-BA9C-1314700C79A4}"/>
-                </a:ext>
-              </a:extLst>
-            </p:cNvPr>
-            <p:cNvSpPr txBox="1"/>
-            <p:nvPr/>
-          </p:nvSpPr>
-          <p:spPr>
-            <a:xfrm>
-              <a:off x="3036916" y="2820761"/>
-              <a:ext cx="4655004" cy="938719"/>
-            </a:xfrm>
-            <a:prstGeom prst="rect">
-              <a:avLst/>
-            </a:prstGeom>
-            <a:solidFill>
-              <a:schemeClr val="bg1">
-                <a:lumMod val="95000"/>
-              </a:schemeClr>
-            </a:solidFill>
-          </p:spPr>
-          <p:txBody>
-            <a:bodyPr wrap="square">
-              <a:spAutoFit/>
-            </a:bodyPr>
-            <a:lstStyle/>
-            <a:p>
-              <a:r>
-                <a:rPr lang="en-SG" sz="1100">
-                  <a:latin typeface="Consolas" panose="020B0609020204030204" pitchFamily="49" charset="0"/>
-                </a:rPr>
-                <a:t>import scipy.stats as stats</a:t>
-              </a:r>
-            </a:p>
-            <a:p>
-              <a:endParaRPr lang="en-SG" sz="1100">
-                <a:latin typeface="Consolas" panose="020B0609020204030204" pitchFamily="49" charset="0"/>
-              </a:endParaRPr>
-            </a:p>
-            <a:p>
-              <a:endParaRPr lang="en-SG" sz="1100">
-                <a:latin typeface="Consolas" panose="020B0609020204030204" pitchFamily="49" charset="0"/>
-              </a:endParaRPr>
-            </a:p>
-            <a:p>
-              <a:r>
-                <a:rPr lang="en-SG" sz="1100">
-                  <a:latin typeface="Consolas" panose="020B0609020204030204" pitchFamily="49" charset="0"/>
-                </a:rPr>
-                <a:t>results = stats.</a:t>
-              </a:r>
-              <a:r>
-                <a:rPr lang="en-SG" sz="1100">
-                  <a:solidFill>
-                    <a:srgbClr val="FF0000"/>
-                  </a:solidFill>
-                  <a:latin typeface="Consolas" panose="020B0609020204030204" pitchFamily="49" charset="0"/>
-                </a:rPr>
-                <a:t>friedmanchisquare</a:t>
-              </a:r>
-              <a:r>
-                <a:rPr lang="en-SG" sz="1100">
-                  <a:latin typeface="Consolas" panose="020B0609020204030204" pitchFamily="49" charset="0"/>
-                </a:rPr>
-                <a:t>(a, b, c)</a:t>
-              </a:r>
-            </a:p>
-            <a:p>
-              <a:r>
-                <a:rPr lang="en-SG" sz="1100">
-                  <a:latin typeface="Consolas" panose="020B0609020204030204" pitchFamily="49" charset="0"/>
-                </a:rPr>
-                <a:t>print(results.pvalue)</a:t>
-              </a:r>
-              <a:endParaRPr lang="en-SG" sz="1100" dirty="0">
-                <a:latin typeface="Consolas" panose="020B0609020204030204" pitchFamily="49" charset="0"/>
-              </a:endParaRPr>
-            </a:p>
-          </p:txBody>
-        </p:sp>
-      </p:grpSp>
-    </p:spTree>
-    <p:extLst>
-      <p:ext uri="{BB962C8B-B14F-4D97-AF65-F5344CB8AC3E}">
-        <p14:creationId xmlns:p14="http://schemas.microsoft.com/office/powerpoint/2010/main" val="3250668682"/>
-      </p:ext>
-    </p:extLst>
-  </p:cSld>
-  <p:clrMapOvr>
-    <a:masterClrMapping/>
-  </p:clrMapOvr>
-</p:sld>
-</file>
-
-<file path=ppt/slides/slide38.xml><?xml version="1.0" encoding="utf-8"?>
-<p:sld xmlns:a="http://schemas.openxmlformats.org/drawingml/2006/main" xmlns:r="http://schemas.openxmlformats.org/officeDocument/2006/relationships" xmlns:p="http://schemas.openxmlformats.org/presentationml/2006/main">
-  <p:cSld>
-    <p:spTree>
-      <p:nvGrpSpPr>
-        <p:cNvPr id="1" name=""/>
-        <p:cNvGrpSpPr/>
-        <p:nvPr/>
-      </p:nvGrpSpPr>
-      <p:grpSpPr>
-        <a:xfrm>
-          <a:off x="0" y="0"/>
-          <a:ext cx="0" cy="0"/>
-          <a:chOff x="0" y="0"/>
-          <a:chExt cx="0" cy="0"/>
-        </a:xfrm>
-      </p:grpSpPr>
-      <p:grpSp>
-        <p:nvGrpSpPr>
-          <p:cNvPr id="6" name="Group 5">
-            <a:extLst>
-              <a:ext uri="{FF2B5EF4-FFF2-40B4-BE49-F238E27FC236}">
-                <a16:creationId xmlns:a16="http://schemas.microsoft.com/office/drawing/2014/main" id="{0133A3F3-D303-422A-7F65-5775EB40AB90}"/>
-              </a:ext>
-            </a:extLst>
-          </p:cNvPr>
-          <p:cNvGrpSpPr/>
-          <p:nvPr/>
-        </p:nvGrpSpPr>
-        <p:grpSpPr>
-          <a:xfrm>
-            <a:off x="2805112" y="1281112"/>
-            <a:ext cx="6581775" cy="4295775"/>
-            <a:chOff x="2805112" y="1281112"/>
-            <a:chExt cx="6581775" cy="4295775"/>
-          </a:xfrm>
-        </p:grpSpPr>
-        <p:pic>
-          <p:nvPicPr>
-            <p:cNvPr id="3" name="Picture 2">
-              <a:extLst>
-                <a:ext uri="{FF2B5EF4-FFF2-40B4-BE49-F238E27FC236}">
-                  <a16:creationId xmlns:a16="http://schemas.microsoft.com/office/drawing/2014/main" id="{E8F062F3-247E-5A28-8970-B42D3BDC06E1}"/>
-                </a:ext>
-              </a:extLst>
-            </p:cNvPr>
-            <p:cNvPicPr>
-              <a:picLocks noChangeAspect="1"/>
-            </p:cNvPicPr>
-            <p:nvPr/>
-          </p:nvPicPr>
-          <p:blipFill>
-            <a:blip r:embed="rId2"/>
-            <a:stretch>
-              <a:fillRect/>
-            </a:stretch>
-          </p:blipFill>
-          <p:spPr>
-            <a:xfrm>
-              <a:off x="2805112" y="1281112"/>
-              <a:ext cx="6581775" cy="4295775"/>
-            </a:xfrm>
-            <a:prstGeom prst="rect">
-              <a:avLst/>
-            </a:prstGeom>
-          </p:spPr>
-        </p:pic>
-        <p:sp>
-          <p:nvSpPr>
-            <p:cNvPr id="4" name="TextBox 3">
-              <a:extLst>
-                <a:ext uri="{FF2B5EF4-FFF2-40B4-BE49-F238E27FC236}">
-                  <a16:creationId xmlns:a16="http://schemas.microsoft.com/office/drawing/2014/main" id="{729DA499-9B69-BDD3-9DA2-B93026DE948A}"/>
-                </a:ext>
-              </a:extLst>
-            </p:cNvPr>
-            <p:cNvSpPr txBox="1"/>
-            <p:nvPr/>
-          </p:nvSpPr>
-          <p:spPr>
-            <a:xfrm>
-              <a:off x="3243393" y="2996510"/>
-              <a:ext cx="4655004" cy="1107996"/>
-            </a:xfrm>
-            <a:prstGeom prst="rect">
-              <a:avLst/>
-            </a:prstGeom>
-            <a:solidFill>
-              <a:schemeClr val="bg1">
-                <a:lumMod val="95000"/>
-              </a:schemeClr>
-            </a:solidFill>
-          </p:spPr>
-          <p:txBody>
-            <a:bodyPr wrap="square">
-              <a:spAutoFit/>
-            </a:bodyPr>
-            <a:lstStyle/>
-            <a:p>
-              <a:r>
-                <a:rPr lang="en-SG" sz="1100">
-                  <a:latin typeface="Consolas" panose="020B0609020204030204" pitchFamily="49" charset="0"/>
-                </a:rPr>
-                <a:t>import scipy.stats as stats</a:t>
-              </a:r>
-            </a:p>
-            <a:p>
-              <a:endParaRPr lang="en-SG" sz="1100">
-                <a:latin typeface="Consolas" panose="020B0609020204030204" pitchFamily="49" charset="0"/>
-              </a:endParaRPr>
-            </a:p>
-            <a:p>
-              <a:endParaRPr lang="en-SG" sz="1100">
-                <a:latin typeface="Consolas" panose="020B0609020204030204" pitchFamily="49" charset="0"/>
-              </a:endParaRPr>
-            </a:p>
-            <a:p>
-              <a:r>
-                <a:rPr lang="en-SG" sz="1100">
-                  <a:latin typeface="Consolas" panose="020B0609020204030204" pitchFamily="49" charset="0"/>
-                </a:rPr>
-                <a:t>results = stats.</a:t>
-              </a:r>
-              <a:r>
-                <a:rPr lang="en-SG" sz="1100">
-                  <a:solidFill>
-                    <a:srgbClr val="FF0000"/>
-                  </a:solidFill>
-                  <a:latin typeface="Consolas" panose="020B0609020204030204" pitchFamily="49" charset="0"/>
-                </a:rPr>
-                <a:t>pearsonr</a:t>
-              </a:r>
-              <a:r>
-                <a:rPr lang="en-SG" sz="1100">
-                  <a:latin typeface="Consolas" panose="020B0609020204030204" pitchFamily="49" charset="0"/>
-                </a:rPr>
-                <a:t>(df['A'], df['B'])</a:t>
-              </a:r>
-            </a:p>
-            <a:p>
-              <a:endParaRPr lang="en-SG" sz="1100">
-                <a:latin typeface="Consolas" panose="020B0609020204030204" pitchFamily="49" charset="0"/>
-              </a:endParaRPr>
-            </a:p>
-            <a:p>
-              <a:r>
-                <a:rPr lang="en-SG" sz="1100">
-                  <a:latin typeface="Consolas" panose="020B0609020204030204" pitchFamily="49" charset="0"/>
-                </a:rPr>
-                <a:t>print(results)</a:t>
-              </a:r>
-              <a:endParaRPr lang="en-SG" sz="1100" dirty="0">
-                <a:latin typeface="Consolas" panose="020B0609020204030204" pitchFamily="49" charset="0"/>
-              </a:endParaRPr>
-            </a:p>
-          </p:txBody>
-        </p:sp>
-      </p:grpSp>
-    </p:spTree>
-    <p:extLst>
-      <p:ext uri="{BB962C8B-B14F-4D97-AF65-F5344CB8AC3E}">
-        <p14:creationId xmlns:p14="http://schemas.microsoft.com/office/powerpoint/2010/main" val="1974012397"/>
-      </p:ext>
-    </p:extLst>
-  </p:cSld>
-  <p:clrMapOvr>
-    <a:masterClrMapping/>
-  </p:clrMapOvr>
-</p:sld>
-</file>
-
-<file path=ppt/slides/slide39.xml><?xml version="1.0" encoding="utf-8"?>
-<p:sld xmlns:a="http://schemas.openxmlformats.org/drawingml/2006/main" xmlns:r="http://schemas.openxmlformats.org/officeDocument/2006/relationships" xmlns:p="http://schemas.openxmlformats.org/presentationml/2006/main">
-  <p:cSld>
-    <p:spTree>
-      <p:nvGrpSpPr>
-        <p:cNvPr id="1" name=""/>
-        <p:cNvGrpSpPr/>
-        <p:nvPr/>
-      </p:nvGrpSpPr>
-      <p:grpSpPr>
-        <a:xfrm>
-          <a:off x="0" y="0"/>
-          <a:ext cx="0" cy="0"/>
-          <a:chOff x="0" y="0"/>
-          <a:chExt cx="0" cy="0"/>
-        </a:xfrm>
-      </p:grpSpPr>
-      <p:grpSp>
-        <p:nvGrpSpPr>
-          <p:cNvPr id="7" name="Group 6">
-            <a:extLst>
-              <a:ext uri="{FF2B5EF4-FFF2-40B4-BE49-F238E27FC236}">
-                <a16:creationId xmlns:a16="http://schemas.microsoft.com/office/drawing/2014/main" id="{2867031B-F35E-B892-0FCA-F4B12B18F6D7}"/>
-              </a:ext>
-            </a:extLst>
-          </p:cNvPr>
-          <p:cNvGrpSpPr/>
-          <p:nvPr/>
-        </p:nvGrpSpPr>
-        <p:grpSpPr>
-          <a:xfrm>
-            <a:off x="2552700" y="590550"/>
-            <a:ext cx="7086600" cy="5676900"/>
-            <a:chOff x="2552700" y="590550"/>
-            <a:chExt cx="7086600" cy="5676900"/>
-          </a:xfrm>
-        </p:grpSpPr>
-        <p:pic>
-          <p:nvPicPr>
-            <p:cNvPr id="3" name="Picture 2">
-              <a:extLst>
-                <a:ext uri="{FF2B5EF4-FFF2-40B4-BE49-F238E27FC236}">
-                  <a16:creationId xmlns:a16="http://schemas.microsoft.com/office/drawing/2014/main" id="{DCA09B55-16FD-CF53-4EE9-D8C7E26051CE}"/>
-                </a:ext>
-              </a:extLst>
-            </p:cNvPr>
-            <p:cNvPicPr>
-              <a:picLocks noChangeAspect="1"/>
-            </p:cNvPicPr>
-            <p:nvPr/>
-          </p:nvPicPr>
-          <p:blipFill>
-            <a:blip r:embed="rId2"/>
-            <a:stretch>
-              <a:fillRect/>
-            </a:stretch>
-          </p:blipFill>
-          <p:spPr>
-            <a:xfrm>
-              <a:off x="2552700" y="590550"/>
-              <a:ext cx="7086600" cy="5676900"/>
-            </a:xfrm>
-            <a:prstGeom prst="rect">
-              <a:avLst/>
-            </a:prstGeom>
-          </p:spPr>
-        </p:pic>
-        <p:sp>
-          <p:nvSpPr>
-            <p:cNvPr id="4" name="TextBox 3">
-              <a:extLst>
-                <a:ext uri="{FF2B5EF4-FFF2-40B4-BE49-F238E27FC236}">
-                  <a16:creationId xmlns:a16="http://schemas.microsoft.com/office/drawing/2014/main" id="{507459AE-AD54-9E43-1CFE-174CBEBF37CD}"/>
-                </a:ext>
-              </a:extLst>
-            </p:cNvPr>
-            <p:cNvSpPr txBox="1"/>
-            <p:nvPr/>
-          </p:nvSpPr>
-          <p:spPr>
-            <a:xfrm>
-              <a:off x="2850729" y="1474619"/>
-              <a:ext cx="6490541" cy="2292935"/>
-            </a:xfrm>
-            <a:prstGeom prst="rect">
-              <a:avLst/>
-            </a:prstGeom>
-            <a:solidFill>
-              <a:schemeClr val="bg1">
-                <a:lumMod val="95000"/>
-              </a:schemeClr>
-            </a:solidFill>
-          </p:spPr>
-          <p:txBody>
-            <a:bodyPr wrap="square">
-              <a:spAutoFit/>
-            </a:bodyPr>
-            <a:lstStyle/>
-            <a:p>
-              <a:r>
-                <a:rPr lang="en-SG" sz="1100">
-                  <a:latin typeface="Consolas" panose="020B0609020204030204" pitchFamily="49" charset="0"/>
-                </a:rPr>
-                <a:t>For feature selection in your Machine Learning model, you ran a Chi-square test to determine the relationship between the independent and the one dependent categorical feature. The results obtained are the following:</a:t>
-              </a:r>
-            </a:p>
-            <a:p>
-              <a:endParaRPr lang="en-SG" sz="1100">
-                <a:latin typeface="Consolas" panose="020B0609020204030204" pitchFamily="49" charset="0"/>
-              </a:endParaRPr>
-            </a:p>
-            <a:p>
-              <a:endParaRPr lang="en-SG" sz="1100">
-                <a:latin typeface="Consolas" panose="020B0609020204030204" pitchFamily="49" charset="0"/>
-              </a:endParaRPr>
-            </a:p>
-            <a:p>
-              <a:endParaRPr lang="en-SG" sz="1100">
-                <a:latin typeface="Consolas" panose="020B0609020204030204" pitchFamily="49" charset="0"/>
-              </a:endParaRPr>
-            </a:p>
-            <a:p>
-              <a:r>
-                <a:rPr lang="en-SG" sz="1100">
-                  <a:latin typeface="Consolas" panose="020B0609020204030204" pitchFamily="49" charset="0"/>
-                </a:rPr>
-                <a:t>chi2 value: 134.54869375910293</a:t>
-              </a:r>
-            </a:p>
-            <a:p>
-              <a:endParaRPr lang="en-SG" sz="1100">
-                <a:latin typeface="Consolas" panose="020B0609020204030204" pitchFamily="49" charset="0"/>
-              </a:endParaRPr>
-            </a:p>
-            <a:p>
-              <a:r>
-                <a:rPr lang="en-SG" sz="1100">
-                  <a:latin typeface="Consolas" panose="020B0609020204030204" pitchFamily="49" charset="0"/>
-                </a:rPr>
-                <a:t>p-value: 1.510066805092378e-136</a:t>
-              </a:r>
-            </a:p>
-            <a:p>
-              <a:endParaRPr lang="en-SG" sz="1100">
-                <a:latin typeface="Consolas" panose="020B0609020204030204" pitchFamily="49" charset="0"/>
-              </a:endParaRPr>
-            </a:p>
-            <a:p>
-              <a:endParaRPr lang="en-SG" sz="1100">
-                <a:latin typeface="Consolas" panose="020B0609020204030204" pitchFamily="49" charset="0"/>
-              </a:endParaRPr>
-            </a:p>
-            <a:p>
-              <a:endParaRPr lang="en-SG" sz="1100">
-                <a:latin typeface="Consolas" panose="020B0609020204030204" pitchFamily="49" charset="0"/>
-              </a:endParaRPr>
-            </a:p>
-            <a:p>
-              <a:r>
-                <a:rPr lang="en-SG" sz="1100">
-                  <a:latin typeface="Consolas" panose="020B0609020204030204" pitchFamily="49" charset="0"/>
-                </a:rPr>
-                <a:t>According to these results, we can conclude that:</a:t>
-              </a:r>
-              <a:endParaRPr lang="en-SG" sz="1100" dirty="0">
-                <a:latin typeface="Consolas" panose="020B0609020204030204" pitchFamily="49" charset="0"/>
-              </a:endParaRPr>
-            </a:p>
-          </p:txBody>
-        </p:sp>
-        <p:sp>
-          <p:nvSpPr>
-            <p:cNvPr id="6" name="Rectangle 5">
-              <a:extLst>
-                <a:ext uri="{FF2B5EF4-FFF2-40B4-BE49-F238E27FC236}">
-                  <a16:creationId xmlns:a16="http://schemas.microsoft.com/office/drawing/2014/main" id="{D6437800-0DAB-C032-37B8-B567CA46CE29}"/>
-                </a:ext>
-              </a:extLst>
-            </p:cNvPr>
-            <p:cNvSpPr/>
-            <p:nvPr/>
-          </p:nvSpPr>
-          <p:spPr>
-            <a:xfrm>
-              <a:off x="2743199" y="5257800"/>
-              <a:ext cx="6732640" cy="442452"/>
-            </a:xfrm>
-            <a:prstGeom prst="rect">
-              <a:avLst/>
-            </a:prstGeom>
-            <a:noFill/>
-            <a:ln>
-              <a:solidFill>
-                <a:srgbClr val="FF0000"/>
-              </a:solidFill>
-            </a:ln>
-          </p:spPr>
-          <p:style>
-            <a:lnRef idx="2">
-              <a:schemeClr val="accent1">
-                <a:shade val="50000"/>
-              </a:schemeClr>
-            </a:lnRef>
-            <a:fillRef idx="1">
-              <a:schemeClr val="accent1"/>
-            </a:fillRef>
-            <a:effectRef idx="0">
-              <a:schemeClr val="accent1"/>
-            </a:effectRef>
-            <a:fontRef idx="minor">
-              <a:schemeClr val="lt1"/>
-            </a:fontRef>
-          </p:style>
-          <p:txBody>
-            <a:bodyPr rtlCol="0" anchor="ctr"/>
-            <a:lstStyle/>
-            <a:p>
-              <a:pPr algn="ctr"/>
-              <a:endParaRPr lang="en-SG"/>
-            </a:p>
-          </p:txBody>
-        </p:sp>
-      </p:grpSp>
-    </p:spTree>
-    <p:extLst>
-      <p:ext uri="{BB962C8B-B14F-4D97-AF65-F5344CB8AC3E}">
-        <p14:creationId xmlns:p14="http://schemas.microsoft.com/office/powerpoint/2010/main" val="671896208"/>
       </p:ext>
     </p:extLst>
   </p:cSld>
@@ -11128,7 +11709,7 @@
         </p:nvGrpSpPr>
         <p:grpSpPr>
           <a:xfrm>
-            <a:off x="364665" y="194910"/>
+            <a:off x="364665" y="463358"/>
             <a:ext cx="5658764" cy="4938492"/>
             <a:chOff x="364665" y="194910"/>
             <a:chExt cx="5658764" cy="4938492"/>
@@ -11258,9 +11839,7 @@
               <a:avLst/>
             </a:prstGeom>
             <a:solidFill>
-              <a:schemeClr val="bg1">
-                <a:lumMod val="95000"/>
-              </a:schemeClr>
+              <a:srgbClr val="EFEBE4"/>
             </a:solidFill>
           </p:spPr>
           <p:txBody>
@@ -11362,6 +11941,807 @@
 </file>
 
 <file path=ppt/slides/slide40.xml><?xml version="1.0" encoding="utf-8"?>
+<p:sld xmlns:a="http://schemas.openxmlformats.org/drawingml/2006/main" xmlns:r="http://schemas.openxmlformats.org/officeDocument/2006/relationships" xmlns:p="http://schemas.openxmlformats.org/presentationml/2006/main">
+  <p:cSld>
+    <p:spTree>
+      <p:nvGrpSpPr>
+        <p:cNvPr id="1" name=""/>
+        <p:cNvGrpSpPr/>
+        <p:nvPr/>
+      </p:nvGrpSpPr>
+      <p:grpSpPr>
+        <a:xfrm>
+          <a:off x="0" y="0"/>
+          <a:ext cx="0" cy="0"/>
+          <a:chOff x="0" y="0"/>
+          <a:chExt cx="0" cy="0"/>
+        </a:xfrm>
+      </p:grpSpPr>
+      <p:grpSp>
+        <p:nvGrpSpPr>
+          <p:cNvPr id="8" name="Group 7">
+            <a:extLst>
+              <a:ext uri="{FF2B5EF4-FFF2-40B4-BE49-F238E27FC236}">
+                <a16:creationId xmlns:a16="http://schemas.microsoft.com/office/drawing/2014/main" id="{FF73DA63-E05D-47B7-D8A5-2F2096903126}"/>
+              </a:ext>
+            </a:extLst>
+          </p:cNvPr>
+          <p:cNvGrpSpPr/>
+          <p:nvPr/>
+        </p:nvGrpSpPr>
+        <p:grpSpPr>
+          <a:xfrm>
+            <a:off x="3338415" y="267318"/>
+            <a:ext cx="5515170" cy="6323363"/>
+            <a:chOff x="3338415" y="267318"/>
+            <a:chExt cx="5515170" cy="6323363"/>
+          </a:xfrm>
+        </p:grpSpPr>
+        <p:pic>
+          <p:nvPicPr>
+            <p:cNvPr id="5" name="Picture 4">
+              <a:extLst>
+                <a:ext uri="{FF2B5EF4-FFF2-40B4-BE49-F238E27FC236}">
+                  <a16:creationId xmlns:a16="http://schemas.microsoft.com/office/drawing/2014/main" id="{35220D79-29DD-6564-C56A-4DF25845BE0B}"/>
+                </a:ext>
+              </a:extLst>
+            </p:cNvPr>
+            <p:cNvPicPr>
+              <a:picLocks noChangeAspect="1"/>
+            </p:cNvPicPr>
+            <p:nvPr/>
+          </p:nvPicPr>
+          <p:blipFill>
+            <a:blip r:embed="rId2"/>
+            <a:stretch>
+              <a:fillRect/>
+            </a:stretch>
+          </p:blipFill>
+          <p:spPr>
+            <a:xfrm>
+              <a:off x="3338415" y="267318"/>
+              <a:ext cx="5515170" cy="6323363"/>
+            </a:xfrm>
+            <a:prstGeom prst="rect">
+              <a:avLst/>
+            </a:prstGeom>
+          </p:spPr>
+        </p:pic>
+        <p:sp>
+          <p:nvSpPr>
+            <p:cNvPr id="6" name="TextBox 5">
+              <a:extLst>
+                <a:ext uri="{FF2B5EF4-FFF2-40B4-BE49-F238E27FC236}">
+                  <a16:creationId xmlns:a16="http://schemas.microsoft.com/office/drawing/2014/main" id="{C0CAD9C2-3542-6469-07D2-BAB16B0F3EEA}"/>
+                </a:ext>
+              </a:extLst>
+            </p:cNvPr>
+            <p:cNvSpPr txBox="1"/>
+            <p:nvPr/>
+          </p:nvSpPr>
+          <p:spPr>
+            <a:xfrm>
+              <a:off x="3663723" y="1552401"/>
+              <a:ext cx="4655004" cy="1446550"/>
+            </a:xfrm>
+            <a:prstGeom prst="rect">
+              <a:avLst/>
+            </a:prstGeom>
+            <a:solidFill>
+              <a:srgbClr val="EFEBE4"/>
+            </a:solidFill>
+          </p:spPr>
+          <p:txBody>
+            <a:bodyPr wrap="square">
+              <a:spAutoFit/>
+            </a:bodyPr>
+            <a:lstStyle/>
+            <a:p>
+              <a:r>
+                <a:rPr lang="en-SG" sz="1100">
+                  <a:latin typeface="Consolas" panose="020B0609020204030204" pitchFamily="49" charset="0"/>
+                </a:rPr>
+                <a:t>import numpy as np</a:t>
+              </a:r>
+            </a:p>
+            <a:p>
+              <a:endParaRPr lang="en-SG" sz="1100">
+                <a:latin typeface="Consolas" panose="020B0609020204030204" pitchFamily="49" charset="0"/>
+              </a:endParaRPr>
+            </a:p>
+            <a:p>
+              <a:r>
+                <a:rPr lang="en-SG" sz="1100">
+                  <a:latin typeface="Consolas" panose="020B0609020204030204" pitchFamily="49" charset="0"/>
+                </a:rPr>
+                <a:t>df = 2 # number of degrees of freedom</a:t>
+              </a:r>
+            </a:p>
+            <a:p>
+              <a:endParaRPr lang="en-SG" sz="1100">
+                <a:latin typeface="Consolas" panose="020B0609020204030204" pitchFamily="49" charset="0"/>
+              </a:endParaRPr>
+            </a:p>
+            <a:p>
+              <a:endParaRPr lang="en-SG" sz="1100">
+                <a:latin typeface="Consolas" panose="020B0609020204030204" pitchFamily="49" charset="0"/>
+              </a:endParaRPr>
+            </a:p>
+            <a:p>
+              <a:r>
+                <a:rPr lang="en-SG" sz="1100">
+                  <a:latin typeface="Consolas" panose="020B0609020204030204" pitchFamily="49" charset="0"/>
+                </a:rPr>
+                <a:t>chisq_data = np.random.</a:t>
+              </a:r>
+              <a:r>
+                <a:rPr lang="en-SG" sz="1100">
+                  <a:solidFill>
+                    <a:srgbClr val="FF0000"/>
+                  </a:solidFill>
+                  <a:latin typeface="Consolas" panose="020B0609020204030204" pitchFamily="49" charset="0"/>
+                </a:rPr>
+                <a:t>chisquare</a:t>
+              </a:r>
+              <a:r>
+                <a:rPr lang="en-SG" sz="1100">
+                  <a:latin typeface="Consolas" panose="020B0609020204030204" pitchFamily="49" charset="0"/>
+                </a:rPr>
+                <a:t>(df, 100)</a:t>
+              </a:r>
+            </a:p>
+            <a:p>
+              <a:endParaRPr lang="en-SG" sz="1100">
+                <a:latin typeface="Consolas" panose="020B0609020204030204" pitchFamily="49" charset="0"/>
+              </a:endParaRPr>
+            </a:p>
+            <a:p>
+              <a:r>
+                <a:rPr lang="en-SG" sz="1100">
+                  <a:latin typeface="Consolas" panose="020B0609020204030204" pitchFamily="49" charset="0"/>
+                </a:rPr>
+                <a:t>print(chisq_data)</a:t>
+              </a:r>
+              <a:endParaRPr lang="en-SG" sz="1100" dirty="0">
+                <a:latin typeface="Consolas" panose="020B0609020204030204" pitchFamily="49" charset="0"/>
+              </a:endParaRPr>
+            </a:p>
+          </p:txBody>
+        </p:sp>
+      </p:grpSp>
+    </p:spTree>
+    <p:extLst>
+      <p:ext uri="{BB962C8B-B14F-4D97-AF65-F5344CB8AC3E}">
+        <p14:creationId xmlns:p14="http://schemas.microsoft.com/office/powerpoint/2010/main" val="3066745360"/>
+      </p:ext>
+    </p:extLst>
+  </p:cSld>
+  <p:clrMapOvr>
+    <a:masterClrMapping/>
+  </p:clrMapOvr>
+</p:sld>
+</file>
+
+<file path=ppt/slides/slide41.xml><?xml version="1.0" encoding="utf-8"?>
+<p:sld xmlns:a="http://schemas.openxmlformats.org/drawingml/2006/main" xmlns:r="http://schemas.openxmlformats.org/officeDocument/2006/relationships" xmlns:p="http://schemas.openxmlformats.org/presentationml/2006/main">
+  <p:cSld>
+    <p:spTree>
+      <p:nvGrpSpPr>
+        <p:cNvPr id="1" name=""/>
+        <p:cNvGrpSpPr/>
+        <p:nvPr/>
+      </p:nvGrpSpPr>
+      <p:grpSpPr>
+        <a:xfrm>
+          <a:off x="0" y="0"/>
+          <a:ext cx="0" cy="0"/>
+          <a:chOff x="0" y="0"/>
+          <a:chExt cx="0" cy="0"/>
+        </a:xfrm>
+      </p:grpSpPr>
+      <p:grpSp>
+        <p:nvGrpSpPr>
+          <p:cNvPr id="8" name="Group 7">
+            <a:extLst>
+              <a:ext uri="{FF2B5EF4-FFF2-40B4-BE49-F238E27FC236}">
+                <a16:creationId xmlns:a16="http://schemas.microsoft.com/office/drawing/2014/main" id="{91F6B3E9-991B-DC94-82FB-3EB1AEFA5EF3}"/>
+              </a:ext>
+            </a:extLst>
+          </p:cNvPr>
+          <p:cNvGrpSpPr/>
+          <p:nvPr/>
+        </p:nvGrpSpPr>
+        <p:grpSpPr>
+          <a:xfrm>
+            <a:off x="2628900" y="1138237"/>
+            <a:ext cx="6934200" cy="4581525"/>
+            <a:chOff x="2628900" y="1138237"/>
+            <a:chExt cx="6934200" cy="4581525"/>
+          </a:xfrm>
+        </p:grpSpPr>
+        <p:pic>
+          <p:nvPicPr>
+            <p:cNvPr id="3" name="Picture 2">
+              <a:extLst>
+                <a:ext uri="{FF2B5EF4-FFF2-40B4-BE49-F238E27FC236}">
+                  <a16:creationId xmlns:a16="http://schemas.microsoft.com/office/drawing/2014/main" id="{A5BECE4C-BF59-186B-94E5-18764F355274}"/>
+                </a:ext>
+              </a:extLst>
+            </p:cNvPr>
+            <p:cNvPicPr>
+              <a:picLocks noChangeAspect="1"/>
+            </p:cNvPicPr>
+            <p:nvPr/>
+          </p:nvPicPr>
+          <p:blipFill>
+            <a:blip r:embed="rId2"/>
+            <a:stretch>
+              <a:fillRect/>
+            </a:stretch>
+          </p:blipFill>
+          <p:spPr>
+            <a:xfrm>
+              <a:off x="2628900" y="1138237"/>
+              <a:ext cx="6934200" cy="4581525"/>
+            </a:xfrm>
+            <a:prstGeom prst="rect">
+              <a:avLst/>
+            </a:prstGeom>
+          </p:spPr>
+        </p:pic>
+        <p:sp>
+          <p:nvSpPr>
+            <p:cNvPr id="4" name="Rectangle 3">
+              <a:extLst>
+                <a:ext uri="{FF2B5EF4-FFF2-40B4-BE49-F238E27FC236}">
+                  <a16:creationId xmlns:a16="http://schemas.microsoft.com/office/drawing/2014/main" id="{6823F9EB-B1A6-9E2D-8A1D-C9F5DF2DB3D9}"/>
+                </a:ext>
+              </a:extLst>
+            </p:cNvPr>
+            <p:cNvSpPr/>
+            <p:nvPr/>
+          </p:nvSpPr>
+          <p:spPr>
+            <a:xfrm>
+              <a:off x="7020232" y="3989439"/>
+              <a:ext cx="1570703" cy="442452"/>
+            </a:xfrm>
+            <a:prstGeom prst="rect">
+              <a:avLst/>
+            </a:prstGeom>
+            <a:noFill/>
+            <a:ln>
+              <a:solidFill>
+                <a:srgbClr val="FF0000"/>
+              </a:solidFill>
+            </a:ln>
+          </p:spPr>
+          <p:style>
+            <a:lnRef idx="2">
+              <a:schemeClr val="accent1">
+                <a:shade val="50000"/>
+              </a:schemeClr>
+            </a:lnRef>
+            <a:fillRef idx="1">
+              <a:schemeClr val="accent1"/>
+            </a:fillRef>
+            <a:effectRef idx="0">
+              <a:schemeClr val="accent1"/>
+            </a:effectRef>
+            <a:fontRef idx="minor">
+              <a:schemeClr val="lt1"/>
+            </a:fontRef>
+          </p:style>
+          <p:txBody>
+            <a:bodyPr rtlCol="0" anchor="ctr"/>
+            <a:lstStyle/>
+            <a:p>
+              <a:pPr algn="ctr"/>
+              <a:endParaRPr lang="en-SG"/>
+            </a:p>
+          </p:txBody>
+        </p:sp>
+        <p:sp>
+          <p:nvSpPr>
+            <p:cNvPr id="6" name="TextBox 5">
+              <a:extLst>
+                <a:ext uri="{FF2B5EF4-FFF2-40B4-BE49-F238E27FC236}">
+                  <a16:creationId xmlns:a16="http://schemas.microsoft.com/office/drawing/2014/main" id="{1C6FFB70-12BE-A665-BA9C-1314700C79A4}"/>
+                </a:ext>
+              </a:extLst>
+            </p:cNvPr>
+            <p:cNvSpPr txBox="1"/>
+            <p:nvPr/>
+          </p:nvSpPr>
+          <p:spPr>
+            <a:xfrm>
+              <a:off x="3036916" y="2820761"/>
+              <a:ext cx="4655004" cy="938719"/>
+            </a:xfrm>
+            <a:prstGeom prst="rect">
+              <a:avLst/>
+            </a:prstGeom>
+            <a:solidFill>
+              <a:srgbClr val="EFEBE4"/>
+            </a:solidFill>
+          </p:spPr>
+          <p:txBody>
+            <a:bodyPr wrap="square">
+              <a:spAutoFit/>
+            </a:bodyPr>
+            <a:lstStyle/>
+            <a:p>
+              <a:r>
+                <a:rPr lang="en-SG" sz="1100">
+                  <a:latin typeface="Consolas" panose="020B0609020204030204" pitchFamily="49" charset="0"/>
+                </a:rPr>
+                <a:t>import scipy.stats as stats</a:t>
+              </a:r>
+            </a:p>
+            <a:p>
+              <a:endParaRPr lang="en-SG" sz="1100">
+                <a:latin typeface="Consolas" panose="020B0609020204030204" pitchFamily="49" charset="0"/>
+              </a:endParaRPr>
+            </a:p>
+            <a:p>
+              <a:endParaRPr lang="en-SG" sz="1100">
+                <a:latin typeface="Consolas" panose="020B0609020204030204" pitchFamily="49" charset="0"/>
+              </a:endParaRPr>
+            </a:p>
+            <a:p>
+              <a:r>
+                <a:rPr lang="en-SG" sz="1100">
+                  <a:latin typeface="Consolas" panose="020B0609020204030204" pitchFamily="49" charset="0"/>
+                </a:rPr>
+                <a:t>results = stats.</a:t>
+              </a:r>
+              <a:r>
+                <a:rPr lang="en-SG" sz="1100">
+                  <a:solidFill>
+                    <a:srgbClr val="FF0000"/>
+                  </a:solidFill>
+                  <a:latin typeface="Consolas" panose="020B0609020204030204" pitchFamily="49" charset="0"/>
+                </a:rPr>
+                <a:t>friedmanchisquare</a:t>
+              </a:r>
+              <a:r>
+                <a:rPr lang="en-SG" sz="1100">
+                  <a:latin typeface="Consolas" panose="020B0609020204030204" pitchFamily="49" charset="0"/>
+                </a:rPr>
+                <a:t>(a, b, c)</a:t>
+              </a:r>
+            </a:p>
+            <a:p>
+              <a:r>
+                <a:rPr lang="en-SG" sz="1100">
+                  <a:latin typeface="Consolas" panose="020B0609020204030204" pitchFamily="49" charset="0"/>
+                </a:rPr>
+                <a:t>print(results.pvalue)</a:t>
+              </a:r>
+              <a:endParaRPr lang="en-SG" sz="1100" dirty="0">
+                <a:latin typeface="Consolas" panose="020B0609020204030204" pitchFamily="49" charset="0"/>
+              </a:endParaRPr>
+            </a:p>
+          </p:txBody>
+        </p:sp>
+      </p:grpSp>
+    </p:spTree>
+    <p:extLst>
+      <p:ext uri="{BB962C8B-B14F-4D97-AF65-F5344CB8AC3E}">
+        <p14:creationId xmlns:p14="http://schemas.microsoft.com/office/powerpoint/2010/main" val="3250668682"/>
+      </p:ext>
+    </p:extLst>
+  </p:cSld>
+  <p:clrMapOvr>
+    <a:masterClrMapping/>
+  </p:clrMapOvr>
+</p:sld>
+</file>
+
+<file path=ppt/slides/slide42.xml><?xml version="1.0" encoding="utf-8"?>
+<p:sld xmlns:a="http://schemas.openxmlformats.org/drawingml/2006/main" xmlns:r="http://schemas.openxmlformats.org/officeDocument/2006/relationships" xmlns:p="http://schemas.openxmlformats.org/presentationml/2006/main">
+  <p:cSld>
+    <p:spTree>
+      <p:nvGrpSpPr>
+        <p:cNvPr id="1" name=""/>
+        <p:cNvGrpSpPr/>
+        <p:nvPr/>
+      </p:nvGrpSpPr>
+      <p:grpSpPr>
+        <a:xfrm>
+          <a:off x="0" y="0"/>
+          <a:ext cx="0" cy="0"/>
+          <a:chOff x="0" y="0"/>
+          <a:chExt cx="0" cy="0"/>
+        </a:xfrm>
+      </p:grpSpPr>
+      <p:grpSp>
+        <p:nvGrpSpPr>
+          <p:cNvPr id="6" name="Group 5">
+            <a:extLst>
+              <a:ext uri="{FF2B5EF4-FFF2-40B4-BE49-F238E27FC236}">
+                <a16:creationId xmlns:a16="http://schemas.microsoft.com/office/drawing/2014/main" id="{0133A3F3-D303-422A-7F65-5775EB40AB90}"/>
+              </a:ext>
+            </a:extLst>
+          </p:cNvPr>
+          <p:cNvGrpSpPr/>
+          <p:nvPr/>
+        </p:nvGrpSpPr>
+        <p:grpSpPr>
+          <a:xfrm>
+            <a:off x="2805112" y="1281112"/>
+            <a:ext cx="6581775" cy="4295775"/>
+            <a:chOff x="2805112" y="1281112"/>
+            <a:chExt cx="6581775" cy="4295775"/>
+          </a:xfrm>
+        </p:grpSpPr>
+        <p:pic>
+          <p:nvPicPr>
+            <p:cNvPr id="3" name="Picture 2">
+              <a:extLst>
+                <a:ext uri="{FF2B5EF4-FFF2-40B4-BE49-F238E27FC236}">
+                  <a16:creationId xmlns:a16="http://schemas.microsoft.com/office/drawing/2014/main" id="{E8F062F3-247E-5A28-8970-B42D3BDC06E1}"/>
+                </a:ext>
+              </a:extLst>
+            </p:cNvPr>
+            <p:cNvPicPr>
+              <a:picLocks noChangeAspect="1"/>
+            </p:cNvPicPr>
+            <p:nvPr/>
+          </p:nvPicPr>
+          <p:blipFill>
+            <a:blip r:embed="rId2"/>
+            <a:stretch>
+              <a:fillRect/>
+            </a:stretch>
+          </p:blipFill>
+          <p:spPr>
+            <a:xfrm>
+              <a:off x="2805112" y="1281112"/>
+              <a:ext cx="6581775" cy="4295775"/>
+            </a:xfrm>
+            <a:prstGeom prst="rect">
+              <a:avLst/>
+            </a:prstGeom>
+          </p:spPr>
+        </p:pic>
+        <p:sp>
+          <p:nvSpPr>
+            <p:cNvPr id="4" name="TextBox 3">
+              <a:extLst>
+                <a:ext uri="{FF2B5EF4-FFF2-40B4-BE49-F238E27FC236}">
+                  <a16:creationId xmlns:a16="http://schemas.microsoft.com/office/drawing/2014/main" id="{729DA499-9B69-BDD3-9DA2-B93026DE948A}"/>
+                </a:ext>
+              </a:extLst>
+            </p:cNvPr>
+            <p:cNvSpPr txBox="1"/>
+            <p:nvPr/>
+          </p:nvSpPr>
+          <p:spPr>
+            <a:xfrm>
+              <a:off x="3243393" y="2996510"/>
+              <a:ext cx="4655004" cy="1107996"/>
+            </a:xfrm>
+            <a:prstGeom prst="rect">
+              <a:avLst/>
+            </a:prstGeom>
+            <a:solidFill>
+              <a:srgbClr val="EFEBE4"/>
+            </a:solidFill>
+          </p:spPr>
+          <p:txBody>
+            <a:bodyPr wrap="square">
+              <a:spAutoFit/>
+            </a:bodyPr>
+            <a:lstStyle/>
+            <a:p>
+              <a:r>
+                <a:rPr lang="en-SG" sz="1100">
+                  <a:latin typeface="Consolas" panose="020B0609020204030204" pitchFamily="49" charset="0"/>
+                </a:rPr>
+                <a:t>import scipy.stats as stats</a:t>
+              </a:r>
+            </a:p>
+            <a:p>
+              <a:endParaRPr lang="en-SG" sz="1100">
+                <a:latin typeface="Consolas" panose="020B0609020204030204" pitchFamily="49" charset="0"/>
+              </a:endParaRPr>
+            </a:p>
+            <a:p>
+              <a:endParaRPr lang="en-SG" sz="1100">
+                <a:latin typeface="Consolas" panose="020B0609020204030204" pitchFamily="49" charset="0"/>
+              </a:endParaRPr>
+            </a:p>
+            <a:p>
+              <a:r>
+                <a:rPr lang="en-SG" sz="1100">
+                  <a:latin typeface="Consolas" panose="020B0609020204030204" pitchFamily="49" charset="0"/>
+                </a:rPr>
+                <a:t>results = stats.</a:t>
+              </a:r>
+              <a:r>
+                <a:rPr lang="en-SG" sz="1100">
+                  <a:solidFill>
+                    <a:srgbClr val="FF0000"/>
+                  </a:solidFill>
+                  <a:latin typeface="Consolas" panose="020B0609020204030204" pitchFamily="49" charset="0"/>
+                </a:rPr>
+                <a:t>pearsonr</a:t>
+              </a:r>
+              <a:r>
+                <a:rPr lang="en-SG" sz="1100">
+                  <a:latin typeface="Consolas" panose="020B0609020204030204" pitchFamily="49" charset="0"/>
+                </a:rPr>
+                <a:t>(df['A'], df['B'])</a:t>
+              </a:r>
+            </a:p>
+            <a:p>
+              <a:endParaRPr lang="en-SG" sz="1100">
+                <a:latin typeface="Consolas" panose="020B0609020204030204" pitchFamily="49" charset="0"/>
+              </a:endParaRPr>
+            </a:p>
+            <a:p>
+              <a:r>
+                <a:rPr lang="en-SG" sz="1100">
+                  <a:latin typeface="Consolas" panose="020B0609020204030204" pitchFamily="49" charset="0"/>
+                </a:rPr>
+                <a:t>print(results)</a:t>
+              </a:r>
+              <a:endParaRPr lang="en-SG" sz="1100" dirty="0">
+                <a:latin typeface="Consolas" panose="020B0609020204030204" pitchFamily="49" charset="0"/>
+              </a:endParaRPr>
+            </a:p>
+          </p:txBody>
+        </p:sp>
+      </p:grpSp>
+    </p:spTree>
+    <p:extLst>
+      <p:ext uri="{BB962C8B-B14F-4D97-AF65-F5344CB8AC3E}">
+        <p14:creationId xmlns:p14="http://schemas.microsoft.com/office/powerpoint/2010/main" val="1974012397"/>
+      </p:ext>
+    </p:extLst>
+  </p:cSld>
+  <p:clrMapOvr>
+    <a:masterClrMapping/>
+  </p:clrMapOvr>
+</p:sld>
+</file>
+
+<file path=ppt/slides/slide43.xml><?xml version="1.0" encoding="utf-8"?>
+<p:sld xmlns:a="http://schemas.openxmlformats.org/drawingml/2006/main" xmlns:r="http://schemas.openxmlformats.org/officeDocument/2006/relationships" xmlns:p="http://schemas.openxmlformats.org/presentationml/2006/main">
+  <p:cSld>
+    <p:spTree>
+      <p:nvGrpSpPr>
+        <p:cNvPr id="1" name=""/>
+        <p:cNvGrpSpPr/>
+        <p:nvPr/>
+      </p:nvGrpSpPr>
+      <p:grpSpPr>
+        <a:xfrm>
+          <a:off x="0" y="0"/>
+          <a:ext cx="0" cy="0"/>
+          <a:chOff x="0" y="0"/>
+          <a:chExt cx="0" cy="0"/>
+        </a:xfrm>
+      </p:grpSpPr>
+      <p:grpSp>
+        <p:nvGrpSpPr>
+          <p:cNvPr id="7" name="Group 6">
+            <a:extLst>
+              <a:ext uri="{FF2B5EF4-FFF2-40B4-BE49-F238E27FC236}">
+                <a16:creationId xmlns:a16="http://schemas.microsoft.com/office/drawing/2014/main" id="{2867031B-F35E-B892-0FCA-F4B12B18F6D7}"/>
+              </a:ext>
+            </a:extLst>
+          </p:cNvPr>
+          <p:cNvGrpSpPr/>
+          <p:nvPr/>
+        </p:nvGrpSpPr>
+        <p:grpSpPr>
+          <a:xfrm>
+            <a:off x="2552700" y="590550"/>
+            <a:ext cx="7086600" cy="5676900"/>
+            <a:chOff x="2552700" y="590550"/>
+            <a:chExt cx="7086600" cy="5676900"/>
+          </a:xfrm>
+        </p:grpSpPr>
+        <p:pic>
+          <p:nvPicPr>
+            <p:cNvPr id="3" name="Picture 2">
+              <a:extLst>
+                <a:ext uri="{FF2B5EF4-FFF2-40B4-BE49-F238E27FC236}">
+                  <a16:creationId xmlns:a16="http://schemas.microsoft.com/office/drawing/2014/main" id="{DCA09B55-16FD-CF53-4EE9-D8C7E26051CE}"/>
+                </a:ext>
+              </a:extLst>
+            </p:cNvPr>
+            <p:cNvPicPr>
+              <a:picLocks noChangeAspect="1"/>
+            </p:cNvPicPr>
+            <p:nvPr/>
+          </p:nvPicPr>
+          <p:blipFill>
+            <a:blip r:embed="rId2"/>
+            <a:stretch>
+              <a:fillRect/>
+            </a:stretch>
+          </p:blipFill>
+          <p:spPr>
+            <a:xfrm>
+              <a:off x="2552700" y="590550"/>
+              <a:ext cx="7086600" cy="5676900"/>
+            </a:xfrm>
+            <a:prstGeom prst="rect">
+              <a:avLst/>
+            </a:prstGeom>
+          </p:spPr>
+        </p:pic>
+        <p:sp>
+          <p:nvSpPr>
+            <p:cNvPr id="4" name="TextBox 3">
+              <a:extLst>
+                <a:ext uri="{FF2B5EF4-FFF2-40B4-BE49-F238E27FC236}">
+                  <a16:creationId xmlns:a16="http://schemas.microsoft.com/office/drawing/2014/main" id="{507459AE-AD54-9E43-1CFE-174CBEBF37CD}"/>
+                </a:ext>
+              </a:extLst>
+            </p:cNvPr>
+            <p:cNvSpPr txBox="1"/>
+            <p:nvPr/>
+          </p:nvSpPr>
+          <p:spPr>
+            <a:xfrm>
+              <a:off x="2850729" y="1474619"/>
+              <a:ext cx="6490541" cy="2292935"/>
+            </a:xfrm>
+            <a:prstGeom prst="rect">
+              <a:avLst/>
+            </a:prstGeom>
+            <a:solidFill>
+              <a:srgbClr val="EFEBE4"/>
+            </a:solidFill>
+          </p:spPr>
+          <p:txBody>
+            <a:bodyPr wrap="square">
+              <a:spAutoFit/>
+            </a:bodyPr>
+            <a:lstStyle/>
+            <a:p>
+              <a:r>
+                <a:rPr lang="en-SG" sz="1100">
+                  <a:latin typeface="Consolas" panose="020B0609020204030204" pitchFamily="49" charset="0"/>
+                </a:rPr>
+                <a:t>For feature selection in your Machine Learning model, you ran a Chi-square test to determine the relationship between the independent and the one dependent categorical feature. The results obtained are the following:</a:t>
+              </a:r>
+            </a:p>
+            <a:p>
+              <a:endParaRPr lang="en-SG" sz="1100">
+                <a:latin typeface="Consolas" panose="020B0609020204030204" pitchFamily="49" charset="0"/>
+              </a:endParaRPr>
+            </a:p>
+            <a:p>
+              <a:endParaRPr lang="en-SG" sz="1100">
+                <a:latin typeface="Consolas" panose="020B0609020204030204" pitchFamily="49" charset="0"/>
+              </a:endParaRPr>
+            </a:p>
+            <a:p>
+              <a:endParaRPr lang="en-SG" sz="1100">
+                <a:latin typeface="Consolas" panose="020B0609020204030204" pitchFamily="49" charset="0"/>
+              </a:endParaRPr>
+            </a:p>
+            <a:p>
+              <a:r>
+                <a:rPr lang="en-SG" sz="1100">
+                  <a:latin typeface="Consolas" panose="020B0609020204030204" pitchFamily="49" charset="0"/>
+                </a:rPr>
+                <a:t>chi2 value: 134.54869375910293</a:t>
+              </a:r>
+            </a:p>
+            <a:p>
+              <a:endParaRPr lang="en-SG" sz="1100">
+                <a:latin typeface="Consolas" panose="020B0609020204030204" pitchFamily="49" charset="0"/>
+              </a:endParaRPr>
+            </a:p>
+            <a:p>
+              <a:r>
+                <a:rPr lang="en-SG" sz="1100">
+                  <a:latin typeface="Consolas" panose="020B0609020204030204" pitchFamily="49" charset="0"/>
+                </a:rPr>
+                <a:t>p-value: 1.510066805092378e-136</a:t>
+              </a:r>
+            </a:p>
+            <a:p>
+              <a:endParaRPr lang="en-SG" sz="1100">
+                <a:latin typeface="Consolas" panose="020B0609020204030204" pitchFamily="49" charset="0"/>
+              </a:endParaRPr>
+            </a:p>
+            <a:p>
+              <a:endParaRPr lang="en-SG" sz="1100">
+                <a:latin typeface="Consolas" panose="020B0609020204030204" pitchFamily="49" charset="0"/>
+              </a:endParaRPr>
+            </a:p>
+            <a:p>
+              <a:endParaRPr lang="en-SG" sz="1100">
+                <a:latin typeface="Consolas" panose="020B0609020204030204" pitchFamily="49" charset="0"/>
+              </a:endParaRPr>
+            </a:p>
+            <a:p>
+              <a:r>
+                <a:rPr lang="en-SG" sz="1100">
+                  <a:latin typeface="Consolas" panose="020B0609020204030204" pitchFamily="49" charset="0"/>
+                </a:rPr>
+                <a:t>According to these results, we can conclude that:</a:t>
+              </a:r>
+              <a:endParaRPr lang="en-SG" sz="1100" dirty="0">
+                <a:latin typeface="Consolas" panose="020B0609020204030204" pitchFamily="49" charset="0"/>
+              </a:endParaRPr>
+            </a:p>
+          </p:txBody>
+        </p:sp>
+        <p:sp>
+          <p:nvSpPr>
+            <p:cNvPr id="6" name="Rectangle 5">
+              <a:extLst>
+                <a:ext uri="{FF2B5EF4-FFF2-40B4-BE49-F238E27FC236}">
+                  <a16:creationId xmlns:a16="http://schemas.microsoft.com/office/drawing/2014/main" id="{D6437800-0DAB-C032-37B8-B567CA46CE29}"/>
+                </a:ext>
+              </a:extLst>
+            </p:cNvPr>
+            <p:cNvSpPr/>
+            <p:nvPr/>
+          </p:nvSpPr>
+          <p:spPr>
+            <a:xfrm>
+              <a:off x="2743199" y="5257800"/>
+              <a:ext cx="6732640" cy="442452"/>
+            </a:xfrm>
+            <a:prstGeom prst="rect">
+              <a:avLst/>
+            </a:prstGeom>
+            <a:noFill/>
+            <a:ln>
+              <a:solidFill>
+                <a:srgbClr val="FF0000"/>
+              </a:solidFill>
+            </a:ln>
+          </p:spPr>
+          <p:style>
+            <a:lnRef idx="2">
+              <a:schemeClr val="accent1">
+                <a:shade val="50000"/>
+              </a:schemeClr>
+            </a:lnRef>
+            <a:fillRef idx="1">
+              <a:schemeClr val="accent1"/>
+            </a:fillRef>
+            <a:effectRef idx="0">
+              <a:schemeClr val="accent1"/>
+            </a:effectRef>
+            <a:fontRef idx="minor">
+              <a:schemeClr val="lt1"/>
+            </a:fontRef>
+          </p:style>
+          <p:txBody>
+            <a:bodyPr rtlCol="0" anchor="ctr"/>
+            <a:lstStyle/>
+            <a:p>
+              <a:pPr algn="ctr"/>
+              <a:endParaRPr lang="en-SG"/>
+            </a:p>
+          </p:txBody>
+        </p:sp>
+      </p:grpSp>
+    </p:spTree>
+    <p:extLst>
+      <p:ext uri="{BB962C8B-B14F-4D97-AF65-F5344CB8AC3E}">
+        <p14:creationId xmlns:p14="http://schemas.microsoft.com/office/powerpoint/2010/main" val="671896208"/>
+      </p:ext>
+    </p:extLst>
+  </p:cSld>
+  <p:clrMapOvr>
+    <a:masterClrMapping/>
+  </p:clrMapOvr>
+</p:sld>
+</file>
+
+<file path=ppt/slides/slide44.xml><?xml version="1.0" encoding="utf-8"?>
 <p:sld xmlns:a="http://schemas.openxmlformats.org/drawingml/2006/main" xmlns:r="http://schemas.openxmlformats.org/officeDocument/2006/relationships" xmlns:p="http://schemas.openxmlformats.org/presentationml/2006/main">
   <p:cSld>
     <p:spTree>
@@ -11449,9 +12829,7 @@
               <a:avLst/>
             </a:prstGeom>
             <a:solidFill>
-              <a:schemeClr val="bg1">
-                <a:lumMod val="95000"/>
-              </a:schemeClr>
+              <a:srgbClr val="EFEBE4"/>
             </a:solidFill>
           </p:spPr>
           <p:txBody>
@@ -11532,7 +12910,7 @@
 </p:sld>
 </file>
 
-<file path=ppt/slides/slide41.xml><?xml version="1.0" encoding="utf-8"?>
+<file path=ppt/slides/slide45.xml><?xml version="1.0" encoding="utf-8"?>
 <p:sld xmlns:a="http://schemas.openxmlformats.org/drawingml/2006/main" xmlns:r="http://schemas.openxmlformats.org/officeDocument/2006/relationships" xmlns:p="http://schemas.openxmlformats.org/presentationml/2006/main">
   <p:cSld>
     <p:spTree>
@@ -11650,9 +13028,7 @@
               <a:avLst/>
             </a:prstGeom>
             <a:solidFill>
-              <a:schemeClr val="bg1">
-                <a:lumMod val="95000"/>
-              </a:schemeClr>
+              <a:srgbClr val="EFEBE4"/>
             </a:solidFill>
           </p:spPr>
           <p:txBody>
@@ -11809,7 +13185,7 @@
 </p:sld>
 </file>
 
-<file path=ppt/slides/slide42.xml><?xml version="1.0" encoding="utf-8"?>
+<file path=ppt/slides/slide46.xml><?xml version="1.0" encoding="utf-8"?>
 <p:sld xmlns:a="http://schemas.openxmlformats.org/drawingml/2006/main" xmlns:r="http://schemas.openxmlformats.org/officeDocument/2006/relationships" xmlns:p="http://schemas.openxmlformats.org/presentationml/2006/main">
   <p:cSld>
     <p:spTree>
@@ -11897,9 +13273,7 @@
               <a:avLst/>
             </a:prstGeom>
             <a:solidFill>
-              <a:schemeClr val="bg1">
-                <a:lumMod val="95000"/>
-              </a:schemeClr>
+              <a:srgbClr val="EFEBE4"/>
             </a:solidFill>
           </p:spPr>
           <p:txBody>
@@ -11990,7 +13364,7 @@
 </p:sld>
 </file>
 
-<file path=ppt/slides/slide43.xml><?xml version="1.0" encoding="utf-8"?>
+<file path=ppt/slides/slide47.xml><?xml version="1.0" encoding="utf-8"?>
 <p:sld xmlns:a="http://schemas.openxmlformats.org/drawingml/2006/main" xmlns:r="http://schemas.openxmlformats.org/officeDocument/2006/relationships" xmlns:p="http://schemas.openxmlformats.org/presentationml/2006/main">
   <p:cSld>
     <p:spTree>
@@ -12078,9 +13452,7 @@
               <a:avLst/>
             </a:prstGeom>
             <a:solidFill>
-              <a:schemeClr val="bg1">
-                <a:lumMod val="95000"/>
-              </a:schemeClr>
+              <a:srgbClr val="EFEBE4"/>
             </a:solidFill>
           </p:spPr>
           <p:txBody>
@@ -12156,7 +13528,7 @@
 </p:sld>
 </file>
 
-<file path=ppt/slides/slide44.xml><?xml version="1.0" encoding="utf-8"?>
+<file path=ppt/slides/slide48.xml><?xml version="1.0" encoding="utf-8"?>
 <p:sld xmlns:a="http://schemas.openxmlformats.org/drawingml/2006/main" xmlns:r="http://schemas.openxmlformats.org/officeDocument/2006/relationships" xmlns:p="http://schemas.openxmlformats.org/presentationml/2006/main">
   <p:cSld>
     <p:spTree>
@@ -12244,9 +13616,7 @@
               <a:avLst/>
             </a:prstGeom>
             <a:solidFill>
-              <a:schemeClr val="bg1">
-                <a:lumMod val="95000"/>
-              </a:schemeClr>
+              <a:srgbClr val="EFEBE4"/>
             </a:solidFill>
           </p:spPr>
           <p:txBody>
@@ -12342,7 +13712,7 @@
 </p:sld>
 </file>
 
-<file path=ppt/slides/slide45.xml><?xml version="1.0" encoding="utf-8"?>
+<file path=ppt/slides/slide49.xml><?xml version="1.0" encoding="utf-8"?>
 <p:sld xmlns:a="http://schemas.openxmlformats.org/drawingml/2006/main" xmlns:r="http://schemas.openxmlformats.org/officeDocument/2006/relationships" xmlns:p="http://schemas.openxmlformats.org/presentationml/2006/main">
   <p:cSld>
     <p:spTree>
@@ -12430,9 +13800,7 @@
               <a:avLst/>
             </a:prstGeom>
             <a:solidFill>
-              <a:schemeClr val="bg1">
-                <a:lumMod val="95000"/>
-              </a:schemeClr>
+              <a:srgbClr val="EFEBE4"/>
             </a:solidFill>
           </p:spPr>
           <p:txBody>
@@ -12543,735 +13911,6 @@
     <p:extLst>
       <p:ext uri="{BB962C8B-B14F-4D97-AF65-F5344CB8AC3E}">
         <p14:creationId xmlns:p14="http://schemas.microsoft.com/office/powerpoint/2010/main" val="1917601767"/>
-      </p:ext>
-    </p:extLst>
-  </p:cSld>
-  <p:clrMapOvr>
-    <a:masterClrMapping/>
-  </p:clrMapOvr>
-</p:sld>
-</file>
-
-<file path=ppt/slides/slide46.xml><?xml version="1.0" encoding="utf-8"?>
-<p:sld xmlns:a="http://schemas.openxmlformats.org/drawingml/2006/main" xmlns:r="http://schemas.openxmlformats.org/officeDocument/2006/relationships" xmlns:p="http://schemas.openxmlformats.org/presentationml/2006/main">
-  <p:cSld>
-    <p:spTree>
-      <p:nvGrpSpPr>
-        <p:cNvPr id="1" name=""/>
-        <p:cNvGrpSpPr/>
-        <p:nvPr/>
-      </p:nvGrpSpPr>
-      <p:grpSpPr>
-        <a:xfrm>
-          <a:off x="0" y="0"/>
-          <a:ext cx="0" cy="0"/>
-          <a:chOff x="0" y="0"/>
-          <a:chExt cx="0" cy="0"/>
-        </a:xfrm>
-      </p:grpSpPr>
-      <p:grpSp>
-        <p:nvGrpSpPr>
-          <p:cNvPr id="6" name="Group 5">
-            <a:extLst>
-              <a:ext uri="{FF2B5EF4-FFF2-40B4-BE49-F238E27FC236}">
-                <a16:creationId xmlns:a16="http://schemas.microsoft.com/office/drawing/2014/main" id="{E8C182B9-F310-12F2-BA31-BE50473D9AC2}"/>
-              </a:ext>
-            </a:extLst>
-          </p:cNvPr>
-          <p:cNvGrpSpPr/>
-          <p:nvPr/>
-        </p:nvGrpSpPr>
-        <p:grpSpPr>
-          <a:xfrm>
-            <a:off x="2557462" y="1157287"/>
-            <a:ext cx="7077075" cy="4543425"/>
-            <a:chOff x="2557462" y="1157287"/>
-            <a:chExt cx="7077075" cy="4543425"/>
-          </a:xfrm>
-        </p:grpSpPr>
-        <p:pic>
-          <p:nvPicPr>
-            <p:cNvPr id="3" name="Picture 2">
-              <a:extLst>
-                <a:ext uri="{FF2B5EF4-FFF2-40B4-BE49-F238E27FC236}">
-                  <a16:creationId xmlns:a16="http://schemas.microsoft.com/office/drawing/2014/main" id="{3FF2B02E-82CA-1AF8-6935-5E3F517856F7}"/>
-                </a:ext>
-              </a:extLst>
-            </p:cNvPr>
-            <p:cNvPicPr>
-              <a:picLocks noChangeAspect="1"/>
-            </p:cNvPicPr>
-            <p:nvPr/>
-          </p:nvPicPr>
-          <p:blipFill>
-            <a:blip r:embed="rId2"/>
-            <a:stretch>
-              <a:fillRect/>
-            </a:stretch>
-          </p:blipFill>
-          <p:spPr>
-            <a:xfrm>
-              <a:off x="2557462" y="1157287"/>
-              <a:ext cx="7077075" cy="4543425"/>
-            </a:xfrm>
-            <a:prstGeom prst="rect">
-              <a:avLst/>
-            </a:prstGeom>
-          </p:spPr>
-        </p:pic>
-        <p:sp>
-          <p:nvSpPr>
-            <p:cNvPr id="4" name="TextBox 3">
-              <a:extLst>
-                <a:ext uri="{FF2B5EF4-FFF2-40B4-BE49-F238E27FC236}">
-                  <a16:creationId xmlns:a16="http://schemas.microsoft.com/office/drawing/2014/main" id="{D687A4D3-D2E6-A5D5-C681-E8F448B4C2A5}"/>
-                </a:ext>
-              </a:extLst>
-            </p:cNvPr>
-            <p:cNvSpPr txBox="1"/>
-            <p:nvPr/>
-          </p:nvSpPr>
-          <p:spPr>
-            <a:xfrm>
-              <a:off x="2940304" y="2762334"/>
-              <a:ext cx="5088830" cy="769441"/>
-            </a:xfrm>
-            <a:prstGeom prst="rect">
-              <a:avLst/>
-            </a:prstGeom>
-            <a:solidFill>
-              <a:schemeClr val="bg1">
-                <a:lumMod val="95000"/>
-              </a:schemeClr>
-            </a:solidFill>
-          </p:spPr>
-          <p:txBody>
-            <a:bodyPr wrap="square">
-              <a:spAutoFit/>
-            </a:bodyPr>
-            <a:lstStyle/>
-            <a:p>
-              <a:r>
-                <a:rPr lang="en-SG" sz="1100">
-                  <a:latin typeface="Consolas" panose="020B0609020204030204" pitchFamily="49" charset="0"/>
-                </a:rPr>
-                <a:t>import pandas as pd</a:t>
-              </a:r>
-            </a:p>
-            <a:p>
-              <a:endParaRPr lang="en-SG" sz="1100">
-                <a:latin typeface="Consolas" panose="020B0609020204030204" pitchFamily="49" charset="0"/>
-              </a:endParaRPr>
-            </a:p>
-            <a:p>
-              <a:endParaRPr lang="en-SG" sz="1100">
-                <a:latin typeface="Consolas" panose="020B0609020204030204" pitchFamily="49" charset="0"/>
-              </a:endParaRPr>
-            </a:p>
-            <a:p>
-              <a:r>
-                <a:rPr lang="en-SG" sz="1100">
-                  <a:latin typeface="Consolas" panose="020B0609020204030204" pitchFamily="49" charset="0"/>
-                </a:rPr>
-                <a:t>df.sample(</a:t>
-              </a:r>
-              <a:r>
-                <a:rPr lang="en-SG" sz="1100">
-                  <a:solidFill>
-                    <a:srgbClr val="FF0000"/>
-                  </a:solidFill>
-                  <a:latin typeface="Consolas" panose="020B0609020204030204" pitchFamily="49" charset="0"/>
-                </a:rPr>
-                <a:t>n=3,replace=True</a:t>
-              </a:r>
-              <a:r>
-                <a:rPr lang="en-SG" sz="1100">
-                  <a:latin typeface="Consolas" panose="020B0609020204030204" pitchFamily="49" charset="0"/>
-                </a:rPr>
-                <a:t>,random_state=1)</a:t>
-              </a:r>
-              <a:endParaRPr lang="en-SG" sz="1100" dirty="0">
-                <a:latin typeface="Consolas" panose="020B0609020204030204" pitchFamily="49" charset="0"/>
-              </a:endParaRPr>
-            </a:p>
-          </p:txBody>
-        </p:sp>
-      </p:grpSp>
-    </p:spTree>
-    <p:extLst>
-      <p:ext uri="{BB962C8B-B14F-4D97-AF65-F5344CB8AC3E}">
-        <p14:creationId xmlns:p14="http://schemas.microsoft.com/office/powerpoint/2010/main" val="930118977"/>
-      </p:ext>
-    </p:extLst>
-  </p:cSld>
-  <p:clrMapOvr>
-    <a:masterClrMapping/>
-  </p:clrMapOvr>
-</p:sld>
-</file>
-
-<file path=ppt/slides/slide47.xml><?xml version="1.0" encoding="utf-8"?>
-<p:sld xmlns:a="http://schemas.openxmlformats.org/drawingml/2006/main" xmlns:r="http://schemas.openxmlformats.org/officeDocument/2006/relationships" xmlns:p="http://schemas.openxmlformats.org/presentationml/2006/main">
-  <p:cSld>
-    <p:spTree>
-      <p:nvGrpSpPr>
-        <p:cNvPr id="1" name=""/>
-        <p:cNvGrpSpPr/>
-        <p:nvPr/>
-      </p:nvGrpSpPr>
-      <p:grpSpPr>
-        <a:xfrm>
-          <a:off x="0" y="0"/>
-          <a:ext cx="0" cy="0"/>
-          <a:chOff x="0" y="0"/>
-          <a:chExt cx="0" cy="0"/>
-        </a:xfrm>
-      </p:grpSpPr>
-      <p:grpSp>
-        <p:nvGrpSpPr>
-          <p:cNvPr id="7" name="Group 6">
-            <a:extLst>
-              <a:ext uri="{FF2B5EF4-FFF2-40B4-BE49-F238E27FC236}">
-                <a16:creationId xmlns:a16="http://schemas.microsoft.com/office/drawing/2014/main" id="{43F7D95E-BA5B-FE11-7983-4F3624925884}"/>
-              </a:ext>
-            </a:extLst>
-          </p:cNvPr>
-          <p:cNvGrpSpPr/>
-          <p:nvPr/>
-        </p:nvGrpSpPr>
-        <p:grpSpPr>
-          <a:xfrm>
-            <a:off x="2752725" y="962025"/>
-            <a:ext cx="6686550" cy="4933950"/>
-            <a:chOff x="2752725" y="962025"/>
-            <a:chExt cx="6686550" cy="4933950"/>
-          </a:xfrm>
-        </p:grpSpPr>
-        <p:pic>
-          <p:nvPicPr>
-            <p:cNvPr id="3" name="Picture 2">
-              <a:extLst>
-                <a:ext uri="{FF2B5EF4-FFF2-40B4-BE49-F238E27FC236}">
-                  <a16:creationId xmlns:a16="http://schemas.microsoft.com/office/drawing/2014/main" id="{5D5B3629-B6A9-511D-5150-A2CB938839C4}"/>
-                </a:ext>
-              </a:extLst>
-            </p:cNvPr>
-            <p:cNvPicPr>
-              <a:picLocks noChangeAspect="1"/>
-            </p:cNvPicPr>
-            <p:nvPr/>
-          </p:nvPicPr>
-          <p:blipFill>
-            <a:blip r:embed="rId2"/>
-            <a:stretch>
-              <a:fillRect/>
-            </a:stretch>
-          </p:blipFill>
-          <p:spPr>
-            <a:xfrm>
-              <a:off x="2752725" y="962025"/>
-              <a:ext cx="6686550" cy="4933950"/>
-            </a:xfrm>
-            <a:prstGeom prst="rect">
-              <a:avLst/>
-            </a:prstGeom>
-          </p:spPr>
-        </p:pic>
-        <p:sp>
-          <p:nvSpPr>
-            <p:cNvPr id="4" name="TextBox 3">
-              <a:extLst>
-                <a:ext uri="{FF2B5EF4-FFF2-40B4-BE49-F238E27FC236}">
-                  <a16:creationId xmlns:a16="http://schemas.microsoft.com/office/drawing/2014/main" id="{381EA573-66A3-507B-2F98-7D80800BE23D}"/>
-                </a:ext>
-              </a:extLst>
-            </p:cNvPr>
-            <p:cNvSpPr txBox="1"/>
-            <p:nvPr/>
-          </p:nvSpPr>
-          <p:spPr>
-            <a:xfrm>
-              <a:off x="3143316" y="2612159"/>
-              <a:ext cx="5905368" cy="1277273"/>
-            </a:xfrm>
-            <a:prstGeom prst="rect">
-              <a:avLst/>
-            </a:prstGeom>
-            <a:solidFill>
-              <a:schemeClr val="bg1">
-                <a:lumMod val="95000"/>
-              </a:schemeClr>
-            </a:solidFill>
-          </p:spPr>
-          <p:txBody>
-            <a:bodyPr wrap="square">
-              <a:spAutoFit/>
-            </a:bodyPr>
-            <a:lstStyle/>
-            <a:p>
-              <a:r>
-                <a:rPr lang="en-SG" sz="1100">
-                  <a:latin typeface="Consolas" panose="020B0609020204030204" pitchFamily="49" charset="0"/>
-                </a:rPr>
-                <a:t>from scipy.stats import norm</a:t>
-              </a:r>
-            </a:p>
-            <a:p>
-              <a:r>
-                <a:rPr lang="en-SG" sz="1100">
-                  <a:latin typeface="Consolas" panose="020B0609020204030204" pitchFamily="49" charset="0"/>
-                </a:rPr>
-                <a:t>import numpy as np</a:t>
-              </a:r>
-            </a:p>
-            <a:p>
-              <a:endParaRPr lang="en-SG" sz="1100">
-                <a:latin typeface="Consolas" panose="020B0609020204030204" pitchFamily="49" charset="0"/>
-              </a:endParaRPr>
-            </a:p>
-            <a:p>
-              <a:endParaRPr lang="en-SG" sz="1100">
-                <a:latin typeface="Consolas" panose="020B0609020204030204" pitchFamily="49" charset="0"/>
-              </a:endParaRPr>
-            </a:p>
-            <a:p>
-              <a:r>
-                <a:rPr lang="en-SG" sz="1100">
-                  <a:latin typeface="Consolas" panose="020B0609020204030204" pitchFamily="49" charset="0"/>
-                </a:rPr>
-                <a:t>values = np.linspace(1, 100, 30)</a:t>
-              </a:r>
-            </a:p>
-            <a:p>
-              <a:r>
-                <a:rPr lang="en-SG" sz="1100">
-                  <a:latin typeface="Consolas" panose="020B0609020204030204" pitchFamily="49" charset="0"/>
-                </a:rPr>
-                <a:t>probability_pdf = </a:t>
-              </a:r>
-              <a:r>
-                <a:rPr lang="en-SG" sz="1100">
-                  <a:solidFill>
-                    <a:srgbClr val="FF0000"/>
-                  </a:solidFill>
-                  <a:latin typeface="Consolas" panose="020B0609020204030204" pitchFamily="49" charset="0"/>
-                </a:rPr>
-                <a:t>norm.pdf</a:t>
-              </a:r>
-              <a:r>
-                <a:rPr lang="en-SG" sz="1100">
-                  <a:latin typeface="Consolas" panose="020B0609020204030204" pitchFamily="49" charset="0"/>
-                </a:rPr>
-                <a:t>(3, loc=np.mean(values), scale=np.std(values))</a:t>
-              </a:r>
-            </a:p>
-            <a:p>
-              <a:r>
-                <a:rPr lang="en-SG" sz="1100">
-                  <a:latin typeface="Consolas" panose="020B0609020204030204" pitchFamily="49" charset="0"/>
-                </a:rPr>
-                <a:t>print(probability_pdf)</a:t>
-              </a:r>
-              <a:endParaRPr lang="en-SG" sz="1100" dirty="0">
-                <a:latin typeface="Consolas" panose="020B0609020204030204" pitchFamily="49" charset="0"/>
-              </a:endParaRPr>
-            </a:p>
-          </p:txBody>
-        </p:sp>
-        <p:sp>
-          <p:nvSpPr>
-            <p:cNvPr id="5" name="Rectangle 4">
-              <a:extLst>
-                <a:ext uri="{FF2B5EF4-FFF2-40B4-BE49-F238E27FC236}">
-                  <a16:creationId xmlns:a16="http://schemas.microsoft.com/office/drawing/2014/main" id="{2D773C62-4310-2166-4505-3A166E6DEF5A}"/>
-                </a:ext>
-              </a:extLst>
-            </p:cNvPr>
-            <p:cNvSpPr/>
-            <p:nvPr/>
-          </p:nvSpPr>
-          <p:spPr>
-            <a:xfrm>
-              <a:off x="6931740" y="4183143"/>
-              <a:ext cx="803789" cy="396231"/>
-            </a:xfrm>
-            <a:prstGeom prst="rect">
-              <a:avLst/>
-            </a:prstGeom>
-            <a:noFill/>
-            <a:ln>
-              <a:solidFill>
-                <a:srgbClr val="FF0000"/>
-              </a:solidFill>
-            </a:ln>
-          </p:spPr>
-          <p:style>
-            <a:lnRef idx="2">
-              <a:schemeClr val="accent1">
-                <a:shade val="50000"/>
-              </a:schemeClr>
-            </a:lnRef>
-            <a:fillRef idx="1">
-              <a:schemeClr val="accent1"/>
-            </a:fillRef>
-            <a:effectRef idx="0">
-              <a:schemeClr val="accent1"/>
-            </a:effectRef>
-            <a:fontRef idx="minor">
-              <a:schemeClr val="lt1"/>
-            </a:fontRef>
-          </p:style>
-          <p:txBody>
-            <a:bodyPr rtlCol="0" anchor="ctr"/>
-            <a:lstStyle/>
-            <a:p>
-              <a:pPr algn="ctr"/>
-              <a:endParaRPr lang="en-SG"/>
-            </a:p>
-          </p:txBody>
-        </p:sp>
-      </p:grpSp>
-    </p:spTree>
-    <p:extLst>
-      <p:ext uri="{BB962C8B-B14F-4D97-AF65-F5344CB8AC3E}">
-        <p14:creationId xmlns:p14="http://schemas.microsoft.com/office/powerpoint/2010/main" val="1708539445"/>
-      </p:ext>
-    </p:extLst>
-  </p:cSld>
-  <p:clrMapOvr>
-    <a:masterClrMapping/>
-  </p:clrMapOvr>
-</p:sld>
-</file>
-
-<file path=ppt/slides/slide48.xml><?xml version="1.0" encoding="utf-8"?>
-<p:sld xmlns:a="http://schemas.openxmlformats.org/drawingml/2006/main" xmlns:r="http://schemas.openxmlformats.org/officeDocument/2006/relationships" xmlns:p="http://schemas.openxmlformats.org/presentationml/2006/main">
-  <p:cSld>
-    <p:spTree>
-      <p:nvGrpSpPr>
-        <p:cNvPr id="1" name=""/>
-        <p:cNvGrpSpPr/>
-        <p:nvPr/>
-      </p:nvGrpSpPr>
-      <p:grpSpPr>
-        <a:xfrm>
-          <a:off x="0" y="0"/>
-          <a:ext cx="0" cy="0"/>
-          <a:chOff x="0" y="0"/>
-          <a:chExt cx="0" cy="0"/>
-        </a:xfrm>
-      </p:grpSpPr>
-      <p:grpSp>
-        <p:nvGrpSpPr>
-          <p:cNvPr id="6" name="Group 5">
-            <a:extLst>
-              <a:ext uri="{FF2B5EF4-FFF2-40B4-BE49-F238E27FC236}">
-                <a16:creationId xmlns:a16="http://schemas.microsoft.com/office/drawing/2014/main" id="{64F76AD6-5850-A675-A698-DCF4F9517F54}"/>
-              </a:ext>
-            </a:extLst>
-          </p:cNvPr>
-          <p:cNvGrpSpPr/>
-          <p:nvPr/>
-        </p:nvGrpSpPr>
-        <p:grpSpPr>
-          <a:xfrm>
-            <a:off x="2776537" y="1409700"/>
-            <a:ext cx="6638925" cy="4038600"/>
-            <a:chOff x="2776537" y="1409700"/>
-            <a:chExt cx="6638925" cy="4038600"/>
-          </a:xfrm>
-        </p:grpSpPr>
-        <p:pic>
-          <p:nvPicPr>
-            <p:cNvPr id="3" name="Picture 2">
-              <a:extLst>
-                <a:ext uri="{FF2B5EF4-FFF2-40B4-BE49-F238E27FC236}">
-                  <a16:creationId xmlns:a16="http://schemas.microsoft.com/office/drawing/2014/main" id="{85F75C01-EF66-2390-A1DC-CBD013EA46A4}"/>
-                </a:ext>
-              </a:extLst>
-            </p:cNvPr>
-            <p:cNvPicPr>
-              <a:picLocks noChangeAspect="1"/>
-            </p:cNvPicPr>
-            <p:nvPr/>
-          </p:nvPicPr>
-          <p:blipFill>
-            <a:blip r:embed="rId2"/>
-            <a:stretch>
-              <a:fillRect/>
-            </a:stretch>
-          </p:blipFill>
-          <p:spPr>
-            <a:xfrm>
-              <a:off x="2776537" y="1409700"/>
-              <a:ext cx="6638925" cy="4038600"/>
-            </a:xfrm>
-            <a:prstGeom prst="rect">
-              <a:avLst/>
-            </a:prstGeom>
-          </p:spPr>
-        </p:pic>
-        <p:sp>
-          <p:nvSpPr>
-            <p:cNvPr id="4" name="TextBox 3">
-              <a:extLst>
-                <a:ext uri="{FF2B5EF4-FFF2-40B4-BE49-F238E27FC236}">
-                  <a16:creationId xmlns:a16="http://schemas.microsoft.com/office/drawing/2014/main" id="{38B256A6-0E1D-813F-17D0-33F453A2E0A4}"/>
-                </a:ext>
-              </a:extLst>
-            </p:cNvPr>
-            <p:cNvSpPr txBox="1"/>
-            <p:nvPr/>
-          </p:nvSpPr>
-          <p:spPr>
-            <a:xfrm>
-              <a:off x="3183655" y="3044279"/>
-              <a:ext cx="5088830" cy="938719"/>
-            </a:xfrm>
-            <a:prstGeom prst="rect">
-              <a:avLst/>
-            </a:prstGeom>
-            <a:solidFill>
-              <a:schemeClr val="bg1">
-                <a:lumMod val="95000"/>
-              </a:schemeClr>
-            </a:solidFill>
-          </p:spPr>
-          <p:txBody>
-            <a:bodyPr wrap="square">
-              <a:spAutoFit/>
-            </a:bodyPr>
-            <a:lstStyle/>
-            <a:p>
-              <a:r>
-                <a:rPr lang="en-SG" sz="1100">
-                  <a:latin typeface="Consolas" panose="020B0609020204030204" pitchFamily="49" charset="0"/>
-                </a:rPr>
-                <a:t>import scipy.stats as stats</a:t>
-              </a:r>
-            </a:p>
-            <a:p>
-              <a:endParaRPr lang="en-SG" sz="1100">
-                <a:latin typeface="Consolas" panose="020B0609020204030204" pitchFamily="49" charset="0"/>
-              </a:endParaRPr>
-            </a:p>
-            <a:p>
-              <a:endParaRPr lang="en-SG" sz="1100">
-                <a:latin typeface="Consolas" panose="020B0609020204030204" pitchFamily="49" charset="0"/>
-              </a:endParaRPr>
-            </a:p>
-            <a:p>
-              <a:r>
-                <a:rPr lang="en-SG" sz="1100">
-                  <a:latin typeface="Consolas" panose="020B0609020204030204" pitchFamily="49" charset="0"/>
-                </a:rPr>
-                <a:t>results = stats.</a:t>
-              </a:r>
-              <a:r>
-                <a:rPr lang="en-SG" sz="1100">
-                  <a:solidFill>
-                    <a:srgbClr val="FF0000"/>
-                  </a:solidFill>
-                  <a:latin typeface="Consolas" panose="020B0609020204030204" pitchFamily="49" charset="0"/>
-                </a:rPr>
-                <a:t>shapiro</a:t>
-              </a:r>
-              <a:r>
-                <a:rPr lang="en-SG" sz="1100">
-                  <a:latin typeface="Consolas" panose="020B0609020204030204" pitchFamily="49" charset="0"/>
-                </a:rPr>
-                <a:t>(dt_total_score)</a:t>
-              </a:r>
-            </a:p>
-            <a:p>
-              <a:r>
-                <a:rPr lang="en-SG" sz="1100">
-                  <a:latin typeface="Consolas" panose="020B0609020204030204" pitchFamily="49" charset="0"/>
-                </a:rPr>
-                <a:t>print(results.pvalue)</a:t>
-              </a:r>
-              <a:endParaRPr lang="en-SG" sz="1100" dirty="0">
-                <a:latin typeface="Consolas" panose="020B0609020204030204" pitchFamily="49" charset="0"/>
-              </a:endParaRPr>
-            </a:p>
-          </p:txBody>
-        </p:sp>
-      </p:grpSp>
-    </p:spTree>
-    <p:extLst>
-      <p:ext uri="{BB962C8B-B14F-4D97-AF65-F5344CB8AC3E}">
-        <p14:creationId xmlns:p14="http://schemas.microsoft.com/office/powerpoint/2010/main" val="1893656919"/>
-      </p:ext>
-    </p:extLst>
-  </p:cSld>
-  <p:clrMapOvr>
-    <a:masterClrMapping/>
-  </p:clrMapOvr>
-</p:sld>
-</file>
-
-<file path=ppt/slides/slide49.xml><?xml version="1.0" encoding="utf-8"?>
-<p:sld xmlns:a="http://schemas.openxmlformats.org/drawingml/2006/main" xmlns:r="http://schemas.openxmlformats.org/officeDocument/2006/relationships" xmlns:p="http://schemas.openxmlformats.org/presentationml/2006/main">
-  <p:cSld>
-    <p:spTree>
-      <p:nvGrpSpPr>
-        <p:cNvPr id="1" name=""/>
-        <p:cNvGrpSpPr/>
-        <p:nvPr/>
-      </p:nvGrpSpPr>
-      <p:grpSpPr>
-        <a:xfrm>
-          <a:off x="0" y="0"/>
-          <a:ext cx="0" cy="0"/>
-          <a:chOff x="0" y="0"/>
-          <a:chExt cx="0" cy="0"/>
-        </a:xfrm>
-      </p:grpSpPr>
-      <p:grpSp>
-        <p:nvGrpSpPr>
-          <p:cNvPr id="6" name="Group 5">
-            <a:extLst>
-              <a:ext uri="{FF2B5EF4-FFF2-40B4-BE49-F238E27FC236}">
-                <a16:creationId xmlns:a16="http://schemas.microsoft.com/office/drawing/2014/main" id="{847D3C9C-B7D6-8199-5E4A-F4D8D3420811}"/>
-              </a:ext>
-            </a:extLst>
-          </p:cNvPr>
-          <p:cNvGrpSpPr/>
-          <p:nvPr/>
-        </p:nvGrpSpPr>
-        <p:grpSpPr>
-          <a:xfrm>
-            <a:off x="2552700" y="1314450"/>
-            <a:ext cx="7086600" cy="4229100"/>
-            <a:chOff x="2552700" y="1314450"/>
-            <a:chExt cx="7086600" cy="4229100"/>
-          </a:xfrm>
-        </p:grpSpPr>
-        <p:pic>
-          <p:nvPicPr>
-            <p:cNvPr id="3" name="Picture 2">
-              <a:extLst>
-                <a:ext uri="{FF2B5EF4-FFF2-40B4-BE49-F238E27FC236}">
-                  <a16:creationId xmlns:a16="http://schemas.microsoft.com/office/drawing/2014/main" id="{E48A1785-DFB6-D717-EE92-4D01287EF753}"/>
-                </a:ext>
-              </a:extLst>
-            </p:cNvPr>
-            <p:cNvPicPr>
-              <a:picLocks noChangeAspect="1"/>
-            </p:cNvPicPr>
-            <p:nvPr/>
-          </p:nvPicPr>
-          <p:blipFill>
-            <a:blip r:embed="rId2"/>
-            <a:stretch>
-              <a:fillRect/>
-            </a:stretch>
-          </p:blipFill>
-          <p:spPr>
-            <a:xfrm>
-              <a:off x="2552700" y="1314450"/>
-              <a:ext cx="7086600" cy="4229100"/>
-            </a:xfrm>
-            <a:prstGeom prst="rect">
-              <a:avLst/>
-            </a:prstGeom>
-          </p:spPr>
-        </p:pic>
-        <p:sp>
-          <p:nvSpPr>
-            <p:cNvPr id="4" name="TextBox 3">
-              <a:extLst>
-                <a:ext uri="{FF2B5EF4-FFF2-40B4-BE49-F238E27FC236}">
-                  <a16:creationId xmlns:a16="http://schemas.microsoft.com/office/drawing/2014/main" id="{6F68637B-A2D5-1945-41E4-E8CB948FFD27}"/>
-                </a:ext>
-              </a:extLst>
-            </p:cNvPr>
-            <p:cNvSpPr txBox="1"/>
-            <p:nvPr/>
-          </p:nvSpPr>
-          <p:spPr>
-            <a:xfrm>
-              <a:off x="2999300" y="2973495"/>
-              <a:ext cx="5088830" cy="1107996"/>
-            </a:xfrm>
-            <a:prstGeom prst="rect">
-              <a:avLst/>
-            </a:prstGeom>
-            <a:solidFill>
-              <a:schemeClr val="bg1">
-                <a:lumMod val="95000"/>
-              </a:schemeClr>
-            </a:solidFill>
-          </p:spPr>
-          <p:txBody>
-            <a:bodyPr wrap="square">
-              <a:spAutoFit/>
-            </a:bodyPr>
-            <a:lstStyle/>
-            <a:p>
-              <a:r>
-                <a:rPr lang="en-SG" sz="1100">
-                  <a:latin typeface="Consolas" panose="020B0609020204030204" pitchFamily="49" charset="0"/>
-                </a:rPr>
-                <a:t>import scipy.stats as stats</a:t>
-              </a:r>
-            </a:p>
-            <a:p>
-              <a:endParaRPr lang="en-SG" sz="1100">
-                <a:latin typeface="Consolas" panose="020B0609020204030204" pitchFamily="49" charset="0"/>
-              </a:endParaRPr>
-            </a:p>
-            <a:p>
-              <a:endParaRPr lang="en-SG" sz="1100">
-                <a:latin typeface="Consolas" panose="020B0609020204030204" pitchFamily="49" charset="0"/>
-              </a:endParaRPr>
-            </a:p>
-            <a:p>
-              <a:r>
-                <a:rPr lang="en-SG" sz="1100">
-                  <a:latin typeface="Consolas" panose="020B0609020204030204" pitchFamily="49" charset="0"/>
-                </a:rPr>
-                <a:t>results = stats.</a:t>
-              </a:r>
-              <a:r>
-                <a:rPr lang="en-SG" sz="1100">
-                  <a:solidFill>
-                    <a:srgbClr val="FF0000"/>
-                  </a:solidFill>
-                  <a:latin typeface="Consolas" panose="020B0609020204030204" pitchFamily="49" charset="0"/>
-                </a:rPr>
-                <a:t>f_oneway</a:t>
-              </a:r>
-              <a:r>
-                <a:rPr lang="en-SG" sz="1100">
-                  <a:latin typeface="Consolas" panose="020B0609020204030204" pitchFamily="49" charset="0"/>
-                </a:rPr>
-                <a:t>(treatment_1, treatment_2)</a:t>
-              </a:r>
-            </a:p>
-            <a:p>
-              <a:endParaRPr lang="en-SG" sz="1100">
-                <a:latin typeface="Consolas" panose="020B0609020204030204" pitchFamily="49" charset="0"/>
-              </a:endParaRPr>
-            </a:p>
-            <a:p>
-              <a:r>
-                <a:rPr lang="en-SG" sz="1100">
-                  <a:latin typeface="Consolas" panose="020B0609020204030204" pitchFamily="49" charset="0"/>
-                </a:rPr>
-                <a:t>print(results.statistic)</a:t>
-              </a:r>
-              <a:endParaRPr lang="en-SG" sz="1100" dirty="0">
-                <a:latin typeface="Consolas" panose="020B0609020204030204" pitchFamily="49" charset="0"/>
-              </a:endParaRPr>
-            </a:p>
-          </p:txBody>
-        </p:sp>
-      </p:grpSp>
-    </p:spTree>
-    <p:extLst>
-      <p:ext uri="{BB962C8B-B14F-4D97-AF65-F5344CB8AC3E}">
-        <p14:creationId xmlns:p14="http://schemas.microsoft.com/office/powerpoint/2010/main" val="250653837"/>
       </p:ext>
     </p:extLst>
   </p:cSld>
@@ -13398,9 +14037,7 @@
               <a:avLst/>
             </a:prstGeom>
             <a:solidFill>
-              <a:schemeClr val="bg1">
-                <a:lumMod val="95000"/>
-              </a:schemeClr>
+              <a:srgbClr val="EFEBE4"/>
             </a:solidFill>
           </p:spPr>
           <p:txBody>
@@ -13545,10 +14182,731 @@
       </p:grpSpPr>
       <p:grpSp>
         <p:nvGrpSpPr>
+          <p:cNvPr id="6" name="Group 5">
+            <a:extLst>
+              <a:ext uri="{FF2B5EF4-FFF2-40B4-BE49-F238E27FC236}">
+                <a16:creationId xmlns:a16="http://schemas.microsoft.com/office/drawing/2014/main" id="{E8C182B9-F310-12F2-BA31-BE50473D9AC2}"/>
+              </a:ext>
+            </a:extLst>
+          </p:cNvPr>
+          <p:cNvGrpSpPr/>
+          <p:nvPr/>
+        </p:nvGrpSpPr>
+        <p:grpSpPr>
+          <a:xfrm>
+            <a:off x="2557462" y="1157287"/>
+            <a:ext cx="7077075" cy="4543425"/>
+            <a:chOff x="2557462" y="1157287"/>
+            <a:chExt cx="7077075" cy="4543425"/>
+          </a:xfrm>
+        </p:grpSpPr>
+        <p:pic>
+          <p:nvPicPr>
+            <p:cNvPr id="3" name="Picture 2">
+              <a:extLst>
+                <a:ext uri="{FF2B5EF4-FFF2-40B4-BE49-F238E27FC236}">
+                  <a16:creationId xmlns:a16="http://schemas.microsoft.com/office/drawing/2014/main" id="{3FF2B02E-82CA-1AF8-6935-5E3F517856F7}"/>
+                </a:ext>
+              </a:extLst>
+            </p:cNvPr>
+            <p:cNvPicPr>
+              <a:picLocks noChangeAspect="1"/>
+            </p:cNvPicPr>
+            <p:nvPr/>
+          </p:nvPicPr>
+          <p:blipFill>
+            <a:blip r:embed="rId2"/>
+            <a:stretch>
+              <a:fillRect/>
+            </a:stretch>
+          </p:blipFill>
+          <p:spPr>
+            <a:xfrm>
+              <a:off x="2557462" y="1157287"/>
+              <a:ext cx="7077075" cy="4543425"/>
+            </a:xfrm>
+            <a:prstGeom prst="rect">
+              <a:avLst/>
+            </a:prstGeom>
+          </p:spPr>
+        </p:pic>
+        <p:sp>
+          <p:nvSpPr>
+            <p:cNvPr id="4" name="TextBox 3">
+              <a:extLst>
+                <a:ext uri="{FF2B5EF4-FFF2-40B4-BE49-F238E27FC236}">
+                  <a16:creationId xmlns:a16="http://schemas.microsoft.com/office/drawing/2014/main" id="{D687A4D3-D2E6-A5D5-C681-E8F448B4C2A5}"/>
+                </a:ext>
+              </a:extLst>
+            </p:cNvPr>
+            <p:cNvSpPr txBox="1"/>
+            <p:nvPr/>
+          </p:nvSpPr>
+          <p:spPr>
+            <a:xfrm>
+              <a:off x="2940304" y="2762334"/>
+              <a:ext cx="5088830" cy="769441"/>
+            </a:xfrm>
+            <a:prstGeom prst="rect">
+              <a:avLst/>
+            </a:prstGeom>
+            <a:solidFill>
+              <a:srgbClr val="EFEBE4"/>
+            </a:solidFill>
+          </p:spPr>
+          <p:txBody>
+            <a:bodyPr wrap="square">
+              <a:spAutoFit/>
+            </a:bodyPr>
+            <a:lstStyle/>
+            <a:p>
+              <a:r>
+                <a:rPr lang="en-SG" sz="1100">
+                  <a:latin typeface="Consolas" panose="020B0609020204030204" pitchFamily="49" charset="0"/>
+                </a:rPr>
+                <a:t>import pandas as pd</a:t>
+              </a:r>
+            </a:p>
+            <a:p>
+              <a:endParaRPr lang="en-SG" sz="1100">
+                <a:latin typeface="Consolas" panose="020B0609020204030204" pitchFamily="49" charset="0"/>
+              </a:endParaRPr>
+            </a:p>
+            <a:p>
+              <a:endParaRPr lang="en-SG" sz="1100">
+                <a:latin typeface="Consolas" panose="020B0609020204030204" pitchFamily="49" charset="0"/>
+              </a:endParaRPr>
+            </a:p>
+            <a:p>
+              <a:r>
+                <a:rPr lang="en-SG" sz="1100">
+                  <a:latin typeface="Consolas" panose="020B0609020204030204" pitchFamily="49" charset="0"/>
+                </a:rPr>
+                <a:t>df.sample(</a:t>
+              </a:r>
+              <a:r>
+                <a:rPr lang="en-SG" sz="1100">
+                  <a:solidFill>
+                    <a:srgbClr val="FF0000"/>
+                  </a:solidFill>
+                  <a:latin typeface="Consolas" panose="020B0609020204030204" pitchFamily="49" charset="0"/>
+                </a:rPr>
+                <a:t>n=3,replace=True</a:t>
+              </a:r>
+              <a:r>
+                <a:rPr lang="en-SG" sz="1100">
+                  <a:latin typeface="Consolas" panose="020B0609020204030204" pitchFamily="49" charset="0"/>
+                </a:rPr>
+                <a:t>,random_state=1)</a:t>
+              </a:r>
+              <a:endParaRPr lang="en-SG" sz="1100" dirty="0">
+                <a:latin typeface="Consolas" panose="020B0609020204030204" pitchFamily="49" charset="0"/>
+              </a:endParaRPr>
+            </a:p>
+          </p:txBody>
+        </p:sp>
+      </p:grpSp>
+    </p:spTree>
+    <p:extLst>
+      <p:ext uri="{BB962C8B-B14F-4D97-AF65-F5344CB8AC3E}">
+        <p14:creationId xmlns:p14="http://schemas.microsoft.com/office/powerpoint/2010/main" val="930118977"/>
+      </p:ext>
+    </p:extLst>
+  </p:cSld>
+  <p:clrMapOvr>
+    <a:masterClrMapping/>
+  </p:clrMapOvr>
+</p:sld>
+</file>
+
+<file path=ppt/slides/slide51.xml><?xml version="1.0" encoding="utf-8"?>
+<p:sld xmlns:a="http://schemas.openxmlformats.org/drawingml/2006/main" xmlns:r="http://schemas.openxmlformats.org/officeDocument/2006/relationships" xmlns:p="http://schemas.openxmlformats.org/presentationml/2006/main">
+  <p:cSld>
+    <p:spTree>
+      <p:nvGrpSpPr>
+        <p:cNvPr id="1" name=""/>
+        <p:cNvGrpSpPr/>
+        <p:nvPr/>
+      </p:nvGrpSpPr>
+      <p:grpSpPr>
+        <a:xfrm>
+          <a:off x="0" y="0"/>
+          <a:ext cx="0" cy="0"/>
+          <a:chOff x="0" y="0"/>
+          <a:chExt cx="0" cy="0"/>
+        </a:xfrm>
+      </p:grpSpPr>
+      <p:grpSp>
+        <p:nvGrpSpPr>
           <p:cNvPr id="7" name="Group 6">
             <a:extLst>
               <a:ext uri="{FF2B5EF4-FFF2-40B4-BE49-F238E27FC236}">
-                <a16:creationId xmlns:a16="http://schemas.microsoft.com/office/drawing/2014/main" id="{116C4913-A295-2B10-5BFB-897D944313D6}"/>
+                <a16:creationId xmlns:a16="http://schemas.microsoft.com/office/drawing/2014/main" id="{43F7D95E-BA5B-FE11-7983-4F3624925884}"/>
+              </a:ext>
+            </a:extLst>
+          </p:cNvPr>
+          <p:cNvGrpSpPr/>
+          <p:nvPr/>
+        </p:nvGrpSpPr>
+        <p:grpSpPr>
+          <a:xfrm>
+            <a:off x="2752725" y="962025"/>
+            <a:ext cx="6686550" cy="4933950"/>
+            <a:chOff x="2752725" y="962025"/>
+            <a:chExt cx="6686550" cy="4933950"/>
+          </a:xfrm>
+        </p:grpSpPr>
+        <p:pic>
+          <p:nvPicPr>
+            <p:cNvPr id="3" name="Picture 2">
+              <a:extLst>
+                <a:ext uri="{FF2B5EF4-FFF2-40B4-BE49-F238E27FC236}">
+                  <a16:creationId xmlns:a16="http://schemas.microsoft.com/office/drawing/2014/main" id="{5D5B3629-B6A9-511D-5150-A2CB938839C4}"/>
+                </a:ext>
+              </a:extLst>
+            </p:cNvPr>
+            <p:cNvPicPr>
+              <a:picLocks noChangeAspect="1"/>
+            </p:cNvPicPr>
+            <p:nvPr/>
+          </p:nvPicPr>
+          <p:blipFill>
+            <a:blip r:embed="rId2"/>
+            <a:stretch>
+              <a:fillRect/>
+            </a:stretch>
+          </p:blipFill>
+          <p:spPr>
+            <a:xfrm>
+              <a:off x="2752725" y="962025"/>
+              <a:ext cx="6686550" cy="4933950"/>
+            </a:xfrm>
+            <a:prstGeom prst="rect">
+              <a:avLst/>
+            </a:prstGeom>
+          </p:spPr>
+        </p:pic>
+        <p:sp>
+          <p:nvSpPr>
+            <p:cNvPr id="4" name="TextBox 3">
+              <a:extLst>
+                <a:ext uri="{FF2B5EF4-FFF2-40B4-BE49-F238E27FC236}">
+                  <a16:creationId xmlns:a16="http://schemas.microsoft.com/office/drawing/2014/main" id="{381EA573-66A3-507B-2F98-7D80800BE23D}"/>
+                </a:ext>
+              </a:extLst>
+            </p:cNvPr>
+            <p:cNvSpPr txBox="1"/>
+            <p:nvPr/>
+          </p:nvSpPr>
+          <p:spPr>
+            <a:xfrm>
+              <a:off x="3143316" y="2612159"/>
+              <a:ext cx="5905368" cy="1277273"/>
+            </a:xfrm>
+            <a:prstGeom prst="rect">
+              <a:avLst/>
+            </a:prstGeom>
+            <a:solidFill>
+              <a:srgbClr val="EFEBE4"/>
+            </a:solidFill>
+          </p:spPr>
+          <p:txBody>
+            <a:bodyPr wrap="square">
+              <a:spAutoFit/>
+            </a:bodyPr>
+            <a:lstStyle/>
+            <a:p>
+              <a:r>
+                <a:rPr lang="en-SG" sz="1100">
+                  <a:latin typeface="Consolas" panose="020B0609020204030204" pitchFamily="49" charset="0"/>
+                </a:rPr>
+                <a:t>from scipy.stats import norm</a:t>
+              </a:r>
+            </a:p>
+            <a:p>
+              <a:r>
+                <a:rPr lang="en-SG" sz="1100">
+                  <a:latin typeface="Consolas" panose="020B0609020204030204" pitchFamily="49" charset="0"/>
+                </a:rPr>
+                <a:t>import numpy as np</a:t>
+              </a:r>
+            </a:p>
+            <a:p>
+              <a:endParaRPr lang="en-SG" sz="1100">
+                <a:latin typeface="Consolas" panose="020B0609020204030204" pitchFamily="49" charset="0"/>
+              </a:endParaRPr>
+            </a:p>
+            <a:p>
+              <a:endParaRPr lang="en-SG" sz="1100">
+                <a:latin typeface="Consolas" panose="020B0609020204030204" pitchFamily="49" charset="0"/>
+              </a:endParaRPr>
+            </a:p>
+            <a:p>
+              <a:r>
+                <a:rPr lang="en-SG" sz="1100">
+                  <a:latin typeface="Consolas" panose="020B0609020204030204" pitchFamily="49" charset="0"/>
+                </a:rPr>
+                <a:t>values = np.linspace(1, 100, 30)</a:t>
+              </a:r>
+            </a:p>
+            <a:p>
+              <a:r>
+                <a:rPr lang="en-SG" sz="1100">
+                  <a:latin typeface="Consolas" panose="020B0609020204030204" pitchFamily="49" charset="0"/>
+                </a:rPr>
+                <a:t>probability_pdf = </a:t>
+              </a:r>
+              <a:r>
+                <a:rPr lang="en-SG" sz="1100">
+                  <a:solidFill>
+                    <a:srgbClr val="FF0000"/>
+                  </a:solidFill>
+                  <a:latin typeface="Consolas" panose="020B0609020204030204" pitchFamily="49" charset="0"/>
+                </a:rPr>
+                <a:t>norm.pdf</a:t>
+              </a:r>
+              <a:r>
+                <a:rPr lang="en-SG" sz="1100">
+                  <a:latin typeface="Consolas" panose="020B0609020204030204" pitchFamily="49" charset="0"/>
+                </a:rPr>
+                <a:t>(3, loc=np.mean(values), scale=np.std(values))</a:t>
+              </a:r>
+            </a:p>
+            <a:p>
+              <a:r>
+                <a:rPr lang="en-SG" sz="1100">
+                  <a:latin typeface="Consolas" panose="020B0609020204030204" pitchFamily="49" charset="0"/>
+                </a:rPr>
+                <a:t>print(probability_pdf)</a:t>
+              </a:r>
+              <a:endParaRPr lang="en-SG" sz="1100" dirty="0">
+                <a:latin typeface="Consolas" panose="020B0609020204030204" pitchFamily="49" charset="0"/>
+              </a:endParaRPr>
+            </a:p>
+          </p:txBody>
+        </p:sp>
+        <p:sp>
+          <p:nvSpPr>
+            <p:cNvPr id="5" name="Rectangle 4">
+              <a:extLst>
+                <a:ext uri="{FF2B5EF4-FFF2-40B4-BE49-F238E27FC236}">
+                  <a16:creationId xmlns:a16="http://schemas.microsoft.com/office/drawing/2014/main" id="{2D773C62-4310-2166-4505-3A166E6DEF5A}"/>
+                </a:ext>
+              </a:extLst>
+            </p:cNvPr>
+            <p:cNvSpPr/>
+            <p:nvPr/>
+          </p:nvSpPr>
+          <p:spPr>
+            <a:xfrm>
+              <a:off x="6931740" y="4183143"/>
+              <a:ext cx="803789" cy="396231"/>
+            </a:xfrm>
+            <a:prstGeom prst="rect">
+              <a:avLst/>
+            </a:prstGeom>
+            <a:noFill/>
+            <a:ln>
+              <a:solidFill>
+                <a:srgbClr val="FF0000"/>
+              </a:solidFill>
+            </a:ln>
+          </p:spPr>
+          <p:style>
+            <a:lnRef idx="2">
+              <a:schemeClr val="accent1">
+                <a:shade val="50000"/>
+              </a:schemeClr>
+            </a:lnRef>
+            <a:fillRef idx="1">
+              <a:schemeClr val="accent1"/>
+            </a:fillRef>
+            <a:effectRef idx="0">
+              <a:schemeClr val="accent1"/>
+            </a:effectRef>
+            <a:fontRef idx="minor">
+              <a:schemeClr val="lt1"/>
+            </a:fontRef>
+          </p:style>
+          <p:txBody>
+            <a:bodyPr rtlCol="0" anchor="ctr"/>
+            <a:lstStyle/>
+            <a:p>
+              <a:pPr algn="ctr"/>
+              <a:endParaRPr lang="en-SG"/>
+            </a:p>
+          </p:txBody>
+        </p:sp>
+      </p:grpSp>
+    </p:spTree>
+    <p:extLst>
+      <p:ext uri="{BB962C8B-B14F-4D97-AF65-F5344CB8AC3E}">
+        <p14:creationId xmlns:p14="http://schemas.microsoft.com/office/powerpoint/2010/main" val="1708539445"/>
+      </p:ext>
+    </p:extLst>
+  </p:cSld>
+  <p:clrMapOvr>
+    <a:masterClrMapping/>
+  </p:clrMapOvr>
+</p:sld>
+</file>
+
+<file path=ppt/slides/slide52.xml><?xml version="1.0" encoding="utf-8"?>
+<p:sld xmlns:a="http://schemas.openxmlformats.org/drawingml/2006/main" xmlns:r="http://schemas.openxmlformats.org/officeDocument/2006/relationships" xmlns:p="http://schemas.openxmlformats.org/presentationml/2006/main">
+  <p:cSld>
+    <p:spTree>
+      <p:nvGrpSpPr>
+        <p:cNvPr id="1" name=""/>
+        <p:cNvGrpSpPr/>
+        <p:nvPr/>
+      </p:nvGrpSpPr>
+      <p:grpSpPr>
+        <a:xfrm>
+          <a:off x="0" y="0"/>
+          <a:ext cx="0" cy="0"/>
+          <a:chOff x="0" y="0"/>
+          <a:chExt cx="0" cy="0"/>
+        </a:xfrm>
+      </p:grpSpPr>
+      <p:grpSp>
+        <p:nvGrpSpPr>
+          <p:cNvPr id="6" name="Group 5">
+            <a:extLst>
+              <a:ext uri="{FF2B5EF4-FFF2-40B4-BE49-F238E27FC236}">
+                <a16:creationId xmlns:a16="http://schemas.microsoft.com/office/drawing/2014/main" id="{64F76AD6-5850-A675-A698-DCF4F9517F54}"/>
+              </a:ext>
+            </a:extLst>
+          </p:cNvPr>
+          <p:cNvGrpSpPr/>
+          <p:nvPr/>
+        </p:nvGrpSpPr>
+        <p:grpSpPr>
+          <a:xfrm>
+            <a:off x="2776537" y="1409700"/>
+            <a:ext cx="6638925" cy="4038600"/>
+            <a:chOff x="2776537" y="1409700"/>
+            <a:chExt cx="6638925" cy="4038600"/>
+          </a:xfrm>
+        </p:grpSpPr>
+        <p:pic>
+          <p:nvPicPr>
+            <p:cNvPr id="3" name="Picture 2">
+              <a:extLst>
+                <a:ext uri="{FF2B5EF4-FFF2-40B4-BE49-F238E27FC236}">
+                  <a16:creationId xmlns:a16="http://schemas.microsoft.com/office/drawing/2014/main" id="{85F75C01-EF66-2390-A1DC-CBD013EA46A4}"/>
+                </a:ext>
+              </a:extLst>
+            </p:cNvPr>
+            <p:cNvPicPr>
+              <a:picLocks noChangeAspect="1"/>
+            </p:cNvPicPr>
+            <p:nvPr/>
+          </p:nvPicPr>
+          <p:blipFill>
+            <a:blip r:embed="rId2"/>
+            <a:stretch>
+              <a:fillRect/>
+            </a:stretch>
+          </p:blipFill>
+          <p:spPr>
+            <a:xfrm>
+              <a:off x="2776537" y="1409700"/>
+              <a:ext cx="6638925" cy="4038600"/>
+            </a:xfrm>
+            <a:prstGeom prst="rect">
+              <a:avLst/>
+            </a:prstGeom>
+          </p:spPr>
+        </p:pic>
+        <p:sp>
+          <p:nvSpPr>
+            <p:cNvPr id="4" name="TextBox 3">
+              <a:extLst>
+                <a:ext uri="{FF2B5EF4-FFF2-40B4-BE49-F238E27FC236}">
+                  <a16:creationId xmlns:a16="http://schemas.microsoft.com/office/drawing/2014/main" id="{38B256A6-0E1D-813F-17D0-33F453A2E0A4}"/>
+                </a:ext>
+              </a:extLst>
+            </p:cNvPr>
+            <p:cNvSpPr txBox="1"/>
+            <p:nvPr/>
+          </p:nvSpPr>
+          <p:spPr>
+            <a:xfrm>
+              <a:off x="3183655" y="3044279"/>
+              <a:ext cx="5088830" cy="938719"/>
+            </a:xfrm>
+            <a:prstGeom prst="rect">
+              <a:avLst/>
+            </a:prstGeom>
+            <a:solidFill>
+              <a:srgbClr val="EFEBE4"/>
+            </a:solidFill>
+          </p:spPr>
+          <p:txBody>
+            <a:bodyPr wrap="square">
+              <a:spAutoFit/>
+            </a:bodyPr>
+            <a:lstStyle/>
+            <a:p>
+              <a:r>
+                <a:rPr lang="en-SG" sz="1100">
+                  <a:latin typeface="Consolas" panose="020B0609020204030204" pitchFamily="49" charset="0"/>
+                </a:rPr>
+                <a:t>import scipy.stats as stats</a:t>
+              </a:r>
+            </a:p>
+            <a:p>
+              <a:endParaRPr lang="en-SG" sz="1100">
+                <a:latin typeface="Consolas" panose="020B0609020204030204" pitchFamily="49" charset="0"/>
+              </a:endParaRPr>
+            </a:p>
+            <a:p>
+              <a:endParaRPr lang="en-SG" sz="1100">
+                <a:latin typeface="Consolas" panose="020B0609020204030204" pitchFamily="49" charset="0"/>
+              </a:endParaRPr>
+            </a:p>
+            <a:p>
+              <a:r>
+                <a:rPr lang="en-SG" sz="1100">
+                  <a:latin typeface="Consolas" panose="020B0609020204030204" pitchFamily="49" charset="0"/>
+                </a:rPr>
+                <a:t>results = stats.</a:t>
+              </a:r>
+              <a:r>
+                <a:rPr lang="en-SG" sz="1100">
+                  <a:solidFill>
+                    <a:srgbClr val="FF0000"/>
+                  </a:solidFill>
+                  <a:latin typeface="Consolas" panose="020B0609020204030204" pitchFamily="49" charset="0"/>
+                </a:rPr>
+                <a:t>shapiro</a:t>
+              </a:r>
+              <a:r>
+                <a:rPr lang="en-SG" sz="1100">
+                  <a:latin typeface="Consolas" panose="020B0609020204030204" pitchFamily="49" charset="0"/>
+                </a:rPr>
+                <a:t>(dt_total_score)</a:t>
+              </a:r>
+            </a:p>
+            <a:p>
+              <a:r>
+                <a:rPr lang="en-SG" sz="1100">
+                  <a:latin typeface="Consolas" panose="020B0609020204030204" pitchFamily="49" charset="0"/>
+                </a:rPr>
+                <a:t>print(results.pvalue)</a:t>
+              </a:r>
+              <a:endParaRPr lang="en-SG" sz="1100" dirty="0">
+                <a:latin typeface="Consolas" panose="020B0609020204030204" pitchFamily="49" charset="0"/>
+              </a:endParaRPr>
+            </a:p>
+          </p:txBody>
+        </p:sp>
+      </p:grpSp>
+    </p:spTree>
+    <p:extLst>
+      <p:ext uri="{BB962C8B-B14F-4D97-AF65-F5344CB8AC3E}">
+        <p14:creationId xmlns:p14="http://schemas.microsoft.com/office/powerpoint/2010/main" val="1893656919"/>
+      </p:ext>
+    </p:extLst>
+  </p:cSld>
+  <p:clrMapOvr>
+    <a:masterClrMapping/>
+  </p:clrMapOvr>
+</p:sld>
+</file>
+
+<file path=ppt/slides/slide53.xml><?xml version="1.0" encoding="utf-8"?>
+<p:sld xmlns:a="http://schemas.openxmlformats.org/drawingml/2006/main" xmlns:r="http://schemas.openxmlformats.org/officeDocument/2006/relationships" xmlns:p="http://schemas.openxmlformats.org/presentationml/2006/main">
+  <p:cSld>
+    <p:spTree>
+      <p:nvGrpSpPr>
+        <p:cNvPr id="1" name=""/>
+        <p:cNvGrpSpPr/>
+        <p:nvPr/>
+      </p:nvGrpSpPr>
+      <p:grpSpPr>
+        <a:xfrm>
+          <a:off x="0" y="0"/>
+          <a:ext cx="0" cy="0"/>
+          <a:chOff x="0" y="0"/>
+          <a:chExt cx="0" cy="0"/>
+        </a:xfrm>
+      </p:grpSpPr>
+      <p:grpSp>
+        <p:nvGrpSpPr>
+          <p:cNvPr id="6" name="Group 5">
+            <a:extLst>
+              <a:ext uri="{FF2B5EF4-FFF2-40B4-BE49-F238E27FC236}">
+                <a16:creationId xmlns:a16="http://schemas.microsoft.com/office/drawing/2014/main" id="{847D3C9C-B7D6-8199-5E4A-F4D8D3420811}"/>
+              </a:ext>
+            </a:extLst>
+          </p:cNvPr>
+          <p:cNvGrpSpPr/>
+          <p:nvPr/>
+        </p:nvGrpSpPr>
+        <p:grpSpPr>
+          <a:xfrm>
+            <a:off x="2552700" y="1314450"/>
+            <a:ext cx="7086600" cy="4229100"/>
+            <a:chOff x="2552700" y="1314450"/>
+            <a:chExt cx="7086600" cy="4229100"/>
+          </a:xfrm>
+        </p:grpSpPr>
+        <p:pic>
+          <p:nvPicPr>
+            <p:cNvPr id="3" name="Picture 2">
+              <a:extLst>
+                <a:ext uri="{FF2B5EF4-FFF2-40B4-BE49-F238E27FC236}">
+                  <a16:creationId xmlns:a16="http://schemas.microsoft.com/office/drawing/2014/main" id="{E48A1785-DFB6-D717-EE92-4D01287EF753}"/>
+                </a:ext>
+              </a:extLst>
+            </p:cNvPr>
+            <p:cNvPicPr>
+              <a:picLocks noChangeAspect="1"/>
+            </p:cNvPicPr>
+            <p:nvPr/>
+          </p:nvPicPr>
+          <p:blipFill>
+            <a:blip r:embed="rId2"/>
+            <a:stretch>
+              <a:fillRect/>
+            </a:stretch>
+          </p:blipFill>
+          <p:spPr>
+            <a:xfrm>
+              <a:off x="2552700" y="1314450"/>
+              <a:ext cx="7086600" cy="4229100"/>
+            </a:xfrm>
+            <a:prstGeom prst="rect">
+              <a:avLst/>
+            </a:prstGeom>
+          </p:spPr>
+        </p:pic>
+        <p:sp>
+          <p:nvSpPr>
+            <p:cNvPr id="4" name="TextBox 3">
+              <a:extLst>
+                <a:ext uri="{FF2B5EF4-FFF2-40B4-BE49-F238E27FC236}">
+                  <a16:creationId xmlns:a16="http://schemas.microsoft.com/office/drawing/2014/main" id="{6F68637B-A2D5-1945-41E4-E8CB948FFD27}"/>
+                </a:ext>
+              </a:extLst>
+            </p:cNvPr>
+            <p:cNvSpPr txBox="1"/>
+            <p:nvPr/>
+          </p:nvSpPr>
+          <p:spPr>
+            <a:xfrm>
+              <a:off x="2999300" y="2973495"/>
+              <a:ext cx="5088830" cy="1107996"/>
+            </a:xfrm>
+            <a:prstGeom prst="rect">
+              <a:avLst/>
+            </a:prstGeom>
+            <a:solidFill>
+              <a:srgbClr val="EFEBE4"/>
+            </a:solidFill>
+          </p:spPr>
+          <p:txBody>
+            <a:bodyPr wrap="square">
+              <a:spAutoFit/>
+            </a:bodyPr>
+            <a:lstStyle/>
+            <a:p>
+              <a:r>
+                <a:rPr lang="en-SG" sz="1100">
+                  <a:latin typeface="Consolas" panose="020B0609020204030204" pitchFamily="49" charset="0"/>
+                </a:rPr>
+                <a:t>import scipy.stats as stats</a:t>
+              </a:r>
+            </a:p>
+            <a:p>
+              <a:endParaRPr lang="en-SG" sz="1100">
+                <a:latin typeface="Consolas" panose="020B0609020204030204" pitchFamily="49" charset="0"/>
+              </a:endParaRPr>
+            </a:p>
+            <a:p>
+              <a:endParaRPr lang="en-SG" sz="1100">
+                <a:latin typeface="Consolas" panose="020B0609020204030204" pitchFamily="49" charset="0"/>
+              </a:endParaRPr>
+            </a:p>
+            <a:p>
+              <a:r>
+                <a:rPr lang="en-SG" sz="1100">
+                  <a:latin typeface="Consolas" panose="020B0609020204030204" pitchFamily="49" charset="0"/>
+                </a:rPr>
+                <a:t>results = stats.</a:t>
+              </a:r>
+              <a:r>
+                <a:rPr lang="en-SG" sz="1100">
+                  <a:solidFill>
+                    <a:srgbClr val="FF0000"/>
+                  </a:solidFill>
+                  <a:latin typeface="Consolas" panose="020B0609020204030204" pitchFamily="49" charset="0"/>
+                </a:rPr>
+                <a:t>f_oneway</a:t>
+              </a:r>
+              <a:r>
+                <a:rPr lang="en-SG" sz="1100">
+                  <a:latin typeface="Consolas" panose="020B0609020204030204" pitchFamily="49" charset="0"/>
+                </a:rPr>
+                <a:t>(treatment_1, treatment_2)</a:t>
+              </a:r>
+            </a:p>
+            <a:p>
+              <a:endParaRPr lang="en-SG" sz="1100">
+                <a:latin typeface="Consolas" panose="020B0609020204030204" pitchFamily="49" charset="0"/>
+              </a:endParaRPr>
+            </a:p>
+            <a:p>
+              <a:r>
+                <a:rPr lang="en-SG" sz="1100">
+                  <a:latin typeface="Consolas" panose="020B0609020204030204" pitchFamily="49" charset="0"/>
+                </a:rPr>
+                <a:t>print(results.statistic)</a:t>
+              </a:r>
+              <a:endParaRPr lang="en-SG" sz="1100" dirty="0">
+                <a:latin typeface="Consolas" panose="020B0609020204030204" pitchFamily="49" charset="0"/>
+              </a:endParaRPr>
+            </a:p>
+          </p:txBody>
+        </p:sp>
+      </p:grpSp>
+    </p:spTree>
+    <p:extLst>
+      <p:ext uri="{BB962C8B-B14F-4D97-AF65-F5344CB8AC3E}">
+        <p14:creationId xmlns:p14="http://schemas.microsoft.com/office/powerpoint/2010/main" val="250653837"/>
+      </p:ext>
+    </p:extLst>
+  </p:cSld>
+  <p:clrMapOvr>
+    <a:masterClrMapping/>
+  </p:clrMapOvr>
+</p:sld>
+</file>
+
+<file path=ppt/slides/slide54.xml><?xml version="1.0" encoding="utf-8"?>
+<p:sld xmlns:a="http://schemas.openxmlformats.org/drawingml/2006/main" xmlns:r="http://schemas.openxmlformats.org/officeDocument/2006/relationships" xmlns:p="http://schemas.openxmlformats.org/presentationml/2006/main">
+  <p:cSld>
+    <p:spTree>
+      <p:nvGrpSpPr>
+        <p:cNvPr id="1" name=""/>
+        <p:cNvGrpSpPr/>
+        <p:nvPr/>
+      </p:nvGrpSpPr>
+      <p:grpSpPr>
+        <a:xfrm>
+          <a:off x="0" y="0"/>
+          <a:ext cx="0" cy="0"/>
+          <a:chOff x="0" y="0"/>
+          <a:chExt cx="0" cy="0"/>
+        </a:xfrm>
+      </p:grpSpPr>
+      <p:grpSp>
+        <p:nvGrpSpPr>
+          <p:cNvPr id="5" name="Group 4">
+            <a:extLst>
+              <a:ext uri="{FF2B5EF4-FFF2-40B4-BE49-F238E27FC236}">
+                <a16:creationId xmlns:a16="http://schemas.microsoft.com/office/drawing/2014/main" id="{5946721A-2546-089C-4E50-F5EF759CFE3F}"/>
               </a:ext>
             </a:extLst>
           </p:cNvPr>
@@ -13608,7 +14966,7 @@
           <p:spPr>
             <a:xfrm>
               <a:off x="2979404" y="1601895"/>
-              <a:ext cx="6233190" cy="1954381"/>
+              <a:ext cx="6233190" cy="430887"/>
             </a:xfrm>
             <a:prstGeom prst="rect">
               <a:avLst/>
@@ -13643,84 +15001,6 @@
                 </a:rPr>
                 <a:t>, what can you infer about the variables a and b?</a:t>
               </a:r>
-            </a:p>
-            <a:p>
-              <a:endParaRPr lang="en-SG" sz="1100">
-                <a:latin typeface="Consolas" panose="020B0609020204030204" pitchFamily="49" charset="0"/>
-              </a:endParaRPr>
-            </a:p>
-            <a:p>
-              <a:endParaRPr lang="en-SG" sz="1100">
-                <a:latin typeface="Consolas" panose="020B0609020204030204" pitchFamily="49" charset="0"/>
-              </a:endParaRPr>
-            </a:p>
-            <a:p>
-              <a:r>
-                <a:rPr lang="en-SG" sz="1100">
-                  <a:latin typeface="Consolas" panose="020B0609020204030204" pitchFamily="49" charset="0"/>
-                </a:rPr>
-                <a:t>from scipy.stats import f_oneway</a:t>
-              </a:r>
-            </a:p>
-            <a:p>
-              <a:endParaRPr lang="en-SG" sz="1100">
-                <a:latin typeface="Consolas" panose="020B0609020204030204" pitchFamily="49" charset="0"/>
-              </a:endParaRPr>
-            </a:p>
-            <a:p>
-              <a:r>
-                <a:rPr lang="en-SG" sz="1100">
-                  <a:latin typeface="Consolas" panose="020B0609020204030204" pitchFamily="49" charset="0"/>
-                </a:rPr>
-                <a:t>data1 = [15, 20, 12, 30]</a:t>
-              </a:r>
-            </a:p>
-            <a:p>
-              <a:r>
-                <a:rPr lang="en-SG" sz="1100">
-                  <a:latin typeface="Consolas" panose="020B0609020204030204" pitchFamily="49" charset="0"/>
-                </a:rPr>
-                <a:t>data2 = [20, 30, 19, 40]</a:t>
-              </a:r>
-            </a:p>
-            <a:p>
-              <a:r>
-                <a:rPr lang="en-SG" sz="1100">
-                  <a:latin typeface="Consolas" panose="020B0609020204030204" pitchFamily="49" charset="0"/>
-                </a:rPr>
-                <a:t>data3 = [9, 11, 12, 15]</a:t>
-              </a:r>
-            </a:p>
-            <a:p>
-              <a:r>
-                <a:rPr lang="en-SG" sz="1100">
-                  <a:latin typeface="Consolas" panose="020B0609020204030204" pitchFamily="49" charset="0"/>
-                </a:rPr>
-                <a:t>stat, p = </a:t>
-              </a:r>
-              <a:r>
-                <a:rPr lang="en-SG" sz="1100" b="1">
-                  <a:latin typeface="Consolas" panose="020B0609020204030204" pitchFamily="49" charset="0"/>
-                </a:rPr>
-                <a:t>f_oneway</a:t>
-              </a:r>
-              <a:r>
-                <a:rPr lang="en-SG" sz="1100">
-                  <a:latin typeface="Consolas" panose="020B0609020204030204" pitchFamily="49" charset="0"/>
-                </a:rPr>
-                <a:t>(data1, data2, data3)</a:t>
-              </a:r>
-            </a:p>
-            <a:p>
-              <a:r>
-                <a:rPr lang="en-SG" sz="1100">
-                  <a:latin typeface="Consolas" panose="020B0609020204030204" pitchFamily="49" charset="0"/>
-                </a:rPr>
-                <a:t>print(stat, p)</a:t>
-              </a:r>
-              <a:endParaRPr lang="en-SG" sz="1100" dirty="0">
-                <a:latin typeface="Consolas" panose="020B0609020204030204" pitchFamily="49" charset="0"/>
-              </a:endParaRPr>
             </a:p>
           </p:txBody>
         </p:sp>
@@ -13776,6 +15056,112 @@
             </a:p>
           </p:txBody>
         </p:sp>
+        <p:sp>
+          <p:nvSpPr>
+            <p:cNvPr id="2" name="TextBox 1">
+              <a:extLst>
+                <a:ext uri="{FF2B5EF4-FFF2-40B4-BE49-F238E27FC236}">
+                  <a16:creationId xmlns:a16="http://schemas.microsoft.com/office/drawing/2014/main" id="{38892ED7-BD72-C5A3-2C32-90C38B690443}"/>
+                </a:ext>
+              </a:extLst>
+            </p:cNvPr>
+            <p:cNvSpPr txBox="1"/>
+            <p:nvPr/>
+          </p:nvSpPr>
+          <p:spPr>
+            <a:xfrm>
+              <a:off x="2979404" y="2170250"/>
+              <a:ext cx="6233190" cy="1615827"/>
+            </a:xfrm>
+            <a:prstGeom prst="rect">
+              <a:avLst/>
+            </a:prstGeom>
+            <a:solidFill>
+              <a:srgbClr val="EFEBE4"/>
+            </a:solidFill>
+          </p:spPr>
+          <p:txBody>
+            <a:bodyPr wrap="square">
+              <a:spAutoFit/>
+            </a:bodyPr>
+            <a:lstStyle/>
+            <a:p>
+              <a:endParaRPr lang="en-SG" sz="1100">
+                <a:latin typeface="Consolas" panose="020B0609020204030204" pitchFamily="49" charset="0"/>
+              </a:endParaRPr>
+            </a:p>
+            <a:p>
+              <a:r>
+                <a:rPr lang="en-SG" sz="1100">
+                  <a:latin typeface="Consolas" panose="020B0609020204030204" pitchFamily="49" charset="0"/>
+                </a:rPr>
+                <a:t>from scipy.stats import f_oneway</a:t>
+              </a:r>
+            </a:p>
+            <a:p>
+              <a:endParaRPr lang="en-SG" sz="1100">
+                <a:latin typeface="Consolas" panose="020B0609020204030204" pitchFamily="49" charset="0"/>
+              </a:endParaRPr>
+            </a:p>
+            <a:p>
+              <a:r>
+                <a:rPr lang="en-SG" sz="1100">
+                  <a:latin typeface="Consolas" panose="020B0609020204030204" pitchFamily="49" charset="0"/>
+                </a:rPr>
+                <a:t>data1 = [15, 20, 12, 30]</a:t>
+              </a:r>
+            </a:p>
+            <a:p>
+              <a:r>
+                <a:rPr lang="en-SG" sz="1100">
+                  <a:latin typeface="Consolas" panose="020B0609020204030204" pitchFamily="49" charset="0"/>
+                </a:rPr>
+                <a:t>data2 = [20, 30, 19, 40]</a:t>
+              </a:r>
+            </a:p>
+            <a:p>
+              <a:r>
+                <a:rPr lang="en-SG" sz="1100">
+                  <a:latin typeface="Consolas" panose="020B0609020204030204" pitchFamily="49" charset="0"/>
+                </a:rPr>
+                <a:t>data3 = [9, 11, 12, 15]</a:t>
+              </a:r>
+            </a:p>
+            <a:p>
+              <a:r>
+                <a:rPr lang="en-SG" sz="1100">
+                  <a:latin typeface="Consolas" panose="020B0609020204030204" pitchFamily="49" charset="0"/>
+                </a:rPr>
+                <a:t>stat, p = </a:t>
+              </a:r>
+              <a:r>
+                <a:rPr lang="en-SG" sz="1100" b="1">
+                  <a:latin typeface="Consolas" panose="020B0609020204030204" pitchFamily="49" charset="0"/>
+                </a:rPr>
+                <a:t>f_oneway</a:t>
+              </a:r>
+              <a:r>
+                <a:rPr lang="en-SG" sz="1100">
+                  <a:latin typeface="Consolas" panose="020B0609020204030204" pitchFamily="49" charset="0"/>
+                </a:rPr>
+                <a:t>(data1, data2, data3)</a:t>
+              </a:r>
+            </a:p>
+            <a:p>
+              <a:r>
+                <a:rPr lang="en-SG" sz="1100">
+                  <a:latin typeface="Consolas" panose="020B0609020204030204" pitchFamily="49" charset="0"/>
+                </a:rPr>
+                <a:t>print(stat, p)</a:t>
+              </a:r>
+            </a:p>
+            <a:p>
+              <a:endParaRPr lang="en-SG" sz="1100" dirty="0">
+                <a:latin typeface="Consolas" panose="020B0609020204030204" pitchFamily="49" charset="0"/>
+              </a:endParaRPr>
+            </a:p>
+          </p:txBody>
+        </p:sp>
       </p:grpSp>
     </p:spTree>
     <p:extLst>
@@ -13790,7 +15176,7 @@
 </p:sld>
 </file>
 
-<file path=ppt/slides/slide51.xml><?xml version="1.0" encoding="utf-8"?>
+<file path=ppt/slides/slide55.xml><?xml version="1.0" encoding="utf-8"?>
 <p:sld xmlns:a="http://schemas.openxmlformats.org/drawingml/2006/main" xmlns:r="http://schemas.openxmlformats.org/officeDocument/2006/relationships" xmlns:p="http://schemas.openxmlformats.org/presentationml/2006/main">
   <p:cSld>
     <p:spTree>
@@ -13878,9 +15264,7 @@
               <a:avLst/>
             </a:prstGeom>
             <a:solidFill>
-              <a:schemeClr val="bg1">
-                <a:lumMod val="95000"/>
-              </a:schemeClr>
+              <a:srgbClr val="EFEBE4"/>
             </a:solidFill>
           </p:spPr>
           <p:txBody>
@@ -14013,7 +15397,7 @@
 </p:sld>
 </file>
 
-<file path=ppt/slides/slide52.xml><?xml version="1.0" encoding="utf-8"?>
+<file path=ppt/slides/slide56.xml><?xml version="1.0" encoding="utf-8"?>
 <p:sld xmlns:a="http://schemas.openxmlformats.org/drawingml/2006/main" xmlns:r="http://schemas.openxmlformats.org/officeDocument/2006/relationships" xmlns:p="http://schemas.openxmlformats.org/presentationml/2006/main">
   <p:cSld>
     <p:spTree>
@@ -14030,10 +15414,234 @@
           <a:chExt cx="0" cy="0"/>
         </a:xfrm>
       </p:grpSpPr>
+      <p:pic>
+        <p:nvPicPr>
+          <p:cNvPr id="5" name="Picture 4">
+            <a:extLst>
+              <a:ext uri="{FF2B5EF4-FFF2-40B4-BE49-F238E27FC236}">
+                <a16:creationId xmlns:a16="http://schemas.microsoft.com/office/drawing/2014/main" id="{9D976780-E223-0F67-60B1-2E7E41858718}"/>
+              </a:ext>
+            </a:extLst>
+          </p:cNvPr>
+          <p:cNvPicPr>
+            <a:picLocks noChangeAspect="1"/>
+          </p:cNvPicPr>
+          <p:nvPr/>
+        </p:nvPicPr>
+        <p:blipFill>
+          <a:blip r:embed="rId2"/>
+          <a:stretch>
+            <a:fillRect/>
+          </a:stretch>
+        </p:blipFill>
+        <p:spPr>
+          <a:xfrm>
+            <a:off x="6213446" y="1045973"/>
+            <a:ext cx="5869541" cy="5307142"/>
+          </a:xfrm>
+          <a:prstGeom prst="rect">
+            <a:avLst/>
+          </a:prstGeom>
+        </p:spPr>
+      </p:pic>
+      <p:grpSp>
+        <p:nvGrpSpPr>
+          <p:cNvPr id="11" name="Group 10">
+            <a:extLst>
+              <a:ext uri="{FF2B5EF4-FFF2-40B4-BE49-F238E27FC236}">
+                <a16:creationId xmlns:a16="http://schemas.microsoft.com/office/drawing/2014/main" id="{FF1775C1-9EE2-A4A6-0B6F-15331DD0DCDC}"/>
+              </a:ext>
+            </a:extLst>
+          </p:cNvPr>
+          <p:cNvGrpSpPr/>
+          <p:nvPr/>
+        </p:nvGrpSpPr>
+        <p:grpSpPr>
+          <a:xfrm>
+            <a:off x="178932" y="502989"/>
+            <a:ext cx="5917068" cy="3485288"/>
+            <a:chOff x="178932" y="1232832"/>
+            <a:chExt cx="5917068" cy="3485288"/>
+          </a:xfrm>
+        </p:grpSpPr>
+        <p:pic>
+          <p:nvPicPr>
+            <p:cNvPr id="3" name="Picture 2">
+              <a:extLst>
+                <a:ext uri="{FF2B5EF4-FFF2-40B4-BE49-F238E27FC236}">
+                  <a16:creationId xmlns:a16="http://schemas.microsoft.com/office/drawing/2014/main" id="{DDF98E21-F107-5C79-0E4C-4DC12B5B4619}"/>
+                </a:ext>
+              </a:extLst>
+            </p:cNvPr>
+            <p:cNvPicPr>
+              <a:picLocks noChangeAspect="1"/>
+            </p:cNvPicPr>
+            <p:nvPr/>
+          </p:nvPicPr>
+          <p:blipFill>
+            <a:blip r:embed="rId3"/>
+            <a:stretch>
+              <a:fillRect/>
+            </a:stretch>
+          </p:blipFill>
+          <p:spPr>
+            <a:xfrm>
+              <a:off x="178932" y="1232832"/>
+              <a:ext cx="5917068" cy="3485288"/>
+            </a:xfrm>
+            <a:prstGeom prst="rect">
+              <a:avLst/>
+            </a:prstGeom>
+          </p:spPr>
+        </p:pic>
+        <p:sp>
+          <p:nvSpPr>
+            <p:cNvPr id="8" name="TextBox 7">
+              <a:extLst>
+                <a:ext uri="{FF2B5EF4-FFF2-40B4-BE49-F238E27FC236}">
+                  <a16:creationId xmlns:a16="http://schemas.microsoft.com/office/drawing/2014/main" id="{669748B2-EBDB-2A43-89F7-A26939CFFF32}"/>
+                </a:ext>
+              </a:extLst>
+            </p:cNvPr>
+            <p:cNvSpPr txBox="1"/>
+            <p:nvPr/>
+          </p:nvSpPr>
+          <p:spPr>
+            <a:xfrm>
+              <a:off x="460423" y="2790704"/>
+              <a:ext cx="5337307" cy="1107996"/>
+            </a:xfrm>
+            <a:prstGeom prst="rect">
+              <a:avLst/>
+            </a:prstGeom>
+            <a:solidFill>
+              <a:srgbClr val="EFEBE4"/>
+            </a:solidFill>
+          </p:spPr>
+          <p:txBody>
+            <a:bodyPr wrap="square">
+              <a:spAutoFit/>
+            </a:bodyPr>
+            <a:lstStyle/>
+            <a:p>
+              <a:r>
+                <a:rPr lang="en-SG" sz="1100">
+                  <a:latin typeface="Consolas" panose="020B0609020204030204" pitchFamily="49" charset="0"/>
+                </a:rPr>
+                <a:t>import matplotlib.pyplot as plt</a:t>
+              </a:r>
+            </a:p>
+            <a:p>
+              <a:r>
+                <a:rPr lang="en-SG" sz="1100">
+                  <a:latin typeface="Consolas" panose="020B0609020204030204" pitchFamily="49" charset="0"/>
+                </a:rPr>
+                <a:t>import seaborn as sns</a:t>
+              </a:r>
+            </a:p>
+            <a:p>
+              <a:endParaRPr lang="en-SG" sz="1100">
+                <a:latin typeface="Consolas" panose="020B0609020204030204" pitchFamily="49" charset="0"/>
+              </a:endParaRPr>
+            </a:p>
+            <a:p>
+              <a:r>
+                <a:rPr lang="en-SG" sz="1100">
+                  <a:latin typeface="Consolas" panose="020B0609020204030204" pitchFamily="49" charset="0"/>
+                </a:rPr>
+                <a:t>sns.</a:t>
+              </a:r>
+              <a:r>
+                <a:rPr lang="en-SG" sz="1100">
+                  <a:solidFill>
+                    <a:srgbClr val="FF0000"/>
+                  </a:solidFill>
+                  <a:latin typeface="Consolas" panose="020B0609020204030204" pitchFamily="49" charset="0"/>
+                </a:rPr>
+                <a:t>pairplot</a:t>
+              </a:r>
+              <a:r>
+                <a:rPr lang="en-SG" sz="1100">
+                  <a:latin typeface="Consolas" panose="020B0609020204030204" pitchFamily="49" charset="0"/>
+                </a:rPr>
+                <a:t>(valuation[['age', 'mpg', 'value']], diag_kind = 'kde')</a:t>
+              </a:r>
+            </a:p>
+            <a:p>
+              <a:endParaRPr lang="en-SG" sz="1100">
+                <a:latin typeface="Consolas" panose="020B0609020204030204" pitchFamily="49" charset="0"/>
+              </a:endParaRPr>
+            </a:p>
+            <a:p>
+              <a:r>
+                <a:rPr lang="en-SG" sz="1100">
+                  <a:latin typeface="Consolas" panose="020B0609020204030204" pitchFamily="49" charset="0"/>
+                </a:rPr>
+                <a:t>plt.show()</a:t>
+              </a:r>
+              <a:endParaRPr lang="en-SG" sz="1100" dirty="0">
+                <a:latin typeface="Consolas" panose="020B0609020204030204" pitchFamily="49" charset="0"/>
+              </a:endParaRPr>
+            </a:p>
+          </p:txBody>
+        </p:sp>
+        <p:sp>
+          <p:nvSpPr>
+            <p:cNvPr id="10" name="Rectangle 9">
+              <a:extLst>
+                <a:ext uri="{FF2B5EF4-FFF2-40B4-BE49-F238E27FC236}">
+                  <a16:creationId xmlns:a16="http://schemas.microsoft.com/office/drawing/2014/main" id="{51C84BE7-5214-2003-BB8B-84FE3809F844}"/>
+                </a:ext>
+              </a:extLst>
+            </p:cNvPr>
+            <p:cNvSpPr/>
+            <p:nvPr/>
+          </p:nvSpPr>
+          <p:spPr>
+            <a:xfrm>
+              <a:off x="443645" y="4127383"/>
+              <a:ext cx="638535" cy="302004"/>
+            </a:xfrm>
+            <a:prstGeom prst="rect">
+              <a:avLst/>
+            </a:prstGeom>
+            <a:noFill/>
+            <a:ln>
+              <a:solidFill>
+                <a:srgbClr val="FF0000"/>
+              </a:solidFill>
+            </a:ln>
+          </p:spPr>
+          <p:style>
+            <a:lnRef idx="2">
+              <a:schemeClr val="accent1">
+                <a:shade val="50000"/>
+              </a:schemeClr>
+            </a:lnRef>
+            <a:fillRef idx="1">
+              <a:schemeClr val="accent1"/>
+            </a:fillRef>
+            <a:effectRef idx="0">
+              <a:schemeClr val="accent1"/>
+            </a:effectRef>
+            <a:fontRef idx="minor">
+              <a:schemeClr val="lt1"/>
+            </a:fontRef>
+          </p:style>
+          <p:txBody>
+            <a:bodyPr rtlCol="0" anchor="ctr"/>
+            <a:lstStyle/>
+            <a:p>
+              <a:pPr algn="ctr"/>
+              <a:endParaRPr lang="en-SG"/>
+            </a:p>
+          </p:txBody>
+        </p:sp>
+      </p:grpSp>
     </p:spTree>
     <p:extLst>
       <p:ext uri="{BB962C8B-B14F-4D97-AF65-F5344CB8AC3E}">
-        <p14:creationId xmlns:p14="http://schemas.microsoft.com/office/powerpoint/2010/main" val="2217560570"/>
+        <p14:creationId xmlns:p14="http://schemas.microsoft.com/office/powerpoint/2010/main" val="2615086340"/>
       </p:ext>
     </p:extLst>
   </p:cSld>
@@ -14043,7 +15651,7 @@
 </p:sld>
 </file>
 
-<file path=ppt/slides/slide53.xml><?xml version="1.0" encoding="utf-8"?>
+<file path=ppt/slides/slide57.xml><?xml version="1.0" encoding="utf-8"?>
 <p:sld xmlns:a="http://schemas.openxmlformats.org/drawingml/2006/main" xmlns:r="http://schemas.openxmlformats.org/officeDocument/2006/relationships" xmlns:p="http://schemas.openxmlformats.org/presentationml/2006/main">
   <p:cSld>
     <p:spTree>
@@ -14060,10 +15668,140 @@
           <a:chExt cx="0" cy="0"/>
         </a:xfrm>
       </p:grpSpPr>
+      <p:grpSp>
+        <p:nvGrpSpPr>
+          <p:cNvPr id="6" name="Group 5">
+            <a:extLst>
+              <a:ext uri="{FF2B5EF4-FFF2-40B4-BE49-F238E27FC236}">
+                <a16:creationId xmlns:a16="http://schemas.microsoft.com/office/drawing/2014/main" id="{9B454C9C-DDB5-4EFD-6015-F954D6F90C34}"/>
+              </a:ext>
+            </a:extLst>
+          </p:cNvPr>
+          <p:cNvGrpSpPr/>
+          <p:nvPr/>
+        </p:nvGrpSpPr>
+        <p:grpSpPr>
+          <a:xfrm>
+            <a:off x="3413074" y="0"/>
+            <a:ext cx="5365852" cy="6858000"/>
+            <a:chOff x="3413074" y="0"/>
+            <a:chExt cx="5365852" cy="6858000"/>
+          </a:xfrm>
+        </p:grpSpPr>
+        <p:pic>
+          <p:nvPicPr>
+            <p:cNvPr id="3" name="Picture 2">
+              <a:extLst>
+                <a:ext uri="{FF2B5EF4-FFF2-40B4-BE49-F238E27FC236}">
+                  <a16:creationId xmlns:a16="http://schemas.microsoft.com/office/drawing/2014/main" id="{2689B298-D643-0517-7AC9-E7A70A9F028C}"/>
+                </a:ext>
+              </a:extLst>
+            </p:cNvPr>
+            <p:cNvPicPr>
+              <a:picLocks noChangeAspect="1"/>
+            </p:cNvPicPr>
+            <p:nvPr/>
+          </p:nvPicPr>
+          <p:blipFill>
+            <a:blip r:embed="rId2"/>
+            <a:stretch>
+              <a:fillRect/>
+            </a:stretch>
+          </p:blipFill>
+          <p:spPr>
+            <a:xfrm>
+              <a:off x="3413074" y="0"/>
+              <a:ext cx="5365852" cy="6858000"/>
+            </a:xfrm>
+            <a:prstGeom prst="rect">
+              <a:avLst/>
+            </a:prstGeom>
+          </p:spPr>
+        </p:pic>
+        <p:sp>
+          <p:nvSpPr>
+            <p:cNvPr id="4" name="TextBox 3">
+              <a:extLst>
+                <a:ext uri="{FF2B5EF4-FFF2-40B4-BE49-F238E27FC236}">
+                  <a16:creationId xmlns:a16="http://schemas.microsoft.com/office/drawing/2014/main" id="{6080F1B7-C09D-75DD-E4C7-A941DD37A339}"/>
+                </a:ext>
+              </a:extLst>
+            </p:cNvPr>
+            <p:cNvSpPr txBox="1"/>
+            <p:nvPr/>
+          </p:nvSpPr>
+          <p:spPr>
+            <a:xfrm>
+              <a:off x="3697636" y="1034893"/>
+              <a:ext cx="4490019" cy="1107996"/>
+            </a:xfrm>
+            <a:prstGeom prst="rect">
+              <a:avLst/>
+            </a:prstGeom>
+            <a:solidFill>
+              <a:srgbClr val="EFEBE4"/>
+            </a:solidFill>
+          </p:spPr>
+          <p:txBody>
+            <a:bodyPr wrap="square">
+              <a:spAutoFit/>
+            </a:bodyPr>
+            <a:lstStyle/>
+            <a:p>
+              <a:r>
+                <a:rPr lang="en-SG" sz="1100">
+                  <a:latin typeface="Consolas" panose="020B0609020204030204" pitchFamily="49" charset="0"/>
+                </a:rPr>
+                <a:t>import matplotlib.pyplot as plt</a:t>
+              </a:r>
+            </a:p>
+            <a:p>
+              <a:r>
+                <a:rPr lang="en-SG" sz="1100">
+                  <a:latin typeface="Consolas" panose="020B0609020204030204" pitchFamily="49" charset="0"/>
+                </a:rPr>
+                <a:t>import seaborn as sns</a:t>
+              </a:r>
+            </a:p>
+            <a:p>
+              <a:endParaRPr lang="en-SG" sz="1100">
+                <a:latin typeface="Consolas" panose="020B0609020204030204" pitchFamily="49" charset="0"/>
+              </a:endParaRPr>
+            </a:p>
+            <a:p>
+              <a:r>
+                <a:rPr lang="en-SG" sz="1100">
+                  <a:solidFill>
+                    <a:srgbClr val="FF0000"/>
+                  </a:solidFill>
+                  <a:latin typeface="Consolas" panose="020B0609020204030204" pitchFamily="49" charset="0"/>
+                </a:rPr>
+                <a:t>sns.pairplot(song_metrics)</a:t>
+              </a:r>
+            </a:p>
+            <a:p>
+              <a:endParaRPr lang="en-SG" sz="1100">
+                <a:latin typeface="Consolas" panose="020B0609020204030204" pitchFamily="49" charset="0"/>
+              </a:endParaRPr>
+            </a:p>
+            <a:p>
+              <a:r>
+                <a:rPr lang="en-SG" sz="1100">
+                  <a:latin typeface="Consolas" panose="020B0609020204030204" pitchFamily="49" charset="0"/>
+                </a:rPr>
+                <a:t>plt.show()</a:t>
+              </a:r>
+              <a:endParaRPr lang="en-SG" sz="1100" dirty="0">
+                <a:latin typeface="Consolas" panose="020B0609020204030204" pitchFamily="49" charset="0"/>
+              </a:endParaRPr>
+            </a:p>
+          </p:txBody>
+        </p:sp>
+      </p:grpSp>
     </p:spTree>
     <p:extLst>
       <p:ext uri="{BB962C8B-B14F-4D97-AF65-F5344CB8AC3E}">
-        <p14:creationId xmlns:p14="http://schemas.microsoft.com/office/powerpoint/2010/main" val="785803361"/>
+        <p14:creationId xmlns:p14="http://schemas.microsoft.com/office/powerpoint/2010/main" val="2217560570"/>
       </p:ext>
     </p:extLst>
   </p:cSld>
@@ -14073,7 +15811,7 @@
 </p:sld>
 </file>
 
-<file path=ppt/slides/slide54.xml><?xml version="1.0" encoding="utf-8"?>
+<file path=ppt/slides/slide58.xml><?xml version="1.0" encoding="utf-8"?>
 <p:sld xmlns:a="http://schemas.openxmlformats.org/drawingml/2006/main" xmlns:r="http://schemas.openxmlformats.org/officeDocument/2006/relationships" xmlns:p="http://schemas.openxmlformats.org/presentationml/2006/main">
   <p:cSld>
     <p:spTree>
@@ -14090,10 +15828,186 @@
           <a:chExt cx="0" cy="0"/>
         </a:xfrm>
       </p:grpSpPr>
+      <p:pic>
+        <p:nvPicPr>
+          <p:cNvPr id="5" name="Picture 4">
+            <a:extLst>
+              <a:ext uri="{FF2B5EF4-FFF2-40B4-BE49-F238E27FC236}">
+                <a16:creationId xmlns:a16="http://schemas.microsoft.com/office/drawing/2014/main" id="{50939E42-5616-BE05-1B8A-C15C13855D21}"/>
+              </a:ext>
+            </a:extLst>
+          </p:cNvPr>
+          <p:cNvPicPr>
+            <a:picLocks noChangeAspect="1"/>
+          </p:cNvPicPr>
+          <p:nvPr/>
+        </p:nvPicPr>
+        <p:blipFill>
+          <a:blip r:embed="rId2"/>
+          <a:stretch>
+            <a:fillRect/>
+          </a:stretch>
+        </p:blipFill>
+        <p:spPr>
+          <a:xfrm>
+            <a:off x="6349255" y="1124042"/>
+            <a:ext cx="5570716" cy="5030161"/>
+          </a:xfrm>
+          <a:prstGeom prst="rect">
+            <a:avLst/>
+          </a:prstGeom>
+        </p:spPr>
+      </p:pic>
+      <p:grpSp>
+        <p:nvGrpSpPr>
+          <p:cNvPr id="10" name="Group 9">
+            <a:extLst>
+              <a:ext uri="{FF2B5EF4-FFF2-40B4-BE49-F238E27FC236}">
+                <a16:creationId xmlns:a16="http://schemas.microsoft.com/office/drawing/2014/main" id="{D202D710-6F2A-8A04-B56D-7AABEBB0E1A9}"/>
+              </a:ext>
+            </a:extLst>
+          </p:cNvPr>
+          <p:cNvGrpSpPr/>
+          <p:nvPr/>
+        </p:nvGrpSpPr>
+        <p:grpSpPr>
+          <a:xfrm>
+            <a:off x="343696" y="629174"/>
+            <a:ext cx="5894917" cy="3432081"/>
+            <a:chOff x="115609" y="494950"/>
+            <a:chExt cx="5894917" cy="3432081"/>
+          </a:xfrm>
+        </p:grpSpPr>
+        <p:pic>
+          <p:nvPicPr>
+            <p:cNvPr id="8" name="Picture 7">
+              <a:extLst>
+                <a:ext uri="{FF2B5EF4-FFF2-40B4-BE49-F238E27FC236}">
+                  <a16:creationId xmlns:a16="http://schemas.microsoft.com/office/drawing/2014/main" id="{475A61E9-FFFB-6955-A0C8-EA84F049E8DC}"/>
+                </a:ext>
+              </a:extLst>
+            </p:cNvPr>
+            <p:cNvPicPr>
+              <a:picLocks noChangeAspect="1"/>
+            </p:cNvPicPr>
+            <p:nvPr/>
+          </p:nvPicPr>
+          <p:blipFill>
+            <a:blip r:embed="rId3"/>
+            <a:stretch>
+              <a:fillRect/>
+            </a:stretch>
+          </p:blipFill>
+          <p:spPr>
+            <a:xfrm>
+              <a:off x="115609" y="494950"/>
+              <a:ext cx="5894917" cy="3432081"/>
+            </a:xfrm>
+            <a:prstGeom prst="rect">
+              <a:avLst/>
+            </a:prstGeom>
+          </p:spPr>
+        </p:pic>
+        <p:sp>
+          <p:nvSpPr>
+            <p:cNvPr id="9" name="TextBox 8">
+              <a:extLst>
+                <a:ext uri="{FF2B5EF4-FFF2-40B4-BE49-F238E27FC236}">
+                  <a16:creationId xmlns:a16="http://schemas.microsoft.com/office/drawing/2014/main" id="{4A197CA4-51CB-DD8C-3A84-CCDB6EEE9274}"/>
+                </a:ext>
+              </a:extLst>
+            </p:cNvPr>
+            <p:cNvSpPr txBox="1"/>
+            <p:nvPr/>
+          </p:nvSpPr>
+          <p:spPr>
+            <a:xfrm>
+              <a:off x="439809" y="2058349"/>
+              <a:ext cx="4255127" cy="1446550"/>
+            </a:xfrm>
+            <a:prstGeom prst="rect">
+              <a:avLst/>
+            </a:prstGeom>
+            <a:solidFill>
+              <a:srgbClr val="EFEBE4"/>
+            </a:solidFill>
+          </p:spPr>
+          <p:txBody>
+            <a:bodyPr wrap="square">
+              <a:spAutoFit/>
+            </a:bodyPr>
+            <a:lstStyle/>
+            <a:p>
+              <a:r>
+                <a:rPr lang="en-SG" sz="1100">
+                  <a:latin typeface="Consolas" panose="020B0609020204030204" pitchFamily="49" charset="0"/>
+                </a:rPr>
+                <a:t>import matplotlib.pyplot as plt</a:t>
+              </a:r>
+            </a:p>
+            <a:p>
+              <a:r>
+                <a:rPr lang="en-SG" sz="1100">
+                  <a:latin typeface="Consolas" panose="020B0609020204030204" pitchFamily="49" charset="0"/>
+                </a:rPr>
+                <a:t>import seaborn as sns</a:t>
+              </a:r>
+            </a:p>
+            <a:p>
+              <a:endParaRPr lang="en-SG" sz="1100">
+                <a:latin typeface="Consolas" panose="020B0609020204030204" pitchFamily="49" charset="0"/>
+              </a:endParaRPr>
+            </a:p>
+            <a:p>
+              <a:r>
+                <a:rPr lang="en-SG" sz="1100">
+                  <a:latin typeface="Consolas" panose="020B0609020204030204" pitchFamily="49" charset="0"/>
+                </a:rPr>
+                <a:t>sns.kdeplot(airline_a, shade = True, label = "A")</a:t>
+              </a:r>
+            </a:p>
+            <a:p>
+              <a:r>
+                <a:rPr lang="en-SG" sz="1100">
+                  <a:solidFill>
+                    <a:srgbClr val="FF0000"/>
+                  </a:solidFill>
+                  <a:latin typeface="Consolas" panose="020B0609020204030204" pitchFamily="49" charset="0"/>
+                </a:rPr>
+                <a:t>sns.kdeplot(airline_b, shade = True, label = "B")</a:t>
+              </a:r>
+            </a:p>
+            <a:p>
+              <a:endParaRPr lang="en-SG" sz="1100">
+                <a:latin typeface="Consolas" panose="020B0609020204030204" pitchFamily="49" charset="0"/>
+              </a:endParaRPr>
+            </a:p>
+            <a:p>
+              <a:r>
+                <a:rPr lang="en-SG" sz="1100">
+                  <a:latin typeface="Consolas" panose="020B0609020204030204" pitchFamily="49" charset="0"/>
+                </a:rPr>
+                <a:t>plt.legend()</a:t>
+              </a:r>
+            </a:p>
+            <a:p>
+              <a:r>
+                <a:rPr lang="en-SG" sz="1100">
+                  <a:latin typeface="Consolas" panose="020B0609020204030204" pitchFamily="49" charset="0"/>
+                </a:rPr>
+                <a:t>plt.show()</a:t>
+              </a:r>
+              <a:endParaRPr lang="en-SG" sz="1100" dirty="0">
+                <a:latin typeface="Consolas" panose="020B0609020204030204" pitchFamily="49" charset="0"/>
+              </a:endParaRPr>
+            </a:p>
+          </p:txBody>
+        </p:sp>
+      </p:grpSp>
     </p:spTree>
     <p:extLst>
       <p:ext uri="{BB962C8B-B14F-4D97-AF65-F5344CB8AC3E}">
-        <p14:creationId xmlns:p14="http://schemas.microsoft.com/office/powerpoint/2010/main" val="2615086340"/>
+        <p14:creationId xmlns:p14="http://schemas.microsoft.com/office/powerpoint/2010/main" val="785803361"/>
       </p:ext>
     </p:extLst>
   </p:cSld>
@@ -14103,7 +16017,7 @@
 </p:sld>
 </file>
 
-<file path=ppt/slides/slide55.xml><?xml version="1.0" encoding="utf-8"?>
+<file path=ppt/slides/slide59.xml><?xml version="1.0" encoding="utf-8"?>
 <p:sld xmlns:a="http://schemas.openxmlformats.org/drawingml/2006/main" xmlns:r="http://schemas.openxmlformats.org/officeDocument/2006/relationships" xmlns:p="http://schemas.openxmlformats.org/presentationml/2006/main">
   <p:cSld>
     <p:spTree>
@@ -14120,10 +16034,231 @@
           <a:chExt cx="0" cy="0"/>
         </a:xfrm>
       </p:grpSpPr>
+      <p:pic>
+        <p:nvPicPr>
+          <p:cNvPr id="5" name="Picture 4">
+            <a:extLst>
+              <a:ext uri="{FF2B5EF4-FFF2-40B4-BE49-F238E27FC236}">
+                <a16:creationId xmlns:a16="http://schemas.microsoft.com/office/drawing/2014/main" id="{E6F24445-D1D9-28C1-5CCB-828773E3C972}"/>
+              </a:ext>
+            </a:extLst>
+          </p:cNvPr>
+          <p:cNvPicPr>
+            <a:picLocks noChangeAspect="1"/>
+          </p:cNvPicPr>
+          <p:nvPr/>
+        </p:nvPicPr>
+        <p:blipFill>
+          <a:blip r:embed="rId2"/>
+          <a:stretch>
+            <a:fillRect/>
+          </a:stretch>
+        </p:blipFill>
+        <p:spPr>
+          <a:xfrm>
+            <a:off x="6618914" y="1264965"/>
+            <a:ext cx="5232807" cy="4730741"/>
+          </a:xfrm>
+          <a:prstGeom prst="rect">
+            <a:avLst/>
+          </a:prstGeom>
+        </p:spPr>
+      </p:pic>
+      <p:grpSp>
+        <p:nvGrpSpPr>
+          <p:cNvPr id="8" name="Group 7">
+            <a:extLst>
+              <a:ext uri="{FF2B5EF4-FFF2-40B4-BE49-F238E27FC236}">
+                <a16:creationId xmlns:a16="http://schemas.microsoft.com/office/drawing/2014/main" id="{D9AA65E0-8823-103C-829E-2000823482E3}"/>
+              </a:ext>
+            </a:extLst>
+          </p:cNvPr>
+          <p:cNvGrpSpPr/>
+          <p:nvPr/>
+        </p:nvGrpSpPr>
+        <p:grpSpPr>
+          <a:xfrm>
+            <a:off x="340279" y="577462"/>
+            <a:ext cx="6126576" cy="4429349"/>
+            <a:chOff x="340279" y="577462"/>
+            <a:chExt cx="6126576" cy="4429349"/>
+          </a:xfrm>
+        </p:grpSpPr>
+        <p:pic>
+          <p:nvPicPr>
+            <p:cNvPr id="3" name="Picture 2">
+              <a:extLst>
+                <a:ext uri="{FF2B5EF4-FFF2-40B4-BE49-F238E27FC236}">
+                  <a16:creationId xmlns:a16="http://schemas.microsoft.com/office/drawing/2014/main" id="{8916ED56-C812-E6CF-E55A-832DACFF586C}"/>
+                </a:ext>
+              </a:extLst>
+            </p:cNvPr>
+            <p:cNvPicPr>
+              <a:picLocks noChangeAspect="1"/>
+            </p:cNvPicPr>
+            <p:nvPr/>
+          </p:nvPicPr>
+          <p:blipFill>
+            <a:blip r:embed="rId3"/>
+            <a:stretch>
+              <a:fillRect/>
+            </a:stretch>
+          </p:blipFill>
+          <p:spPr>
+            <a:xfrm>
+              <a:off x="340279" y="577462"/>
+              <a:ext cx="6126576" cy="4429349"/>
+            </a:xfrm>
+            <a:prstGeom prst="rect">
+              <a:avLst/>
+            </a:prstGeom>
+          </p:spPr>
+        </p:pic>
+        <p:sp>
+          <p:nvSpPr>
+            <p:cNvPr id="6" name="TextBox 5">
+              <a:extLst>
+                <a:ext uri="{FF2B5EF4-FFF2-40B4-BE49-F238E27FC236}">
+                  <a16:creationId xmlns:a16="http://schemas.microsoft.com/office/drawing/2014/main" id="{256EF05D-3243-5F28-F193-EBFBA7C3C8FF}"/>
+                </a:ext>
+              </a:extLst>
+            </p:cNvPr>
+            <p:cNvSpPr txBox="1"/>
+            <p:nvPr/>
+          </p:nvSpPr>
+          <p:spPr>
+            <a:xfrm>
+              <a:off x="659508" y="2649523"/>
+              <a:ext cx="4255127" cy="1954381"/>
+            </a:xfrm>
+            <a:prstGeom prst="rect">
+              <a:avLst/>
+            </a:prstGeom>
+            <a:solidFill>
+              <a:srgbClr val="EFEBE4"/>
+            </a:solidFill>
+          </p:spPr>
+          <p:txBody>
+            <a:bodyPr wrap="square">
+              <a:spAutoFit/>
+            </a:bodyPr>
+            <a:lstStyle/>
+            <a:p>
+              <a:r>
+                <a:rPr lang="en-SG" sz="1100">
+                  <a:latin typeface="Consolas" panose="020B0609020204030204" pitchFamily="49" charset="0"/>
+                </a:rPr>
+                <a:t>import matplotlib.pyplot as plt</a:t>
+              </a:r>
+            </a:p>
+            <a:p>
+              <a:r>
+                <a:rPr lang="en-SG" sz="1100">
+                  <a:latin typeface="Consolas" panose="020B0609020204030204" pitchFamily="49" charset="0"/>
+                </a:rPr>
+                <a:t>import seaborn as sns</a:t>
+              </a:r>
+            </a:p>
+            <a:p>
+              <a:endParaRPr lang="en-SG" sz="1100">
+                <a:latin typeface="Consolas" panose="020B0609020204030204" pitchFamily="49" charset="0"/>
+              </a:endParaRPr>
+            </a:p>
+            <a:p>
+              <a:r>
+                <a:rPr lang="en-SG" sz="1100">
+                  <a:latin typeface="Consolas" panose="020B0609020204030204" pitchFamily="49" charset="0"/>
+                </a:rPr>
+                <a:t>ax = sns.boxplot(</a:t>
+              </a:r>
+            </a:p>
+            <a:p>
+              <a:r>
+                <a:rPr lang="en-SG" sz="1100">
+                  <a:latin typeface="Consolas" panose="020B0609020204030204" pitchFamily="49" charset="0"/>
+                </a:rPr>
+                <a:t>  	</a:t>
+              </a:r>
+              <a:r>
+                <a:rPr lang="en-SG" sz="1100">
+                  <a:solidFill>
+                    <a:srgbClr val="FF0000"/>
+                  </a:solidFill>
+                  <a:latin typeface="Consolas" panose="020B0609020204030204" pitchFamily="49" charset="0"/>
+                </a:rPr>
+                <a:t>x='driverId'</a:t>
+              </a:r>
+              <a:r>
+                <a:rPr lang="en-SG" sz="1100">
+                  <a:latin typeface="Consolas" panose="020B0609020204030204" pitchFamily="49" charset="0"/>
+                </a:rPr>
+                <a:t>, </a:t>
+              </a:r>
+            </a:p>
+            <a:p>
+              <a:r>
+                <a:rPr lang="en-SG" sz="1100">
+                  <a:latin typeface="Consolas" panose="020B0609020204030204" pitchFamily="49" charset="0"/>
+                </a:rPr>
+                <a:t>  	</a:t>
+              </a:r>
+              <a:r>
+                <a:rPr lang="en-SG" sz="1100">
+                  <a:solidFill>
+                    <a:srgbClr val="FF0000"/>
+                  </a:solidFill>
+                  <a:latin typeface="Consolas" panose="020B0609020204030204" pitchFamily="49" charset="0"/>
+                </a:rPr>
+                <a:t>y='seconds'</a:t>
+              </a:r>
+              <a:r>
+                <a:rPr lang="en-SG" sz="1100">
+                  <a:latin typeface="Consolas" panose="020B0609020204030204" pitchFamily="49" charset="0"/>
+                </a:rPr>
+                <a:t>, </a:t>
+              </a:r>
+            </a:p>
+            <a:p>
+              <a:r>
+                <a:rPr lang="en-SG" sz="1100">
+                  <a:latin typeface="Consolas" panose="020B0609020204030204" pitchFamily="49" charset="0"/>
+                </a:rPr>
+                <a:t>  	data=lap_times</a:t>
+              </a:r>
+            </a:p>
+            <a:p>
+              <a:r>
+                <a:rPr lang="en-SG" sz="1100">
+                  <a:latin typeface="Consolas" panose="020B0609020204030204" pitchFamily="49" charset="0"/>
+                </a:rPr>
+                <a:t>	)</a:t>
+              </a:r>
+            </a:p>
+            <a:p>
+              <a:endParaRPr lang="en-SG" sz="1100">
+                <a:latin typeface="Consolas" panose="020B0609020204030204" pitchFamily="49" charset="0"/>
+              </a:endParaRPr>
+            </a:p>
+            <a:p>
+              <a:r>
+                <a:rPr lang="en-SG" sz="1100">
+                  <a:latin typeface="Consolas" panose="020B0609020204030204" pitchFamily="49" charset="0"/>
+                </a:rPr>
+                <a:t>plt.show()</a:t>
+              </a:r>
+            </a:p>
+            <a:p>
+              <a:endParaRPr lang="en-SG" sz="1100" dirty="0">
+                <a:latin typeface="Consolas" panose="020B0609020204030204" pitchFamily="49" charset="0"/>
+              </a:endParaRPr>
+            </a:p>
+          </p:txBody>
+        </p:sp>
+      </p:grpSp>
     </p:spTree>
     <p:extLst>
       <p:ext uri="{BB962C8B-B14F-4D97-AF65-F5344CB8AC3E}">
-        <p14:creationId xmlns:p14="http://schemas.microsoft.com/office/powerpoint/2010/main" val="743057843"/>
+        <p14:creationId xmlns:p14="http://schemas.microsoft.com/office/powerpoint/2010/main" val="3530636401"/>
       </p:ext>
     </p:extLst>
   </p:cSld>
@@ -14251,9 +16386,7 @@
               <a:avLst/>
             </a:prstGeom>
             <a:solidFill>
-              <a:schemeClr val="bg1">
-                <a:lumMod val="95000"/>
-              </a:schemeClr>
+              <a:srgbClr val="EFEBE4"/>
             </a:solidFill>
           </p:spPr>
           <p:txBody>
@@ -14369,10 +16502,1431 @@
           </p:txBody>
         </p:sp>
       </p:grpSp>
+      <p:sp>
+        <p:nvSpPr>
+          <p:cNvPr id="2" name="TextBox 1">
+            <a:extLst>
+              <a:ext uri="{FF2B5EF4-FFF2-40B4-BE49-F238E27FC236}">
+                <a16:creationId xmlns:a16="http://schemas.microsoft.com/office/drawing/2014/main" id="{BC26AC7C-E47B-D22A-F38D-AE29B811432D}"/>
+              </a:ext>
+            </a:extLst>
+          </p:cNvPr>
+          <p:cNvSpPr txBox="1"/>
+          <p:nvPr/>
+        </p:nvSpPr>
+        <p:spPr>
+          <a:xfrm>
+            <a:off x="9383486" y="82715"/>
+            <a:ext cx="2722563" cy="369332"/>
+          </a:xfrm>
+          <a:prstGeom prst="rect">
+            <a:avLst/>
+          </a:prstGeom>
+          <a:solidFill>
+            <a:schemeClr val="accent2"/>
+          </a:solidFill>
+        </p:spPr>
+        <p:txBody>
+          <a:bodyPr wrap="square" rtlCol="0">
+            <a:spAutoFit/>
+          </a:bodyPr>
+          <a:lstStyle/>
+          <a:p>
+            <a:pPr algn="ctr"/>
+            <a:r>
+              <a:rPr lang="en-GB"/>
+              <a:t>HARD</a:t>
+            </a:r>
+            <a:endParaRPr lang="en-SG"/>
+          </a:p>
+        </p:txBody>
+      </p:sp>
     </p:spTree>
     <p:extLst>
       <p:ext uri="{BB962C8B-B14F-4D97-AF65-F5344CB8AC3E}">
         <p14:creationId xmlns:p14="http://schemas.microsoft.com/office/powerpoint/2010/main" val="3461772683"/>
+      </p:ext>
+    </p:extLst>
+  </p:cSld>
+  <p:clrMapOvr>
+    <a:masterClrMapping/>
+  </p:clrMapOvr>
+</p:sld>
+</file>
+
+<file path=ppt/slides/slide60.xml><?xml version="1.0" encoding="utf-8"?>
+<p:sld xmlns:a="http://schemas.openxmlformats.org/drawingml/2006/main" xmlns:r="http://schemas.openxmlformats.org/officeDocument/2006/relationships" xmlns:p="http://schemas.openxmlformats.org/presentationml/2006/main">
+  <p:cSld>
+    <p:spTree>
+      <p:nvGrpSpPr>
+        <p:cNvPr id="1" name=""/>
+        <p:cNvGrpSpPr/>
+        <p:nvPr/>
+      </p:nvGrpSpPr>
+      <p:grpSpPr>
+        <a:xfrm>
+          <a:off x="0" y="0"/>
+          <a:ext cx="0" cy="0"/>
+          <a:chOff x="0" y="0"/>
+          <a:chExt cx="0" cy="0"/>
+        </a:xfrm>
+      </p:grpSpPr>
+      <p:grpSp>
+        <p:nvGrpSpPr>
+          <p:cNvPr id="7" name="Group 6">
+            <a:extLst>
+              <a:ext uri="{FF2B5EF4-FFF2-40B4-BE49-F238E27FC236}">
+                <a16:creationId xmlns:a16="http://schemas.microsoft.com/office/drawing/2014/main" id="{8706CC7A-C624-D464-B7D3-763672E16069}"/>
+              </a:ext>
+            </a:extLst>
+          </p:cNvPr>
+          <p:cNvGrpSpPr/>
+          <p:nvPr/>
+        </p:nvGrpSpPr>
+        <p:grpSpPr>
+          <a:xfrm>
+            <a:off x="2910922" y="1526447"/>
+            <a:ext cx="6370155" cy="3805106"/>
+            <a:chOff x="3297719" y="1295401"/>
+            <a:chExt cx="6370155" cy="3805106"/>
+          </a:xfrm>
+        </p:grpSpPr>
+        <p:pic>
+          <p:nvPicPr>
+            <p:cNvPr id="3" name="Picture 2">
+              <a:extLst>
+                <a:ext uri="{FF2B5EF4-FFF2-40B4-BE49-F238E27FC236}">
+                  <a16:creationId xmlns:a16="http://schemas.microsoft.com/office/drawing/2014/main" id="{9FAB1AF9-280B-494C-C866-3E77017B01EB}"/>
+                </a:ext>
+              </a:extLst>
+            </p:cNvPr>
+            <p:cNvPicPr>
+              <a:picLocks noChangeAspect="1"/>
+            </p:cNvPicPr>
+            <p:nvPr/>
+          </p:nvPicPr>
+          <p:blipFill>
+            <a:blip r:embed="rId2"/>
+            <a:stretch>
+              <a:fillRect/>
+            </a:stretch>
+          </p:blipFill>
+          <p:spPr>
+            <a:xfrm>
+              <a:off x="3297719" y="1295401"/>
+              <a:ext cx="6370155" cy="3805106"/>
+            </a:xfrm>
+            <a:prstGeom prst="rect">
+              <a:avLst/>
+            </a:prstGeom>
+          </p:spPr>
+        </p:pic>
+        <p:sp>
+          <p:nvSpPr>
+            <p:cNvPr id="4" name="TextBox 3">
+              <a:extLst>
+                <a:ext uri="{FF2B5EF4-FFF2-40B4-BE49-F238E27FC236}">
+                  <a16:creationId xmlns:a16="http://schemas.microsoft.com/office/drawing/2014/main" id="{41A129B8-C2F8-822E-BC31-FBA9D6CA2BE9}"/>
+                </a:ext>
+              </a:extLst>
+            </p:cNvPr>
+            <p:cNvSpPr txBox="1"/>
+            <p:nvPr/>
+          </p:nvSpPr>
+          <p:spPr>
+            <a:xfrm>
+              <a:off x="3687933" y="2800249"/>
+              <a:ext cx="4255127" cy="938719"/>
+            </a:xfrm>
+            <a:prstGeom prst="rect">
+              <a:avLst/>
+            </a:prstGeom>
+            <a:solidFill>
+              <a:srgbClr val="EFEBE4"/>
+            </a:solidFill>
+          </p:spPr>
+          <p:txBody>
+            <a:bodyPr wrap="square">
+              <a:spAutoFit/>
+            </a:bodyPr>
+            <a:lstStyle/>
+            <a:p>
+              <a:r>
+                <a:rPr lang="en-SG" sz="1100">
+                  <a:latin typeface="Consolas" panose="020B0609020204030204" pitchFamily="49" charset="0"/>
+                </a:rPr>
+                <a:t>data = np.array([13, 28, 56, 31, 63])</a:t>
+              </a:r>
+            </a:p>
+            <a:p>
+              <a:endParaRPr lang="en-SG" sz="1100">
+                <a:latin typeface="Consolas" panose="020B0609020204030204" pitchFamily="49" charset="0"/>
+              </a:endParaRPr>
+            </a:p>
+            <a:p>
+              <a:r>
+                <a:rPr lang="en-SG" sz="1100">
+                  <a:latin typeface="Consolas" panose="020B0609020204030204" pitchFamily="49" charset="0"/>
+                </a:rPr>
+                <a:t>sample = </a:t>
+              </a:r>
+              <a:r>
+                <a:rPr lang="en-SG" sz="1100">
+                  <a:solidFill>
+                    <a:srgbClr val="FF0000"/>
+                  </a:solidFill>
+                  <a:latin typeface="Consolas" panose="020B0609020204030204" pitchFamily="49" charset="0"/>
+                </a:rPr>
+                <a:t>np.random.choice</a:t>
+              </a:r>
+              <a:r>
+                <a:rPr lang="en-SG" sz="1100">
+                  <a:latin typeface="Consolas" panose="020B0609020204030204" pitchFamily="49" charset="0"/>
+                </a:rPr>
+                <a:t>(data, 5, </a:t>
+              </a:r>
+              <a:r>
+                <a:rPr lang="en-SG" sz="1100">
+                  <a:solidFill>
+                    <a:srgbClr val="FF0000"/>
+                  </a:solidFill>
+                  <a:latin typeface="Consolas" panose="020B0609020204030204" pitchFamily="49" charset="0"/>
+                </a:rPr>
+                <a:t>replace=False</a:t>
+              </a:r>
+              <a:r>
+                <a:rPr lang="en-SG" sz="1100">
+                  <a:latin typeface="Consolas" panose="020B0609020204030204" pitchFamily="49" charset="0"/>
+                </a:rPr>
+                <a:t>)</a:t>
+              </a:r>
+            </a:p>
+            <a:p>
+              <a:endParaRPr lang="en-SG" sz="1100">
+                <a:latin typeface="Consolas" panose="020B0609020204030204" pitchFamily="49" charset="0"/>
+              </a:endParaRPr>
+            </a:p>
+            <a:p>
+              <a:r>
+                <a:rPr lang="en-SG" sz="1100">
+                  <a:latin typeface="Consolas" panose="020B0609020204030204" pitchFamily="49" charset="0"/>
+                </a:rPr>
+                <a:t>print(sample)</a:t>
+              </a:r>
+              <a:endParaRPr lang="en-SG" sz="1100" dirty="0">
+                <a:latin typeface="Consolas" panose="020B0609020204030204" pitchFamily="49" charset="0"/>
+              </a:endParaRPr>
+            </a:p>
+          </p:txBody>
+        </p:sp>
+      </p:grpSp>
+      <p:sp>
+        <p:nvSpPr>
+          <p:cNvPr id="5" name="TextBox 4">
+            <a:extLst>
+              <a:ext uri="{FF2B5EF4-FFF2-40B4-BE49-F238E27FC236}">
+                <a16:creationId xmlns:a16="http://schemas.microsoft.com/office/drawing/2014/main" id="{4F8A5F5C-5074-AF3C-6995-4610030E8571}"/>
+              </a:ext>
+            </a:extLst>
+          </p:cNvPr>
+          <p:cNvSpPr txBox="1"/>
+          <p:nvPr/>
+        </p:nvSpPr>
+        <p:spPr>
+          <a:xfrm>
+            <a:off x="9383486" y="82715"/>
+            <a:ext cx="2722563" cy="369332"/>
+          </a:xfrm>
+          <a:prstGeom prst="rect">
+            <a:avLst/>
+          </a:prstGeom>
+          <a:solidFill>
+            <a:schemeClr val="accent2"/>
+          </a:solidFill>
+        </p:spPr>
+        <p:txBody>
+          <a:bodyPr wrap="square" rtlCol="0">
+            <a:spAutoFit/>
+          </a:bodyPr>
+          <a:lstStyle/>
+          <a:p>
+            <a:pPr algn="ctr"/>
+            <a:r>
+              <a:rPr lang="en-GB"/>
+              <a:t>HARD</a:t>
+            </a:r>
+            <a:endParaRPr lang="en-SG"/>
+          </a:p>
+        </p:txBody>
+      </p:sp>
+    </p:spTree>
+    <p:extLst>
+      <p:ext uri="{BB962C8B-B14F-4D97-AF65-F5344CB8AC3E}">
+        <p14:creationId xmlns:p14="http://schemas.microsoft.com/office/powerpoint/2010/main" val="2147874072"/>
+      </p:ext>
+    </p:extLst>
+  </p:cSld>
+  <p:clrMapOvr>
+    <a:masterClrMapping/>
+  </p:clrMapOvr>
+</p:sld>
+</file>
+
+<file path=ppt/slides/slide61.xml><?xml version="1.0" encoding="utf-8"?>
+<p:sld xmlns:a="http://schemas.openxmlformats.org/drawingml/2006/main" xmlns:r="http://schemas.openxmlformats.org/officeDocument/2006/relationships" xmlns:p="http://schemas.openxmlformats.org/presentationml/2006/main">
+  <p:cSld>
+    <p:spTree>
+      <p:nvGrpSpPr>
+        <p:cNvPr id="1" name=""/>
+        <p:cNvGrpSpPr/>
+        <p:nvPr/>
+      </p:nvGrpSpPr>
+      <p:grpSpPr>
+        <a:xfrm>
+          <a:off x="0" y="0"/>
+          <a:ext cx="0" cy="0"/>
+          <a:chOff x="0" y="0"/>
+          <a:chExt cx="0" cy="0"/>
+        </a:xfrm>
+      </p:grpSpPr>
+      <p:grpSp>
+        <p:nvGrpSpPr>
+          <p:cNvPr id="7" name="Group 6">
+            <a:extLst>
+              <a:ext uri="{FF2B5EF4-FFF2-40B4-BE49-F238E27FC236}">
+                <a16:creationId xmlns:a16="http://schemas.microsoft.com/office/drawing/2014/main" id="{86194B2F-F8F6-B63B-68FD-52C906E4574F}"/>
+              </a:ext>
+            </a:extLst>
+          </p:cNvPr>
+          <p:cNvGrpSpPr/>
+          <p:nvPr/>
+        </p:nvGrpSpPr>
+        <p:grpSpPr>
+          <a:xfrm>
+            <a:off x="2858954" y="0"/>
+            <a:ext cx="6474092" cy="6858000"/>
+            <a:chOff x="2858954" y="0"/>
+            <a:chExt cx="6474092" cy="6858000"/>
+          </a:xfrm>
+        </p:grpSpPr>
+        <p:pic>
+          <p:nvPicPr>
+            <p:cNvPr id="3" name="Picture 2">
+              <a:extLst>
+                <a:ext uri="{FF2B5EF4-FFF2-40B4-BE49-F238E27FC236}">
+                  <a16:creationId xmlns:a16="http://schemas.microsoft.com/office/drawing/2014/main" id="{ACF23345-3FE9-06EF-80C9-59069A268CD9}"/>
+                </a:ext>
+              </a:extLst>
+            </p:cNvPr>
+            <p:cNvPicPr>
+              <a:picLocks noChangeAspect="1"/>
+            </p:cNvPicPr>
+            <p:nvPr/>
+          </p:nvPicPr>
+          <p:blipFill>
+            <a:blip r:embed="rId2"/>
+            <a:stretch>
+              <a:fillRect/>
+            </a:stretch>
+          </p:blipFill>
+          <p:spPr>
+            <a:xfrm>
+              <a:off x="2858954" y="0"/>
+              <a:ext cx="6474092" cy="6858000"/>
+            </a:xfrm>
+            <a:prstGeom prst="rect">
+              <a:avLst/>
+            </a:prstGeom>
+          </p:spPr>
+        </p:pic>
+        <p:sp>
+          <p:nvSpPr>
+            <p:cNvPr id="4" name="TextBox 3">
+              <a:extLst>
+                <a:ext uri="{FF2B5EF4-FFF2-40B4-BE49-F238E27FC236}">
+                  <a16:creationId xmlns:a16="http://schemas.microsoft.com/office/drawing/2014/main" id="{ED705085-DCDB-9768-2799-8C6184D517A0}"/>
+                </a:ext>
+              </a:extLst>
+            </p:cNvPr>
+            <p:cNvSpPr txBox="1"/>
+            <p:nvPr/>
+          </p:nvSpPr>
+          <p:spPr>
+            <a:xfrm>
+              <a:off x="3243316" y="1724539"/>
+              <a:ext cx="5070173" cy="1954381"/>
+            </a:xfrm>
+            <a:prstGeom prst="rect">
+              <a:avLst/>
+            </a:prstGeom>
+            <a:solidFill>
+              <a:srgbClr val="EFEBE4"/>
+            </a:solidFill>
+          </p:spPr>
+          <p:txBody>
+            <a:bodyPr wrap="square">
+              <a:spAutoFit/>
+            </a:bodyPr>
+            <a:lstStyle/>
+            <a:p>
+              <a:r>
+                <a:rPr lang="en-SG" sz="1100">
+                  <a:latin typeface="Consolas" panose="020B0609020204030204" pitchFamily="49" charset="0"/>
+                </a:rPr>
+                <a:t>boardgames = ['Gloomhaven', </a:t>
+              </a:r>
+            </a:p>
+            <a:p>
+              <a:r>
+                <a:rPr lang="en-SG" sz="1100">
+                  <a:latin typeface="Consolas" panose="020B0609020204030204" pitchFamily="49" charset="0"/>
+                </a:rPr>
+                <a:t>              'Pandemic Legacy: Season 1', </a:t>
+              </a:r>
+            </a:p>
+            <a:p>
+              <a:r>
+                <a:rPr lang="en-SG" sz="1100">
+                  <a:latin typeface="Consolas" panose="020B0609020204030204" pitchFamily="49" charset="0"/>
+                </a:rPr>
+                <a:t>              'Terraforming', </a:t>
+              </a:r>
+            </a:p>
+            <a:p>
+              <a:r>
+                <a:rPr lang="en-SG" sz="1100">
+                  <a:latin typeface="Consolas" panose="020B0609020204030204" pitchFamily="49" charset="0"/>
+                </a:rPr>
+                <a:t>              'Brass: Birmingham', </a:t>
+              </a:r>
+            </a:p>
+            <a:p>
+              <a:r>
+                <a:rPr lang="en-SG" sz="1100">
+                  <a:latin typeface="Consolas" panose="020B0609020204030204" pitchFamily="49" charset="0"/>
+                </a:rPr>
+                <a:t>              'Twilight Imperium']</a:t>
+              </a:r>
+            </a:p>
+            <a:p>
+              <a:r>
+                <a:rPr lang="en-SG" sz="1100">
+                  <a:latin typeface="Consolas" panose="020B0609020204030204" pitchFamily="49" charset="0"/>
+                </a:rPr>
+                <a:t>weights = np.array([8.85, 8.62, 8.43, 8.62, 8.69])</a:t>
+              </a:r>
+            </a:p>
+            <a:p>
+              <a:r>
+                <a:rPr lang="en-SG" sz="1100">
+                  <a:latin typeface="Consolas" panose="020B0609020204030204" pitchFamily="49" charset="0"/>
+                </a:rPr>
+                <a:t>norm_weights = weights/sum(weights)</a:t>
+              </a:r>
+            </a:p>
+            <a:p>
+              <a:endParaRPr lang="en-SG" sz="1100">
+                <a:latin typeface="Consolas" panose="020B0609020204030204" pitchFamily="49" charset="0"/>
+              </a:endParaRPr>
+            </a:p>
+            <a:p>
+              <a:r>
+                <a:rPr lang="en-SG" sz="1100">
+                  <a:latin typeface="Consolas" panose="020B0609020204030204" pitchFamily="49" charset="0"/>
+                </a:rPr>
+                <a:t>sample = </a:t>
+              </a:r>
+              <a:r>
+                <a:rPr lang="en-SG" sz="1100">
+                  <a:solidFill>
+                    <a:srgbClr val="FF0000"/>
+                  </a:solidFill>
+                  <a:latin typeface="Consolas" panose="020B0609020204030204" pitchFamily="49" charset="0"/>
+                </a:rPr>
+                <a:t>np.random.choice(boardgames, p=norm_weights, size=(3,))</a:t>
+              </a:r>
+            </a:p>
+            <a:p>
+              <a:r>
+                <a:rPr lang="en-SG" sz="1100">
+                  <a:latin typeface="Consolas" panose="020B0609020204030204" pitchFamily="49" charset="0"/>
+                </a:rPr>
+                <a:t>print(sample)</a:t>
+              </a:r>
+            </a:p>
+            <a:p>
+              <a:endParaRPr lang="en-SG" sz="1100" dirty="0">
+                <a:latin typeface="Consolas" panose="020B0609020204030204" pitchFamily="49" charset="0"/>
+              </a:endParaRPr>
+            </a:p>
+          </p:txBody>
+        </p:sp>
+        <p:sp>
+          <p:nvSpPr>
+            <p:cNvPr id="6" name="Rectangle 5">
+              <a:extLst>
+                <a:ext uri="{FF2B5EF4-FFF2-40B4-BE49-F238E27FC236}">
+                  <a16:creationId xmlns:a16="http://schemas.microsoft.com/office/drawing/2014/main" id="{AB774B6E-06A1-2B0A-2170-F15101ED00EE}"/>
+                </a:ext>
+              </a:extLst>
+            </p:cNvPr>
+            <p:cNvSpPr/>
+            <p:nvPr/>
+          </p:nvSpPr>
+          <p:spPr>
+            <a:xfrm>
+              <a:off x="3112316" y="5293453"/>
+              <a:ext cx="4219662" cy="369116"/>
+            </a:xfrm>
+            <a:prstGeom prst="rect">
+              <a:avLst/>
+            </a:prstGeom>
+            <a:noFill/>
+            <a:ln>
+              <a:solidFill>
+                <a:srgbClr val="FF0000"/>
+              </a:solidFill>
+            </a:ln>
+          </p:spPr>
+          <p:style>
+            <a:lnRef idx="2">
+              <a:schemeClr val="accent1">
+                <a:shade val="50000"/>
+              </a:schemeClr>
+            </a:lnRef>
+            <a:fillRef idx="1">
+              <a:schemeClr val="accent1"/>
+            </a:fillRef>
+            <a:effectRef idx="0">
+              <a:schemeClr val="accent1"/>
+            </a:effectRef>
+            <a:fontRef idx="minor">
+              <a:schemeClr val="lt1"/>
+            </a:fontRef>
+          </p:style>
+          <p:txBody>
+            <a:bodyPr rtlCol="0" anchor="ctr"/>
+            <a:lstStyle/>
+            <a:p>
+              <a:pPr algn="ctr"/>
+              <a:endParaRPr lang="en-SG"/>
+            </a:p>
+          </p:txBody>
+        </p:sp>
+      </p:grpSp>
+      <p:sp>
+        <p:nvSpPr>
+          <p:cNvPr id="8" name="TextBox 7">
+            <a:extLst>
+              <a:ext uri="{FF2B5EF4-FFF2-40B4-BE49-F238E27FC236}">
+                <a16:creationId xmlns:a16="http://schemas.microsoft.com/office/drawing/2014/main" id="{DF8B2AE8-4BCE-B521-0956-4E7DC74A7D2F}"/>
+              </a:ext>
+            </a:extLst>
+          </p:cNvPr>
+          <p:cNvSpPr txBox="1"/>
+          <p:nvPr/>
+        </p:nvSpPr>
+        <p:spPr>
+          <a:xfrm>
+            <a:off x="9383486" y="82715"/>
+            <a:ext cx="2722563" cy="369332"/>
+          </a:xfrm>
+          <a:prstGeom prst="rect">
+            <a:avLst/>
+          </a:prstGeom>
+          <a:solidFill>
+            <a:schemeClr val="accent2"/>
+          </a:solidFill>
+        </p:spPr>
+        <p:txBody>
+          <a:bodyPr wrap="square" rtlCol="0">
+            <a:spAutoFit/>
+          </a:bodyPr>
+          <a:lstStyle/>
+          <a:p>
+            <a:pPr algn="ctr"/>
+            <a:r>
+              <a:rPr lang="en-GB"/>
+              <a:t>HARD</a:t>
+            </a:r>
+            <a:endParaRPr lang="en-SG"/>
+          </a:p>
+        </p:txBody>
+      </p:sp>
+    </p:spTree>
+    <p:extLst>
+      <p:ext uri="{BB962C8B-B14F-4D97-AF65-F5344CB8AC3E}">
+        <p14:creationId xmlns:p14="http://schemas.microsoft.com/office/powerpoint/2010/main" val="245036861"/>
+      </p:ext>
+    </p:extLst>
+  </p:cSld>
+  <p:clrMapOvr>
+    <a:masterClrMapping/>
+  </p:clrMapOvr>
+</p:sld>
+</file>
+
+<file path=ppt/slides/slide62.xml><?xml version="1.0" encoding="utf-8"?>
+<p:sld xmlns:a="http://schemas.openxmlformats.org/drawingml/2006/main" xmlns:r="http://schemas.openxmlformats.org/officeDocument/2006/relationships" xmlns:p="http://schemas.openxmlformats.org/presentationml/2006/main">
+  <p:cSld>
+    <p:spTree>
+      <p:nvGrpSpPr>
+        <p:cNvPr id="1" name=""/>
+        <p:cNvGrpSpPr/>
+        <p:nvPr/>
+      </p:nvGrpSpPr>
+      <p:grpSpPr>
+        <a:xfrm>
+          <a:off x="0" y="0"/>
+          <a:ext cx="0" cy="0"/>
+          <a:chOff x="0" y="0"/>
+          <a:chExt cx="0" cy="0"/>
+        </a:xfrm>
+      </p:grpSpPr>
+      <p:grpSp>
+        <p:nvGrpSpPr>
+          <p:cNvPr id="9" name="Group 8">
+            <a:extLst>
+              <a:ext uri="{FF2B5EF4-FFF2-40B4-BE49-F238E27FC236}">
+                <a16:creationId xmlns:a16="http://schemas.microsoft.com/office/drawing/2014/main" id="{24167148-6AFD-D2A4-67BD-EF11C6BDC0D0}"/>
+              </a:ext>
+            </a:extLst>
+          </p:cNvPr>
+          <p:cNvGrpSpPr/>
+          <p:nvPr/>
+        </p:nvGrpSpPr>
+        <p:grpSpPr>
+          <a:xfrm>
+            <a:off x="2547937" y="900112"/>
+            <a:ext cx="7096125" cy="5057775"/>
+            <a:chOff x="2547937" y="900112"/>
+            <a:chExt cx="7096125" cy="5057775"/>
+          </a:xfrm>
+        </p:grpSpPr>
+        <p:pic>
+          <p:nvPicPr>
+            <p:cNvPr id="3" name="Picture 2">
+              <a:extLst>
+                <a:ext uri="{FF2B5EF4-FFF2-40B4-BE49-F238E27FC236}">
+                  <a16:creationId xmlns:a16="http://schemas.microsoft.com/office/drawing/2014/main" id="{DB77BBC8-110E-E4E9-5AD9-28B4012EB3C1}"/>
+                </a:ext>
+              </a:extLst>
+            </p:cNvPr>
+            <p:cNvPicPr>
+              <a:picLocks noChangeAspect="1"/>
+            </p:cNvPicPr>
+            <p:nvPr/>
+          </p:nvPicPr>
+          <p:blipFill>
+            <a:blip r:embed="rId2"/>
+            <a:stretch>
+              <a:fillRect/>
+            </a:stretch>
+          </p:blipFill>
+          <p:spPr>
+            <a:xfrm>
+              <a:off x="2547937" y="900112"/>
+              <a:ext cx="7096125" cy="5057775"/>
+            </a:xfrm>
+            <a:prstGeom prst="rect">
+              <a:avLst/>
+            </a:prstGeom>
+          </p:spPr>
+        </p:pic>
+        <p:sp>
+          <p:nvSpPr>
+            <p:cNvPr id="4" name="TextBox 3">
+              <a:extLst>
+                <a:ext uri="{FF2B5EF4-FFF2-40B4-BE49-F238E27FC236}">
+                  <a16:creationId xmlns:a16="http://schemas.microsoft.com/office/drawing/2014/main" id="{FEBD584B-3470-78F4-B447-320F6BB52970}"/>
+                </a:ext>
+              </a:extLst>
+            </p:cNvPr>
+            <p:cNvSpPr txBox="1"/>
+            <p:nvPr/>
+          </p:nvSpPr>
+          <p:spPr>
+            <a:xfrm>
+              <a:off x="2989489" y="2556297"/>
+              <a:ext cx="4255127" cy="938719"/>
+            </a:xfrm>
+            <a:prstGeom prst="rect">
+              <a:avLst/>
+            </a:prstGeom>
+            <a:solidFill>
+              <a:srgbClr val="EFEBE4"/>
+            </a:solidFill>
+          </p:spPr>
+          <p:txBody>
+            <a:bodyPr wrap="square">
+              <a:spAutoFit/>
+            </a:bodyPr>
+            <a:lstStyle/>
+            <a:p>
+              <a:r>
+                <a:rPr lang="en-SG" sz="1100">
+                  <a:latin typeface="Consolas" panose="020B0609020204030204" pitchFamily="49" charset="0"/>
+                </a:rPr>
+                <a:t>import numpy as np</a:t>
+              </a:r>
+            </a:p>
+            <a:p>
+              <a:endParaRPr lang="en-SG" sz="1100">
+                <a:latin typeface="Consolas" panose="020B0609020204030204" pitchFamily="49" charset="0"/>
+              </a:endParaRPr>
+            </a:p>
+            <a:p>
+              <a:r>
+                <a:rPr lang="en-SG" sz="1100">
+                  <a:latin typeface="Consolas" panose="020B0609020204030204" pitchFamily="49" charset="0"/>
+                </a:rPr>
+                <a:t>sample = np.</a:t>
+              </a:r>
+              <a:r>
+                <a:rPr lang="en-SG" sz="1100">
+                  <a:solidFill>
+                    <a:srgbClr val="FF0000"/>
+                  </a:solidFill>
+                  <a:latin typeface="Consolas" panose="020B0609020204030204" pitchFamily="49" charset="0"/>
+                </a:rPr>
+                <a:t>random.exponential(1/56,100000)</a:t>
+              </a:r>
+            </a:p>
+            <a:p>
+              <a:r>
+                <a:rPr lang="en-SG" sz="1100">
+                  <a:latin typeface="Consolas" panose="020B0609020204030204" pitchFamily="49" charset="0"/>
+                </a:rPr>
+                <a:t>print(sample)</a:t>
+              </a:r>
+            </a:p>
+            <a:p>
+              <a:endParaRPr lang="en-SG" sz="1100" dirty="0">
+                <a:latin typeface="Consolas" panose="020B0609020204030204" pitchFamily="49" charset="0"/>
+              </a:endParaRPr>
+            </a:p>
+          </p:txBody>
+        </p:sp>
+        <p:sp>
+          <p:nvSpPr>
+            <p:cNvPr id="8" name="Rectangle 7">
+              <a:extLst>
+                <a:ext uri="{FF2B5EF4-FFF2-40B4-BE49-F238E27FC236}">
+                  <a16:creationId xmlns:a16="http://schemas.microsoft.com/office/drawing/2014/main" id="{4D8FC83C-A138-45E0-3E96-73DD83D3732E}"/>
+                </a:ext>
+              </a:extLst>
+            </p:cNvPr>
+            <p:cNvSpPr/>
+            <p:nvPr/>
+          </p:nvSpPr>
+          <p:spPr>
+            <a:xfrm>
+              <a:off x="5368705" y="3711921"/>
+              <a:ext cx="2661719" cy="443620"/>
+            </a:xfrm>
+            <a:prstGeom prst="rect">
+              <a:avLst/>
+            </a:prstGeom>
+            <a:noFill/>
+            <a:ln>
+              <a:solidFill>
+                <a:srgbClr val="FF0000"/>
+              </a:solidFill>
+            </a:ln>
+          </p:spPr>
+          <p:style>
+            <a:lnRef idx="2">
+              <a:schemeClr val="accent1">
+                <a:shade val="50000"/>
+              </a:schemeClr>
+            </a:lnRef>
+            <a:fillRef idx="1">
+              <a:schemeClr val="accent1"/>
+            </a:fillRef>
+            <a:effectRef idx="0">
+              <a:schemeClr val="accent1"/>
+            </a:effectRef>
+            <a:fontRef idx="minor">
+              <a:schemeClr val="lt1"/>
+            </a:fontRef>
+          </p:style>
+          <p:txBody>
+            <a:bodyPr rtlCol="0" anchor="ctr"/>
+            <a:lstStyle/>
+            <a:p>
+              <a:pPr algn="ctr"/>
+              <a:endParaRPr lang="en-SG"/>
+            </a:p>
+          </p:txBody>
+        </p:sp>
+      </p:grpSp>
+      <p:sp>
+        <p:nvSpPr>
+          <p:cNvPr id="10" name="TextBox 9">
+            <a:extLst>
+              <a:ext uri="{FF2B5EF4-FFF2-40B4-BE49-F238E27FC236}">
+                <a16:creationId xmlns:a16="http://schemas.microsoft.com/office/drawing/2014/main" id="{59A5B55B-002E-1FC3-08DC-4154411A3B17}"/>
+              </a:ext>
+            </a:extLst>
+          </p:cNvPr>
+          <p:cNvSpPr txBox="1"/>
+          <p:nvPr/>
+        </p:nvSpPr>
+        <p:spPr>
+          <a:xfrm>
+            <a:off x="9383486" y="82715"/>
+            <a:ext cx="2722563" cy="369332"/>
+          </a:xfrm>
+          <a:prstGeom prst="rect">
+            <a:avLst/>
+          </a:prstGeom>
+          <a:solidFill>
+            <a:schemeClr val="accent2"/>
+          </a:solidFill>
+        </p:spPr>
+        <p:txBody>
+          <a:bodyPr wrap="square" rtlCol="0">
+            <a:spAutoFit/>
+          </a:bodyPr>
+          <a:lstStyle/>
+          <a:p>
+            <a:pPr algn="ctr"/>
+            <a:r>
+              <a:rPr lang="en-GB"/>
+              <a:t>HARD</a:t>
+            </a:r>
+            <a:endParaRPr lang="en-SG"/>
+          </a:p>
+        </p:txBody>
+      </p:sp>
+    </p:spTree>
+    <p:extLst>
+      <p:ext uri="{BB962C8B-B14F-4D97-AF65-F5344CB8AC3E}">
+        <p14:creationId xmlns:p14="http://schemas.microsoft.com/office/powerpoint/2010/main" val="58720897"/>
+      </p:ext>
+    </p:extLst>
+  </p:cSld>
+  <p:clrMapOvr>
+    <a:masterClrMapping/>
+  </p:clrMapOvr>
+</p:sld>
+</file>
+
+<file path=ppt/slides/slide63.xml><?xml version="1.0" encoding="utf-8"?>
+<p:sld xmlns:a="http://schemas.openxmlformats.org/drawingml/2006/main" xmlns:r="http://schemas.openxmlformats.org/officeDocument/2006/relationships" xmlns:p="http://schemas.openxmlformats.org/presentationml/2006/main">
+  <p:cSld>
+    <p:spTree>
+      <p:nvGrpSpPr>
+        <p:cNvPr id="1" name=""/>
+        <p:cNvGrpSpPr/>
+        <p:nvPr/>
+      </p:nvGrpSpPr>
+      <p:grpSpPr>
+        <a:xfrm>
+          <a:off x="0" y="0"/>
+          <a:ext cx="0" cy="0"/>
+          <a:chOff x="0" y="0"/>
+          <a:chExt cx="0" cy="0"/>
+        </a:xfrm>
+      </p:grpSpPr>
+      <p:grpSp>
+        <p:nvGrpSpPr>
+          <p:cNvPr id="6" name="Group 5">
+            <a:extLst>
+              <a:ext uri="{FF2B5EF4-FFF2-40B4-BE49-F238E27FC236}">
+                <a16:creationId xmlns:a16="http://schemas.microsoft.com/office/drawing/2014/main" id="{A3C0E029-5F1A-5FD9-F5A1-B263685BEBE8}"/>
+              </a:ext>
+            </a:extLst>
+          </p:cNvPr>
+          <p:cNvGrpSpPr/>
+          <p:nvPr/>
+        </p:nvGrpSpPr>
+        <p:grpSpPr>
+          <a:xfrm>
+            <a:off x="2547937" y="785812"/>
+            <a:ext cx="7096125" cy="5286375"/>
+            <a:chOff x="2547937" y="785812"/>
+            <a:chExt cx="7096125" cy="5286375"/>
+          </a:xfrm>
+        </p:grpSpPr>
+        <p:pic>
+          <p:nvPicPr>
+            <p:cNvPr id="3" name="Picture 2">
+              <a:extLst>
+                <a:ext uri="{FF2B5EF4-FFF2-40B4-BE49-F238E27FC236}">
+                  <a16:creationId xmlns:a16="http://schemas.microsoft.com/office/drawing/2014/main" id="{B910A936-D0DB-F17B-FC4B-CA7DAB1033AE}"/>
+                </a:ext>
+              </a:extLst>
+            </p:cNvPr>
+            <p:cNvPicPr>
+              <a:picLocks noChangeAspect="1"/>
+            </p:cNvPicPr>
+            <p:nvPr/>
+          </p:nvPicPr>
+          <p:blipFill>
+            <a:blip r:embed="rId2"/>
+            <a:stretch>
+              <a:fillRect/>
+            </a:stretch>
+          </p:blipFill>
+          <p:spPr>
+            <a:xfrm>
+              <a:off x="2547937" y="785812"/>
+              <a:ext cx="7096125" cy="5286375"/>
+            </a:xfrm>
+            <a:prstGeom prst="rect">
+              <a:avLst/>
+            </a:prstGeom>
+          </p:spPr>
+        </p:pic>
+        <p:sp>
+          <p:nvSpPr>
+            <p:cNvPr id="4" name="TextBox 3">
+              <a:extLst>
+                <a:ext uri="{FF2B5EF4-FFF2-40B4-BE49-F238E27FC236}">
+                  <a16:creationId xmlns:a16="http://schemas.microsoft.com/office/drawing/2014/main" id="{F5E41A84-CE94-37C1-20F3-D36E662F2FA2}"/>
+                </a:ext>
+              </a:extLst>
+            </p:cNvPr>
+            <p:cNvSpPr txBox="1"/>
+            <p:nvPr/>
+          </p:nvSpPr>
+          <p:spPr>
+            <a:xfrm>
+              <a:off x="2989487" y="3199089"/>
+              <a:ext cx="4255127" cy="1446550"/>
+            </a:xfrm>
+            <a:prstGeom prst="rect">
+              <a:avLst/>
+            </a:prstGeom>
+            <a:solidFill>
+              <a:srgbClr val="EFEBE4"/>
+            </a:solidFill>
+          </p:spPr>
+          <p:txBody>
+            <a:bodyPr wrap="square">
+              <a:spAutoFit/>
+            </a:bodyPr>
+            <a:lstStyle/>
+            <a:p>
+              <a:endParaRPr lang="en-SG" sz="1100">
+                <a:latin typeface="Consolas" panose="020B0609020204030204" pitchFamily="49" charset="0"/>
+              </a:endParaRPr>
+            </a:p>
+            <a:p>
+              <a:r>
+                <a:rPr lang="en-SG" sz="1100">
+                  <a:latin typeface="Consolas" panose="020B0609020204030204" pitchFamily="49" charset="0"/>
+                </a:rPr>
+                <a:t>from scipy.stats import norm</a:t>
+              </a:r>
+            </a:p>
+            <a:p>
+              <a:endParaRPr lang="en-SG" sz="1100">
+                <a:latin typeface="Consolas" panose="020B0609020204030204" pitchFamily="49" charset="0"/>
+              </a:endParaRPr>
+            </a:p>
+            <a:p>
+              <a:r>
+                <a:rPr lang="en-SG" sz="1100">
+                  <a:latin typeface="Consolas" panose="020B0609020204030204" pitchFamily="49" charset="0"/>
+                </a:rPr>
+                <a:t>prob = norm.cdf(</a:t>
+              </a:r>
+              <a:r>
+                <a:rPr lang="en-SG" sz="1100">
+                  <a:solidFill>
+                    <a:srgbClr val="FF0000"/>
+                  </a:solidFill>
+                  <a:latin typeface="Consolas" panose="020B0609020204030204" pitchFamily="49" charset="0"/>
+                </a:rPr>
+                <a:t>180</a:t>
+              </a:r>
+              <a:r>
+                <a:rPr lang="en-SG" sz="1100">
+                  <a:latin typeface="Consolas" panose="020B0609020204030204" pitchFamily="49" charset="0"/>
+                </a:rPr>
+                <a:t>, 170, 10) </a:t>
+              </a:r>
+              <a:r>
+                <a:rPr lang="en-SG" sz="1100" b="1">
+                  <a:solidFill>
+                    <a:srgbClr val="FF0000"/>
+                  </a:solidFill>
+                  <a:latin typeface="Consolas" panose="020B0609020204030204" pitchFamily="49" charset="0"/>
+                </a:rPr>
+                <a:t>-</a:t>
+              </a:r>
+              <a:r>
+                <a:rPr lang="en-SG" sz="1100">
+                  <a:latin typeface="Consolas" panose="020B0609020204030204" pitchFamily="49" charset="0"/>
+                </a:rPr>
+                <a:t>\</a:t>
+              </a:r>
+            </a:p>
+            <a:p>
+              <a:r>
+                <a:rPr lang="en-SG" sz="1100">
+                  <a:latin typeface="Consolas" panose="020B0609020204030204" pitchFamily="49" charset="0"/>
+                </a:rPr>
+                <a:t>       norm.cdf(</a:t>
+              </a:r>
+              <a:r>
+                <a:rPr lang="en-SG" sz="1100">
+                  <a:solidFill>
+                    <a:srgbClr val="FF0000"/>
+                  </a:solidFill>
+                  <a:latin typeface="Consolas" panose="020B0609020204030204" pitchFamily="49" charset="0"/>
+                </a:rPr>
+                <a:t>160</a:t>
+              </a:r>
+              <a:r>
+                <a:rPr lang="en-SG" sz="1100">
+                  <a:latin typeface="Consolas" panose="020B0609020204030204" pitchFamily="49" charset="0"/>
+                </a:rPr>
+                <a:t>, 170, 10)</a:t>
+              </a:r>
+            </a:p>
+            <a:p>
+              <a:endParaRPr lang="en-SG" sz="1100">
+                <a:latin typeface="Consolas" panose="020B0609020204030204" pitchFamily="49" charset="0"/>
+              </a:endParaRPr>
+            </a:p>
+            <a:p>
+              <a:r>
+                <a:rPr lang="en-SG" sz="1100">
+                  <a:latin typeface="Consolas" panose="020B0609020204030204" pitchFamily="49" charset="0"/>
+                </a:rPr>
+                <a:t>print(prob)</a:t>
+              </a:r>
+            </a:p>
+            <a:p>
+              <a:endParaRPr lang="en-SG" sz="1100" dirty="0">
+                <a:latin typeface="Consolas" panose="020B0609020204030204" pitchFamily="49" charset="0"/>
+              </a:endParaRPr>
+            </a:p>
+          </p:txBody>
+        </p:sp>
+      </p:grpSp>
+      <p:sp>
+        <p:nvSpPr>
+          <p:cNvPr id="7" name="TextBox 6">
+            <a:extLst>
+              <a:ext uri="{FF2B5EF4-FFF2-40B4-BE49-F238E27FC236}">
+                <a16:creationId xmlns:a16="http://schemas.microsoft.com/office/drawing/2014/main" id="{E00A3659-49CF-6ABB-8613-9AA7B1D388C3}"/>
+              </a:ext>
+            </a:extLst>
+          </p:cNvPr>
+          <p:cNvSpPr txBox="1"/>
+          <p:nvPr/>
+        </p:nvSpPr>
+        <p:spPr>
+          <a:xfrm>
+            <a:off x="9383486" y="82715"/>
+            <a:ext cx="2722563" cy="369332"/>
+          </a:xfrm>
+          <a:prstGeom prst="rect">
+            <a:avLst/>
+          </a:prstGeom>
+          <a:solidFill>
+            <a:schemeClr val="accent2"/>
+          </a:solidFill>
+        </p:spPr>
+        <p:txBody>
+          <a:bodyPr wrap="square" rtlCol="0">
+            <a:spAutoFit/>
+          </a:bodyPr>
+          <a:lstStyle/>
+          <a:p>
+            <a:pPr algn="ctr"/>
+            <a:r>
+              <a:rPr lang="en-GB"/>
+              <a:t>HARD</a:t>
+            </a:r>
+            <a:endParaRPr lang="en-SG"/>
+          </a:p>
+        </p:txBody>
+      </p:sp>
+    </p:spTree>
+    <p:extLst>
+      <p:ext uri="{BB962C8B-B14F-4D97-AF65-F5344CB8AC3E}">
+        <p14:creationId xmlns:p14="http://schemas.microsoft.com/office/powerpoint/2010/main" val="3103213600"/>
+      </p:ext>
+    </p:extLst>
+  </p:cSld>
+  <p:clrMapOvr>
+    <a:masterClrMapping/>
+  </p:clrMapOvr>
+</p:sld>
+</file>
+
+<file path=ppt/slides/slide64.xml><?xml version="1.0" encoding="utf-8"?>
+<p:sld xmlns:a="http://schemas.openxmlformats.org/drawingml/2006/main" xmlns:r="http://schemas.openxmlformats.org/officeDocument/2006/relationships" xmlns:p="http://schemas.openxmlformats.org/presentationml/2006/main">
+  <p:cSld>
+    <p:spTree>
+      <p:nvGrpSpPr>
+        <p:cNvPr id="1" name=""/>
+        <p:cNvGrpSpPr/>
+        <p:nvPr/>
+      </p:nvGrpSpPr>
+      <p:grpSpPr>
+        <a:xfrm>
+          <a:off x="0" y="0"/>
+          <a:ext cx="0" cy="0"/>
+          <a:chOff x="0" y="0"/>
+          <a:chExt cx="0" cy="0"/>
+        </a:xfrm>
+      </p:grpSpPr>
+      <p:pic>
+        <p:nvPicPr>
+          <p:cNvPr id="5" name="Picture 4">
+            <a:extLst>
+              <a:ext uri="{FF2B5EF4-FFF2-40B4-BE49-F238E27FC236}">
+                <a16:creationId xmlns:a16="http://schemas.microsoft.com/office/drawing/2014/main" id="{275DE9DD-4B9B-BA42-9792-01AA15FA9997}"/>
+              </a:ext>
+            </a:extLst>
+          </p:cNvPr>
+          <p:cNvPicPr>
+            <a:picLocks noChangeAspect="1"/>
+          </p:cNvPicPr>
+          <p:nvPr/>
+        </p:nvPicPr>
+        <p:blipFill>
+          <a:blip r:embed="rId2"/>
+          <a:stretch>
+            <a:fillRect/>
+          </a:stretch>
+        </p:blipFill>
+        <p:spPr>
+          <a:xfrm>
+            <a:off x="6580178" y="1083666"/>
+            <a:ext cx="5281506" cy="4838962"/>
+          </a:xfrm>
+          <a:prstGeom prst="rect">
+            <a:avLst/>
+          </a:prstGeom>
+        </p:spPr>
+      </p:pic>
+      <p:grpSp>
+        <p:nvGrpSpPr>
+          <p:cNvPr id="8" name="Group 7">
+            <a:extLst>
+              <a:ext uri="{FF2B5EF4-FFF2-40B4-BE49-F238E27FC236}">
+                <a16:creationId xmlns:a16="http://schemas.microsoft.com/office/drawing/2014/main" id="{E5DD3740-A6C9-F01C-1D00-F1477C4F8E93}"/>
+              </a:ext>
+            </a:extLst>
+          </p:cNvPr>
+          <p:cNvGrpSpPr/>
+          <p:nvPr/>
+        </p:nvGrpSpPr>
+        <p:grpSpPr>
+          <a:xfrm>
+            <a:off x="436228" y="935767"/>
+            <a:ext cx="5897460" cy="3430072"/>
+            <a:chOff x="436228" y="935767"/>
+            <a:chExt cx="5897460" cy="3430072"/>
+          </a:xfrm>
+        </p:grpSpPr>
+        <p:pic>
+          <p:nvPicPr>
+            <p:cNvPr id="3" name="Picture 2">
+              <a:extLst>
+                <a:ext uri="{FF2B5EF4-FFF2-40B4-BE49-F238E27FC236}">
+                  <a16:creationId xmlns:a16="http://schemas.microsoft.com/office/drawing/2014/main" id="{008D81B4-95DE-34F6-D39C-83542E7EB609}"/>
+                </a:ext>
+              </a:extLst>
+            </p:cNvPr>
+            <p:cNvPicPr>
+              <a:picLocks noChangeAspect="1"/>
+            </p:cNvPicPr>
+            <p:nvPr/>
+          </p:nvPicPr>
+          <p:blipFill>
+            <a:blip r:embed="rId3"/>
+            <a:stretch>
+              <a:fillRect/>
+            </a:stretch>
+          </p:blipFill>
+          <p:spPr>
+            <a:xfrm>
+              <a:off x="436228" y="935767"/>
+              <a:ext cx="5897460" cy="3430072"/>
+            </a:xfrm>
+            <a:prstGeom prst="rect">
+              <a:avLst/>
+            </a:prstGeom>
+          </p:spPr>
+        </p:pic>
+        <p:sp>
+          <p:nvSpPr>
+            <p:cNvPr id="6" name="TextBox 5">
+              <a:extLst>
+                <a:ext uri="{FF2B5EF4-FFF2-40B4-BE49-F238E27FC236}">
+                  <a16:creationId xmlns:a16="http://schemas.microsoft.com/office/drawing/2014/main" id="{83F2472D-9123-D087-0000-D4B937881657}"/>
+                </a:ext>
+              </a:extLst>
+            </p:cNvPr>
+            <p:cNvSpPr txBox="1"/>
+            <p:nvPr/>
+          </p:nvSpPr>
+          <p:spPr>
+            <a:xfrm>
+              <a:off x="762335" y="2809791"/>
+              <a:ext cx="4255127" cy="1107996"/>
+            </a:xfrm>
+            <a:prstGeom prst="rect">
+              <a:avLst/>
+            </a:prstGeom>
+            <a:solidFill>
+              <a:srgbClr val="EFEBE4"/>
+            </a:solidFill>
+          </p:spPr>
+          <p:txBody>
+            <a:bodyPr wrap="square">
+              <a:spAutoFit/>
+            </a:bodyPr>
+            <a:lstStyle/>
+            <a:p>
+              <a:r>
+                <a:rPr lang="en-SG" sz="1100">
+                  <a:latin typeface="Consolas" panose="020B0609020204030204" pitchFamily="49" charset="0"/>
+                </a:rPr>
+                <a:t>import matplotlib.pyplot as plt</a:t>
+              </a:r>
+            </a:p>
+            <a:p>
+              <a:r>
+                <a:rPr lang="en-SG" sz="1100">
+                  <a:latin typeface="Consolas" panose="020B0609020204030204" pitchFamily="49" charset="0"/>
+                </a:rPr>
+                <a:t>import seaborn as sns</a:t>
+              </a:r>
+            </a:p>
+            <a:p>
+              <a:endParaRPr lang="en-SG" sz="1100">
+                <a:latin typeface="Consolas" panose="020B0609020204030204" pitchFamily="49" charset="0"/>
+              </a:endParaRPr>
+            </a:p>
+            <a:p>
+              <a:r>
+                <a:rPr lang="en-SG" sz="1100">
+                  <a:latin typeface="Consolas" panose="020B0609020204030204" pitchFamily="49" charset="0"/>
+                </a:rPr>
+                <a:t>sns.histplot(</a:t>
+              </a:r>
+              <a:r>
+                <a:rPr lang="en-SG" sz="1100">
+                  <a:solidFill>
+                    <a:srgbClr val="FF0000"/>
+                  </a:solidFill>
+                  <a:latin typeface="Consolas" panose="020B0609020204030204" pitchFamily="49" charset="0"/>
+                </a:rPr>
+                <a:t>stars['temp']</a:t>
+              </a:r>
+              <a:r>
+                <a:rPr lang="en-SG" sz="1100">
+                  <a:latin typeface="Consolas" panose="020B0609020204030204" pitchFamily="49" charset="0"/>
+                </a:rPr>
+                <a:t>, kde=False, </a:t>
+              </a:r>
+              <a:r>
+                <a:rPr lang="en-SG" sz="1100">
+                  <a:solidFill>
+                    <a:srgbClr val="FF0000"/>
+                  </a:solidFill>
+                  <a:latin typeface="Consolas" panose="020B0609020204030204" pitchFamily="49" charset="0"/>
+                </a:rPr>
+                <a:t>bins=10</a:t>
+              </a:r>
+              <a:r>
+                <a:rPr lang="en-SG" sz="1100">
+                  <a:latin typeface="Consolas" panose="020B0609020204030204" pitchFamily="49" charset="0"/>
+                </a:rPr>
+                <a:t>)</a:t>
+              </a:r>
+            </a:p>
+            <a:p>
+              <a:endParaRPr lang="en-SG" sz="1100">
+                <a:latin typeface="Consolas" panose="020B0609020204030204" pitchFamily="49" charset="0"/>
+              </a:endParaRPr>
+            </a:p>
+            <a:p>
+              <a:r>
+                <a:rPr lang="en-SG" sz="1100">
+                  <a:latin typeface="Consolas" panose="020B0609020204030204" pitchFamily="49" charset="0"/>
+                </a:rPr>
+                <a:t>plt.show()</a:t>
+              </a:r>
+              <a:endParaRPr lang="en-SG" sz="1100" dirty="0">
+                <a:latin typeface="Consolas" panose="020B0609020204030204" pitchFamily="49" charset="0"/>
+              </a:endParaRPr>
+            </a:p>
+          </p:txBody>
+        </p:sp>
+      </p:grpSp>
+      <p:sp>
+        <p:nvSpPr>
+          <p:cNvPr id="9" name="TextBox 8">
+            <a:extLst>
+              <a:ext uri="{FF2B5EF4-FFF2-40B4-BE49-F238E27FC236}">
+                <a16:creationId xmlns:a16="http://schemas.microsoft.com/office/drawing/2014/main" id="{9213C084-3009-B25F-932D-E885DB468496}"/>
+              </a:ext>
+            </a:extLst>
+          </p:cNvPr>
+          <p:cNvSpPr txBox="1"/>
+          <p:nvPr/>
+        </p:nvSpPr>
+        <p:spPr>
+          <a:xfrm>
+            <a:off x="9383486" y="82715"/>
+            <a:ext cx="2722563" cy="369332"/>
+          </a:xfrm>
+          <a:prstGeom prst="rect">
+            <a:avLst/>
+          </a:prstGeom>
+          <a:solidFill>
+            <a:schemeClr val="accent2"/>
+          </a:solidFill>
+        </p:spPr>
+        <p:txBody>
+          <a:bodyPr wrap="square" rtlCol="0">
+            <a:spAutoFit/>
+          </a:bodyPr>
+          <a:lstStyle/>
+          <a:p>
+            <a:pPr algn="ctr"/>
+            <a:r>
+              <a:rPr lang="en-GB"/>
+              <a:t>HARD</a:t>
+            </a:r>
+            <a:endParaRPr lang="en-SG"/>
+          </a:p>
+        </p:txBody>
+      </p:sp>
+    </p:spTree>
+    <p:extLst>
+      <p:ext uri="{BB962C8B-B14F-4D97-AF65-F5344CB8AC3E}">
+        <p14:creationId xmlns:p14="http://schemas.microsoft.com/office/powerpoint/2010/main" val="317442140"/>
+      </p:ext>
+    </p:extLst>
+  </p:cSld>
+  <p:clrMapOvr>
+    <a:masterClrMapping/>
+  </p:clrMapOvr>
+</p:sld>
+</file>
+
+<file path=ppt/slides/slide65.xml><?xml version="1.0" encoding="utf-8"?>
+<p:sld xmlns:a="http://schemas.openxmlformats.org/drawingml/2006/main" xmlns:r="http://schemas.openxmlformats.org/officeDocument/2006/relationships" xmlns:p="http://schemas.openxmlformats.org/presentationml/2006/main">
+  <p:cSld>
+    <p:spTree>
+      <p:nvGrpSpPr>
+        <p:cNvPr id="1" name=""/>
+        <p:cNvGrpSpPr/>
+        <p:nvPr/>
+      </p:nvGrpSpPr>
+      <p:grpSpPr>
+        <a:xfrm>
+          <a:off x="0" y="0"/>
+          <a:ext cx="0" cy="0"/>
+          <a:chOff x="0" y="0"/>
+          <a:chExt cx="0" cy="0"/>
+        </a:xfrm>
+      </p:grpSpPr>
+    </p:spTree>
+    <p:extLst>
+      <p:ext uri="{BB962C8B-B14F-4D97-AF65-F5344CB8AC3E}">
+        <p14:creationId xmlns:p14="http://schemas.microsoft.com/office/powerpoint/2010/main" val="3245335692"/>
+      </p:ext>
+    </p:extLst>
+  </p:cSld>
+  <p:clrMapOvr>
+    <a:masterClrMapping/>
+  </p:clrMapOvr>
+</p:sld>
+</file>
+
+<file path=ppt/slides/slide66.xml><?xml version="1.0" encoding="utf-8"?>
+<p:sld xmlns:a="http://schemas.openxmlformats.org/drawingml/2006/main" xmlns:r="http://schemas.openxmlformats.org/officeDocument/2006/relationships" xmlns:p="http://schemas.openxmlformats.org/presentationml/2006/main">
+  <p:cSld>
+    <p:spTree>
+      <p:nvGrpSpPr>
+        <p:cNvPr id="1" name=""/>
+        <p:cNvGrpSpPr/>
+        <p:nvPr/>
+      </p:nvGrpSpPr>
+      <p:grpSpPr>
+        <a:xfrm>
+          <a:off x="0" y="0"/>
+          <a:ext cx="0" cy="0"/>
+          <a:chOff x="0" y="0"/>
+          <a:chExt cx="0" cy="0"/>
+        </a:xfrm>
+      </p:grpSpPr>
+    </p:spTree>
+    <p:extLst>
+      <p:ext uri="{BB962C8B-B14F-4D97-AF65-F5344CB8AC3E}">
+        <p14:creationId xmlns:p14="http://schemas.microsoft.com/office/powerpoint/2010/main" val="841858640"/>
+      </p:ext>
+    </p:extLst>
+  </p:cSld>
+  <p:clrMapOvr>
+    <a:masterClrMapping/>
+  </p:clrMapOvr>
+</p:sld>
+</file>
+
+<file path=ppt/slides/slide67.xml><?xml version="1.0" encoding="utf-8"?>
+<p:sld xmlns:a="http://schemas.openxmlformats.org/drawingml/2006/main" xmlns:r="http://schemas.openxmlformats.org/officeDocument/2006/relationships" xmlns:p="http://schemas.openxmlformats.org/presentationml/2006/main">
+  <p:cSld>
+    <p:spTree>
+      <p:nvGrpSpPr>
+        <p:cNvPr id="1" name=""/>
+        <p:cNvGrpSpPr/>
+        <p:nvPr/>
+      </p:nvGrpSpPr>
+      <p:grpSpPr>
+        <a:xfrm>
+          <a:off x="0" y="0"/>
+          <a:ext cx="0" cy="0"/>
+          <a:chOff x="0" y="0"/>
+          <a:chExt cx="0" cy="0"/>
+        </a:xfrm>
+      </p:grpSpPr>
+    </p:spTree>
+    <p:extLst>
+      <p:ext uri="{BB962C8B-B14F-4D97-AF65-F5344CB8AC3E}">
+        <p14:creationId xmlns:p14="http://schemas.microsoft.com/office/powerpoint/2010/main" val="703717533"/>
+      </p:ext>
+    </p:extLst>
+  </p:cSld>
+  <p:clrMapOvr>
+    <a:masterClrMapping/>
+  </p:clrMapOvr>
+</p:sld>
+</file>
+
+<file path=ppt/slides/slide68.xml><?xml version="1.0" encoding="utf-8"?>
+<p:sld xmlns:a="http://schemas.openxmlformats.org/drawingml/2006/main" xmlns:r="http://schemas.openxmlformats.org/officeDocument/2006/relationships" xmlns:p="http://schemas.openxmlformats.org/presentationml/2006/main">
+  <p:cSld>
+    <p:spTree>
+      <p:nvGrpSpPr>
+        <p:cNvPr id="1" name=""/>
+        <p:cNvGrpSpPr/>
+        <p:nvPr/>
+      </p:nvGrpSpPr>
+      <p:grpSpPr>
+        <a:xfrm>
+          <a:off x="0" y="0"/>
+          <a:ext cx="0" cy="0"/>
+          <a:chOff x="0" y="0"/>
+          <a:chExt cx="0" cy="0"/>
+        </a:xfrm>
+      </p:grpSpPr>
+    </p:spTree>
+    <p:extLst>
+      <p:ext uri="{BB962C8B-B14F-4D97-AF65-F5344CB8AC3E}">
+        <p14:creationId xmlns:p14="http://schemas.microsoft.com/office/powerpoint/2010/main" val="1692456195"/>
       </p:ext>
     </p:extLst>
   </p:cSld>
@@ -14500,9 +18054,7 @@
               <a:avLst/>
             </a:prstGeom>
             <a:solidFill>
-              <a:schemeClr val="bg1">
-                <a:lumMod val="95000"/>
-              </a:schemeClr>
+              <a:srgbClr val="EFEBE4"/>
             </a:solidFill>
           </p:spPr>
           <p:txBody>
@@ -14680,7 +18232,7 @@
         </p:nvGrpSpPr>
         <p:grpSpPr>
           <a:xfrm>
-            <a:off x="438793" y="300843"/>
+            <a:off x="438793" y="401511"/>
             <a:ext cx="5657207" cy="4443865"/>
             <a:chOff x="297906" y="329871"/>
             <a:chExt cx="5657207" cy="4443865"/>
@@ -14737,9 +18289,7 @@
               <a:avLst/>
             </a:prstGeom>
             <a:solidFill>
-              <a:schemeClr val="bg1">
-                <a:lumMod val="95000"/>
-              </a:schemeClr>
+              <a:srgbClr val="EFEBE4"/>
             </a:solidFill>
           </p:spPr>
           <p:txBody>
@@ -14974,9 +18524,7 @@
               <a:avLst/>
             </a:prstGeom>
             <a:solidFill>
-              <a:schemeClr val="bg1">
-                <a:lumMod val="95000"/>
-              </a:schemeClr>
+              <a:srgbClr val="EFEBE4"/>
             </a:solidFill>
           </p:spPr>
           <p:txBody>
@@ -15037,53 +18585,35 @@
             </a:p>
             <a:p>
               <a:r>
-                <a:rPr lang="en-SG" sz="1100" dirty="0" err="1">
+                <a:rPr lang="en-SG" sz="1100">
                   <a:solidFill>
                     <a:srgbClr val="FF0000"/>
                   </a:solidFill>
                   <a:latin typeface="Consolas" panose="020B0609020204030204" pitchFamily="49" charset="0"/>
                 </a:rPr>
-                <a:t>ax</a:t>
-              </a:r>
-              <a:r>
-                <a:rPr lang="en-SG" sz="1100" dirty="0">
-                  <a:solidFill>
-                    <a:srgbClr val="FF0000"/>
-                  </a:solidFill>
-                  <a:latin typeface="Consolas" panose="020B0609020204030204" pitchFamily="49" charset="0"/>
-                </a:rPr>
-                <a:t> = </a:t>
+                <a:t>ax = sns.violinplot(x='airline', y='delay', data=arrivals)</a:t>
+              </a:r>
+              <a:endParaRPr lang="en-SG" sz="1100" dirty="0">
+                <a:latin typeface="Consolas" panose="020B0609020204030204" pitchFamily="49" charset="0"/>
+              </a:endParaRPr>
+            </a:p>
+            <a:p>
+              <a:endParaRPr lang="en-SG" sz="1100">
+                <a:latin typeface="Consolas" panose="020B0609020204030204" pitchFamily="49" charset="0"/>
+              </a:endParaRPr>
+            </a:p>
+            <a:p>
+              <a:r>
+                <a:rPr lang="en-SG" sz="1100">
+                  <a:latin typeface="Consolas" panose="020B0609020204030204" pitchFamily="49" charset="0"/>
+                </a:rPr>
+                <a:t>plt</a:t>
               </a:r>
               <a:r>
                 <a:rPr lang="en-SG" sz="1100" dirty="0" err="1">
-                  <a:solidFill>
-                    <a:srgbClr val="FF0000"/>
-                  </a:solidFill>
-                  <a:latin typeface="Consolas" panose="020B0609020204030204" pitchFamily="49" charset="0"/>
-                </a:rPr>
-                <a:t>sns.violinplot</a:t>
-              </a:r>
-              <a:r>
-                <a:rPr lang="en-SG" sz="1100" dirty="0">
-                  <a:solidFill>
-                    <a:srgbClr val="FF0000"/>
-                  </a:solidFill>
-                  <a:latin typeface="Consolas" panose="020B0609020204030204" pitchFamily="49" charset="0"/>
-                </a:rPr>
-                <a:t>(x="airline", y="delay", data=arrivals)</a:t>
-              </a:r>
-            </a:p>
-            <a:p>
-              <a:endParaRPr lang="en-SG" sz="1100" dirty="0">
-                <a:latin typeface="Consolas" panose="020B0609020204030204" pitchFamily="49" charset="0"/>
-              </a:endParaRPr>
-            </a:p>
-            <a:p>
-              <a:r>
-                <a:rPr lang="en-SG" sz="1100" dirty="0" err="1">
-                  <a:latin typeface="Consolas" panose="020B0609020204030204" pitchFamily="49" charset="0"/>
-                </a:rPr>
-                <a:t>plt.show</a:t>
+                  <a:latin typeface="Consolas" panose="020B0609020204030204" pitchFamily="49" charset="0"/>
+                </a:rPr>
+                <a:t>.show</a:t>
               </a:r>
               <a:r>
                 <a:rPr lang="en-SG" sz="1100" dirty="0">
@@ -15095,6 +18625,45 @@
           </p:txBody>
         </p:sp>
       </p:grpSp>
+      <p:sp>
+        <p:nvSpPr>
+          <p:cNvPr id="6" name="TextBox 5">
+            <a:extLst>
+              <a:ext uri="{FF2B5EF4-FFF2-40B4-BE49-F238E27FC236}">
+                <a16:creationId xmlns:a16="http://schemas.microsoft.com/office/drawing/2014/main" id="{33927F84-60D6-1A4F-F695-98829AA292B7}"/>
+              </a:ext>
+            </a:extLst>
+          </p:cNvPr>
+          <p:cNvSpPr txBox="1"/>
+          <p:nvPr/>
+        </p:nvSpPr>
+        <p:spPr>
+          <a:xfrm>
+            <a:off x="9383486" y="82715"/>
+            <a:ext cx="2722563" cy="369332"/>
+          </a:xfrm>
+          <a:prstGeom prst="rect">
+            <a:avLst/>
+          </a:prstGeom>
+          <a:solidFill>
+            <a:schemeClr val="accent2"/>
+          </a:solidFill>
+        </p:spPr>
+        <p:txBody>
+          <a:bodyPr wrap="square" rtlCol="0">
+            <a:spAutoFit/>
+          </a:bodyPr>
+          <a:lstStyle/>
+          <a:p>
+            <a:pPr algn="ctr"/>
+            <a:r>
+              <a:rPr lang="en-GB"/>
+              <a:t>HARD</a:t>
+            </a:r>
+            <a:endParaRPr lang="en-SG"/>
+          </a:p>
+        </p:txBody>
+      </p:sp>
     </p:spTree>
     <p:extLst>
       <p:ext uri="{BB962C8B-B14F-4D97-AF65-F5344CB8AC3E}">
